--- a/IBM-Watsonx-Presentation.pptx
+++ b/IBM-Watsonx-Presentation.pptx
@@ -5,10 +5,10 @@
     <p:sldMasterId id="2147483666" r:id="rId4"/>
   </p:sldMasterIdLst>
   <p:notesMasterIdLst>
-    <p:notesMasterId r:id="rId24"/>
+    <p:notesMasterId r:id="rId25"/>
   </p:notesMasterIdLst>
   <p:handoutMasterIdLst>
-    <p:handoutMasterId r:id="rId25"/>
+    <p:handoutMasterId r:id="rId26"/>
   </p:handoutMasterIdLst>
   <p:sldIdLst>
     <p:sldId id="256" r:id="rId5"/>
@@ -19,17 +19,18 @@
     <p:sldId id="297" r:id="rId10"/>
     <p:sldId id="298" r:id="rId11"/>
     <p:sldId id="311" r:id="rId12"/>
-    <p:sldId id="299" r:id="rId13"/>
-    <p:sldId id="304" r:id="rId14"/>
-    <p:sldId id="305" r:id="rId15"/>
-    <p:sldId id="306" r:id="rId16"/>
-    <p:sldId id="307" r:id="rId17"/>
-    <p:sldId id="308" r:id="rId18"/>
-    <p:sldId id="309" r:id="rId19"/>
-    <p:sldId id="310" r:id="rId20"/>
-    <p:sldId id="303" r:id="rId21"/>
-    <p:sldId id="302" r:id="rId22"/>
-    <p:sldId id="276" r:id="rId23"/>
+    <p:sldId id="303" r:id="rId13"/>
+    <p:sldId id="302" r:id="rId14"/>
+    <p:sldId id="276" r:id="rId15"/>
+    <p:sldId id="312" r:id="rId16"/>
+    <p:sldId id="299" r:id="rId17"/>
+    <p:sldId id="304" r:id="rId18"/>
+    <p:sldId id="305" r:id="rId19"/>
+    <p:sldId id="306" r:id="rId20"/>
+    <p:sldId id="307" r:id="rId21"/>
+    <p:sldId id="308" r:id="rId22"/>
+    <p:sldId id="309" r:id="rId23"/>
+    <p:sldId id="310" r:id="rId24"/>
   </p:sldIdLst>
   <p:sldSz cx="12192000" cy="6858000"/>
   <p:notesSz cx="6858000" cy="9144000"/>
@@ -167,7 +168,7 @@
   <p1510:revLst>
     <p1510:client id="{85F741F2-2510-44D5-AF8B-2373A010F755}" v="33" dt="2024-09-19T10:37:18.884"/>
     <p1510:client id="{BE6FB4C6-1D1F-44D0-A320-56BCD2624943}" v="1" dt="2024-09-19T06:04:30.742"/>
-    <p1510:client id="{DA72F9B2-C87B-41E6-84EF-245FC2ADC638}" v="24" dt="2024-09-19T12:17:51.633"/>
+    <p1510:client id="{DA72F9B2-C87B-41E6-84EF-245FC2ADC638}" v="26" dt="2024-09-19T13:14:54.349"/>
   </p1510:revLst>
 </p1510:revInfo>
 </file>
@@ -177,7 +178,7 @@
   <pc:docChgLst>
     <pc:chgData name="Anirban Banerjee (IN92657)" userId="b82f5010-943b-4dbb-9251-0075e403d9fa" providerId="ADAL" clId="{DA72F9B2-C87B-41E6-84EF-245FC2ADC638}"/>
     <pc:docChg chg="undo redo custSel addSld delSld modSld">
-      <pc:chgData name="Anirban Banerjee (IN92657)" userId="b82f5010-943b-4dbb-9251-0075e403d9fa" providerId="ADAL" clId="{DA72F9B2-C87B-41E6-84EF-245FC2ADC638}" dt="2024-09-19T12:30:23.464" v="4202" actId="20577"/>
+      <pc:chgData name="Anirban Banerjee (IN92657)" userId="b82f5010-943b-4dbb-9251-0075e403d9fa" providerId="ADAL" clId="{DA72F9B2-C87B-41E6-84EF-245FC2ADC638}" dt="2024-09-19T13:31:23.325" v="4236"/>
       <pc:docMkLst>
         <pc:docMk/>
       </pc:docMkLst>
@@ -736,7 +737,7 @@
         </pc:sldMkLst>
       </pc:sldChg>
       <pc:sldChg chg="delSp modSp add mod">
-        <pc:chgData name="Anirban Banerjee (IN92657)" userId="b82f5010-943b-4dbb-9251-0075e403d9fa" providerId="ADAL" clId="{DA72F9B2-C87B-41E6-84EF-245FC2ADC638}" dt="2024-09-19T12:22:58.486" v="4142" actId="207"/>
+        <pc:chgData name="Anirban Banerjee (IN92657)" userId="b82f5010-943b-4dbb-9251-0075e403d9fa" providerId="ADAL" clId="{DA72F9B2-C87B-41E6-84EF-245FC2ADC638}" dt="2024-09-19T13:24:50.899" v="4214" actId="20577"/>
         <pc:sldMkLst>
           <pc:docMk/>
           <pc:sldMk cId="2537869113" sldId="295"/>
@@ -750,7 +751,7 @@
           </ac:spMkLst>
         </pc:spChg>
         <pc:spChg chg="mod">
-          <ac:chgData name="Anirban Banerjee (IN92657)" userId="b82f5010-943b-4dbb-9251-0075e403d9fa" providerId="ADAL" clId="{DA72F9B2-C87B-41E6-84EF-245FC2ADC638}" dt="2024-09-19T12:22:58.486" v="4142" actId="207"/>
+          <ac:chgData name="Anirban Banerjee (IN92657)" userId="b82f5010-943b-4dbb-9251-0075e403d9fa" providerId="ADAL" clId="{DA72F9B2-C87B-41E6-84EF-245FC2ADC638}" dt="2024-09-19T13:24:50.899" v="4214" actId="20577"/>
           <ac:spMkLst>
             <pc:docMk/>
             <pc:sldMk cId="2537869113" sldId="295"/>
@@ -814,7 +815,7 @@
         </pc:spChg>
       </pc:sldChg>
       <pc:sldChg chg="delSp modSp add mod">
-        <pc:chgData name="Anirban Banerjee (IN92657)" userId="b82f5010-943b-4dbb-9251-0075e403d9fa" providerId="ADAL" clId="{DA72F9B2-C87B-41E6-84EF-245FC2ADC638}" dt="2024-09-19T12:23:15.703" v="4152" actId="6549"/>
+        <pc:chgData name="Anirban Banerjee (IN92657)" userId="b82f5010-943b-4dbb-9251-0075e403d9fa" providerId="ADAL" clId="{DA72F9B2-C87B-41E6-84EF-245FC2ADC638}" dt="2024-09-19T13:31:23.325" v="4236"/>
         <pc:sldMkLst>
           <pc:docMk/>
           <pc:sldMk cId="3794388865" sldId="297"/>
@@ -828,7 +829,7 @@
           </ac:spMkLst>
         </pc:spChg>
         <pc:spChg chg="mod">
-          <ac:chgData name="Anirban Banerjee (IN92657)" userId="b82f5010-943b-4dbb-9251-0075e403d9fa" providerId="ADAL" clId="{DA72F9B2-C87B-41E6-84EF-245FC2ADC638}" dt="2024-09-19T12:23:15.703" v="4152" actId="6549"/>
+          <ac:chgData name="Anirban Banerjee (IN92657)" userId="b82f5010-943b-4dbb-9251-0075e403d9fa" providerId="ADAL" clId="{DA72F9B2-C87B-41E6-84EF-245FC2ADC638}" dt="2024-09-19T13:31:23.325" v="4236"/>
           <ac:spMkLst>
             <pc:docMk/>
             <pc:sldMk cId="3794388865" sldId="297"/>
@@ -906,8 +907,8 @@
           </ac:spMkLst>
         </pc:spChg>
       </pc:sldChg>
-      <pc:sldChg chg="delSp modSp add mod">
-        <pc:chgData name="Anirban Banerjee (IN92657)" userId="b82f5010-943b-4dbb-9251-0075e403d9fa" providerId="ADAL" clId="{DA72F9B2-C87B-41E6-84EF-245FC2ADC638}" dt="2024-09-19T12:23:31.142" v="4157" actId="207"/>
+      <pc:sldChg chg="delSp modSp add del mod">
+        <pc:chgData name="Anirban Banerjee (IN92657)" userId="b82f5010-943b-4dbb-9251-0075e403d9fa" providerId="ADAL" clId="{DA72F9B2-C87B-41E6-84EF-245FC2ADC638}" dt="2024-09-19T13:14:48.170" v="4203" actId="2696"/>
         <pc:sldMkLst>
           <pc:docMk/>
           <pc:sldMk cId="2712101251" sldId="299"/>
@@ -944,6 +945,13 @@
             <ac:spMk id="81" creationId="{E94F1D24-E4A1-4B59-B57E-A28453963B88}"/>
           </ac:spMkLst>
         </pc:spChg>
+      </pc:sldChg>
+      <pc:sldChg chg="add">
+        <pc:chgData name="Anirban Banerjee (IN92657)" userId="b82f5010-943b-4dbb-9251-0075e403d9fa" providerId="ADAL" clId="{DA72F9B2-C87B-41E6-84EF-245FC2ADC638}" dt="2024-09-19T13:14:51.063" v="4204"/>
+        <pc:sldMkLst>
+          <pc:docMk/>
+          <pc:sldMk cId="4007388623" sldId="299"/>
+        </pc:sldMkLst>
       </pc:sldChg>
       <pc:sldChg chg="delSp add mod">
         <pc:chgData name="Anirban Banerjee (IN92657)" userId="b82f5010-943b-4dbb-9251-0075e403d9fa" providerId="ADAL" clId="{DA72F9B2-C87B-41E6-84EF-245FC2ADC638}" dt="2024-09-18T12:43:49.341" v="2782" actId="478"/>
@@ -1085,8 +1093,15 @@
           </ac:spMkLst>
         </pc:spChg>
       </pc:sldChg>
-      <pc:sldChg chg="modSp mod">
-        <pc:chgData name="Anirban Banerjee (IN92657)" userId="b82f5010-943b-4dbb-9251-0075e403d9fa" providerId="ADAL" clId="{DA72F9B2-C87B-41E6-84EF-245FC2ADC638}" dt="2024-09-19T12:23:51.953" v="4164" actId="14100"/>
+      <pc:sldChg chg="add">
+        <pc:chgData name="Anirban Banerjee (IN92657)" userId="b82f5010-943b-4dbb-9251-0075e403d9fa" providerId="ADAL" clId="{DA72F9B2-C87B-41E6-84EF-245FC2ADC638}" dt="2024-09-19T13:14:51.063" v="4204"/>
+        <pc:sldMkLst>
+          <pc:docMk/>
+          <pc:sldMk cId="1423079520" sldId="304"/>
+        </pc:sldMkLst>
+      </pc:sldChg>
+      <pc:sldChg chg="modSp del mod">
+        <pc:chgData name="Anirban Banerjee (IN92657)" userId="b82f5010-943b-4dbb-9251-0075e403d9fa" providerId="ADAL" clId="{DA72F9B2-C87B-41E6-84EF-245FC2ADC638}" dt="2024-09-19T13:14:48.170" v="4203" actId="2696"/>
         <pc:sldMkLst>
           <pc:docMk/>
           <pc:sldMk cId="3523733207" sldId="304"/>
@@ -1108,8 +1123,15 @@
           </ac:spMkLst>
         </pc:spChg>
       </pc:sldChg>
-      <pc:sldChg chg="modSp mod">
-        <pc:chgData name="Anirban Banerjee (IN92657)" userId="b82f5010-943b-4dbb-9251-0075e403d9fa" providerId="ADAL" clId="{DA72F9B2-C87B-41E6-84EF-245FC2ADC638}" dt="2024-09-19T12:24:04.606" v="4167" actId="207"/>
+      <pc:sldChg chg="add">
+        <pc:chgData name="Anirban Banerjee (IN92657)" userId="b82f5010-943b-4dbb-9251-0075e403d9fa" providerId="ADAL" clId="{DA72F9B2-C87B-41E6-84EF-245FC2ADC638}" dt="2024-09-19T13:14:51.063" v="4204"/>
+        <pc:sldMkLst>
+          <pc:docMk/>
+          <pc:sldMk cId="36865684" sldId="305"/>
+        </pc:sldMkLst>
+      </pc:sldChg>
+      <pc:sldChg chg="modSp del mod">
+        <pc:chgData name="Anirban Banerjee (IN92657)" userId="b82f5010-943b-4dbb-9251-0075e403d9fa" providerId="ADAL" clId="{DA72F9B2-C87B-41E6-84EF-245FC2ADC638}" dt="2024-09-19T13:14:48.170" v="4203" actId="2696"/>
         <pc:sldMkLst>
           <pc:docMk/>
           <pc:sldMk cId="2045483743" sldId="305"/>
@@ -1131,8 +1153,8 @@
           </ac:spMkLst>
         </pc:spChg>
       </pc:sldChg>
-      <pc:sldChg chg="modSp mod">
-        <pc:chgData name="Anirban Banerjee (IN92657)" userId="b82f5010-943b-4dbb-9251-0075e403d9fa" providerId="ADAL" clId="{DA72F9B2-C87B-41E6-84EF-245FC2ADC638}" dt="2024-09-19T12:24:35.140" v="4176" actId="207"/>
+      <pc:sldChg chg="modSp del mod">
+        <pc:chgData name="Anirban Banerjee (IN92657)" userId="b82f5010-943b-4dbb-9251-0075e403d9fa" providerId="ADAL" clId="{DA72F9B2-C87B-41E6-84EF-245FC2ADC638}" dt="2024-09-19T13:14:48.170" v="4203" actId="2696"/>
         <pc:sldMkLst>
           <pc:docMk/>
           <pc:sldMk cId="375745645" sldId="306"/>
@@ -1154,8 +1176,22 @@
           </ac:spMkLst>
         </pc:spChg>
       </pc:sldChg>
-      <pc:sldChg chg="modSp mod">
-        <pc:chgData name="Anirban Banerjee (IN92657)" userId="b82f5010-943b-4dbb-9251-0075e403d9fa" providerId="ADAL" clId="{DA72F9B2-C87B-41E6-84EF-245FC2ADC638}" dt="2024-09-19T12:26:01.042" v="4193" actId="20577"/>
+      <pc:sldChg chg="add">
+        <pc:chgData name="Anirban Banerjee (IN92657)" userId="b82f5010-943b-4dbb-9251-0075e403d9fa" providerId="ADAL" clId="{DA72F9B2-C87B-41E6-84EF-245FC2ADC638}" dt="2024-09-19T13:14:51.063" v="4204"/>
+        <pc:sldMkLst>
+          <pc:docMk/>
+          <pc:sldMk cId="1779691643" sldId="306"/>
+        </pc:sldMkLst>
+      </pc:sldChg>
+      <pc:sldChg chg="add">
+        <pc:chgData name="Anirban Banerjee (IN92657)" userId="b82f5010-943b-4dbb-9251-0075e403d9fa" providerId="ADAL" clId="{DA72F9B2-C87B-41E6-84EF-245FC2ADC638}" dt="2024-09-19T13:14:51.063" v="4204"/>
+        <pc:sldMkLst>
+          <pc:docMk/>
+          <pc:sldMk cId="1974358713" sldId="307"/>
+        </pc:sldMkLst>
+      </pc:sldChg>
+      <pc:sldChg chg="modSp del mod">
+        <pc:chgData name="Anirban Banerjee (IN92657)" userId="b82f5010-943b-4dbb-9251-0075e403d9fa" providerId="ADAL" clId="{DA72F9B2-C87B-41E6-84EF-245FC2ADC638}" dt="2024-09-19T13:14:48.170" v="4203" actId="2696"/>
         <pc:sldMkLst>
           <pc:docMk/>
           <pc:sldMk cId="2607282640" sldId="307"/>
@@ -1177,8 +1213,15 @@
           </ac:spMkLst>
         </pc:spChg>
       </pc:sldChg>
-      <pc:sldChg chg="modSp mod">
-        <pc:chgData name="Anirban Banerjee (IN92657)" userId="b82f5010-943b-4dbb-9251-0075e403d9fa" providerId="ADAL" clId="{DA72F9B2-C87B-41E6-84EF-245FC2ADC638}" dt="2024-09-19T12:26:15.173" v="4194" actId="20577"/>
+      <pc:sldChg chg="add">
+        <pc:chgData name="Anirban Banerjee (IN92657)" userId="b82f5010-943b-4dbb-9251-0075e403d9fa" providerId="ADAL" clId="{DA72F9B2-C87B-41E6-84EF-245FC2ADC638}" dt="2024-09-19T13:14:51.063" v="4204"/>
+        <pc:sldMkLst>
+          <pc:docMk/>
+          <pc:sldMk cId="2507887513" sldId="308"/>
+        </pc:sldMkLst>
+      </pc:sldChg>
+      <pc:sldChg chg="modSp del mod">
+        <pc:chgData name="Anirban Banerjee (IN92657)" userId="b82f5010-943b-4dbb-9251-0075e403d9fa" providerId="ADAL" clId="{DA72F9B2-C87B-41E6-84EF-245FC2ADC638}" dt="2024-09-19T13:14:48.170" v="4203" actId="2696"/>
         <pc:sldMkLst>
           <pc:docMk/>
           <pc:sldMk cId="3158649411" sldId="308"/>
@@ -1200,8 +1243,8 @@
           </ac:spMkLst>
         </pc:spChg>
       </pc:sldChg>
-      <pc:sldChg chg="modSp mod">
-        <pc:chgData name="Anirban Banerjee (IN92657)" userId="b82f5010-943b-4dbb-9251-0075e403d9fa" providerId="ADAL" clId="{DA72F9B2-C87B-41E6-84EF-245FC2ADC638}" dt="2024-09-19T12:24:53.269" v="4182" actId="207"/>
+      <pc:sldChg chg="modSp del mod">
+        <pc:chgData name="Anirban Banerjee (IN92657)" userId="b82f5010-943b-4dbb-9251-0075e403d9fa" providerId="ADAL" clId="{DA72F9B2-C87B-41E6-84EF-245FC2ADC638}" dt="2024-09-19T13:14:48.170" v="4203" actId="2696"/>
         <pc:sldMkLst>
           <pc:docMk/>
           <pc:sldMk cId="2222590134" sldId="309"/>
@@ -1223,8 +1266,15 @@
           </ac:spMkLst>
         </pc:spChg>
       </pc:sldChg>
-      <pc:sldChg chg="modSp mod">
-        <pc:chgData name="Anirban Banerjee (IN92657)" userId="b82f5010-943b-4dbb-9251-0075e403d9fa" providerId="ADAL" clId="{DA72F9B2-C87B-41E6-84EF-245FC2ADC638}" dt="2024-09-19T12:26:34.485" v="4201" actId="20577"/>
+      <pc:sldChg chg="add">
+        <pc:chgData name="Anirban Banerjee (IN92657)" userId="b82f5010-943b-4dbb-9251-0075e403d9fa" providerId="ADAL" clId="{DA72F9B2-C87B-41E6-84EF-245FC2ADC638}" dt="2024-09-19T13:14:51.063" v="4204"/>
+        <pc:sldMkLst>
+          <pc:docMk/>
+          <pc:sldMk cId="3327445661" sldId="309"/>
+        </pc:sldMkLst>
+      </pc:sldChg>
+      <pc:sldChg chg="modSp del mod">
+        <pc:chgData name="Anirban Banerjee (IN92657)" userId="b82f5010-943b-4dbb-9251-0075e403d9fa" providerId="ADAL" clId="{DA72F9B2-C87B-41E6-84EF-245FC2ADC638}" dt="2024-09-19T13:14:48.170" v="4203" actId="2696"/>
         <pc:sldMkLst>
           <pc:docMk/>
           <pc:sldMk cId="3041834179" sldId="310"/>
@@ -1245,6 +1295,13 @@
             <ac:spMk id="4" creationId="{D0157036-1F41-7B05-C6B8-E7F5D95E6721}"/>
           </ac:spMkLst>
         </pc:spChg>
+      </pc:sldChg>
+      <pc:sldChg chg="add">
+        <pc:chgData name="Anirban Banerjee (IN92657)" userId="b82f5010-943b-4dbb-9251-0075e403d9fa" providerId="ADAL" clId="{DA72F9B2-C87B-41E6-84EF-245FC2ADC638}" dt="2024-09-19T13:14:51.063" v="4204"/>
+        <pc:sldMkLst>
+          <pc:docMk/>
+          <pc:sldMk cId="4031768803" sldId="310"/>
+        </pc:sldMkLst>
       </pc:sldChg>
       <pc:sldChg chg="addSp delSp modSp add del mod">
         <pc:chgData name="Anirban Banerjee (IN92657)" userId="b82f5010-943b-4dbb-9251-0075e403d9fa" providerId="ADAL" clId="{DA72F9B2-C87B-41E6-84EF-245FC2ADC638}" dt="2024-09-19T12:17:24.051" v="4016" actId="2696"/>
@@ -1321,6 +1378,13 @@
         <pc:sldMkLst>
           <pc:docMk/>
           <pc:sldMk cId="2548255811" sldId="311"/>
+        </pc:sldMkLst>
+      </pc:sldChg>
+      <pc:sldChg chg="add">
+        <pc:chgData name="Anirban Banerjee (IN92657)" userId="b82f5010-943b-4dbb-9251-0075e403d9fa" providerId="ADAL" clId="{DA72F9B2-C87B-41E6-84EF-245FC2ADC638}" dt="2024-09-19T13:14:54.349" v="4205"/>
+        <pc:sldMkLst>
+          <pc:docMk/>
+          <pc:sldMk cId="1249943310" sldId="312"/>
         </pc:sldMkLst>
       </pc:sldChg>
       <pc:sldMasterChg chg="delSldLayout">
@@ -18630,7 +18694,7 @@
                   <a:schemeClr val="tx1"/>
                 </a:solidFill>
               </a:rPr>
-              <a:t>walkthrough</a:t>
+              <a:t>WAY Forward</a:t>
             </a:r>
           </a:p>
         </p:txBody>
@@ -18733,129 +18797,30 @@
       </p:sp>
       <p:sp>
         <p:nvSpPr>
-          <p:cNvPr id="4" name="Text Placeholder 2">
-            <a:extLst>
-              <a:ext uri="{FF2B5EF4-FFF2-40B4-BE49-F238E27FC236}">
-                <a16:creationId xmlns:a16="http://schemas.microsoft.com/office/drawing/2014/main" id="{D0157036-1F41-7B05-C6B8-E7F5D95E6721}"/>
-              </a:ext>
-            </a:extLst>
-          </p:cNvPr>
-          <p:cNvSpPr>
-            <a:spLocks noGrp="1"/>
-          </p:cNvSpPr>
-          <p:nvPr>
-            <p:ph type="body" sz="quarter" idx="13"/>
-          </p:nvPr>
-        </p:nvSpPr>
-        <p:spPr>
-          <a:xfrm>
-            <a:off x="616124" y="1623785"/>
-            <a:ext cx="6241875" cy="313872"/>
-          </a:xfrm>
-        </p:spPr>
-        <p:txBody>
-          <a:bodyPr>
-            <a:noAutofit/>
-          </a:bodyPr>
-          <a:lstStyle/>
-          <a:p>
-            <a:r>
-              <a:rPr lang="en-US" sz="1700" b="1" dirty="0">
-                <a:solidFill>
-                  <a:schemeClr val="tx1"/>
-                </a:solidFill>
-              </a:rPr>
-              <a:t>Sentiment Analysis (Model - granite-13b-instruct-v)</a:t>
-            </a:r>
-          </a:p>
-        </p:txBody>
-      </p:sp>
-      <p:pic>
-        <p:nvPicPr>
-          <p:cNvPr id="5" name="Picture 4">
-            <a:extLst>
-              <a:ext uri="{FF2B5EF4-FFF2-40B4-BE49-F238E27FC236}">
-                <a16:creationId xmlns:a16="http://schemas.microsoft.com/office/drawing/2014/main" id="{37EE608F-9149-CDC4-7EA7-997F8F49429B}"/>
-              </a:ext>
-            </a:extLst>
-          </p:cNvPr>
-          <p:cNvPicPr>
-            <a:picLocks noChangeAspect="1"/>
-          </p:cNvPicPr>
+          <p:cNvPr id="3" name="Text Placeholder 7">
+            <a:extLst>
+              <a:ext uri="{FF2B5EF4-FFF2-40B4-BE49-F238E27FC236}">
+                <a16:creationId xmlns:a16="http://schemas.microsoft.com/office/drawing/2014/main" id="{E047004A-0AD6-74D3-6185-38C7811A235C}"/>
+              </a:ext>
+            </a:extLst>
+          </p:cNvPr>
+          <p:cNvSpPr txBox="1">
+            <a:spLocks/>
+          </p:cNvSpPr>
           <p:nvPr/>
-        </p:nvPicPr>
-        <p:blipFill>
-          <a:blip r:embed="rId2"/>
-          <a:stretch>
-            <a:fillRect/>
-          </a:stretch>
-        </p:blipFill>
-        <p:spPr>
-          <a:xfrm>
-            <a:off x="785926" y="2122213"/>
-            <a:ext cx="10992415" cy="1873346"/>
+        </p:nvSpPr>
+        <p:spPr>
+          <a:xfrm>
+            <a:off x="359229" y="1786164"/>
+            <a:ext cx="11658600" cy="4070350"/>
           </a:xfrm>
           <a:prstGeom prst="rect">
             <a:avLst/>
           </a:prstGeom>
         </p:spPr>
-      </p:pic>
-      <p:pic>
-        <p:nvPicPr>
-          <p:cNvPr id="7" name="Picture 6">
-            <a:extLst>
-              <a:ext uri="{FF2B5EF4-FFF2-40B4-BE49-F238E27FC236}">
-                <a16:creationId xmlns:a16="http://schemas.microsoft.com/office/drawing/2014/main" id="{D137F1BA-CF85-BDB3-EEED-22B1D67DEE8B}"/>
-              </a:ext>
-            </a:extLst>
-          </p:cNvPr>
-          <p:cNvPicPr>
-            <a:picLocks noChangeAspect="1"/>
-          </p:cNvPicPr>
-          <p:nvPr/>
-        </p:nvPicPr>
-        <p:blipFill>
-          <a:blip r:embed="rId3"/>
-          <a:stretch>
-            <a:fillRect/>
-          </a:stretch>
-        </p:blipFill>
-        <p:spPr>
-          <a:xfrm>
-            <a:off x="785926" y="4078455"/>
-            <a:ext cx="11055918" cy="2311519"/>
-          </a:xfrm>
-          <a:prstGeom prst="rect">
-            <a:avLst/>
-          </a:prstGeom>
-        </p:spPr>
-      </p:pic>
-      <p:sp>
-        <p:nvSpPr>
-          <p:cNvPr id="3" name="Text Placeholder 7">
-            <a:extLst>
-              <a:ext uri="{FF2B5EF4-FFF2-40B4-BE49-F238E27FC236}">
-                <a16:creationId xmlns:a16="http://schemas.microsoft.com/office/drawing/2014/main" id="{6C49868A-4BC3-A478-466B-BE7F2CF7CD0A}"/>
-              </a:ext>
-            </a:extLst>
-          </p:cNvPr>
-          <p:cNvSpPr txBox="1">
-            <a:spLocks/>
-          </p:cNvSpPr>
-          <p:nvPr/>
-        </p:nvSpPr>
-        <p:spPr>
-          <a:xfrm>
-            <a:off x="10094573" y="6389974"/>
-            <a:ext cx="1104388" cy="330286"/>
-          </a:xfrm>
-          <a:prstGeom prst="rect">
-            <a:avLst/>
-          </a:prstGeom>
-        </p:spPr>
         <p:txBody>
           <a:bodyPr vert="horz" lIns="91440" tIns="45720" rIns="91440" bIns="45720" rtlCol="0">
-            <a:normAutofit/>
+            <a:normAutofit fontScale="47500" lnSpcReduction="20000"/>
           </a:bodyPr>
           <a:lstStyle>
             <a:lvl1pPr marL="0" indent="0" algn="ctr" defTabSz="914400" rtl="0" eaLnBrk="1" latinLnBrk="0" hangingPunct="1">
@@ -19037,17 +19002,115 @@
             </a:lvl9pPr>
           </a:lstStyle>
           <a:p>
-            <a:r>
-              <a:rPr lang="en-US" b="1" dirty="0"/>
-              <a:t>Contd…</a:t>
-            </a:r>
+            <a:pPr algn="l"/>
+            <a:r>
+              <a:rPr lang="en-US" sz="4800" b="1" dirty="0">
+                <a:solidFill>
+                  <a:schemeClr val="tx1"/>
+                </a:solidFill>
+                <a:latin typeface="+mj-lt"/>
+              </a:rPr>
+              <a:t>Improved Productivity &amp; Efficiency:</a:t>
+            </a:r>
+          </a:p>
+          <a:p>
+            <a:pPr lvl="1"/>
+            <a:r>
+              <a:rPr lang="en-US" sz="4500" dirty="0">
+                <a:solidFill>
+                  <a:schemeClr val="tx1"/>
+                </a:solidFill>
+                <a:latin typeface="+mj-lt"/>
+              </a:rPr>
+              <a:t>Call summary analysis can enhance both call center productivity and overall efficiency.</a:t>
+            </a:r>
+          </a:p>
+          <a:p>
+            <a:pPr algn="l"/>
+            <a:r>
+              <a:rPr lang="en-US" sz="4700" b="1" dirty="0">
+                <a:solidFill>
+                  <a:schemeClr val="tx1"/>
+                </a:solidFill>
+                <a:latin typeface="+mj-lt"/>
+              </a:rPr>
+              <a:t>Performance-Based Compensation:</a:t>
+            </a:r>
+          </a:p>
+          <a:p>
+            <a:pPr lvl="1"/>
+            <a:r>
+              <a:rPr lang="en-US" sz="4500" dirty="0">
+                <a:solidFill>
+                  <a:schemeClr val="tx1"/>
+                </a:solidFill>
+                <a:latin typeface="+mj-lt"/>
+              </a:rPr>
+              <a:t>Streamlined operations could lead to improved pay structures based on performance and growth metrics.</a:t>
+            </a:r>
+          </a:p>
+          <a:p>
+            <a:pPr algn="l"/>
+            <a:r>
+              <a:rPr lang="en-US" sz="4700" b="1" dirty="0">
+                <a:solidFill>
+                  <a:schemeClr val="tx1"/>
+                </a:solidFill>
+                <a:latin typeface="+mj-lt"/>
+              </a:rPr>
+              <a:t>Real-Time Implementation:</a:t>
+            </a:r>
+          </a:p>
+          <a:p>
+            <a:pPr lvl="1"/>
+            <a:r>
+              <a:rPr lang="en-US" sz="4500" dirty="0">
+                <a:solidFill>
+                  <a:schemeClr val="tx1"/>
+                </a:solidFill>
+                <a:latin typeface="+mj-lt"/>
+              </a:rPr>
+              <a:t>The entire process can be deployed in real time by integrating with an event hub, pipeline orchestration layer, and data transformation layer.</a:t>
+            </a:r>
+          </a:p>
+          <a:p>
+            <a:pPr algn="l"/>
+            <a:r>
+              <a:rPr lang="en-US" sz="4700" b="1" dirty="0">
+                <a:solidFill>
+                  <a:schemeClr val="tx1"/>
+                </a:solidFill>
+                <a:latin typeface="+mj-lt"/>
+              </a:rPr>
+              <a:t>Cloud Integration Flexibility:</a:t>
+            </a:r>
+          </a:p>
+          <a:p>
+            <a:pPr lvl="1"/>
+            <a:r>
+              <a:rPr lang="en-US" sz="4500" dirty="0">
+                <a:solidFill>
+                  <a:schemeClr val="tx1"/>
+                </a:solidFill>
+                <a:latin typeface="+mj-lt"/>
+              </a:rPr>
+              <a:t>The solution can seamlessly integrate with other cloud platforms such as AWS, Azure, and GCP, ensuring scalability and flexibility.</a:t>
+            </a:r>
+          </a:p>
+          <a:p>
+            <a:pPr algn="l"/>
+            <a:endParaRPr lang="en-US" sz="2000" dirty="0">
+              <a:solidFill>
+                <a:schemeClr val="tx1"/>
+              </a:solidFill>
+            </a:endParaRPr>
           </a:p>
         </p:txBody>
       </p:sp>
     </p:spTree>
     <p:extLst>
       <p:ext uri="{BB962C8B-B14F-4D97-AF65-F5344CB8AC3E}">
-        <p14:creationId xmlns:p14="http://schemas.microsoft.com/office/powerpoint/2010/main" val="3523733207"/>
+        <p14:creationId xmlns:p14="http://schemas.microsoft.com/office/powerpoint/2010/main" val="3637083660"/>
       </p:ext>
     </p:extLst>
   </p:cSld>
@@ -19079,21 +19142,21 @@
           <p:cNvPr id="2" name="Title 1">
             <a:extLst>
               <a:ext uri="{FF2B5EF4-FFF2-40B4-BE49-F238E27FC236}">
-                <a16:creationId xmlns:a16="http://schemas.microsoft.com/office/drawing/2014/main" id="{75031FE9-9059-4FE8-B4AC-9771F23A1B89}"/>
-              </a:ext>
-            </a:extLst>
-          </p:cNvPr>
-          <p:cNvSpPr>
-            <a:spLocks noGrp="1"/>
-          </p:cNvSpPr>
-          <p:nvPr>
-            <p:ph type="title"/>
-          </p:nvPr>
-        </p:nvSpPr>
-        <p:spPr>
-          <a:xfrm>
-            <a:off x="1825285" y="308201"/>
-            <a:ext cx="8421688" cy="1325563"/>
+                <a16:creationId xmlns:a16="http://schemas.microsoft.com/office/drawing/2014/main" id="{BCCAEE93-8585-46D4-A7EC-F184E317CB2E}"/>
+              </a:ext>
+            </a:extLst>
+          </p:cNvPr>
+          <p:cNvSpPr>
+            <a:spLocks noGrp="1"/>
+          </p:cNvSpPr>
+          <p:nvPr>
+            <p:ph type="ctrTitle"/>
+          </p:nvPr>
+        </p:nvSpPr>
+        <p:spPr>
+          <a:xfrm>
+            <a:off x="4542336" y="1904265"/>
+            <a:ext cx="4179570" cy="1524735"/>
           </a:xfrm>
         </p:spPr>
         <p:txBody>
@@ -19106,92 +19169,31 @@
                   <a:schemeClr val="tx1"/>
                 </a:solidFill>
               </a:rPr>
-              <a:t>walkthrough</a:t>
-            </a:r>
-          </a:p>
-        </p:txBody>
-      </p:sp>
-      <p:sp>
-        <p:nvSpPr>
-          <p:cNvPr id="8" name="Text Placeholder 7">
-            <a:extLst>
-              <a:ext uri="{FF2B5EF4-FFF2-40B4-BE49-F238E27FC236}">
-                <a16:creationId xmlns:a16="http://schemas.microsoft.com/office/drawing/2014/main" id="{51C26CE0-2506-4B44-A26F-C12BFA5B18B5}"/>
-              </a:ext>
-            </a:extLst>
-          </p:cNvPr>
-          <p:cNvSpPr>
-            <a:spLocks noGrp="1"/>
-          </p:cNvSpPr>
-          <p:nvPr>
-            <p:ph type="body" sz="quarter" idx="19"/>
-          </p:nvPr>
-        </p:nvSpPr>
-        <p:spPr>
-          <a:xfrm>
-            <a:off x="206829" y="1633764"/>
-            <a:ext cx="11658600" cy="3941080"/>
-          </a:xfrm>
-        </p:spPr>
-        <p:txBody>
-          <a:bodyPr>
-            <a:normAutofit/>
-          </a:bodyPr>
-          <a:lstStyle/>
-          <a:p>
-            <a:pPr algn="l"/>
-            <a:endParaRPr lang="en-US" sz="2800" dirty="0">
-              <a:solidFill>
-                <a:srgbClr val="CE9178"/>
-              </a:solidFill>
-              <a:latin typeface="Consolas" panose="020B0609020204030204" pitchFamily="49" charset="0"/>
-            </a:endParaRPr>
-          </a:p>
-          <a:p>
-            <a:pPr algn="l"/>
-            <a:endParaRPr lang="en-US" sz="2800" dirty="0">
-              <a:solidFill>
-                <a:srgbClr val="CE9178"/>
-              </a:solidFill>
-              <a:latin typeface="Consolas" panose="020B0609020204030204" pitchFamily="49" charset="0"/>
-            </a:endParaRPr>
-          </a:p>
-          <a:p>
-            <a:pPr algn="l"/>
-            <a:endParaRPr lang="en-US" sz="2800" b="0" dirty="0">
-              <a:solidFill>
-                <a:srgbClr val="CCCCCC"/>
-              </a:solidFill>
-              <a:effectLst/>
-              <a:latin typeface="Consolas" panose="020B0609020204030204" pitchFamily="49" charset="0"/>
-            </a:endParaRPr>
-          </a:p>
-          <a:p>
-            <a:pPr algn="l"/>
-            <a:endParaRPr lang="en-US" sz="2000" dirty="0"/>
-          </a:p>
-        </p:txBody>
-      </p:sp>
-      <p:sp>
-        <p:nvSpPr>
-          <p:cNvPr id="82" name="Slide Number Placeholder 81">
-            <a:extLst>
-              <a:ext uri="{FF2B5EF4-FFF2-40B4-BE49-F238E27FC236}">
-                <a16:creationId xmlns:a16="http://schemas.microsoft.com/office/drawing/2014/main" id="{CE36A058-BEC2-4BC5-A467-F2EB2A365051}"/>
-              </a:ext>
-            </a:extLst>
-          </p:cNvPr>
-          <p:cNvSpPr>
-            <a:spLocks noGrp="1"/>
-          </p:cNvSpPr>
-          <p:nvPr>
-            <p:ph type="sldNum" sz="quarter" idx="22"/>
-          </p:nvPr>
-        </p:nvSpPr>
-        <p:spPr>
-          <a:xfrm>
-            <a:off x="8610600" y="6356350"/>
-            <a:ext cx="2743200" cy="365125"/>
+              <a:t>THANK YOU</a:t>
+            </a:r>
+          </a:p>
+        </p:txBody>
+      </p:sp>
+      <p:sp>
+        <p:nvSpPr>
+          <p:cNvPr id="6" name="Slide Number Placeholder 5">
+            <a:extLst>
+              <a:ext uri="{FF2B5EF4-FFF2-40B4-BE49-F238E27FC236}">
+                <a16:creationId xmlns:a16="http://schemas.microsoft.com/office/drawing/2014/main" id="{5EDCFF82-B70F-4971-9182-7C3AEA3CFD26}"/>
+              </a:ext>
+            </a:extLst>
+          </p:cNvPr>
+          <p:cNvSpPr>
+            <a:spLocks noGrp="1"/>
+          </p:cNvSpPr>
+          <p:nvPr>
+            <p:ph type="sldNum" sz="quarter" idx="12"/>
+          </p:nvPr>
+        </p:nvSpPr>
+        <p:spPr>
+          <a:xfrm>
+            <a:off x="9579428" y="6356350"/>
+            <a:ext cx="1774371" cy="365125"/>
           </a:xfrm>
         </p:spPr>
         <p:txBody>
@@ -19207,323 +19209,10 @@
           </a:p>
         </p:txBody>
       </p:sp>
-      <p:sp>
-        <p:nvSpPr>
-          <p:cNvPr id="4" name="Text Placeholder 2">
-            <a:extLst>
-              <a:ext uri="{FF2B5EF4-FFF2-40B4-BE49-F238E27FC236}">
-                <a16:creationId xmlns:a16="http://schemas.microsoft.com/office/drawing/2014/main" id="{D0157036-1F41-7B05-C6B8-E7F5D95E6721}"/>
-              </a:ext>
-            </a:extLst>
-          </p:cNvPr>
-          <p:cNvSpPr>
-            <a:spLocks noGrp="1"/>
-          </p:cNvSpPr>
-          <p:nvPr>
-            <p:ph type="body" sz="quarter" idx="13"/>
-          </p:nvPr>
-        </p:nvSpPr>
-        <p:spPr>
-          <a:xfrm>
-            <a:off x="670559" y="1449613"/>
-            <a:ext cx="5795555" cy="411844"/>
-          </a:xfrm>
-        </p:spPr>
-        <p:txBody>
-          <a:bodyPr>
-            <a:noAutofit/>
-          </a:bodyPr>
-          <a:lstStyle/>
-          <a:p>
-            <a:r>
-              <a:rPr lang="en-US" sz="1700" b="1" dirty="0">
-                <a:solidFill>
-                  <a:schemeClr val="tx1"/>
-                </a:solidFill>
-              </a:rPr>
-              <a:t>Text Summarization (Model - granite-13b-chat-v2)</a:t>
-            </a:r>
-          </a:p>
-        </p:txBody>
-      </p:sp>
-      <p:pic>
-        <p:nvPicPr>
-          <p:cNvPr id="5" name="Picture 4">
-            <a:extLst>
-              <a:ext uri="{FF2B5EF4-FFF2-40B4-BE49-F238E27FC236}">
-                <a16:creationId xmlns:a16="http://schemas.microsoft.com/office/drawing/2014/main" id="{A92A3065-8A2C-374C-7BBD-D7F1E5A5D205}"/>
-              </a:ext>
-            </a:extLst>
-          </p:cNvPr>
-          <p:cNvPicPr>
-            <a:picLocks noChangeAspect="1"/>
-          </p:cNvPicPr>
-          <p:nvPr/>
-        </p:nvPicPr>
-        <p:blipFill>
-          <a:blip r:embed="rId2"/>
-          <a:stretch>
-            <a:fillRect/>
-          </a:stretch>
-        </p:blipFill>
-        <p:spPr>
-          <a:xfrm>
-            <a:off x="616125" y="1793225"/>
-            <a:ext cx="11106721" cy="1797142"/>
-          </a:xfrm>
-          <a:prstGeom prst="rect">
-            <a:avLst/>
-          </a:prstGeom>
-        </p:spPr>
-      </p:pic>
-      <p:pic>
-        <p:nvPicPr>
-          <p:cNvPr id="7" name="Picture 6">
-            <a:extLst>
-              <a:ext uri="{FF2B5EF4-FFF2-40B4-BE49-F238E27FC236}">
-                <a16:creationId xmlns:a16="http://schemas.microsoft.com/office/drawing/2014/main" id="{35002489-3765-E5B3-D03F-C10AE28C0E2B}"/>
-              </a:ext>
-            </a:extLst>
-          </p:cNvPr>
-          <p:cNvPicPr>
-            <a:picLocks noChangeAspect="1"/>
-          </p:cNvPicPr>
-          <p:nvPr/>
-        </p:nvPicPr>
-        <p:blipFill>
-          <a:blip r:embed="rId3"/>
-          <a:stretch>
-            <a:fillRect/>
-          </a:stretch>
-        </p:blipFill>
-        <p:spPr>
-          <a:xfrm>
-            <a:off x="616125" y="3556074"/>
-            <a:ext cx="11068619" cy="2883048"/>
-          </a:xfrm>
-          <a:prstGeom prst="rect">
-            <a:avLst/>
-          </a:prstGeom>
-        </p:spPr>
-      </p:pic>
-      <p:sp>
-        <p:nvSpPr>
-          <p:cNvPr id="9" name="Text Placeholder 7">
-            <a:extLst>
-              <a:ext uri="{FF2B5EF4-FFF2-40B4-BE49-F238E27FC236}">
-                <a16:creationId xmlns:a16="http://schemas.microsoft.com/office/drawing/2014/main" id="{BB7ABCA7-0201-5128-4405-0DF1BAF81A6F}"/>
-              </a:ext>
-            </a:extLst>
-          </p:cNvPr>
-          <p:cNvSpPr txBox="1">
-            <a:spLocks/>
-          </p:cNvSpPr>
-          <p:nvPr/>
-        </p:nvSpPr>
-        <p:spPr>
-          <a:xfrm>
-            <a:off x="9862690" y="6415156"/>
-            <a:ext cx="1104388" cy="330286"/>
-          </a:xfrm>
-          <a:prstGeom prst="rect">
-            <a:avLst/>
-          </a:prstGeom>
-        </p:spPr>
-        <p:txBody>
-          <a:bodyPr vert="horz" lIns="91440" tIns="45720" rIns="91440" bIns="45720" rtlCol="0">
-            <a:normAutofit/>
-          </a:bodyPr>
-          <a:lstStyle>
-            <a:lvl1pPr marL="0" indent="0" algn="ctr" defTabSz="914400" rtl="0" eaLnBrk="1" latinLnBrk="0" hangingPunct="1">
-              <a:lnSpc>
-                <a:spcPct val="100000"/>
-              </a:lnSpc>
-              <a:spcBef>
-                <a:spcPts val="1000"/>
-              </a:spcBef>
-              <a:buFont typeface="Arial" panose="020B0604020202020204" pitchFamily="34" charset="0"/>
-              <a:buNone/>
-              <a:defRPr sz="1400" kern="1200">
-                <a:solidFill>
-                  <a:schemeClr val="tx1">
-                    <a:lumMod val="75000"/>
-                    <a:lumOff val="25000"/>
-                  </a:schemeClr>
-                </a:solidFill>
-                <a:latin typeface="+mn-lt"/>
-                <a:ea typeface="+mn-ea"/>
-                <a:cs typeface="+mn-cs"/>
-              </a:defRPr>
-            </a:lvl1pPr>
-            <a:lvl2pPr marL="685800" indent="-228600" algn="l" defTabSz="914400" rtl="0" eaLnBrk="1" latinLnBrk="0" hangingPunct="1">
-              <a:lnSpc>
-                <a:spcPct val="90000"/>
-              </a:lnSpc>
-              <a:spcBef>
-                <a:spcPts val="500"/>
-              </a:spcBef>
-              <a:buFont typeface="Arial" panose="020B0604020202020204" pitchFamily="34" charset="0"/>
-              <a:buChar char="•"/>
-              <a:defRPr sz="2400" kern="1200">
-                <a:solidFill>
-                  <a:schemeClr val="tx1">
-                    <a:lumMod val="75000"/>
-                    <a:lumOff val="25000"/>
-                  </a:schemeClr>
-                </a:solidFill>
-                <a:latin typeface="+mn-lt"/>
-                <a:ea typeface="+mn-ea"/>
-                <a:cs typeface="+mn-cs"/>
-              </a:defRPr>
-            </a:lvl2pPr>
-            <a:lvl3pPr marL="1143000" indent="-228600" algn="l" defTabSz="914400" rtl="0" eaLnBrk="1" latinLnBrk="0" hangingPunct="1">
-              <a:lnSpc>
-                <a:spcPct val="90000"/>
-              </a:lnSpc>
-              <a:spcBef>
-                <a:spcPts val="500"/>
-              </a:spcBef>
-              <a:buFont typeface="Arial" panose="020B0604020202020204" pitchFamily="34" charset="0"/>
-              <a:buChar char="•"/>
-              <a:defRPr sz="2000" kern="1200">
-                <a:solidFill>
-                  <a:schemeClr val="tx1">
-                    <a:lumMod val="75000"/>
-                    <a:lumOff val="25000"/>
-                  </a:schemeClr>
-                </a:solidFill>
-                <a:latin typeface="+mn-lt"/>
-                <a:ea typeface="+mn-ea"/>
-                <a:cs typeface="+mn-cs"/>
-              </a:defRPr>
-            </a:lvl3pPr>
-            <a:lvl4pPr marL="1600200" indent="-228600" algn="l" defTabSz="914400" rtl="0" eaLnBrk="1" latinLnBrk="0" hangingPunct="1">
-              <a:lnSpc>
-                <a:spcPct val="90000"/>
-              </a:lnSpc>
-              <a:spcBef>
-                <a:spcPts val="500"/>
-              </a:spcBef>
-              <a:buFont typeface="Arial" panose="020B0604020202020204" pitchFamily="34" charset="0"/>
-              <a:buChar char="•"/>
-              <a:defRPr sz="1800" kern="1200">
-                <a:solidFill>
-                  <a:schemeClr val="tx1">
-                    <a:lumMod val="75000"/>
-                    <a:lumOff val="25000"/>
-                  </a:schemeClr>
-                </a:solidFill>
-                <a:latin typeface="+mn-lt"/>
-                <a:ea typeface="+mn-ea"/>
-                <a:cs typeface="+mn-cs"/>
-              </a:defRPr>
-            </a:lvl4pPr>
-            <a:lvl5pPr marL="2057400" indent="-228600" algn="l" defTabSz="914400" rtl="0" eaLnBrk="1" latinLnBrk="0" hangingPunct="1">
-              <a:lnSpc>
-                <a:spcPct val="90000"/>
-              </a:lnSpc>
-              <a:spcBef>
-                <a:spcPts val="500"/>
-              </a:spcBef>
-              <a:buFont typeface="Arial" panose="020B0604020202020204" pitchFamily="34" charset="0"/>
-              <a:buChar char="•"/>
-              <a:defRPr sz="1800" kern="1200">
-                <a:solidFill>
-                  <a:schemeClr val="tx1">
-                    <a:lumMod val="75000"/>
-                    <a:lumOff val="25000"/>
-                  </a:schemeClr>
-                </a:solidFill>
-                <a:latin typeface="+mn-lt"/>
-                <a:ea typeface="+mn-ea"/>
-                <a:cs typeface="+mn-cs"/>
-              </a:defRPr>
-            </a:lvl5pPr>
-            <a:lvl6pPr marL="2514600" indent="-228600" algn="l" defTabSz="914400" rtl="0" eaLnBrk="1" latinLnBrk="0" hangingPunct="1">
-              <a:lnSpc>
-                <a:spcPct val="90000"/>
-              </a:lnSpc>
-              <a:spcBef>
-                <a:spcPts val="500"/>
-              </a:spcBef>
-              <a:buFont typeface="Arial" panose="020B0604020202020204" pitchFamily="34" charset="0"/>
-              <a:buChar char="•"/>
-              <a:defRPr sz="1800" kern="1200">
-                <a:solidFill>
-                  <a:schemeClr val="tx1"/>
-                </a:solidFill>
-                <a:latin typeface="+mn-lt"/>
-                <a:ea typeface="+mn-ea"/>
-                <a:cs typeface="+mn-cs"/>
-              </a:defRPr>
-            </a:lvl6pPr>
-            <a:lvl7pPr marL="2971800" indent="-228600" algn="l" defTabSz="914400" rtl="0" eaLnBrk="1" latinLnBrk="0" hangingPunct="1">
-              <a:lnSpc>
-                <a:spcPct val="90000"/>
-              </a:lnSpc>
-              <a:spcBef>
-                <a:spcPts val="500"/>
-              </a:spcBef>
-              <a:buFont typeface="Arial" panose="020B0604020202020204" pitchFamily="34" charset="0"/>
-              <a:buChar char="•"/>
-              <a:defRPr sz="1800" kern="1200">
-                <a:solidFill>
-                  <a:schemeClr val="tx1"/>
-                </a:solidFill>
-                <a:latin typeface="+mn-lt"/>
-                <a:ea typeface="+mn-ea"/>
-                <a:cs typeface="+mn-cs"/>
-              </a:defRPr>
-            </a:lvl7pPr>
-            <a:lvl8pPr marL="3429000" indent="-228600" algn="l" defTabSz="914400" rtl="0" eaLnBrk="1" latinLnBrk="0" hangingPunct="1">
-              <a:lnSpc>
-                <a:spcPct val="90000"/>
-              </a:lnSpc>
-              <a:spcBef>
-                <a:spcPts val="500"/>
-              </a:spcBef>
-              <a:buFont typeface="Arial" panose="020B0604020202020204" pitchFamily="34" charset="0"/>
-              <a:buChar char="•"/>
-              <a:defRPr sz="1800" kern="1200">
-                <a:solidFill>
-                  <a:schemeClr val="tx1"/>
-                </a:solidFill>
-                <a:latin typeface="+mn-lt"/>
-                <a:ea typeface="+mn-ea"/>
-                <a:cs typeface="+mn-cs"/>
-              </a:defRPr>
-            </a:lvl8pPr>
-            <a:lvl9pPr marL="3886200" indent="-228600" algn="l" defTabSz="914400" rtl="0" eaLnBrk="1" latinLnBrk="0" hangingPunct="1">
-              <a:lnSpc>
-                <a:spcPct val="90000"/>
-              </a:lnSpc>
-              <a:spcBef>
-                <a:spcPts val="500"/>
-              </a:spcBef>
-              <a:buFont typeface="Arial" panose="020B0604020202020204" pitchFamily="34" charset="0"/>
-              <a:buChar char="•"/>
-              <a:defRPr sz="1800" kern="1200">
-                <a:solidFill>
-                  <a:schemeClr val="tx1"/>
-                </a:solidFill>
-                <a:latin typeface="+mn-lt"/>
-                <a:ea typeface="+mn-ea"/>
-                <a:cs typeface="+mn-cs"/>
-              </a:defRPr>
-            </a:lvl9pPr>
-          </a:lstStyle>
-          <a:p>
-            <a:r>
-              <a:rPr lang="en-US" b="1" dirty="0"/>
-              <a:t>Contd…</a:t>
-            </a:r>
-          </a:p>
-        </p:txBody>
-      </p:sp>
     </p:spTree>
     <p:extLst>
       <p:ext uri="{BB962C8B-B14F-4D97-AF65-F5344CB8AC3E}">
-        <p14:creationId xmlns:p14="http://schemas.microsoft.com/office/powerpoint/2010/main" val="2045483743"/>
+        <p14:creationId xmlns:p14="http://schemas.microsoft.com/office/powerpoint/2010/main" val="2436493926"/>
       </p:ext>
     </p:extLst>
   </p:cSld>
@@ -19555,21 +19244,21 @@
           <p:cNvPr id="2" name="Title 1">
             <a:extLst>
               <a:ext uri="{FF2B5EF4-FFF2-40B4-BE49-F238E27FC236}">
-                <a16:creationId xmlns:a16="http://schemas.microsoft.com/office/drawing/2014/main" id="{75031FE9-9059-4FE8-B4AC-9771F23A1B89}"/>
-              </a:ext>
-            </a:extLst>
-          </p:cNvPr>
-          <p:cNvSpPr>
-            <a:spLocks noGrp="1"/>
-          </p:cNvSpPr>
-          <p:nvPr>
-            <p:ph type="title"/>
-          </p:nvPr>
-        </p:nvSpPr>
-        <p:spPr>
-          <a:xfrm>
-            <a:off x="1825285" y="308201"/>
-            <a:ext cx="8421688" cy="1325563"/>
+                <a16:creationId xmlns:a16="http://schemas.microsoft.com/office/drawing/2014/main" id="{BCCAEE93-8585-46D4-A7EC-F184E317CB2E}"/>
+              </a:ext>
+            </a:extLst>
+          </p:cNvPr>
+          <p:cNvSpPr>
+            <a:spLocks noGrp="1"/>
+          </p:cNvSpPr>
+          <p:nvPr>
+            <p:ph type="ctrTitle"/>
+          </p:nvPr>
+        </p:nvSpPr>
+        <p:spPr>
+          <a:xfrm>
+            <a:off x="4542336" y="1904265"/>
+            <a:ext cx="4179570" cy="1524735"/>
           </a:xfrm>
         </p:spPr>
         <p:txBody>
@@ -19582,92 +19271,31 @@
                   <a:schemeClr val="tx1"/>
                 </a:solidFill>
               </a:rPr>
-              <a:t>walkthrough</a:t>
-            </a:r>
-          </a:p>
-        </p:txBody>
-      </p:sp>
-      <p:sp>
-        <p:nvSpPr>
-          <p:cNvPr id="8" name="Text Placeholder 7">
-            <a:extLst>
-              <a:ext uri="{FF2B5EF4-FFF2-40B4-BE49-F238E27FC236}">
-                <a16:creationId xmlns:a16="http://schemas.microsoft.com/office/drawing/2014/main" id="{51C26CE0-2506-4B44-A26F-C12BFA5B18B5}"/>
-              </a:ext>
-            </a:extLst>
-          </p:cNvPr>
-          <p:cNvSpPr>
-            <a:spLocks noGrp="1"/>
-          </p:cNvSpPr>
-          <p:nvPr>
-            <p:ph type="body" sz="quarter" idx="19"/>
-          </p:nvPr>
-        </p:nvSpPr>
-        <p:spPr>
-          <a:xfrm>
-            <a:off x="206829" y="1633764"/>
-            <a:ext cx="11658600" cy="3941080"/>
-          </a:xfrm>
-        </p:spPr>
-        <p:txBody>
-          <a:bodyPr>
-            <a:normAutofit/>
-          </a:bodyPr>
-          <a:lstStyle/>
-          <a:p>
-            <a:pPr algn="l"/>
-            <a:endParaRPr lang="en-US" sz="2800" dirty="0">
-              <a:solidFill>
-                <a:srgbClr val="CE9178"/>
-              </a:solidFill>
-              <a:latin typeface="Consolas" panose="020B0609020204030204" pitchFamily="49" charset="0"/>
-            </a:endParaRPr>
-          </a:p>
-          <a:p>
-            <a:pPr algn="l"/>
-            <a:endParaRPr lang="en-US" sz="2800" dirty="0">
-              <a:solidFill>
-                <a:srgbClr val="CE9178"/>
-              </a:solidFill>
-              <a:latin typeface="Consolas" panose="020B0609020204030204" pitchFamily="49" charset="0"/>
-            </a:endParaRPr>
-          </a:p>
-          <a:p>
-            <a:pPr algn="l"/>
-            <a:endParaRPr lang="en-US" sz="2800" b="0" dirty="0">
-              <a:solidFill>
-                <a:srgbClr val="CCCCCC"/>
-              </a:solidFill>
-              <a:effectLst/>
-              <a:latin typeface="Consolas" panose="020B0609020204030204" pitchFamily="49" charset="0"/>
-            </a:endParaRPr>
-          </a:p>
-          <a:p>
-            <a:pPr algn="l"/>
-            <a:endParaRPr lang="en-US" sz="2000" dirty="0"/>
-          </a:p>
-        </p:txBody>
-      </p:sp>
-      <p:sp>
-        <p:nvSpPr>
-          <p:cNvPr id="82" name="Slide Number Placeholder 81">
-            <a:extLst>
-              <a:ext uri="{FF2B5EF4-FFF2-40B4-BE49-F238E27FC236}">
-                <a16:creationId xmlns:a16="http://schemas.microsoft.com/office/drawing/2014/main" id="{CE36A058-BEC2-4BC5-A467-F2EB2A365051}"/>
-              </a:ext>
-            </a:extLst>
-          </p:cNvPr>
-          <p:cNvSpPr>
-            <a:spLocks noGrp="1"/>
-          </p:cNvSpPr>
-          <p:nvPr>
-            <p:ph type="sldNum" sz="quarter" idx="22"/>
-          </p:nvPr>
-        </p:nvSpPr>
-        <p:spPr>
-          <a:xfrm>
-            <a:off x="8610600" y="6356350"/>
-            <a:ext cx="2743200" cy="365125"/>
+              <a:t>THANK YOU</a:t>
+            </a:r>
+          </a:p>
+        </p:txBody>
+      </p:sp>
+      <p:sp>
+        <p:nvSpPr>
+          <p:cNvPr id="6" name="Slide Number Placeholder 5">
+            <a:extLst>
+              <a:ext uri="{FF2B5EF4-FFF2-40B4-BE49-F238E27FC236}">
+                <a16:creationId xmlns:a16="http://schemas.microsoft.com/office/drawing/2014/main" id="{5EDCFF82-B70F-4971-9182-7C3AEA3CFD26}"/>
+              </a:ext>
+            </a:extLst>
+          </p:cNvPr>
+          <p:cNvSpPr>
+            <a:spLocks noGrp="1"/>
+          </p:cNvSpPr>
+          <p:nvPr>
+            <p:ph type="sldNum" sz="quarter" idx="12"/>
+          </p:nvPr>
+        </p:nvSpPr>
+        <p:spPr>
+          <a:xfrm>
+            <a:off x="9579428" y="6356350"/>
+            <a:ext cx="1774371" cy="365125"/>
           </a:xfrm>
         </p:spPr>
         <p:txBody>
@@ -19683,323 +19311,10 @@
           </a:p>
         </p:txBody>
       </p:sp>
-      <p:sp>
-        <p:nvSpPr>
-          <p:cNvPr id="4" name="Text Placeholder 2">
-            <a:extLst>
-              <a:ext uri="{FF2B5EF4-FFF2-40B4-BE49-F238E27FC236}">
-                <a16:creationId xmlns:a16="http://schemas.microsoft.com/office/drawing/2014/main" id="{D0157036-1F41-7B05-C6B8-E7F5D95E6721}"/>
-              </a:ext>
-            </a:extLst>
-          </p:cNvPr>
-          <p:cNvSpPr>
-            <a:spLocks noGrp="1"/>
-          </p:cNvSpPr>
-          <p:nvPr>
-            <p:ph type="body" sz="quarter" idx="13"/>
-          </p:nvPr>
-        </p:nvSpPr>
-        <p:spPr>
-          <a:xfrm>
-            <a:off x="659668" y="1327606"/>
-            <a:ext cx="5860875" cy="306158"/>
-          </a:xfrm>
-        </p:spPr>
-        <p:txBody>
-          <a:bodyPr>
-            <a:noAutofit/>
-          </a:bodyPr>
-          <a:lstStyle/>
-          <a:p>
-            <a:r>
-              <a:rPr lang="en-US" sz="1700" b="1" dirty="0">
-                <a:solidFill>
-                  <a:schemeClr val="tx1"/>
-                </a:solidFill>
-              </a:rPr>
-              <a:t>Feature Extraction(Model - granite-13b-chat-v2)</a:t>
-            </a:r>
-          </a:p>
-        </p:txBody>
-      </p:sp>
-      <p:pic>
-        <p:nvPicPr>
-          <p:cNvPr id="5" name="Picture 4">
-            <a:extLst>
-              <a:ext uri="{FF2B5EF4-FFF2-40B4-BE49-F238E27FC236}">
-                <a16:creationId xmlns:a16="http://schemas.microsoft.com/office/drawing/2014/main" id="{6C913674-5236-63AA-C093-2C996B04E241}"/>
-              </a:ext>
-            </a:extLst>
-          </p:cNvPr>
-          <p:cNvPicPr>
-            <a:picLocks noChangeAspect="1"/>
-          </p:cNvPicPr>
-          <p:nvPr/>
-        </p:nvPicPr>
-        <p:blipFill>
-          <a:blip r:embed="rId2"/>
-          <a:stretch>
-            <a:fillRect/>
-          </a:stretch>
-        </p:blipFill>
-        <p:spPr>
-          <a:xfrm>
-            <a:off x="796645" y="1706792"/>
-            <a:ext cx="10903510" cy="2076557"/>
-          </a:xfrm>
-          <a:prstGeom prst="rect">
-            <a:avLst/>
-          </a:prstGeom>
-        </p:spPr>
-      </p:pic>
-      <p:pic>
-        <p:nvPicPr>
-          <p:cNvPr id="7" name="Picture 6">
-            <a:extLst>
-              <a:ext uri="{FF2B5EF4-FFF2-40B4-BE49-F238E27FC236}">
-                <a16:creationId xmlns:a16="http://schemas.microsoft.com/office/drawing/2014/main" id="{B1C2994E-E03B-5869-65C0-F328B4A789C9}"/>
-              </a:ext>
-            </a:extLst>
-          </p:cNvPr>
-          <p:cNvPicPr>
-            <a:picLocks noChangeAspect="1"/>
-          </p:cNvPicPr>
-          <p:nvPr/>
-        </p:nvPicPr>
-        <p:blipFill>
-          <a:blip r:embed="rId3"/>
-          <a:stretch>
-            <a:fillRect/>
-          </a:stretch>
-        </p:blipFill>
-        <p:spPr>
-          <a:xfrm>
-            <a:off x="796810" y="3971784"/>
-            <a:ext cx="11068619" cy="2749691"/>
-          </a:xfrm>
-          <a:prstGeom prst="rect">
-            <a:avLst/>
-          </a:prstGeom>
-        </p:spPr>
-      </p:pic>
-      <p:sp>
-        <p:nvSpPr>
-          <p:cNvPr id="9" name="Text Placeholder 7">
-            <a:extLst>
-              <a:ext uri="{FF2B5EF4-FFF2-40B4-BE49-F238E27FC236}">
-                <a16:creationId xmlns:a16="http://schemas.microsoft.com/office/drawing/2014/main" id="{E8C98449-951B-637E-FCEC-318D7C969243}"/>
-              </a:ext>
-            </a:extLst>
-          </p:cNvPr>
-          <p:cNvSpPr txBox="1">
-            <a:spLocks/>
-          </p:cNvSpPr>
-          <p:nvPr/>
-        </p:nvSpPr>
-        <p:spPr>
-          <a:xfrm>
-            <a:off x="10290802" y="6527714"/>
-            <a:ext cx="1104388" cy="330286"/>
-          </a:xfrm>
-          <a:prstGeom prst="rect">
-            <a:avLst/>
-          </a:prstGeom>
-        </p:spPr>
-        <p:txBody>
-          <a:bodyPr vert="horz" lIns="91440" tIns="45720" rIns="91440" bIns="45720" rtlCol="0">
-            <a:normAutofit/>
-          </a:bodyPr>
-          <a:lstStyle>
-            <a:lvl1pPr marL="0" indent="0" algn="ctr" defTabSz="914400" rtl="0" eaLnBrk="1" latinLnBrk="0" hangingPunct="1">
-              <a:lnSpc>
-                <a:spcPct val="100000"/>
-              </a:lnSpc>
-              <a:spcBef>
-                <a:spcPts val="1000"/>
-              </a:spcBef>
-              <a:buFont typeface="Arial" panose="020B0604020202020204" pitchFamily="34" charset="0"/>
-              <a:buNone/>
-              <a:defRPr sz="1400" kern="1200">
-                <a:solidFill>
-                  <a:schemeClr val="tx1">
-                    <a:lumMod val="75000"/>
-                    <a:lumOff val="25000"/>
-                  </a:schemeClr>
-                </a:solidFill>
-                <a:latin typeface="+mn-lt"/>
-                <a:ea typeface="+mn-ea"/>
-                <a:cs typeface="+mn-cs"/>
-              </a:defRPr>
-            </a:lvl1pPr>
-            <a:lvl2pPr marL="685800" indent="-228600" algn="l" defTabSz="914400" rtl="0" eaLnBrk="1" latinLnBrk="0" hangingPunct="1">
-              <a:lnSpc>
-                <a:spcPct val="90000"/>
-              </a:lnSpc>
-              <a:spcBef>
-                <a:spcPts val="500"/>
-              </a:spcBef>
-              <a:buFont typeface="Arial" panose="020B0604020202020204" pitchFamily="34" charset="0"/>
-              <a:buChar char="•"/>
-              <a:defRPr sz="2400" kern="1200">
-                <a:solidFill>
-                  <a:schemeClr val="tx1">
-                    <a:lumMod val="75000"/>
-                    <a:lumOff val="25000"/>
-                  </a:schemeClr>
-                </a:solidFill>
-                <a:latin typeface="+mn-lt"/>
-                <a:ea typeface="+mn-ea"/>
-                <a:cs typeface="+mn-cs"/>
-              </a:defRPr>
-            </a:lvl2pPr>
-            <a:lvl3pPr marL="1143000" indent="-228600" algn="l" defTabSz="914400" rtl="0" eaLnBrk="1" latinLnBrk="0" hangingPunct="1">
-              <a:lnSpc>
-                <a:spcPct val="90000"/>
-              </a:lnSpc>
-              <a:spcBef>
-                <a:spcPts val="500"/>
-              </a:spcBef>
-              <a:buFont typeface="Arial" panose="020B0604020202020204" pitchFamily="34" charset="0"/>
-              <a:buChar char="•"/>
-              <a:defRPr sz="2000" kern="1200">
-                <a:solidFill>
-                  <a:schemeClr val="tx1">
-                    <a:lumMod val="75000"/>
-                    <a:lumOff val="25000"/>
-                  </a:schemeClr>
-                </a:solidFill>
-                <a:latin typeface="+mn-lt"/>
-                <a:ea typeface="+mn-ea"/>
-                <a:cs typeface="+mn-cs"/>
-              </a:defRPr>
-            </a:lvl3pPr>
-            <a:lvl4pPr marL="1600200" indent="-228600" algn="l" defTabSz="914400" rtl="0" eaLnBrk="1" latinLnBrk="0" hangingPunct="1">
-              <a:lnSpc>
-                <a:spcPct val="90000"/>
-              </a:lnSpc>
-              <a:spcBef>
-                <a:spcPts val="500"/>
-              </a:spcBef>
-              <a:buFont typeface="Arial" panose="020B0604020202020204" pitchFamily="34" charset="0"/>
-              <a:buChar char="•"/>
-              <a:defRPr sz="1800" kern="1200">
-                <a:solidFill>
-                  <a:schemeClr val="tx1">
-                    <a:lumMod val="75000"/>
-                    <a:lumOff val="25000"/>
-                  </a:schemeClr>
-                </a:solidFill>
-                <a:latin typeface="+mn-lt"/>
-                <a:ea typeface="+mn-ea"/>
-                <a:cs typeface="+mn-cs"/>
-              </a:defRPr>
-            </a:lvl4pPr>
-            <a:lvl5pPr marL="2057400" indent="-228600" algn="l" defTabSz="914400" rtl="0" eaLnBrk="1" latinLnBrk="0" hangingPunct="1">
-              <a:lnSpc>
-                <a:spcPct val="90000"/>
-              </a:lnSpc>
-              <a:spcBef>
-                <a:spcPts val="500"/>
-              </a:spcBef>
-              <a:buFont typeface="Arial" panose="020B0604020202020204" pitchFamily="34" charset="0"/>
-              <a:buChar char="•"/>
-              <a:defRPr sz="1800" kern="1200">
-                <a:solidFill>
-                  <a:schemeClr val="tx1">
-                    <a:lumMod val="75000"/>
-                    <a:lumOff val="25000"/>
-                  </a:schemeClr>
-                </a:solidFill>
-                <a:latin typeface="+mn-lt"/>
-                <a:ea typeface="+mn-ea"/>
-                <a:cs typeface="+mn-cs"/>
-              </a:defRPr>
-            </a:lvl5pPr>
-            <a:lvl6pPr marL="2514600" indent="-228600" algn="l" defTabSz="914400" rtl="0" eaLnBrk="1" latinLnBrk="0" hangingPunct="1">
-              <a:lnSpc>
-                <a:spcPct val="90000"/>
-              </a:lnSpc>
-              <a:spcBef>
-                <a:spcPts val="500"/>
-              </a:spcBef>
-              <a:buFont typeface="Arial" panose="020B0604020202020204" pitchFamily="34" charset="0"/>
-              <a:buChar char="•"/>
-              <a:defRPr sz="1800" kern="1200">
-                <a:solidFill>
-                  <a:schemeClr val="tx1"/>
-                </a:solidFill>
-                <a:latin typeface="+mn-lt"/>
-                <a:ea typeface="+mn-ea"/>
-                <a:cs typeface="+mn-cs"/>
-              </a:defRPr>
-            </a:lvl6pPr>
-            <a:lvl7pPr marL="2971800" indent="-228600" algn="l" defTabSz="914400" rtl="0" eaLnBrk="1" latinLnBrk="0" hangingPunct="1">
-              <a:lnSpc>
-                <a:spcPct val="90000"/>
-              </a:lnSpc>
-              <a:spcBef>
-                <a:spcPts val="500"/>
-              </a:spcBef>
-              <a:buFont typeface="Arial" panose="020B0604020202020204" pitchFamily="34" charset="0"/>
-              <a:buChar char="•"/>
-              <a:defRPr sz="1800" kern="1200">
-                <a:solidFill>
-                  <a:schemeClr val="tx1"/>
-                </a:solidFill>
-                <a:latin typeface="+mn-lt"/>
-                <a:ea typeface="+mn-ea"/>
-                <a:cs typeface="+mn-cs"/>
-              </a:defRPr>
-            </a:lvl7pPr>
-            <a:lvl8pPr marL="3429000" indent="-228600" algn="l" defTabSz="914400" rtl="0" eaLnBrk="1" latinLnBrk="0" hangingPunct="1">
-              <a:lnSpc>
-                <a:spcPct val="90000"/>
-              </a:lnSpc>
-              <a:spcBef>
-                <a:spcPts val="500"/>
-              </a:spcBef>
-              <a:buFont typeface="Arial" panose="020B0604020202020204" pitchFamily="34" charset="0"/>
-              <a:buChar char="•"/>
-              <a:defRPr sz="1800" kern="1200">
-                <a:solidFill>
-                  <a:schemeClr val="tx1"/>
-                </a:solidFill>
-                <a:latin typeface="+mn-lt"/>
-                <a:ea typeface="+mn-ea"/>
-                <a:cs typeface="+mn-cs"/>
-              </a:defRPr>
-            </a:lvl8pPr>
-            <a:lvl9pPr marL="3886200" indent="-228600" algn="l" defTabSz="914400" rtl="0" eaLnBrk="1" latinLnBrk="0" hangingPunct="1">
-              <a:lnSpc>
-                <a:spcPct val="90000"/>
-              </a:lnSpc>
-              <a:spcBef>
-                <a:spcPts val="500"/>
-              </a:spcBef>
-              <a:buFont typeface="Arial" panose="020B0604020202020204" pitchFamily="34" charset="0"/>
-              <a:buChar char="•"/>
-              <a:defRPr sz="1800" kern="1200">
-                <a:solidFill>
-                  <a:schemeClr val="tx1"/>
-                </a:solidFill>
-                <a:latin typeface="+mn-lt"/>
-                <a:ea typeface="+mn-ea"/>
-                <a:cs typeface="+mn-cs"/>
-              </a:defRPr>
-            </a:lvl9pPr>
-          </a:lstStyle>
-          <a:p>
-            <a:r>
-              <a:rPr lang="en-US" b="1" dirty="0"/>
-              <a:t>Contd…</a:t>
-            </a:r>
-          </a:p>
-        </p:txBody>
-      </p:sp>
     </p:spTree>
     <p:extLst>
       <p:ext uri="{BB962C8B-B14F-4D97-AF65-F5344CB8AC3E}">
-        <p14:creationId xmlns:p14="http://schemas.microsoft.com/office/powerpoint/2010/main" val="375745645"/>
+        <p14:creationId xmlns:p14="http://schemas.microsoft.com/office/powerpoint/2010/main" val="1249943310"/>
       </p:ext>
     </p:extLst>
   </p:cSld>
@@ -20177,8 +19492,8 @@
         </p:nvSpPr>
         <p:spPr>
           <a:xfrm>
-            <a:off x="616125" y="1623785"/>
-            <a:ext cx="5251275" cy="379186"/>
+            <a:off x="203312" y="1560663"/>
+            <a:ext cx="6349888" cy="551166"/>
           </a:xfrm>
         </p:spPr>
         <p:txBody>
@@ -20188,22 +19503,22 @@
           <a:lstStyle/>
           <a:p>
             <a:r>
-              <a:rPr lang="en-US" sz="1700" b="1" dirty="0">
+              <a:rPr lang="en-US" b="1" dirty="0">
                 <a:solidFill>
                   <a:schemeClr val="tx1"/>
                 </a:solidFill>
               </a:rPr>
-              <a:t>Customer Sentiments by Day (Plotly)</a:t>
+              <a:t>HuggingFace Dataset (With Synthetic data)</a:t>
             </a:r>
           </a:p>
         </p:txBody>
       </p:sp>
       <p:pic>
         <p:nvPicPr>
-          <p:cNvPr id="10" name="Picture 9">
-            <a:extLst>
-              <a:ext uri="{FF2B5EF4-FFF2-40B4-BE49-F238E27FC236}">
-                <a16:creationId xmlns:a16="http://schemas.microsoft.com/office/drawing/2014/main" id="{2BDD68FB-13C6-865F-BB62-C8FF75EE4D85}"/>
+          <p:cNvPr id="6" name="Picture 5">
+            <a:extLst>
+              <a:ext uri="{FF2B5EF4-FFF2-40B4-BE49-F238E27FC236}">
+                <a16:creationId xmlns:a16="http://schemas.microsoft.com/office/drawing/2014/main" id="{9A94FB19-27F0-F3BF-3F5F-EA9203969A20}"/>
               </a:ext>
             </a:extLst>
           </p:cNvPr>
@@ -20220,8 +19535,8 @@
         </p:blipFill>
         <p:spPr>
           <a:xfrm>
-            <a:off x="983787" y="2123525"/>
-            <a:ext cx="9967241" cy="4121950"/>
+            <a:off x="675996" y="2254623"/>
+            <a:ext cx="10840007" cy="3054507"/>
           </a:xfrm>
           <a:prstGeom prst="rect">
             <a:avLst/>
@@ -20230,10 +19545,10 @@
       </p:pic>
       <p:sp>
         <p:nvSpPr>
-          <p:cNvPr id="11" name="Text Placeholder 7">
-            <a:extLst>
-              <a:ext uri="{FF2B5EF4-FFF2-40B4-BE49-F238E27FC236}">
-                <a16:creationId xmlns:a16="http://schemas.microsoft.com/office/drawing/2014/main" id="{9DBA8483-396A-0D04-8D4D-5782611493C4}"/>
+          <p:cNvPr id="12" name="Text Placeholder 7">
+            <a:extLst>
+              <a:ext uri="{FF2B5EF4-FFF2-40B4-BE49-F238E27FC236}">
+                <a16:creationId xmlns:a16="http://schemas.microsoft.com/office/drawing/2014/main" id="{447ADA16-DA99-5619-3299-64B19302E6C5}"/>
               </a:ext>
             </a:extLst>
           </p:cNvPr>
@@ -20244,7 +19559,7 @@
         </p:nvSpPr>
         <p:spPr>
           <a:xfrm>
-            <a:off x="9751647" y="6356350"/>
+            <a:off x="9865973" y="6356350"/>
             <a:ext cx="1104388" cy="330286"/>
           </a:xfrm>
           <a:prstGeom prst="rect">
@@ -20445,7 +19760,7 @@
     </p:spTree>
     <p:extLst>
       <p:ext uri="{BB962C8B-B14F-4D97-AF65-F5344CB8AC3E}">
-        <p14:creationId xmlns:p14="http://schemas.microsoft.com/office/powerpoint/2010/main" val="2607282640"/>
+        <p14:creationId xmlns:p14="http://schemas.microsoft.com/office/powerpoint/2010/main" val="4007388623"/>
       </p:ext>
     </p:extLst>
   </p:cSld>
@@ -20623,33 +19938,33 @@
         </p:nvSpPr>
         <p:spPr>
           <a:xfrm>
-            <a:off x="616125" y="1623785"/>
-            <a:ext cx="5251275" cy="379186"/>
+            <a:off x="616124" y="1623785"/>
+            <a:ext cx="6241875" cy="313872"/>
           </a:xfrm>
         </p:spPr>
         <p:txBody>
           <a:bodyPr>
-            <a:normAutofit/>
+            <a:noAutofit/>
           </a:bodyPr>
           <a:lstStyle/>
           <a:p>
             <a:r>
-              <a:rPr lang="en-US" sz="1700" dirty="0">
+              <a:rPr lang="en-US" sz="1700" b="1" dirty="0">
                 <a:solidFill>
                   <a:schemeClr val="tx1"/>
                 </a:solidFill>
               </a:rPr>
-              <a:t>Top 10 User Interests (Categories) - Plotly</a:t>
+              <a:t>Sentiment Analysis (Model - granite-13b-instruct-v)</a:t>
             </a:r>
           </a:p>
         </p:txBody>
       </p:sp>
       <p:pic>
         <p:nvPicPr>
-          <p:cNvPr id="7" name="Picture 6">
-            <a:extLst>
-              <a:ext uri="{FF2B5EF4-FFF2-40B4-BE49-F238E27FC236}">
-                <a16:creationId xmlns:a16="http://schemas.microsoft.com/office/drawing/2014/main" id="{A9D9D5A1-003E-D40E-CF43-3171C948561C}"/>
+          <p:cNvPr id="5" name="Picture 4">
+            <a:extLst>
+              <a:ext uri="{FF2B5EF4-FFF2-40B4-BE49-F238E27FC236}">
+                <a16:creationId xmlns:a16="http://schemas.microsoft.com/office/drawing/2014/main" id="{37EE608F-9149-CDC4-7EA7-997F8F49429B}"/>
               </a:ext>
             </a:extLst>
           </p:cNvPr>
@@ -20666,20 +19981,50 @@
         </p:blipFill>
         <p:spPr>
           <a:xfrm>
-            <a:off x="720448" y="2233747"/>
-            <a:ext cx="10751103" cy="3587934"/>
+            <a:off x="785926" y="2122213"/>
+            <a:ext cx="10992415" cy="1873346"/>
           </a:xfrm>
           <a:prstGeom prst="rect">
             <a:avLst/>
           </a:prstGeom>
         </p:spPr>
       </p:pic>
-      <p:sp>
-        <p:nvSpPr>
-          <p:cNvPr id="9" name="Text Placeholder 7">
-            <a:extLst>
-              <a:ext uri="{FF2B5EF4-FFF2-40B4-BE49-F238E27FC236}">
-                <a16:creationId xmlns:a16="http://schemas.microsoft.com/office/drawing/2014/main" id="{05AE8AE1-411B-61EE-1515-2E03A9A3E437}"/>
+      <p:pic>
+        <p:nvPicPr>
+          <p:cNvPr id="7" name="Picture 6">
+            <a:extLst>
+              <a:ext uri="{FF2B5EF4-FFF2-40B4-BE49-F238E27FC236}">
+                <a16:creationId xmlns:a16="http://schemas.microsoft.com/office/drawing/2014/main" id="{D137F1BA-CF85-BDB3-EEED-22B1D67DEE8B}"/>
+              </a:ext>
+            </a:extLst>
+          </p:cNvPr>
+          <p:cNvPicPr>
+            <a:picLocks noChangeAspect="1"/>
+          </p:cNvPicPr>
+          <p:nvPr/>
+        </p:nvPicPr>
+        <p:blipFill>
+          <a:blip r:embed="rId3"/>
+          <a:stretch>
+            <a:fillRect/>
+          </a:stretch>
+        </p:blipFill>
+        <p:spPr>
+          <a:xfrm>
+            <a:off x="785926" y="4078455"/>
+            <a:ext cx="11055918" cy="2311519"/>
+          </a:xfrm>
+          <a:prstGeom prst="rect">
+            <a:avLst/>
+          </a:prstGeom>
+        </p:spPr>
+      </p:pic>
+      <p:sp>
+        <p:nvSpPr>
+          <p:cNvPr id="3" name="Text Placeholder 7">
+            <a:extLst>
+              <a:ext uri="{FF2B5EF4-FFF2-40B4-BE49-F238E27FC236}">
+                <a16:creationId xmlns:a16="http://schemas.microsoft.com/office/drawing/2014/main" id="{6C49868A-4BC3-A478-466B-BE7F2CF7CD0A}"/>
               </a:ext>
             </a:extLst>
           </p:cNvPr>
@@ -20690,7 +20035,7 @@
         </p:nvSpPr>
         <p:spPr>
           <a:xfrm>
-            <a:off x="9844202" y="6356350"/>
+            <a:off x="10094573" y="6389974"/>
             <a:ext cx="1104388" cy="330286"/>
           </a:xfrm>
           <a:prstGeom prst="rect">
@@ -20891,7 +20236,7 @@
     </p:spTree>
     <p:extLst>
       <p:ext uri="{BB962C8B-B14F-4D97-AF65-F5344CB8AC3E}">
-        <p14:creationId xmlns:p14="http://schemas.microsoft.com/office/powerpoint/2010/main" val="3158649411"/>
+        <p14:creationId xmlns:p14="http://schemas.microsoft.com/office/powerpoint/2010/main" val="1423079520"/>
       </p:ext>
     </p:extLst>
   </p:cSld>
@@ -21069,49 +20414,33 @@
         </p:nvSpPr>
         <p:spPr>
           <a:xfrm>
-            <a:off x="627010" y="1444171"/>
-            <a:ext cx="5251275" cy="379186"/>
+            <a:off x="670559" y="1449613"/>
+            <a:ext cx="5795555" cy="411844"/>
           </a:xfrm>
         </p:spPr>
         <p:txBody>
           <a:bodyPr>
-            <a:normAutofit fontScale="92500"/>
+            <a:noAutofit/>
           </a:bodyPr>
           <a:lstStyle/>
           <a:p>
             <a:r>
-              <a:rPr lang="en-US" sz="1800" b="1" dirty="0">
+              <a:rPr lang="en-US" sz="1700" b="1" dirty="0">
                 <a:solidFill>
                   <a:schemeClr val="tx1"/>
                 </a:solidFill>
               </a:rPr>
-              <a:t>Word Cloud Dashboard (Plotly, </a:t>
-            </a:r>
-            <a:r>
-              <a:rPr lang="en-US" sz="1800" b="1" dirty="0" err="1">
-                <a:solidFill>
-                  <a:schemeClr val="tx1"/>
-                </a:solidFill>
-              </a:rPr>
-              <a:t>Wordcloud</a:t>
-            </a:r>
-            <a:r>
-              <a:rPr lang="en-US" sz="1800" b="1" dirty="0">
-                <a:solidFill>
-                  <a:schemeClr val="tx1"/>
-                </a:solidFill>
-              </a:rPr>
-              <a:t>)</a:t>
+              <a:t>Text Summarization (Model - granite-13b-chat-v2)</a:t>
             </a:r>
           </a:p>
         </p:txBody>
       </p:sp>
       <p:pic>
         <p:nvPicPr>
-          <p:cNvPr id="12" name="Picture 11">
-            <a:extLst>
-              <a:ext uri="{FF2B5EF4-FFF2-40B4-BE49-F238E27FC236}">
-                <a16:creationId xmlns:a16="http://schemas.microsoft.com/office/drawing/2014/main" id="{4A524DB5-2751-8DA8-BA2B-7FE35917BA53}"/>
+          <p:cNvPr id="5" name="Picture 4">
+            <a:extLst>
+              <a:ext uri="{FF2B5EF4-FFF2-40B4-BE49-F238E27FC236}">
+                <a16:creationId xmlns:a16="http://schemas.microsoft.com/office/drawing/2014/main" id="{A92A3065-8A2C-374C-7BBD-D7F1E5A5D205}"/>
               </a:ext>
             </a:extLst>
           </p:cNvPr>
@@ -21128,20 +20457,50 @@
         </p:blipFill>
         <p:spPr>
           <a:xfrm>
-            <a:off x="881743" y="1823357"/>
-            <a:ext cx="9644743" cy="4334835"/>
+            <a:off x="616125" y="1793225"/>
+            <a:ext cx="11106721" cy="1797142"/>
           </a:xfrm>
           <a:prstGeom prst="rect">
             <a:avLst/>
           </a:prstGeom>
         </p:spPr>
       </p:pic>
-      <p:sp>
-        <p:nvSpPr>
-          <p:cNvPr id="13" name="Text Placeholder 7">
-            <a:extLst>
-              <a:ext uri="{FF2B5EF4-FFF2-40B4-BE49-F238E27FC236}">
-                <a16:creationId xmlns:a16="http://schemas.microsoft.com/office/drawing/2014/main" id="{3E164341-B4A5-438F-67A7-E2BAC8F58DF0}"/>
+      <p:pic>
+        <p:nvPicPr>
+          <p:cNvPr id="7" name="Picture 6">
+            <a:extLst>
+              <a:ext uri="{FF2B5EF4-FFF2-40B4-BE49-F238E27FC236}">
+                <a16:creationId xmlns:a16="http://schemas.microsoft.com/office/drawing/2014/main" id="{35002489-3765-E5B3-D03F-C10AE28C0E2B}"/>
+              </a:ext>
+            </a:extLst>
+          </p:cNvPr>
+          <p:cNvPicPr>
+            <a:picLocks noChangeAspect="1"/>
+          </p:cNvPicPr>
+          <p:nvPr/>
+        </p:nvPicPr>
+        <p:blipFill>
+          <a:blip r:embed="rId3"/>
+          <a:stretch>
+            <a:fillRect/>
+          </a:stretch>
+        </p:blipFill>
+        <p:spPr>
+          <a:xfrm>
+            <a:off x="616125" y="3556074"/>
+            <a:ext cx="11068619" cy="2883048"/>
+          </a:xfrm>
+          <a:prstGeom prst="rect">
+            <a:avLst/>
+          </a:prstGeom>
+        </p:spPr>
+      </p:pic>
+      <p:sp>
+        <p:nvSpPr>
+          <p:cNvPr id="9" name="Text Placeholder 7">
+            <a:extLst>
+              <a:ext uri="{FF2B5EF4-FFF2-40B4-BE49-F238E27FC236}">
+                <a16:creationId xmlns:a16="http://schemas.microsoft.com/office/drawing/2014/main" id="{BB7ABCA7-0201-5128-4405-0DF1BAF81A6F}"/>
               </a:ext>
             </a:extLst>
           </p:cNvPr>
@@ -21152,7 +20511,7 @@
         </p:nvSpPr>
         <p:spPr>
           <a:xfrm>
-            <a:off x="9694779" y="6391189"/>
+            <a:off x="9862690" y="6415156"/>
             <a:ext cx="1104388" cy="330286"/>
           </a:xfrm>
           <a:prstGeom prst="rect">
@@ -21353,7 +20712,7 @@
     </p:spTree>
     <p:extLst>
       <p:ext uri="{BB962C8B-B14F-4D97-AF65-F5344CB8AC3E}">
-        <p14:creationId xmlns:p14="http://schemas.microsoft.com/office/powerpoint/2010/main" val="2222590134"/>
+        <p14:creationId xmlns:p14="http://schemas.microsoft.com/office/powerpoint/2010/main" val="36865684"/>
       </p:ext>
     </p:extLst>
   </p:cSld>
@@ -21531,13 +20890,13 @@
         </p:nvSpPr>
         <p:spPr>
           <a:xfrm>
-            <a:off x="326571" y="1633764"/>
-            <a:ext cx="5251275" cy="379186"/>
+            <a:off x="659668" y="1327606"/>
+            <a:ext cx="5860875" cy="306158"/>
           </a:xfrm>
         </p:spPr>
         <p:txBody>
           <a:bodyPr>
-            <a:normAutofit/>
+            <a:noAutofit/>
           </a:bodyPr>
           <a:lstStyle/>
           <a:p>
@@ -21547,33 +20906,17 @@
                   <a:schemeClr val="tx1"/>
                 </a:solidFill>
               </a:rPr>
-              <a:t>Location Wise </a:t>
-            </a:r>
-            <a:r>
-              <a:rPr lang="en-US" sz="1700" b="1">
-                <a:solidFill>
-                  <a:schemeClr val="tx1"/>
-                </a:solidFill>
-              </a:rPr>
-              <a:t>call Volumes </a:t>
-            </a:r>
-            <a:r>
-              <a:rPr lang="en-US" sz="1700" b="1" dirty="0">
-                <a:solidFill>
-                  <a:schemeClr val="tx1"/>
-                </a:solidFill>
-              </a:rPr>
-              <a:t>(Plotly)</a:t>
+              <a:t>Feature Extraction(Model - granite-13b-chat-v2)</a:t>
             </a:r>
           </a:p>
         </p:txBody>
       </p:sp>
       <p:pic>
         <p:nvPicPr>
-          <p:cNvPr id="7" name="Picture 6">
-            <a:extLst>
-              <a:ext uri="{FF2B5EF4-FFF2-40B4-BE49-F238E27FC236}">
-                <a16:creationId xmlns:a16="http://schemas.microsoft.com/office/drawing/2014/main" id="{87C73837-4D69-2D75-FF85-9FA1FEAC22C7}"/>
+          <p:cNvPr id="5" name="Picture 4">
+            <a:extLst>
+              <a:ext uri="{FF2B5EF4-FFF2-40B4-BE49-F238E27FC236}">
+                <a16:creationId xmlns:a16="http://schemas.microsoft.com/office/drawing/2014/main" id="{6C913674-5236-63AA-C093-2C996B04E241}"/>
               </a:ext>
             </a:extLst>
           </p:cNvPr>
@@ -21590,20 +20933,50 @@
         </p:blipFill>
         <p:spPr>
           <a:xfrm>
-            <a:off x="971286" y="2143855"/>
-            <a:ext cx="10249427" cy="3397425"/>
+            <a:off x="796645" y="1706792"/>
+            <a:ext cx="10903510" cy="2076557"/>
           </a:xfrm>
           <a:prstGeom prst="rect">
             <a:avLst/>
           </a:prstGeom>
         </p:spPr>
       </p:pic>
+      <p:pic>
+        <p:nvPicPr>
+          <p:cNvPr id="7" name="Picture 6">
+            <a:extLst>
+              <a:ext uri="{FF2B5EF4-FFF2-40B4-BE49-F238E27FC236}">
+                <a16:creationId xmlns:a16="http://schemas.microsoft.com/office/drawing/2014/main" id="{B1C2994E-E03B-5869-65C0-F328B4A789C9}"/>
+              </a:ext>
+            </a:extLst>
+          </p:cNvPr>
+          <p:cNvPicPr>
+            <a:picLocks noChangeAspect="1"/>
+          </p:cNvPicPr>
+          <p:nvPr/>
+        </p:nvPicPr>
+        <p:blipFill>
+          <a:blip r:embed="rId3"/>
+          <a:stretch>
+            <a:fillRect/>
+          </a:stretch>
+        </p:blipFill>
+        <p:spPr>
+          <a:xfrm>
+            <a:off x="796810" y="3971784"/>
+            <a:ext cx="11068619" cy="2749691"/>
+          </a:xfrm>
+          <a:prstGeom prst="rect">
+            <a:avLst/>
+          </a:prstGeom>
+        </p:spPr>
+      </p:pic>
       <p:sp>
         <p:nvSpPr>
           <p:cNvPr id="9" name="Text Placeholder 7">
             <a:extLst>
               <a:ext uri="{FF2B5EF4-FFF2-40B4-BE49-F238E27FC236}">
-                <a16:creationId xmlns:a16="http://schemas.microsoft.com/office/drawing/2014/main" id="{52C1F77A-DA77-89DF-8AF7-FE9477425885}"/>
+                <a16:creationId xmlns:a16="http://schemas.microsoft.com/office/drawing/2014/main" id="{E8C98449-951B-637E-FCEC-318D7C969243}"/>
               </a:ext>
             </a:extLst>
           </p:cNvPr>
@@ -21614,7 +20987,7 @@
         </p:nvSpPr>
         <p:spPr>
           <a:xfrm>
-            <a:off x="9898630" y="6356350"/>
+            <a:off x="10290802" y="6527714"/>
             <a:ext cx="1104388" cy="330286"/>
           </a:xfrm>
           <a:prstGeom prst="rect">
@@ -21815,7 +21188,7 @@
     </p:spTree>
     <p:extLst>
       <p:ext uri="{BB962C8B-B14F-4D97-AF65-F5344CB8AC3E}">
-        <p14:creationId xmlns:p14="http://schemas.microsoft.com/office/powerpoint/2010/main" val="3041834179"/>
+        <p14:creationId xmlns:p14="http://schemas.microsoft.com/office/powerpoint/2010/main" val="1779691643"/>
       </p:ext>
     </p:extLst>
   </p:cSld>
@@ -21874,7 +21247,7 @@
                   <a:schemeClr val="tx1"/>
                 </a:solidFill>
               </a:rPr>
-              <a:t>Challenges</a:t>
+              <a:t>walkthrough</a:t>
             </a:r>
           </a:p>
         </p:txBody>
@@ -21908,71 +21281,35 @@
           <a:lstStyle/>
           <a:p>
             <a:pPr algn="l"/>
-            <a:r>
-              <a:rPr lang="en-US" sz="2800" dirty="0">
-                <a:solidFill>
-                  <a:schemeClr val="tx1"/>
-                </a:solidFill>
-                <a:latin typeface="+mj-lt"/>
-              </a:rPr>
-              <a:t> </a:t>
-            </a:r>
-          </a:p>
-          <a:p>
-            <a:pPr marL="514350" indent="-514350" algn="l">
-              <a:buFont typeface="Arial" panose="020B0604020202020204" pitchFamily="34" charset="0"/>
-              <a:buChar char="•"/>
-            </a:pPr>
-            <a:r>
-              <a:rPr lang="en-US" sz="2800" dirty="0">
-                <a:solidFill>
-                  <a:schemeClr val="tx1"/>
-                </a:solidFill>
-                <a:latin typeface="+mj-lt"/>
-              </a:rPr>
-              <a:t>Some conversations yield incorrect/no responses during sentiment analysis, which can be improved with refined prompting techniques. </a:t>
-            </a:r>
-            <a:br>
-              <a:rPr lang="en-US" sz="2800" dirty="0">
-                <a:solidFill>
-                  <a:schemeClr val="tx1"/>
-                </a:solidFill>
-                <a:latin typeface="+mj-lt"/>
-              </a:rPr>
-            </a:br>
             <a:endParaRPr lang="en-US" sz="2800" dirty="0">
               <a:solidFill>
-                <a:schemeClr val="tx1"/>
+                <a:srgbClr val="CE9178"/>
               </a:solidFill>
-              <a:latin typeface="+mj-lt"/>
+              <a:latin typeface="Consolas" panose="020B0609020204030204" pitchFamily="49" charset="0"/>
             </a:endParaRPr>
           </a:p>
           <a:p>
-            <a:pPr marL="514350" indent="-514350" algn="l">
-              <a:buFont typeface="Arial" panose="020B0604020202020204" pitchFamily="34" charset="0"/>
-              <a:buChar char="•"/>
-            </a:pPr>
-            <a:r>
-              <a:rPr lang="en-US" sz="2800" dirty="0">
-                <a:solidFill>
-                  <a:schemeClr val="tx1"/>
-                </a:solidFill>
-                <a:latin typeface="+mj-lt"/>
-              </a:rPr>
-              <a:t>It’s also essential to compare these results with other available models to identify potential areas for further enhancement.</a:t>
-            </a:r>
-          </a:p>
-          <a:p>
-            <a:pPr marL="457200" indent="-457200" algn="l">
-              <a:buFont typeface="Arial" panose="020B0604020202020204" pitchFamily="34" charset="0"/>
-              <a:buChar char="•"/>
-            </a:pPr>
+            <a:pPr algn="l"/>
             <a:endParaRPr lang="en-US" sz="2800" dirty="0">
               <a:solidFill>
-                <a:schemeClr val="tx1"/>
+                <a:srgbClr val="CE9178"/>
               </a:solidFill>
-              <a:latin typeface="+mj-lt"/>
+              <a:latin typeface="Consolas" panose="020B0609020204030204" pitchFamily="49" charset="0"/>
             </a:endParaRPr>
+          </a:p>
+          <a:p>
+            <a:pPr algn="l"/>
+            <a:endParaRPr lang="en-US" sz="2800" b="0" dirty="0">
+              <a:solidFill>
+                <a:srgbClr val="CCCCCC"/>
+              </a:solidFill>
+              <a:effectLst/>
+              <a:latin typeface="Consolas" panose="020B0609020204030204" pitchFamily="49" charset="0"/>
+            </a:endParaRPr>
+          </a:p>
+          <a:p>
+            <a:pPr algn="l"/>
+            <a:endParaRPr lang="en-US" sz="2000" dirty="0"/>
           </a:p>
         </p:txBody>
       </p:sp>
@@ -22011,10 +21348,293 @@
           </a:p>
         </p:txBody>
       </p:sp>
+      <p:sp>
+        <p:nvSpPr>
+          <p:cNvPr id="4" name="Text Placeholder 2">
+            <a:extLst>
+              <a:ext uri="{FF2B5EF4-FFF2-40B4-BE49-F238E27FC236}">
+                <a16:creationId xmlns:a16="http://schemas.microsoft.com/office/drawing/2014/main" id="{D0157036-1F41-7B05-C6B8-E7F5D95E6721}"/>
+              </a:ext>
+            </a:extLst>
+          </p:cNvPr>
+          <p:cNvSpPr>
+            <a:spLocks noGrp="1"/>
+          </p:cNvSpPr>
+          <p:nvPr>
+            <p:ph type="body" sz="quarter" idx="13"/>
+          </p:nvPr>
+        </p:nvSpPr>
+        <p:spPr>
+          <a:xfrm>
+            <a:off x="616125" y="1623785"/>
+            <a:ext cx="5251275" cy="379186"/>
+          </a:xfrm>
+        </p:spPr>
+        <p:txBody>
+          <a:bodyPr>
+            <a:normAutofit/>
+          </a:bodyPr>
+          <a:lstStyle/>
+          <a:p>
+            <a:r>
+              <a:rPr lang="en-US" sz="1700" b="1" dirty="0">
+                <a:solidFill>
+                  <a:schemeClr val="tx1"/>
+                </a:solidFill>
+              </a:rPr>
+              <a:t>Customer Sentiments by Day (Plotly)</a:t>
+            </a:r>
+          </a:p>
+        </p:txBody>
+      </p:sp>
+      <p:pic>
+        <p:nvPicPr>
+          <p:cNvPr id="10" name="Picture 9">
+            <a:extLst>
+              <a:ext uri="{FF2B5EF4-FFF2-40B4-BE49-F238E27FC236}">
+                <a16:creationId xmlns:a16="http://schemas.microsoft.com/office/drawing/2014/main" id="{2BDD68FB-13C6-865F-BB62-C8FF75EE4D85}"/>
+              </a:ext>
+            </a:extLst>
+          </p:cNvPr>
+          <p:cNvPicPr>
+            <a:picLocks noChangeAspect="1"/>
+          </p:cNvPicPr>
+          <p:nvPr/>
+        </p:nvPicPr>
+        <p:blipFill>
+          <a:blip r:embed="rId2"/>
+          <a:stretch>
+            <a:fillRect/>
+          </a:stretch>
+        </p:blipFill>
+        <p:spPr>
+          <a:xfrm>
+            <a:off x="983787" y="2123525"/>
+            <a:ext cx="9967241" cy="4121950"/>
+          </a:xfrm>
+          <a:prstGeom prst="rect">
+            <a:avLst/>
+          </a:prstGeom>
+        </p:spPr>
+      </p:pic>
+      <p:sp>
+        <p:nvSpPr>
+          <p:cNvPr id="11" name="Text Placeholder 7">
+            <a:extLst>
+              <a:ext uri="{FF2B5EF4-FFF2-40B4-BE49-F238E27FC236}">
+                <a16:creationId xmlns:a16="http://schemas.microsoft.com/office/drawing/2014/main" id="{9DBA8483-396A-0D04-8D4D-5782611493C4}"/>
+              </a:ext>
+            </a:extLst>
+          </p:cNvPr>
+          <p:cNvSpPr txBox="1">
+            <a:spLocks/>
+          </p:cNvSpPr>
+          <p:nvPr/>
+        </p:nvSpPr>
+        <p:spPr>
+          <a:xfrm>
+            <a:off x="9751647" y="6356350"/>
+            <a:ext cx="1104388" cy="330286"/>
+          </a:xfrm>
+          <a:prstGeom prst="rect">
+            <a:avLst/>
+          </a:prstGeom>
+        </p:spPr>
+        <p:txBody>
+          <a:bodyPr vert="horz" lIns="91440" tIns="45720" rIns="91440" bIns="45720" rtlCol="0">
+            <a:normAutofit/>
+          </a:bodyPr>
+          <a:lstStyle>
+            <a:lvl1pPr marL="0" indent="0" algn="ctr" defTabSz="914400" rtl="0" eaLnBrk="1" latinLnBrk="0" hangingPunct="1">
+              <a:lnSpc>
+                <a:spcPct val="100000"/>
+              </a:lnSpc>
+              <a:spcBef>
+                <a:spcPts val="1000"/>
+              </a:spcBef>
+              <a:buFont typeface="Arial" panose="020B0604020202020204" pitchFamily="34" charset="0"/>
+              <a:buNone/>
+              <a:defRPr sz="1400" kern="1200">
+                <a:solidFill>
+                  <a:schemeClr val="tx1">
+                    <a:lumMod val="75000"/>
+                    <a:lumOff val="25000"/>
+                  </a:schemeClr>
+                </a:solidFill>
+                <a:latin typeface="+mn-lt"/>
+                <a:ea typeface="+mn-ea"/>
+                <a:cs typeface="+mn-cs"/>
+              </a:defRPr>
+            </a:lvl1pPr>
+            <a:lvl2pPr marL="685800" indent="-228600" algn="l" defTabSz="914400" rtl="0" eaLnBrk="1" latinLnBrk="0" hangingPunct="1">
+              <a:lnSpc>
+                <a:spcPct val="90000"/>
+              </a:lnSpc>
+              <a:spcBef>
+                <a:spcPts val="500"/>
+              </a:spcBef>
+              <a:buFont typeface="Arial" panose="020B0604020202020204" pitchFamily="34" charset="0"/>
+              <a:buChar char="•"/>
+              <a:defRPr sz="2400" kern="1200">
+                <a:solidFill>
+                  <a:schemeClr val="tx1">
+                    <a:lumMod val="75000"/>
+                    <a:lumOff val="25000"/>
+                  </a:schemeClr>
+                </a:solidFill>
+                <a:latin typeface="+mn-lt"/>
+                <a:ea typeface="+mn-ea"/>
+                <a:cs typeface="+mn-cs"/>
+              </a:defRPr>
+            </a:lvl2pPr>
+            <a:lvl3pPr marL="1143000" indent="-228600" algn="l" defTabSz="914400" rtl="0" eaLnBrk="1" latinLnBrk="0" hangingPunct="1">
+              <a:lnSpc>
+                <a:spcPct val="90000"/>
+              </a:lnSpc>
+              <a:spcBef>
+                <a:spcPts val="500"/>
+              </a:spcBef>
+              <a:buFont typeface="Arial" panose="020B0604020202020204" pitchFamily="34" charset="0"/>
+              <a:buChar char="•"/>
+              <a:defRPr sz="2000" kern="1200">
+                <a:solidFill>
+                  <a:schemeClr val="tx1">
+                    <a:lumMod val="75000"/>
+                    <a:lumOff val="25000"/>
+                  </a:schemeClr>
+                </a:solidFill>
+                <a:latin typeface="+mn-lt"/>
+                <a:ea typeface="+mn-ea"/>
+                <a:cs typeface="+mn-cs"/>
+              </a:defRPr>
+            </a:lvl3pPr>
+            <a:lvl4pPr marL="1600200" indent="-228600" algn="l" defTabSz="914400" rtl="0" eaLnBrk="1" latinLnBrk="0" hangingPunct="1">
+              <a:lnSpc>
+                <a:spcPct val="90000"/>
+              </a:lnSpc>
+              <a:spcBef>
+                <a:spcPts val="500"/>
+              </a:spcBef>
+              <a:buFont typeface="Arial" panose="020B0604020202020204" pitchFamily="34" charset="0"/>
+              <a:buChar char="•"/>
+              <a:defRPr sz="1800" kern="1200">
+                <a:solidFill>
+                  <a:schemeClr val="tx1">
+                    <a:lumMod val="75000"/>
+                    <a:lumOff val="25000"/>
+                  </a:schemeClr>
+                </a:solidFill>
+                <a:latin typeface="+mn-lt"/>
+                <a:ea typeface="+mn-ea"/>
+                <a:cs typeface="+mn-cs"/>
+              </a:defRPr>
+            </a:lvl4pPr>
+            <a:lvl5pPr marL="2057400" indent="-228600" algn="l" defTabSz="914400" rtl="0" eaLnBrk="1" latinLnBrk="0" hangingPunct="1">
+              <a:lnSpc>
+                <a:spcPct val="90000"/>
+              </a:lnSpc>
+              <a:spcBef>
+                <a:spcPts val="500"/>
+              </a:spcBef>
+              <a:buFont typeface="Arial" panose="020B0604020202020204" pitchFamily="34" charset="0"/>
+              <a:buChar char="•"/>
+              <a:defRPr sz="1800" kern="1200">
+                <a:solidFill>
+                  <a:schemeClr val="tx1">
+                    <a:lumMod val="75000"/>
+                    <a:lumOff val="25000"/>
+                  </a:schemeClr>
+                </a:solidFill>
+                <a:latin typeface="+mn-lt"/>
+                <a:ea typeface="+mn-ea"/>
+                <a:cs typeface="+mn-cs"/>
+              </a:defRPr>
+            </a:lvl5pPr>
+            <a:lvl6pPr marL="2514600" indent="-228600" algn="l" defTabSz="914400" rtl="0" eaLnBrk="1" latinLnBrk="0" hangingPunct="1">
+              <a:lnSpc>
+                <a:spcPct val="90000"/>
+              </a:lnSpc>
+              <a:spcBef>
+                <a:spcPts val="500"/>
+              </a:spcBef>
+              <a:buFont typeface="Arial" panose="020B0604020202020204" pitchFamily="34" charset="0"/>
+              <a:buChar char="•"/>
+              <a:defRPr sz="1800" kern="1200">
+                <a:solidFill>
+                  <a:schemeClr val="tx1"/>
+                </a:solidFill>
+                <a:latin typeface="+mn-lt"/>
+                <a:ea typeface="+mn-ea"/>
+                <a:cs typeface="+mn-cs"/>
+              </a:defRPr>
+            </a:lvl6pPr>
+            <a:lvl7pPr marL="2971800" indent="-228600" algn="l" defTabSz="914400" rtl="0" eaLnBrk="1" latinLnBrk="0" hangingPunct="1">
+              <a:lnSpc>
+                <a:spcPct val="90000"/>
+              </a:lnSpc>
+              <a:spcBef>
+                <a:spcPts val="500"/>
+              </a:spcBef>
+              <a:buFont typeface="Arial" panose="020B0604020202020204" pitchFamily="34" charset="0"/>
+              <a:buChar char="•"/>
+              <a:defRPr sz="1800" kern="1200">
+                <a:solidFill>
+                  <a:schemeClr val="tx1"/>
+                </a:solidFill>
+                <a:latin typeface="+mn-lt"/>
+                <a:ea typeface="+mn-ea"/>
+                <a:cs typeface="+mn-cs"/>
+              </a:defRPr>
+            </a:lvl7pPr>
+            <a:lvl8pPr marL="3429000" indent="-228600" algn="l" defTabSz="914400" rtl="0" eaLnBrk="1" latinLnBrk="0" hangingPunct="1">
+              <a:lnSpc>
+                <a:spcPct val="90000"/>
+              </a:lnSpc>
+              <a:spcBef>
+                <a:spcPts val="500"/>
+              </a:spcBef>
+              <a:buFont typeface="Arial" panose="020B0604020202020204" pitchFamily="34" charset="0"/>
+              <a:buChar char="•"/>
+              <a:defRPr sz="1800" kern="1200">
+                <a:solidFill>
+                  <a:schemeClr val="tx1"/>
+                </a:solidFill>
+                <a:latin typeface="+mn-lt"/>
+                <a:ea typeface="+mn-ea"/>
+                <a:cs typeface="+mn-cs"/>
+              </a:defRPr>
+            </a:lvl8pPr>
+            <a:lvl9pPr marL="3886200" indent="-228600" algn="l" defTabSz="914400" rtl="0" eaLnBrk="1" latinLnBrk="0" hangingPunct="1">
+              <a:lnSpc>
+                <a:spcPct val="90000"/>
+              </a:lnSpc>
+              <a:spcBef>
+                <a:spcPts val="500"/>
+              </a:spcBef>
+              <a:buFont typeface="Arial" panose="020B0604020202020204" pitchFamily="34" charset="0"/>
+              <a:buChar char="•"/>
+              <a:defRPr sz="1800" kern="1200">
+                <a:solidFill>
+                  <a:schemeClr val="tx1"/>
+                </a:solidFill>
+                <a:latin typeface="+mn-lt"/>
+                <a:ea typeface="+mn-ea"/>
+                <a:cs typeface="+mn-cs"/>
+              </a:defRPr>
+            </a:lvl9pPr>
+          </a:lstStyle>
+          <a:p>
+            <a:r>
+              <a:rPr lang="en-US" b="1" dirty="0"/>
+              <a:t>Contd…</a:t>
+            </a:r>
+          </a:p>
+        </p:txBody>
+      </p:sp>
     </p:spTree>
     <p:extLst>
       <p:ext uri="{BB962C8B-B14F-4D97-AF65-F5344CB8AC3E}">
-        <p14:creationId xmlns:p14="http://schemas.microsoft.com/office/powerpoint/2010/main" val="2516776324"/>
+        <p14:creationId xmlns:p14="http://schemas.microsoft.com/office/powerpoint/2010/main" val="1974358713"/>
       </p:ext>
     </p:extLst>
   </p:cSld>
@@ -22073,7 +21693,7 @@
                   <a:schemeClr val="tx1"/>
                 </a:solidFill>
               </a:rPr>
-              <a:t>WAY Forward</a:t>
+              <a:t>walkthrough</a:t>
             </a:r>
           </a:p>
         </p:txBody>
@@ -22176,30 +21796,99 @@
       </p:sp>
       <p:sp>
         <p:nvSpPr>
-          <p:cNvPr id="3" name="Text Placeholder 7">
-            <a:extLst>
-              <a:ext uri="{FF2B5EF4-FFF2-40B4-BE49-F238E27FC236}">
-                <a16:creationId xmlns:a16="http://schemas.microsoft.com/office/drawing/2014/main" id="{E047004A-0AD6-74D3-6185-38C7811A235C}"/>
-              </a:ext>
-            </a:extLst>
-          </p:cNvPr>
-          <p:cNvSpPr txBox="1">
-            <a:spLocks/>
-          </p:cNvSpPr>
+          <p:cNvPr id="4" name="Text Placeholder 2">
+            <a:extLst>
+              <a:ext uri="{FF2B5EF4-FFF2-40B4-BE49-F238E27FC236}">
+                <a16:creationId xmlns:a16="http://schemas.microsoft.com/office/drawing/2014/main" id="{D0157036-1F41-7B05-C6B8-E7F5D95E6721}"/>
+              </a:ext>
+            </a:extLst>
+          </p:cNvPr>
+          <p:cNvSpPr>
+            <a:spLocks noGrp="1"/>
+          </p:cNvSpPr>
+          <p:nvPr>
+            <p:ph type="body" sz="quarter" idx="13"/>
+          </p:nvPr>
+        </p:nvSpPr>
+        <p:spPr>
+          <a:xfrm>
+            <a:off x="616125" y="1623785"/>
+            <a:ext cx="5251275" cy="379186"/>
+          </a:xfrm>
+        </p:spPr>
+        <p:txBody>
+          <a:bodyPr>
+            <a:normAutofit/>
+          </a:bodyPr>
+          <a:lstStyle/>
+          <a:p>
+            <a:r>
+              <a:rPr lang="en-US" sz="1700" dirty="0">
+                <a:solidFill>
+                  <a:schemeClr val="tx1"/>
+                </a:solidFill>
+              </a:rPr>
+              <a:t>Top 10 User Interests (Categories) - Plotly</a:t>
+            </a:r>
+          </a:p>
+        </p:txBody>
+      </p:sp>
+      <p:pic>
+        <p:nvPicPr>
+          <p:cNvPr id="7" name="Picture 6">
+            <a:extLst>
+              <a:ext uri="{FF2B5EF4-FFF2-40B4-BE49-F238E27FC236}">
+                <a16:creationId xmlns:a16="http://schemas.microsoft.com/office/drawing/2014/main" id="{A9D9D5A1-003E-D40E-CF43-3171C948561C}"/>
+              </a:ext>
+            </a:extLst>
+          </p:cNvPr>
+          <p:cNvPicPr>
+            <a:picLocks noChangeAspect="1"/>
+          </p:cNvPicPr>
           <p:nvPr/>
-        </p:nvSpPr>
-        <p:spPr>
-          <a:xfrm>
-            <a:off x="359229" y="1786164"/>
-            <a:ext cx="11658600" cy="4070350"/>
+        </p:nvPicPr>
+        <p:blipFill>
+          <a:blip r:embed="rId2"/>
+          <a:stretch>
+            <a:fillRect/>
+          </a:stretch>
+        </p:blipFill>
+        <p:spPr>
+          <a:xfrm>
+            <a:off x="720448" y="2233747"/>
+            <a:ext cx="10751103" cy="3587934"/>
           </a:xfrm>
           <a:prstGeom prst="rect">
             <a:avLst/>
           </a:prstGeom>
         </p:spPr>
+      </p:pic>
+      <p:sp>
+        <p:nvSpPr>
+          <p:cNvPr id="9" name="Text Placeholder 7">
+            <a:extLst>
+              <a:ext uri="{FF2B5EF4-FFF2-40B4-BE49-F238E27FC236}">
+                <a16:creationId xmlns:a16="http://schemas.microsoft.com/office/drawing/2014/main" id="{05AE8AE1-411B-61EE-1515-2E03A9A3E437}"/>
+              </a:ext>
+            </a:extLst>
+          </p:cNvPr>
+          <p:cNvSpPr txBox="1">
+            <a:spLocks/>
+          </p:cNvSpPr>
+          <p:nvPr/>
+        </p:nvSpPr>
+        <p:spPr>
+          <a:xfrm>
+            <a:off x="9844202" y="6356350"/>
+            <a:ext cx="1104388" cy="330286"/>
+          </a:xfrm>
+          <a:prstGeom prst="rect">
+            <a:avLst/>
+          </a:prstGeom>
+        </p:spPr>
         <p:txBody>
           <a:bodyPr vert="horz" lIns="91440" tIns="45720" rIns="91440" bIns="45720" rtlCol="0">
-            <a:normAutofit fontScale="47500" lnSpcReduction="20000"/>
+            <a:normAutofit/>
           </a:bodyPr>
           <a:lstStyle>
             <a:lvl1pPr marL="0" indent="0" algn="ctr" defTabSz="914400" rtl="0" eaLnBrk="1" latinLnBrk="0" hangingPunct="1">
@@ -22381,115 +22070,17 @@
             </a:lvl9pPr>
           </a:lstStyle>
           <a:p>
-            <a:pPr algn="l"/>
-            <a:r>
-              <a:rPr lang="en-US" sz="4800" b="1" dirty="0">
-                <a:solidFill>
-                  <a:schemeClr val="tx1"/>
-                </a:solidFill>
-                <a:latin typeface="+mj-lt"/>
-              </a:rPr>
-              <a:t>Improved Productivity &amp; Efficiency:</a:t>
-            </a:r>
-          </a:p>
-          <a:p>
-            <a:pPr lvl="1"/>
-            <a:r>
-              <a:rPr lang="en-US" sz="4500" dirty="0">
-                <a:solidFill>
-                  <a:schemeClr val="tx1"/>
-                </a:solidFill>
-                <a:latin typeface="+mj-lt"/>
-              </a:rPr>
-              <a:t>Call summary analysis can enhance both call center productivity and overall efficiency.</a:t>
-            </a:r>
-          </a:p>
-          <a:p>
-            <a:pPr algn="l"/>
-            <a:r>
-              <a:rPr lang="en-US" sz="4700" b="1" dirty="0">
-                <a:solidFill>
-                  <a:schemeClr val="tx1"/>
-                </a:solidFill>
-                <a:latin typeface="+mj-lt"/>
-              </a:rPr>
-              <a:t>Performance-Based Compensation:</a:t>
-            </a:r>
-          </a:p>
-          <a:p>
-            <a:pPr lvl="1"/>
-            <a:r>
-              <a:rPr lang="en-US" sz="4500" dirty="0">
-                <a:solidFill>
-                  <a:schemeClr val="tx1"/>
-                </a:solidFill>
-                <a:latin typeface="+mj-lt"/>
-              </a:rPr>
-              <a:t>Streamlined operations could lead to improved pay structures based on performance and growth metrics.</a:t>
-            </a:r>
-          </a:p>
-          <a:p>
-            <a:pPr algn="l"/>
-            <a:r>
-              <a:rPr lang="en-US" sz="4700" b="1" dirty="0">
-                <a:solidFill>
-                  <a:schemeClr val="tx1"/>
-                </a:solidFill>
-                <a:latin typeface="+mj-lt"/>
-              </a:rPr>
-              <a:t>Real-Time Implementation:</a:t>
-            </a:r>
-          </a:p>
-          <a:p>
-            <a:pPr lvl="1"/>
-            <a:r>
-              <a:rPr lang="en-US" sz="4500" dirty="0">
-                <a:solidFill>
-                  <a:schemeClr val="tx1"/>
-                </a:solidFill>
-                <a:latin typeface="+mj-lt"/>
-              </a:rPr>
-              <a:t>The entire process can be deployed in real time by integrating with an event hub, pipeline orchestration layer, and data transformation layer.</a:t>
-            </a:r>
-          </a:p>
-          <a:p>
-            <a:pPr algn="l"/>
-            <a:r>
-              <a:rPr lang="en-US" sz="4700" b="1" dirty="0">
-                <a:solidFill>
-                  <a:schemeClr val="tx1"/>
-                </a:solidFill>
-                <a:latin typeface="+mj-lt"/>
-              </a:rPr>
-              <a:t>Cloud Integration Flexibility:</a:t>
-            </a:r>
-          </a:p>
-          <a:p>
-            <a:pPr lvl="1"/>
-            <a:r>
-              <a:rPr lang="en-US" sz="4500" dirty="0">
-                <a:solidFill>
-                  <a:schemeClr val="tx1"/>
-                </a:solidFill>
-                <a:latin typeface="+mj-lt"/>
-              </a:rPr>
-              <a:t>The solution can seamlessly integrate with other cloud platforms such as AWS, Azure, and GCP, ensuring scalability and flexibility.</a:t>
-            </a:r>
-          </a:p>
-          <a:p>
-            <a:pPr algn="l"/>
-            <a:endParaRPr lang="en-US" sz="2000" dirty="0">
-              <a:solidFill>
-                <a:schemeClr val="tx1"/>
-              </a:solidFill>
-            </a:endParaRPr>
+            <a:r>
+              <a:rPr lang="en-US" b="1" dirty="0"/>
+              <a:t>Contd…</a:t>
+            </a:r>
           </a:p>
         </p:txBody>
       </p:sp>
     </p:spTree>
     <p:extLst>
       <p:ext uri="{BB962C8B-B14F-4D97-AF65-F5344CB8AC3E}">
-        <p14:creationId xmlns:p14="http://schemas.microsoft.com/office/powerpoint/2010/main" val="3637083660"/>
+        <p14:creationId xmlns:p14="http://schemas.microsoft.com/office/powerpoint/2010/main" val="2507887513"/>
       </p:ext>
     </p:extLst>
   </p:cSld>
@@ -22521,21 +22112,21 @@
           <p:cNvPr id="2" name="Title 1">
             <a:extLst>
               <a:ext uri="{FF2B5EF4-FFF2-40B4-BE49-F238E27FC236}">
-                <a16:creationId xmlns:a16="http://schemas.microsoft.com/office/drawing/2014/main" id="{BCCAEE93-8585-46D4-A7EC-F184E317CB2E}"/>
-              </a:ext>
-            </a:extLst>
-          </p:cNvPr>
-          <p:cNvSpPr>
-            <a:spLocks noGrp="1"/>
-          </p:cNvSpPr>
-          <p:nvPr>
-            <p:ph type="ctrTitle"/>
-          </p:nvPr>
-        </p:nvSpPr>
-        <p:spPr>
-          <a:xfrm>
-            <a:off x="4542336" y="1904265"/>
-            <a:ext cx="4179570" cy="1524735"/>
+                <a16:creationId xmlns:a16="http://schemas.microsoft.com/office/drawing/2014/main" id="{75031FE9-9059-4FE8-B4AC-9771F23A1B89}"/>
+              </a:ext>
+            </a:extLst>
+          </p:cNvPr>
+          <p:cNvSpPr>
+            <a:spLocks noGrp="1"/>
+          </p:cNvSpPr>
+          <p:nvPr>
+            <p:ph type="title"/>
+          </p:nvPr>
+        </p:nvSpPr>
+        <p:spPr>
+          <a:xfrm>
+            <a:off x="1825285" y="308201"/>
+            <a:ext cx="8421688" cy="1325563"/>
           </a:xfrm>
         </p:spPr>
         <p:txBody>
@@ -22548,31 +22139,92 @@
                   <a:schemeClr val="tx1"/>
                 </a:solidFill>
               </a:rPr>
-              <a:t>THANK YOU</a:t>
-            </a:r>
-          </a:p>
-        </p:txBody>
-      </p:sp>
-      <p:sp>
-        <p:nvSpPr>
-          <p:cNvPr id="6" name="Slide Number Placeholder 5">
-            <a:extLst>
-              <a:ext uri="{FF2B5EF4-FFF2-40B4-BE49-F238E27FC236}">
-                <a16:creationId xmlns:a16="http://schemas.microsoft.com/office/drawing/2014/main" id="{5EDCFF82-B70F-4971-9182-7C3AEA3CFD26}"/>
-              </a:ext>
-            </a:extLst>
-          </p:cNvPr>
-          <p:cNvSpPr>
-            <a:spLocks noGrp="1"/>
-          </p:cNvSpPr>
-          <p:nvPr>
-            <p:ph type="sldNum" sz="quarter" idx="12"/>
-          </p:nvPr>
-        </p:nvSpPr>
-        <p:spPr>
-          <a:xfrm>
-            <a:off x="9579428" y="6356350"/>
-            <a:ext cx="1774371" cy="365125"/>
+              <a:t>walkthrough</a:t>
+            </a:r>
+          </a:p>
+        </p:txBody>
+      </p:sp>
+      <p:sp>
+        <p:nvSpPr>
+          <p:cNvPr id="8" name="Text Placeholder 7">
+            <a:extLst>
+              <a:ext uri="{FF2B5EF4-FFF2-40B4-BE49-F238E27FC236}">
+                <a16:creationId xmlns:a16="http://schemas.microsoft.com/office/drawing/2014/main" id="{51C26CE0-2506-4B44-A26F-C12BFA5B18B5}"/>
+              </a:ext>
+            </a:extLst>
+          </p:cNvPr>
+          <p:cNvSpPr>
+            <a:spLocks noGrp="1"/>
+          </p:cNvSpPr>
+          <p:nvPr>
+            <p:ph type="body" sz="quarter" idx="19"/>
+          </p:nvPr>
+        </p:nvSpPr>
+        <p:spPr>
+          <a:xfrm>
+            <a:off x="206829" y="1633764"/>
+            <a:ext cx="11658600" cy="3941080"/>
+          </a:xfrm>
+        </p:spPr>
+        <p:txBody>
+          <a:bodyPr>
+            <a:normAutofit/>
+          </a:bodyPr>
+          <a:lstStyle/>
+          <a:p>
+            <a:pPr algn="l"/>
+            <a:endParaRPr lang="en-US" sz="2800" dirty="0">
+              <a:solidFill>
+                <a:srgbClr val="CE9178"/>
+              </a:solidFill>
+              <a:latin typeface="Consolas" panose="020B0609020204030204" pitchFamily="49" charset="0"/>
+            </a:endParaRPr>
+          </a:p>
+          <a:p>
+            <a:pPr algn="l"/>
+            <a:endParaRPr lang="en-US" sz="2800" dirty="0">
+              <a:solidFill>
+                <a:srgbClr val="CE9178"/>
+              </a:solidFill>
+              <a:latin typeface="Consolas" panose="020B0609020204030204" pitchFamily="49" charset="0"/>
+            </a:endParaRPr>
+          </a:p>
+          <a:p>
+            <a:pPr algn="l"/>
+            <a:endParaRPr lang="en-US" sz="2800" b="0" dirty="0">
+              <a:solidFill>
+                <a:srgbClr val="CCCCCC"/>
+              </a:solidFill>
+              <a:effectLst/>
+              <a:latin typeface="Consolas" panose="020B0609020204030204" pitchFamily="49" charset="0"/>
+            </a:endParaRPr>
+          </a:p>
+          <a:p>
+            <a:pPr algn="l"/>
+            <a:endParaRPr lang="en-US" sz="2000" dirty="0"/>
+          </a:p>
+        </p:txBody>
+      </p:sp>
+      <p:sp>
+        <p:nvSpPr>
+          <p:cNvPr id="82" name="Slide Number Placeholder 81">
+            <a:extLst>
+              <a:ext uri="{FF2B5EF4-FFF2-40B4-BE49-F238E27FC236}">
+                <a16:creationId xmlns:a16="http://schemas.microsoft.com/office/drawing/2014/main" id="{CE36A058-BEC2-4BC5-A467-F2EB2A365051}"/>
+              </a:ext>
+            </a:extLst>
+          </p:cNvPr>
+          <p:cNvSpPr>
+            <a:spLocks noGrp="1"/>
+          </p:cNvSpPr>
+          <p:nvPr>
+            <p:ph type="sldNum" sz="quarter" idx="22"/>
+          </p:nvPr>
+        </p:nvSpPr>
+        <p:spPr>
+          <a:xfrm>
+            <a:off x="8610600" y="6356350"/>
+            <a:ext cx="2743200" cy="365125"/>
           </a:xfrm>
         </p:spPr>
         <p:txBody>
@@ -22588,10 +22240,309 @@
           </a:p>
         </p:txBody>
       </p:sp>
+      <p:sp>
+        <p:nvSpPr>
+          <p:cNvPr id="4" name="Text Placeholder 2">
+            <a:extLst>
+              <a:ext uri="{FF2B5EF4-FFF2-40B4-BE49-F238E27FC236}">
+                <a16:creationId xmlns:a16="http://schemas.microsoft.com/office/drawing/2014/main" id="{D0157036-1F41-7B05-C6B8-E7F5D95E6721}"/>
+              </a:ext>
+            </a:extLst>
+          </p:cNvPr>
+          <p:cNvSpPr>
+            <a:spLocks noGrp="1"/>
+          </p:cNvSpPr>
+          <p:nvPr>
+            <p:ph type="body" sz="quarter" idx="13"/>
+          </p:nvPr>
+        </p:nvSpPr>
+        <p:spPr>
+          <a:xfrm>
+            <a:off x="627010" y="1444171"/>
+            <a:ext cx="5251275" cy="379186"/>
+          </a:xfrm>
+        </p:spPr>
+        <p:txBody>
+          <a:bodyPr>
+            <a:normAutofit fontScale="92500"/>
+          </a:bodyPr>
+          <a:lstStyle/>
+          <a:p>
+            <a:r>
+              <a:rPr lang="en-US" sz="1800" b="1" dirty="0">
+                <a:solidFill>
+                  <a:schemeClr val="tx1"/>
+                </a:solidFill>
+              </a:rPr>
+              <a:t>Word Cloud Dashboard (Plotly, </a:t>
+            </a:r>
+            <a:r>
+              <a:rPr lang="en-US" sz="1800" b="1" dirty="0" err="1">
+                <a:solidFill>
+                  <a:schemeClr val="tx1"/>
+                </a:solidFill>
+              </a:rPr>
+              <a:t>Wordcloud</a:t>
+            </a:r>
+            <a:r>
+              <a:rPr lang="en-US" sz="1800" b="1" dirty="0">
+                <a:solidFill>
+                  <a:schemeClr val="tx1"/>
+                </a:solidFill>
+              </a:rPr>
+              <a:t>)</a:t>
+            </a:r>
+          </a:p>
+        </p:txBody>
+      </p:sp>
+      <p:pic>
+        <p:nvPicPr>
+          <p:cNvPr id="12" name="Picture 11">
+            <a:extLst>
+              <a:ext uri="{FF2B5EF4-FFF2-40B4-BE49-F238E27FC236}">
+                <a16:creationId xmlns:a16="http://schemas.microsoft.com/office/drawing/2014/main" id="{4A524DB5-2751-8DA8-BA2B-7FE35917BA53}"/>
+              </a:ext>
+            </a:extLst>
+          </p:cNvPr>
+          <p:cNvPicPr>
+            <a:picLocks noChangeAspect="1"/>
+          </p:cNvPicPr>
+          <p:nvPr/>
+        </p:nvPicPr>
+        <p:blipFill>
+          <a:blip r:embed="rId2"/>
+          <a:stretch>
+            <a:fillRect/>
+          </a:stretch>
+        </p:blipFill>
+        <p:spPr>
+          <a:xfrm>
+            <a:off x="881743" y="1823357"/>
+            <a:ext cx="9644743" cy="4334835"/>
+          </a:xfrm>
+          <a:prstGeom prst="rect">
+            <a:avLst/>
+          </a:prstGeom>
+        </p:spPr>
+      </p:pic>
+      <p:sp>
+        <p:nvSpPr>
+          <p:cNvPr id="13" name="Text Placeholder 7">
+            <a:extLst>
+              <a:ext uri="{FF2B5EF4-FFF2-40B4-BE49-F238E27FC236}">
+                <a16:creationId xmlns:a16="http://schemas.microsoft.com/office/drawing/2014/main" id="{3E164341-B4A5-438F-67A7-E2BAC8F58DF0}"/>
+              </a:ext>
+            </a:extLst>
+          </p:cNvPr>
+          <p:cNvSpPr txBox="1">
+            <a:spLocks/>
+          </p:cNvSpPr>
+          <p:nvPr/>
+        </p:nvSpPr>
+        <p:spPr>
+          <a:xfrm>
+            <a:off x="9694779" y="6391189"/>
+            <a:ext cx="1104388" cy="330286"/>
+          </a:xfrm>
+          <a:prstGeom prst="rect">
+            <a:avLst/>
+          </a:prstGeom>
+        </p:spPr>
+        <p:txBody>
+          <a:bodyPr vert="horz" lIns="91440" tIns="45720" rIns="91440" bIns="45720" rtlCol="0">
+            <a:normAutofit/>
+          </a:bodyPr>
+          <a:lstStyle>
+            <a:lvl1pPr marL="0" indent="0" algn="ctr" defTabSz="914400" rtl="0" eaLnBrk="1" latinLnBrk="0" hangingPunct="1">
+              <a:lnSpc>
+                <a:spcPct val="100000"/>
+              </a:lnSpc>
+              <a:spcBef>
+                <a:spcPts val="1000"/>
+              </a:spcBef>
+              <a:buFont typeface="Arial" panose="020B0604020202020204" pitchFamily="34" charset="0"/>
+              <a:buNone/>
+              <a:defRPr sz="1400" kern="1200">
+                <a:solidFill>
+                  <a:schemeClr val="tx1">
+                    <a:lumMod val="75000"/>
+                    <a:lumOff val="25000"/>
+                  </a:schemeClr>
+                </a:solidFill>
+                <a:latin typeface="+mn-lt"/>
+                <a:ea typeface="+mn-ea"/>
+                <a:cs typeface="+mn-cs"/>
+              </a:defRPr>
+            </a:lvl1pPr>
+            <a:lvl2pPr marL="685800" indent="-228600" algn="l" defTabSz="914400" rtl="0" eaLnBrk="1" latinLnBrk="0" hangingPunct="1">
+              <a:lnSpc>
+                <a:spcPct val="90000"/>
+              </a:lnSpc>
+              <a:spcBef>
+                <a:spcPts val="500"/>
+              </a:spcBef>
+              <a:buFont typeface="Arial" panose="020B0604020202020204" pitchFamily="34" charset="0"/>
+              <a:buChar char="•"/>
+              <a:defRPr sz="2400" kern="1200">
+                <a:solidFill>
+                  <a:schemeClr val="tx1">
+                    <a:lumMod val="75000"/>
+                    <a:lumOff val="25000"/>
+                  </a:schemeClr>
+                </a:solidFill>
+                <a:latin typeface="+mn-lt"/>
+                <a:ea typeface="+mn-ea"/>
+                <a:cs typeface="+mn-cs"/>
+              </a:defRPr>
+            </a:lvl2pPr>
+            <a:lvl3pPr marL="1143000" indent="-228600" algn="l" defTabSz="914400" rtl="0" eaLnBrk="1" latinLnBrk="0" hangingPunct="1">
+              <a:lnSpc>
+                <a:spcPct val="90000"/>
+              </a:lnSpc>
+              <a:spcBef>
+                <a:spcPts val="500"/>
+              </a:spcBef>
+              <a:buFont typeface="Arial" panose="020B0604020202020204" pitchFamily="34" charset="0"/>
+              <a:buChar char="•"/>
+              <a:defRPr sz="2000" kern="1200">
+                <a:solidFill>
+                  <a:schemeClr val="tx1">
+                    <a:lumMod val="75000"/>
+                    <a:lumOff val="25000"/>
+                  </a:schemeClr>
+                </a:solidFill>
+                <a:latin typeface="+mn-lt"/>
+                <a:ea typeface="+mn-ea"/>
+                <a:cs typeface="+mn-cs"/>
+              </a:defRPr>
+            </a:lvl3pPr>
+            <a:lvl4pPr marL="1600200" indent="-228600" algn="l" defTabSz="914400" rtl="0" eaLnBrk="1" latinLnBrk="0" hangingPunct="1">
+              <a:lnSpc>
+                <a:spcPct val="90000"/>
+              </a:lnSpc>
+              <a:spcBef>
+                <a:spcPts val="500"/>
+              </a:spcBef>
+              <a:buFont typeface="Arial" panose="020B0604020202020204" pitchFamily="34" charset="0"/>
+              <a:buChar char="•"/>
+              <a:defRPr sz="1800" kern="1200">
+                <a:solidFill>
+                  <a:schemeClr val="tx1">
+                    <a:lumMod val="75000"/>
+                    <a:lumOff val="25000"/>
+                  </a:schemeClr>
+                </a:solidFill>
+                <a:latin typeface="+mn-lt"/>
+                <a:ea typeface="+mn-ea"/>
+                <a:cs typeface="+mn-cs"/>
+              </a:defRPr>
+            </a:lvl4pPr>
+            <a:lvl5pPr marL="2057400" indent="-228600" algn="l" defTabSz="914400" rtl="0" eaLnBrk="1" latinLnBrk="0" hangingPunct="1">
+              <a:lnSpc>
+                <a:spcPct val="90000"/>
+              </a:lnSpc>
+              <a:spcBef>
+                <a:spcPts val="500"/>
+              </a:spcBef>
+              <a:buFont typeface="Arial" panose="020B0604020202020204" pitchFamily="34" charset="0"/>
+              <a:buChar char="•"/>
+              <a:defRPr sz="1800" kern="1200">
+                <a:solidFill>
+                  <a:schemeClr val="tx1">
+                    <a:lumMod val="75000"/>
+                    <a:lumOff val="25000"/>
+                  </a:schemeClr>
+                </a:solidFill>
+                <a:latin typeface="+mn-lt"/>
+                <a:ea typeface="+mn-ea"/>
+                <a:cs typeface="+mn-cs"/>
+              </a:defRPr>
+            </a:lvl5pPr>
+            <a:lvl6pPr marL="2514600" indent="-228600" algn="l" defTabSz="914400" rtl="0" eaLnBrk="1" latinLnBrk="0" hangingPunct="1">
+              <a:lnSpc>
+                <a:spcPct val="90000"/>
+              </a:lnSpc>
+              <a:spcBef>
+                <a:spcPts val="500"/>
+              </a:spcBef>
+              <a:buFont typeface="Arial" panose="020B0604020202020204" pitchFamily="34" charset="0"/>
+              <a:buChar char="•"/>
+              <a:defRPr sz="1800" kern="1200">
+                <a:solidFill>
+                  <a:schemeClr val="tx1"/>
+                </a:solidFill>
+                <a:latin typeface="+mn-lt"/>
+                <a:ea typeface="+mn-ea"/>
+                <a:cs typeface="+mn-cs"/>
+              </a:defRPr>
+            </a:lvl6pPr>
+            <a:lvl7pPr marL="2971800" indent="-228600" algn="l" defTabSz="914400" rtl="0" eaLnBrk="1" latinLnBrk="0" hangingPunct="1">
+              <a:lnSpc>
+                <a:spcPct val="90000"/>
+              </a:lnSpc>
+              <a:spcBef>
+                <a:spcPts val="500"/>
+              </a:spcBef>
+              <a:buFont typeface="Arial" panose="020B0604020202020204" pitchFamily="34" charset="0"/>
+              <a:buChar char="•"/>
+              <a:defRPr sz="1800" kern="1200">
+                <a:solidFill>
+                  <a:schemeClr val="tx1"/>
+                </a:solidFill>
+                <a:latin typeface="+mn-lt"/>
+                <a:ea typeface="+mn-ea"/>
+                <a:cs typeface="+mn-cs"/>
+              </a:defRPr>
+            </a:lvl7pPr>
+            <a:lvl8pPr marL="3429000" indent="-228600" algn="l" defTabSz="914400" rtl="0" eaLnBrk="1" latinLnBrk="0" hangingPunct="1">
+              <a:lnSpc>
+                <a:spcPct val="90000"/>
+              </a:lnSpc>
+              <a:spcBef>
+                <a:spcPts val="500"/>
+              </a:spcBef>
+              <a:buFont typeface="Arial" panose="020B0604020202020204" pitchFamily="34" charset="0"/>
+              <a:buChar char="•"/>
+              <a:defRPr sz="1800" kern="1200">
+                <a:solidFill>
+                  <a:schemeClr val="tx1"/>
+                </a:solidFill>
+                <a:latin typeface="+mn-lt"/>
+                <a:ea typeface="+mn-ea"/>
+                <a:cs typeface="+mn-cs"/>
+              </a:defRPr>
+            </a:lvl8pPr>
+            <a:lvl9pPr marL="3886200" indent="-228600" algn="l" defTabSz="914400" rtl="0" eaLnBrk="1" latinLnBrk="0" hangingPunct="1">
+              <a:lnSpc>
+                <a:spcPct val="90000"/>
+              </a:lnSpc>
+              <a:spcBef>
+                <a:spcPts val="500"/>
+              </a:spcBef>
+              <a:buFont typeface="Arial" panose="020B0604020202020204" pitchFamily="34" charset="0"/>
+              <a:buChar char="•"/>
+              <a:defRPr sz="1800" kern="1200">
+                <a:solidFill>
+                  <a:schemeClr val="tx1"/>
+                </a:solidFill>
+                <a:latin typeface="+mn-lt"/>
+                <a:ea typeface="+mn-ea"/>
+                <a:cs typeface="+mn-cs"/>
+              </a:defRPr>
+            </a:lvl9pPr>
+          </a:lstStyle>
+          <a:p>
+            <a:r>
+              <a:rPr lang="en-US" b="1" dirty="0"/>
+              <a:t>Contd…</a:t>
+            </a:r>
+          </a:p>
+        </p:txBody>
+      </p:sp>
     </p:spTree>
     <p:extLst>
       <p:ext uri="{BB962C8B-B14F-4D97-AF65-F5344CB8AC3E}">
-        <p14:creationId xmlns:p14="http://schemas.microsoft.com/office/powerpoint/2010/main" val="2436493926"/>
+        <p14:creationId xmlns:p14="http://schemas.microsoft.com/office/powerpoint/2010/main" val="3327445661"/>
       </p:ext>
     </p:extLst>
   </p:cSld>
@@ -22940,6 +22891,468 @@
     <p:extLst>
       <p:ext uri="{BB962C8B-B14F-4D97-AF65-F5344CB8AC3E}">
         <p14:creationId xmlns:p14="http://schemas.microsoft.com/office/powerpoint/2010/main" val="546627634"/>
+      </p:ext>
+    </p:extLst>
+  </p:cSld>
+  <p:clrMapOvr>
+    <a:masterClrMapping/>
+  </p:clrMapOvr>
+</p:sld>
+</file>
+
+<file path=ppt/slides/slide20.xml><?xml version="1.0" encoding="utf-8"?>
+<p:sld xmlns:a="http://schemas.openxmlformats.org/drawingml/2006/main" xmlns:r="http://schemas.openxmlformats.org/officeDocument/2006/relationships" xmlns:p="http://schemas.openxmlformats.org/presentationml/2006/main">
+  <p:cSld>
+    <p:spTree>
+      <p:nvGrpSpPr>
+        <p:cNvPr id="1" name=""/>
+        <p:cNvGrpSpPr/>
+        <p:nvPr/>
+      </p:nvGrpSpPr>
+      <p:grpSpPr>
+        <a:xfrm>
+          <a:off x="0" y="0"/>
+          <a:ext cx="0" cy="0"/>
+          <a:chOff x="0" y="0"/>
+          <a:chExt cx="0" cy="0"/>
+        </a:xfrm>
+      </p:grpSpPr>
+      <p:sp>
+        <p:nvSpPr>
+          <p:cNvPr id="2" name="Title 1">
+            <a:extLst>
+              <a:ext uri="{FF2B5EF4-FFF2-40B4-BE49-F238E27FC236}">
+                <a16:creationId xmlns:a16="http://schemas.microsoft.com/office/drawing/2014/main" id="{75031FE9-9059-4FE8-B4AC-9771F23A1B89}"/>
+              </a:ext>
+            </a:extLst>
+          </p:cNvPr>
+          <p:cNvSpPr>
+            <a:spLocks noGrp="1"/>
+          </p:cNvSpPr>
+          <p:nvPr>
+            <p:ph type="title"/>
+          </p:nvPr>
+        </p:nvSpPr>
+        <p:spPr>
+          <a:xfrm>
+            <a:off x="1825285" y="308201"/>
+            <a:ext cx="8421688" cy="1325563"/>
+          </a:xfrm>
+        </p:spPr>
+        <p:txBody>
+          <a:bodyPr/>
+          <a:lstStyle/>
+          <a:p>
+            <a:r>
+              <a:rPr lang="en-US" dirty="0">
+                <a:solidFill>
+                  <a:schemeClr val="tx1"/>
+                </a:solidFill>
+              </a:rPr>
+              <a:t>walkthrough</a:t>
+            </a:r>
+          </a:p>
+        </p:txBody>
+      </p:sp>
+      <p:sp>
+        <p:nvSpPr>
+          <p:cNvPr id="8" name="Text Placeholder 7">
+            <a:extLst>
+              <a:ext uri="{FF2B5EF4-FFF2-40B4-BE49-F238E27FC236}">
+                <a16:creationId xmlns:a16="http://schemas.microsoft.com/office/drawing/2014/main" id="{51C26CE0-2506-4B44-A26F-C12BFA5B18B5}"/>
+              </a:ext>
+            </a:extLst>
+          </p:cNvPr>
+          <p:cNvSpPr>
+            <a:spLocks noGrp="1"/>
+          </p:cNvSpPr>
+          <p:nvPr>
+            <p:ph type="body" sz="quarter" idx="19"/>
+          </p:nvPr>
+        </p:nvSpPr>
+        <p:spPr>
+          <a:xfrm>
+            <a:off x="206829" y="1633764"/>
+            <a:ext cx="11658600" cy="3941080"/>
+          </a:xfrm>
+        </p:spPr>
+        <p:txBody>
+          <a:bodyPr>
+            <a:normAutofit/>
+          </a:bodyPr>
+          <a:lstStyle/>
+          <a:p>
+            <a:pPr algn="l"/>
+            <a:endParaRPr lang="en-US" sz="2800" dirty="0">
+              <a:solidFill>
+                <a:srgbClr val="CE9178"/>
+              </a:solidFill>
+              <a:latin typeface="Consolas" panose="020B0609020204030204" pitchFamily="49" charset="0"/>
+            </a:endParaRPr>
+          </a:p>
+          <a:p>
+            <a:pPr algn="l"/>
+            <a:endParaRPr lang="en-US" sz="2800" dirty="0">
+              <a:solidFill>
+                <a:srgbClr val="CE9178"/>
+              </a:solidFill>
+              <a:latin typeface="Consolas" panose="020B0609020204030204" pitchFamily="49" charset="0"/>
+            </a:endParaRPr>
+          </a:p>
+          <a:p>
+            <a:pPr algn="l"/>
+            <a:endParaRPr lang="en-US" sz="2800" b="0" dirty="0">
+              <a:solidFill>
+                <a:srgbClr val="CCCCCC"/>
+              </a:solidFill>
+              <a:effectLst/>
+              <a:latin typeface="Consolas" panose="020B0609020204030204" pitchFamily="49" charset="0"/>
+            </a:endParaRPr>
+          </a:p>
+          <a:p>
+            <a:pPr algn="l"/>
+            <a:endParaRPr lang="en-US" sz="2000" dirty="0"/>
+          </a:p>
+        </p:txBody>
+      </p:sp>
+      <p:sp>
+        <p:nvSpPr>
+          <p:cNvPr id="82" name="Slide Number Placeholder 81">
+            <a:extLst>
+              <a:ext uri="{FF2B5EF4-FFF2-40B4-BE49-F238E27FC236}">
+                <a16:creationId xmlns:a16="http://schemas.microsoft.com/office/drawing/2014/main" id="{CE36A058-BEC2-4BC5-A467-F2EB2A365051}"/>
+              </a:ext>
+            </a:extLst>
+          </p:cNvPr>
+          <p:cNvSpPr>
+            <a:spLocks noGrp="1"/>
+          </p:cNvSpPr>
+          <p:nvPr>
+            <p:ph type="sldNum" sz="quarter" idx="22"/>
+          </p:nvPr>
+        </p:nvSpPr>
+        <p:spPr>
+          <a:xfrm>
+            <a:off x="8610600" y="6356350"/>
+            <a:ext cx="2743200" cy="365125"/>
+          </a:xfrm>
+        </p:spPr>
+        <p:txBody>
+          <a:bodyPr/>
+          <a:lstStyle/>
+          <a:p>
+            <a:fld id="{B5CEABB6-07DC-46E8-9B57-56EC44A396E5}" type="slidenum">
+              <a:rPr lang="en-US" smtClean="0"/>
+              <a:pPr/>
+              <a:t>20</a:t>
+            </a:fld>
+            <a:endParaRPr lang="en-US" dirty="0"/>
+          </a:p>
+        </p:txBody>
+      </p:sp>
+      <p:sp>
+        <p:nvSpPr>
+          <p:cNvPr id="4" name="Text Placeholder 2">
+            <a:extLst>
+              <a:ext uri="{FF2B5EF4-FFF2-40B4-BE49-F238E27FC236}">
+                <a16:creationId xmlns:a16="http://schemas.microsoft.com/office/drawing/2014/main" id="{D0157036-1F41-7B05-C6B8-E7F5D95E6721}"/>
+              </a:ext>
+            </a:extLst>
+          </p:cNvPr>
+          <p:cNvSpPr>
+            <a:spLocks noGrp="1"/>
+          </p:cNvSpPr>
+          <p:nvPr>
+            <p:ph type="body" sz="quarter" idx="13"/>
+          </p:nvPr>
+        </p:nvSpPr>
+        <p:spPr>
+          <a:xfrm>
+            <a:off x="326571" y="1633764"/>
+            <a:ext cx="5251275" cy="379186"/>
+          </a:xfrm>
+        </p:spPr>
+        <p:txBody>
+          <a:bodyPr>
+            <a:normAutofit/>
+          </a:bodyPr>
+          <a:lstStyle/>
+          <a:p>
+            <a:r>
+              <a:rPr lang="en-US" sz="1700" b="1" dirty="0">
+                <a:solidFill>
+                  <a:schemeClr val="tx1"/>
+                </a:solidFill>
+              </a:rPr>
+              <a:t>Location Wise </a:t>
+            </a:r>
+            <a:r>
+              <a:rPr lang="en-US" sz="1700" b="1">
+                <a:solidFill>
+                  <a:schemeClr val="tx1"/>
+                </a:solidFill>
+              </a:rPr>
+              <a:t>call Volumes </a:t>
+            </a:r>
+            <a:r>
+              <a:rPr lang="en-US" sz="1700" b="1" dirty="0">
+                <a:solidFill>
+                  <a:schemeClr val="tx1"/>
+                </a:solidFill>
+              </a:rPr>
+              <a:t>(Plotly)</a:t>
+            </a:r>
+          </a:p>
+        </p:txBody>
+      </p:sp>
+      <p:pic>
+        <p:nvPicPr>
+          <p:cNvPr id="7" name="Picture 6">
+            <a:extLst>
+              <a:ext uri="{FF2B5EF4-FFF2-40B4-BE49-F238E27FC236}">
+                <a16:creationId xmlns:a16="http://schemas.microsoft.com/office/drawing/2014/main" id="{87C73837-4D69-2D75-FF85-9FA1FEAC22C7}"/>
+              </a:ext>
+            </a:extLst>
+          </p:cNvPr>
+          <p:cNvPicPr>
+            <a:picLocks noChangeAspect="1"/>
+          </p:cNvPicPr>
+          <p:nvPr/>
+        </p:nvPicPr>
+        <p:blipFill>
+          <a:blip r:embed="rId2"/>
+          <a:stretch>
+            <a:fillRect/>
+          </a:stretch>
+        </p:blipFill>
+        <p:spPr>
+          <a:xfrm>
+            <a:off x="971286" y="2143855"/>
+            <a:ext cx="10249427" cy="3397425"/>
+          </a:xfrm>
+          <a:prstGeom prst="rect">
+            <a:avLst/>
+          </a:prstGeom>
+        </p:spPr>
+      </p:pic>
+      <p:sp>
+        <p:nvSpPr>
+          <p:cNvPr id="9" name="Text Placeholder 7">
+            <a:extLst>
+              <a:ext uri="{FF2B5EF4-FFF2-40B4-BE49-F238E27FC236}">
+                <a16:creationId xmlns:a16="http://schemas.microsoft.com/office/drawing/2014/main" id="{52C1F77A-DA77-89DF-8AF7-FE9477425885}"/>
+              </a:ext>
+            </a:extLst>
+          </p:cNvPr>
+          <p:cNvSpPr txBox="1">
+            <a:spLocks/>
+          </p:cNvSpPr>
+          <p:nvPr/>
+        </p:nvSpPr>
+        <p:spPr>
+          <a:xfrm>
+            <a:off x="9898630" y="6356350"/>
+            <a:ext cx="1104388" cy="330286"/>
+          </a:xfrm>
+          <a:prstGeom prst="rect">
+            <a:avLst/>
+          </a:prstGeom>
+        </p:spPr>
+        <p:txBody>
+          <a:bodyPr vert="horz" lIns="91440" tIns="45720" rIns="91440" bIns="45720" rtlCol="0">
+            <a:normAutofit/>
+          </a:bodyPr>
+          <a:lstStyle>
+            <a:lvl1pPr marL="0" indent="0" algn="ctr" defTabSz="914400" rtl="0" eaLnBrk="1" latinLnBrk="0" hangingPunct="1">
+              <a:lnSpc>
+                <a:spcPct val="100000"/>
+              </a:lnSpc>
+              <a:spcBef>
+                <a:spcPts val="1000"/>
+              </a:spcBef>
+              <a:buFont typeface="Arial" panose="020B0604020202020204" pitchFamily="34" charset="0"/>
+              <a:buNone/>
+              <a:defRPr sz="1400" kern="1200">
+                <a:solidFill>
+                  <a:schemeClr val="tx1">
+                    <a:lumMod val="75000"/>
+                    <a:lumOff val="25000"/>
+                  </a:schemeClr>
+                </a:solidFill>
+                <a:latin typeface="+mn-lt"/>
+                <a:ea typeface="+mn-ea"/>
+                <a:cs typeface="+mn-cs"/>
+              </a:defRPr>
+            </a:lvl1pPr>
+            <a:lvl2pPr marL="685800" indent="-228600" algn="l" defTabSz="914400" rtl="0" eaLnBrk="1" latinLnBrk="0" hangingPunct="1">
+              <a:lnSpc>
+                <a:spcPct val="90000"/>
+              </a:lnSpc>
+              <a:spcBef>
+                <a:spcPts val="500"/>
+              </a:spcBef>
+              <a:buFont typeface="Arial" panose="020B0604020202020204" pitchFamily="34" charset="0"/>
+              <a:buChar char="•"/>
+              <a:defRPr sz="2400" kern="1200">
+                <a:solidFill>
+                  <a:schemeClr val="tx1">
+                    <a:lumMod val="75000"/>
+                    <a:lumOff val="25000"/>
+                  </a:schemeClr>
+                </a:solidFill>
+                <a:latin typeface="+mn-lt"/>
+                <a:ea typeface="+mn-ea"/>
+                <a:cs typeface="+mn-cs"/>
+              </a:defRPr>
+            </a:lvl2pPr>
+            <a:lvl3pPr marL="1143000" indent="-228600" algn="l" defTabSz="914400" rtl="0" eaLnBrk="1" latinLnBrk="0" hangingPunct="1">
+              <a:lnSpc>
+                <a:spcPct val="90000"/>
+              </a:lnSpc>
+              <a:spcBef>
+                <a:spcPts val="500"/>
+              </a:spcBef>
+              <a:buFont typeface="Arial" panose="020B0604020202020204" pitchFamily="34" charset="0"/>
+              <a:buChar char="•"/>
+              <a:defRPr sz="2000" kern="1200">
+                <a:solidFill>
+                  <a:schemeClr val="tx1">
+                    <a:lumMod val="75000"/>
+                    <a:lumOff val="25000"/>
+                  </a:schemeClr>
+                </a:solidFill>
+                <a:latin typeface="+mn-lt"/>
+                <a:ea typeface="+mn-ea"/>
+                <a:cs typeface="+mn-cs"/>
+              </a:defRPr>
+            </a:lvl3pPr>
+            <a:lvl4pPr marL="1600200" indent="-228600" algn="l" defTabSz="914400" rtl="0" eaLnBrk="1" latinLnBrk="0" hangingPunct="1">
+              <a:lnSpc>
+                <a:spcPct val="90000"/>
+              </a:lnSpc>
+              <a:spcBef>
+                <a:spcPts val="500"/>
+              </a:spcBef>
+              <a:buFont typeface="Arial" panose="020B0604020202020204" pitchFamily="34" charset="0"/>
+              <a:buChar char="•"/>
+              <a:defRPr sz="1800" kern="1200">
+                <a:solidFill>
+                  <a:schemeClr val="tx1">
+                    <a:lumMod val="75000"/>
+                    <a:lumOff val="25000"/>
+                  </a:schemeClr>
+                </a:solidFill>
+                <a:latin typeface="+mn-lt"/>
+                <a:ea typeface="+mn-ea"/>
+                <a:cs typeface="+mn-cs"/>
+              </a:defRPr>
+            </a:lvl4pPr>
+            <a:lvl5pPr marL="2057400" indent="-228600" algn="l" defTabSz="914400" rtl="0" eaLnBrk="1" latinLnBrk="0" hangingPunct="1">
+              <a:lnSpc>
+                <a:spcPct val="90000"/>
+              </a:lnSpc>
+              <a:spcBef>
+                <a:spcPts val="500"/>
+              </a:spcBef>
+              <a:buFont typeface="Arial" panose="020B0604020202020204" pitchFamily="34" charset="0"/>
+              <a:buChar char="•"/>
+              <a:defRPr sz="1800" kern="1200">
+                <a:solidFill>
+                  <a:schemeClr val="tx1">
+                    <a:lumMod val="75000"/>
+                    <a:lumOff val="25000"/>
+                  </a:schemeClr>
+                </a:solidFill>
+                <a:latin typeface="+mn-lt"/>
+                <a:ea typeface="+mn-ea"/>
+                <a:cs typeface="+mn-cs"/>
+              </a:defRPr>
+            </a:lvl5pPr>
+            <a:lvl6pPr marL="2514600" indent="-228600" algn="l" defTabSz="914400" rtl="0" eaLnBrk="1" latinLnBrk="0" hangingPunct="1">
+              <a:lnSpc>
+                <a:spcPct val="90000"/>
+              </a:lnSpc>
+              <a:spcBef>
+                <a:spcPts val="500"/>
+              </a:spcBef>
+              <a:buFont typeface="Arial" panose="020B0604020202020204" pitchFamily="34" charset="0"/>
+              <a:buChar char="•"/>
+              <a:defRPr sz="1800" kern="1200">
+                <a:solidFill>
+                  <a:schemeClr val="tx1"/>
+                </a:solidFill>
+                <a:latin typeface="+mn-lt"/>
+                <a:ea typeface="+mn-ea"/>
+                <a:cs typeface="+mn-cs"/>
+              </a:defRPr>
+            </a:lvl6pPr>
+            <a:lvl7pPr marL="2971800" indent="-228600" algn="l" defTabSz="914400" rtl="0" eaLnBrk="1" latinLnBrk="0" hangingPunct="1">
+              <a:lnSpc>
+                <a:spcPct val="90000"/>
+              </a:lnSpc>
+              <a:spcBef>
+                <a:spcPts val="500"/>
+              </a:spcBef>
+              <a:buFont typeface="Arial" panose="020B0604020202020204" pitchFamily="34" charset="0"/>
+              <a:buChar char="•"/>
+              <a:defRPr sz="1800" kern="1200">
+                <a:solidFill>
+                  <a:schemeClr val="tx1"/>
+                </a:solidFill>
+                <a:latin typeface="+mn-lt"/>
+                <a:ea typeface="+mn-ea"/>
+                <a:cs typeface="+mn-cs"/>
+              </a:defRPr>
+            </a:lvl7pPr>
+            <a:lvl8pPr marL="3429000" indent="-228600" algn="l" defTabSz="914400" rtl="0" eaLnBrk="1" latinLnBrk="0" hangingPunct="1">
+              <a:lnSpc>
+                <a:spcPct val="90000"/>
+              </a:lnSpc>
+              <a:spcBef>
+                <a:spcPts val="500"/>
+              </a:spcBef>
+              <a:buFont typeface="Arial" panose="020B0604020202020204" pitchFamily="34" charset="0"/>
+              <a:buChar char="•"/>
+              <a:defRPr sz="1800" kern="1200">
+                <a:solidFill>
+                  <a:schemeClr val="tx1"/>
+                </a:solidFill>
+                <a:latin typeface="+mn-lt"/>
+                <a:ea typeface="+mn-ea"/>
+                <a:cs typeface="+mn-cs"/>
+              </a:defRPr>
+            </a:lvl8pPr>
+            <a:lvl9pPr marL="3886200" indent="-228600" algn="l" defTabSz="914400" rtl="0" eaLnBrk="1" latinLnBrk="0" hangingPunct="1">
+              <a:lnSpc>
+                <a:spcPct val="90000"/>
+              </a:lnSpc>
+              <a:spcBef>
+                <a:spcPts val="500"/>
+              </a:spcBef>
+              <a:buFont typeface="Arial" panose="020B0604020202020204" pitchFamily="34" charset="0"/>
+              <a:buChar char="•"/>
+              <a:defRPr sz="1800" kern="1200">
+                <a:solidFill>
+                  <a:schemeClr val="tx1"/>
+                </a:solidFill>
+                <a:latin typeface="+mn-lt"/>
+                <a:ea typeface="+mn-ea"/>
+                <a:cs typeface="+mn-cs"/>
+              </a:defRPr>
+            </a:lvl9pPr>
+          </a:lstStyle>
+          <a:p>
+            <a:r>
+              <a:rPr lang="en-US" b="1" dirty="0"/>
+              <a:t>Contd…</a:t>
+            </a:r>
+          </a:p>
+        </p:txBody>
+      </p:sp>
+    </p:spTree>
+    <p:extLst>
+      <p:ext uri="{BB962C8B-B14F-4D97-AF65-F5344CB8AC3E}">
+        <p14:creationId xmlns:p14="http://schemas.microsoft.com/office/powerpoint/2010/main" val="4031768803"/>
       </p:ext>
     </p:extLst>
   </p:cSld>
@@ -23461,7 +23874,7 @@
                   <a:schemeClr val="tx1"/>
                 </a:solidFill>
               </a:rPr>
-              <a:t>Accurately determining sentiment from call conversation.</a:t>
+              <a:t>Accurately determining customer sentiment from call conversation.</a:t>
             </a:r>
             <a:endParaRPr lang="en-US" sz="2800" b="1" dirty="0">
               <a:solidFill>
@@ -24208,7 +24621,7 @@
                 <a:effectLst/>
                 <a:latin typeface="+mj-lt"/>
               </a:rPr>
-              <a:t>/granite-13b-chat-v2 (for call summary)</a:t>
+              <a:t>/granite-13b-chat-v2 (for call summary &amp; feature extraction)</a:t>
             </a:r>
             <a:br>
               <a:rPr lang="en-US" sz="1800" dirty="0">
@@ -24277,24 +24690,17 @@
                 <a:effectLst/>
                 <a:latin typeface="+mj-lt"/>
               </a:rPr>
-              <a:t>Git - </a:t>
-            </a:r>
-            <a:r>
-              <a:rPr lang="en-US" sz="1800" dirty="0">
+              <a:t>Git </a:t>
+            </a:r>
+            <a:r>
+              <a:rPr lang="en-US" sz="1800">
                 <a:solidFill>
                   <a:schemeClr val="tx1"/>
                 </a:solidFill>
                 <a:effectLst/>
                 <a:latin typeface="+mj-lt"/>
-                <a:hlinkClick r:id="rId2">
-                  <a:extLst>
-                    <a:ext uri="{A12FA001-AC4F-418D-AE19-62706E023703}">
-                      <ahyp:hlinkClr xmlns:ahyp="http://schemas.microsoft.com/office/drawing/2018/hyperlinkcolor" val="tx"/>
-                    </a:ext>
-                  </a:extLst>
-                </a:hlinkClick>
               </a:rPr>
-              <a:t>https://github.com/meanirban100/IBM-Watson-Hackathon.git</a:t>
+              <a:t>- https://github.com/meanirban100/IBM-Watsonx-Hackathon.git</a:t>
             </a:r>
             <a:endParaRPr lang="en-US" sz="2000" dirty="0">
               <a:solidFill>
@@ -25163,7 +25569,7 @@
                   <a:schemeClr val="tx1"/>
                 </a:solidFill>
               </a:rPr>
-              <a:t>walkthrough</a:t>
+              <a:t>Challenges</a:t>
             </a:r>
           </a:p>
         </p:txBody>
@@ -25197,35 +25603,71 @@
           <a:lstStyle/>
           <a:p>
             <a:pPr algn="l"/>
+            <a:r>
+              <a:rPr lang="en-US" sz="2800" dirty="0">
+                <a:solidFill>
+                  <a:schemeClr val="tx1"/>
+                </a:solidFill>
+                <a:latin typeface="+mj-lt"/>
+              </a:rPr>
+              <a:t> </a:t>
+            </a:r>
+          </a:p>
+          <a:p>
+            <a:pPr marL="514350" indent="-514350" algn="l">
+              <a:buFont typeface="Arial" panose="020B0604020202020204" pitchFamily="34" charset="0"/>
+              <a:buChar char="•"/>
+            </a:pPr>
+            <a:r>
+              <a:rPr lang="en-US" sz="2800" dirty="0">
+                <a:solidFill>
+                  <a:schemeClr val="tx1"/>
+                </a:solidFill>
+                <a:latin typeface="+mj-lt"/>
+              </a:rPr>
+              <a:t>Some conversations yield incorrect/no responses during sentiment analysis, which can be improved with refined prompting techniques. </a:t>
+            </a:r>
+            <a:br>
+              <a:rPr lang="en-US" sz="2800" dirty="0">
+                <a:solidFill>
+                  <a:schemeClr val="tx1"/>
+                </a:solidFill>
+                <a:latin typeface="+mj-lt"/>
+              </a:rPr>
+            </a:br>
             <a:endParaRPr lang="en-US" sz="2800" dirty="0">
               <a:solidFill>
-                <a:srgbClr val="CE9178"/>
+                <a:schemeClr val="tx1"/>
               </a:solidFill>
-              <a:latin typeface="Consolas" panose="020B0609020204030204" pitchFamily="49" charset="0"/>
+              <a:latin typeface="+mj-lt"/>
             </a:endParaRPr>
           </a:p>
           <a:p>
-            <a:pPr algn="l"/>
+            <a:pPr marL="514350" indent="-514350" algn="l">
+              <a:buFont typeface="Arial" panose="020B0604020202020204" pitchFamily="34" charset="0"/>
+              <a:buChar char="•"/>
+            </a:pPr>
+            <a:r>
+              <a:rPr lang="en-US" sz="2800" dirty="0">
+                <a:solidFill>
+                  <a:schemeClr val="tx1"/>
+                </a:solidFill>
+                <a:latin typeface="+mj-lt"/>
+              </a:rPr>
+              <a:t>It’s also essential to compare these results with other available models to identify potential areas for further enhancement.</a:t>
+            </a:r>
+          </a:p>
+          <a:p>
+            <a:pPr marL="457200" indent="-457200" algn="l">
+              <a:buFont typeface="Arial" panose="020B0604020202020204" pitchFamily="34" charset="0"/>
+              <a:buChar char="•"/>
+            </a:pPr>
             <a:endParaRPr lang="en-US" sz="2800" dirty="0">
               <a:solidFill>
-                <a:srgbClr val="CE9178"/>
+                <a:schemeClr val="tx1"/>
               </a:solidFill>
-              <a:latin typeface="Consolas" panose="020B0609020204030204" pitchFamily="49" charset="0"/>
+              <a:latin typeface="+mj-lt"/>
             </a:endParaRPr>
-          </a:p>
-          <a:p>
-            <a:pPr algn="l"/>
-            <a:endParaRPr lang="en-US" sz="2800" b="0" dirty="0">
-              <a:solidFill>
-                <a:srgbClr val="CCCCCC"/>
-              </a:solidFill>
-              <a:effectLst/>
-              <a:latin typeface="Consolas" panose="020B0609020204030204" pitchFamily="49" charset="0"/>
-            </a:endParaRPr>
-          </a:p>
-          <a:p>
-            <a:pPr algn="l"/>
-            <a:endParaRPr lang="en-US" sz="2000" dirty="0"/>
           </a:p>
         </p:txBody>
       </p:sp>
@@ -25264,293 +25706,10 @@
           </a:p>
         </p:txBody>
       </p:sp>
-      <p:sp>
-        <p:nvSpPr>
-          <p:cNvPr id="4" name="Text Placeholder 2">
-            <a:extLst>
-              <a:ext uri="{FF2B5EF4-FFF2-40B4-BE49-F238E27FC236}">
-                <a16:creationId xmlns:a16="http://schemas.microsoft.com/office/drawing/2014/main" id="{D0157036-1F41-7B05-C6B8-E7F5D95E6721}"/>
-              </a:ext>
-            </a:extLst>
-          </p:cNvPr>
-          <p:cNvSpPr>
-            <a:spLocks noGrp="1"/>
-          </p:cNvSpPr>
-          <p:nvPr>
-            <p:ph type="body" sz="quarter" idx="13"/>
-          </p:nvPr>
-        </p:nvSpPr>
-        <p:spPr>
-          <a:xfrm>
-            <a:off x="203312" y="1560663"/>
-            <a:ext cx="6349888" cy="551166"/>
-          </a:xfrm>
-        </p:spPr>
-        <p:txBody>
-          <a:bodyPr>
-            <a:normAutofit/>
-          </a:bodyPr>
-          <a:lstStyle/>
-          <a:p>
-            <a:r>
-              <a:rPr lang="en-US" b="1" dirty="0">
-                <a:solidFill>
-                  <a:schemeClr val="tx1"/>
-                </a:solidFill>
-              </a:rPr>
-              <a:t>HuggingFace Dataset (With Synthetic data)</a:t>
-            </a:r>
-          </a:p>
-        </p:txBody>
-      </p:sp>
-      <p:pic>
-        <p:nvPicPr>
-          <p:cNvPr id="6" name="Picture 5">
-            <a:extLst>
-              <a:ext uri="{FF2B5EF4-FFF2-40B4-BE49-F238E27FC236}">
-                <a16:creationId xmlns:a16="http://schemas.microsoft.com/office/drawing/2014/main" id="{9A94FB19-27F0-F3BF-3F5F-EA9203969A20}"/>
-              </a:ext>
-            </a:extLst>
-          </p:cNvPr>
-          <p:cNvPicPr>
-            <a:picLocks noChangeAspect="1"/>
-          </p:cNvPicPr>
-          <p:nvPr/>
-        </p:nvPicPr>
-        <p:blipFill>
-          <a:blip r:embed="rId2"/>
-          <a:stretch>
-            <a:fillRect/>
-          </a:stretch>
-        </p:blipFill>
-        <p:spPr>
-          <a:xfrm>
-            <a:off x="675996" y="2254623"/>
-            <a:ext cx="10840007" cy="3054507"/>
-          </a:xfrm>
-          <a:prstGeom prst="rect">
-            <a:avLst/>
-          </a:prstGeom>
-        </p:spPr>
-      </p:pic>
-      <p:sp>
-        <p:nvSpPr>
-          <p:cNvPr id="12" name="Text Placeholder 7">
-            <a:extLst>
-              <a:ext uri="{FF2B5EF4-FFF2-40B4-BE49-F238E27FC236}">
-                <a16:creationId xmlns:a16="http://schemas.microsoft.com/office/drawing/2014/main" id="{447ADA16-DA99-5619-3299-64B19302E6C5}"/>
-              </a:ext>
-            </a:extLst>
-          </p:cNvPr>
-          <p:cNvSpPr txBox="1">
-            <a:spLocks/>
-          </p:cNvSpPr>
-          <p:nvPr/>
-        </p:nvSpPr>
-        <p:spPr>
-          <a:xfrm>
-            <a:off x="9865973" y="6356350"/>
-            <a:ext cx="1104388" cy="330286"/>
-          </a:xfrm>
-          <a:prstGeom prst="rect">
-            <a:avLst/>
-          </a:prstGeom>
-        </p:spPr>
-        <p:txBody>
-          <a:bodyPr vert="horz" lIns="91440" tIns="45720" rIns="91440" bIns="45720" rtlCol="0">
-            <a:normAutofit/>
-          </a:bodyPr>
-          <a:lstStyle>
-            <a:lvl1pPr marL="0" indent="0" algn="ctr" defTabSz="914400" rtl="0" eaLnBrk="1" latinLnBrk="0" hangingPunct="1">
-              <a:lnSpc>
-                <a:spcPct val="100000"/>
-              </a:lnSpc>
-              <a:spcBef>
-                <a:spcPts val="1000"/>
-              </a:spcBef>
-              <a:buFont typeface="Arial" panose="020B0604020202020204" pitchFamily="34" charset="0"/>
-              <a:buNone/>
-              <a:defRPr sz="1400" kern="1200">
-                <a:solidFill>
-                  <a:schemeClr val="tx1">
-                    <a:lumMod val="75000"/>
-                    <a:lumOff val="25000"/>
-                  </a:schemeClr>
-                </a:solidFill>
-                <a:latin typeface="+mn-lt"/>
-                <a:ea typeface="+mn-ea"/>
-                <a:cs typeface="+mn-cs"/>
-              </a:defRPr>
-            </a:lvl1pPr>
-            <a:lvl2pPr marL="685800" indent="-228600" algn="l" defTabSz="914400" rtl="0" eaLnBrk="1" latinLnBrk="0" hangingPunct="1">
-              <a:lnSpc>
-                <a:spcPct val="90000"/>
-              </a:lnSpc>
-              <a:spcBef>
-                <a:spcPts val="500"/>
-              </a:spcBef>
-              <a:buFont typeface="Arial" panose="020B0604020202020204" pitchFamily="34" charset="0"/>
-              <a:buChar char="•"/>
-              <a:defRPr sz="2400" kern="1200">
-                <a:solidFill>
-                  <a:schemeClr val="tx1">
-                    <a:lumMod val="75000"/>
-                    <a:lumOff val="25000"/>
-                  </a:schemeClr>
-                </a:solidFill>
-                <a:latin typeface="+mn-lt"/>
-                <a:ea typeface="+mn-ea"/>
-                <a:cs typeface="+mn-cs"/>
-              </a:defRPr>
-            </a:lvl2pPr>
-            <a:lvl3pPr marL="1143000" indent="-228600" algn="l" defTabSz="914400" rtl="0" eaLnBrk="1" latinLnBrk="0" hangingPunct="1">
-              <a:lnSpc>
-                <a:spcPct val="90000"/>
-              </a:lnSpc>
-              <a:spcBef>
-                <a:spcPts val="500"/>
-              </a:spcBef>
-              <a:buFont typeface="Arial" panose="020B0604020202020204" pitchFamily="34" charset="0"/>
-              <a:buChar char="•"/>
-              <a:defRPr sz="2000" kern="1200">
-                <a:solidFill>
-                  <a:schemeClr val="tx1">
-                    <a:lumMod val="75000"/>
-                    <a:lumOff val="25000"/>
-                  </a:schemeClr>
-                </a:solidFill>
-                <a:latin typeface="+mn-lt"/>
-                <a:ea typeface="+mn-ea"/>
-                <a:cs typeface="+mn-cs"/>
-              </a:defRPr>
-            </a:lvl3pPr>
-            <a:lvl4pPr marL="1600200" indent="-228600" algn="l" defTabSz="914400" rtl="0" eaLnBrk="1" latinLnBrk="0" hangingPunct="1">
-              <a:lnSpc>
-                <a:spcPct val="90000"/>
-              </a:lnSpc>
-              <a:spcBef>
-                <a:spcPts val="500"/>
-              </a:spcBef>
-              <a:buFont typeface="Arial" panose="020B0604020202020204" pitchFamily="34" charset="0"/>
-              <a:buChar char="•"/>
-              <a:defRPr sz="1800" kern="1200">
-                <a:solidFill>
-                  <a:schemeClr val="tx1">
-                    <a:lumMod val="75000"/>
-                    <a:lumOff val="25000"/>
-                  </a:schemeClr>
-                </a:solidFill>
-                <a:latin typeface="+mn-lt"/>
-                <a:ea typeface="+mn-ea"/>
-                <a:cs typeface="+mn-cs"/>
-              </a:defRPr>
-            </a:lvl4pPr>
-            <a:lvl5pPr marL="2057400" indent="-228600" algn="l" defTabSz="914400" rtl="0" eaLnBrk="1" latinLnBrk="0" hangingPunct="1">
-              <a:lnSpc>
-                <a:spcPct val="90000"/>
-              </a:lnSpc>
-              <a:spcBef>
-                <a:spcPts val="500"/>
-              </a:spcBef>
-              <a:buFont typeface="Arial" panose="020B0604020202020204" pitchFamily="34" charset="0"/>
-              <a:buChar char="•"/>
-              <a:defRPr sz="1800" kern="1200">
-                <a:solidFill>
-                  <a:schemeClr val="tx1">
-                    <a:lumMod val="75000"/>
-                    <a:lumOff val="25000"/>
-                  </a:schemeClr>
-                </a:solidFill>
-                <a:latin typeface="+mn-lt"/>
-                <a:ea typeface="+mn-ea"/>
-                <a:cs typeface="+mn-cs"/>
-              </a:defRPr>
-            </a:lvl5pPr>
-            <a:lvl6pPr marL="2514600" indent="-228600" algn="l" defTabSz="914400" rtl="0" eaLnBrk="1" latinLnBrk="0" hangingPunct="1">
-              <a:lnSpc>
-                <a:spcPct val="90000"/>
-              </a:lnSpc>
-              <a:spcBef>
-                <a:spcPts val="500"/>
-              </a:spcBef>
-              <a:buFont typeface="Arial" panose="020B0604020202020204" pitchFamily="34" charset="0"/>
-              <a:buChar char="•"/>
-              <a:defRPr sz="1800" kern="1200">
-                <a:solidFill>
-                  <a:schemeClr val="tx1"/>
-                </a:solidFill>
-                <a:latin typeface="+mn-lt"/>
-                <a:ea typeface="+mn-ea"/>
-                <a:cs typeface="+mn-cs"/>
-              </a:defRPr>
-            </a:lvl6pPr>
-            <a:lvl7pPr marL="2971800" indent="-228600" algn="l" defTabSz="914400" rtl="0" eaLnBrk="1" latinLnBrk="0" hangingPunct="1">
-              <a:lnSpc>
-                <a:spcPct val="90000"/>
-              </a:lnSpc>
-              <a:spcBef>
-                <a:spcPts val="500"/>
-              </a:spcBef>
-              <a:buFont typeface="Arial" panose="020B0604020202020204" pitchFamily="34" charset="0"/>
-              <a:buChar char="•"/>
-              <a:defRPr sz="1800" kern="1200">
-                <a:solidFill>
-                  <a:schemeClr val="tx1"/>
-                </a:solidFill>
-                <a:latin typeface="+mn-lt"/>
-                <a:ea typeface="+mn-ea"/>
-                <a:cs typeface="+mn-cs"/>
-              </a:defRPr>
-            </a:lvl7pPr>
-            <a:lvl8pPr marL="3429000" indent="-228600" algn="l" defTabSz="914400" rtl="0" eaLnBrk="1" latinLnBrk="0" hangingPunct="1">
-              <a:lnSpc>
-                <a:spcPct val="90000"/>
-              </a:lnSpc>
-              <a:spcBef>
-                <a:spcPts val="500"/>
-              </a:spcBef>
-              <a:buFont typeface="Arial" panose="020B0604020202020204" pitchFamily="34" charset="0"/>
-              <a:buChar char="•"/>
-              <a:defRPr sz="1800" kern="1200">
-                <a:solidFill>
-                  <a:schemeClr val="tx1"/>
-                </a:solidFill>
-                <a:latin typeface="+mn-lt"/>
-                <a:ea typeface="+mn-ea"/>
-                <a:cs typeface="+mn-cs"/>
-              </a:defRPr>
-            </a:lvl8pPr>
-            <a:lvl9pPr marL="3886200" indent="-228600" algn="l" defTabSz="914400" rtl="0" eaLnBrk="1" latinLnBrk="0" hangingPunct="1">
-              <a:lnSpc>
-                <a:spcPct val="90000"/>
-              </a:lnSpc>
-              <a:spcBef>
-                <a:spcPts val="500"/>
-              </a:spcBef>
-              <a:buFont typeface="Arial" panose="020B0604020202020204" pitchFamily="34" charset="0"/>
-              <a:buChar char="•"/>
-              <a:defRPr sz="1800" kern="1200">
-                <a:solidFill>
-                  <a:schemeClr val="tx1"/>
-                </a:solidFill>
-                <a:latin typeface="+mn-lt"/>
-                <a:ea typeface="+mn-ea"/>
-                <a:cs typeface="+mn-cs"/>
-              </a:defRPr>
-            </a:lvl9pPr>
-          </a:lstStyle>
-          <a:p>
-            <a:r>
-              <a:rPr lang="en-US" b="1" dirty="0"/>
-              <a:t>Contd…</a:t>
-            </a:r>
-          </a:p>
-        </p:txBody>
-      </p:sp>
     </p:spTree>
     <p:extLst>
       <p:ext uri="{BB962C8B-B14F-4D97-AF65-F5344CB8AC3E}">
-        <p14:creationId xmlns:p14="http://schemas.microsoft.com/office/powerpoint/2010/main" val="2712101251"/>
+        <p14:creationId xmlns:p14="http://schemas.microsoft.com/office/powerpoint/2010/main" val="2516776324"/>
       </p:ext>
     </p:extLst>
   </p:cSld>
@@ -26658,15 +26817,6 @@
 </file>
 
 <file path=customXml/item2.xml><?xml version="1.0" encoding="utf-8"?>
-<?mso-contentType ?>
-<FormTemplates xmlns="http://schemas.microsoft.com/sharepoint/v3/contenttype/forms">
-  <Display>DocumentLibraryForm</Display>
-  <Edit>DocumentLibraryForm</Edit>
-  <New>DocumentLibraryForm</New>
-</FormTemplates>
-</file>
-
-<file path=customXml/item3.xml><?xml version="1.0" encoding="utf-8"?>
 <p:properties xmlns:p="http://schemas.microsoft.com/office/2006/metadata/properties" xmlns:xsi="http://www.w3.org/2001/XMLSchema-instance" xmlns:pc="http://schemas.microsoft.com/office/infopath/2007/PartnerControls">
   <documentManagement>
     <_ip_UnifiedCompliancePolicyUIAction xmlns="http://schemas.microsoft.com/sharepoint/v3" xsi:nil="true"/>
@@ -26684,6 +26834,15 @@
     <MediaServiceKeyPoints xmlns="71af3243-3dd4-4a8d-8c0d-dd76da1f02a5" xsi:nil="true"/>
   </documentManagement>
 </p:properties>
+</file>
+
+<file path=customXml/item3.xml><?xml version="1.0" encoding="utf-8"?>
+<?mso-contentType ?>
+<FormTemplates xmlns="http://schemas.microsoft.com/sharepoint/v3/contenttype/forms">
+  <Display>DocumentLibraryForm</Display>
+  <Edit>DocumentLibraryForm</Edit>
+  <New>DocumentLibraryForm</New>
+</FormTemplates>
 </file>
 
 <file path=customXml/itemProps1.xml><?xml version="1.0" encoding="utf-8"?>
@@ -26708,14 +26867,6 @@
 </file>
 
 <file path=customXml/itemProps2.xml><?xml version="1.0" encoding="utf-8"?>
-<ds:datastoreItem xmlns:ds="http://schemas.openxmlformats.org/officeDocument/2006/customXml" ds:itemID="{6966C46A-DC57-4209-80CD-9FE6C93151FF}">
-  <ds:schemaRefs>
-    <ds:schemaRef ds:uri="http://schemas.microsoft.com/sharepoint/v3/contenttype/forms"/>
-  </ds:schemaRefs>
-</ds:datastoreItem>
-</file>
-
-<file path=customXml/itemProps3.xml><?xml version="1.0" encoding="utf-8"?>
 <ds:datastoreItem xmlns:ds="http://schemas.openxmlformats.org/officeDocument/2006/customXml" ds:itemID="{BEFFFA3F-0FB5-4ED3-8906-A15B16577F44}">
   <ds:schemaRefs>
     <ds:schemaRef ds:uri="http://schemas.microsoft.com/office/2006/metadata/properties"/>
@@ -26727,6 +26878,14 @@
 </ds:datastoreItem>
 </file>
 
+<file path=customXml/itemProps3.xml><?xml version="1.0" encoding="utf-8"?>
+<ds:datastoreItem xmlns:ds="http://schemas.openxmlformats.org/officeDocument/2006/customXml" ds:itemID="{6966C46A-DC57-4209-80CD-9FE6C93151FF}">
+  <ds:schemaRefs>
+    <ds:schemaRef ds:uri="http://schemas.microsoft.com/sharepoint/v3/contenttype/forms"/>
+  </ds:schemaRefs>
+</ds:datastoreItem>
+</file>
+
 <file path=docMetadata/LabelInfo.xml><?xml version="1.0" encoding="utf-8"?>
 <clbl:labelList xmlns:clbl="http://schemas.microsoft.com/office/2020/mipLabelMetadata"/>
 </file>
--- a/IBM-Watsonx-Presentation.pptx
+++ b/IBM-Watsonx-Presentation.pptx
@@ -5,10 +5,10 @@
     <p:sldMasterId id="2147483666" r:id="rId4"/>
   </p:sldMasterIdLst>
   <p:notesMasterIdLst>
-    <p:notesMasterId r:id="rId25"/>
+    <p:notesMasterId r:id="rId24"/>
   </p:notesMasterIdLst>
   <p:handoutMasterIdLst>
-    <p:handoutMasterId r:id="rId26"/>
+    <p:handoutMasterId r:id="rId25"/>
   </p:handoutMasterIdLst>
   <p:sldIdLst>
     <p:sldId id="256" r:id="rId5"/>
@@ -18,19 +18,18 @@
     <p:sldId id="296" r:id="rId9"/>
     <p:sldId id="297" r:id="rId10"/>
     <p:sldId id="298" r:id="rId11"/>
-    <p:sldId id="311" r:id="rId12"/>
-    <p:sldId id="303" r:id="rId13"/>
-    <p:sldId id="302" r:id="rId14"/>
-    <p:sldId id="276" r:id="rId15"/>
-    <p:sldId id="312" r:id="rId16"/>
-    <p:sldId id="299" r:id="rId17"/>
-    <p:sldId id="304" r:id="rId18"/>
-    <p:sldId id="305" r:id="rId19"/>
-    <p:sldId id="306" r:id="rId20"/>
-    <p:sldId id="307" r:id="rId21"/>
-    <p:sldId id="308" r:id="rId22"/>
-    <p:sldId id="309" r:id="rId23"/>
-    <p:sldId id="310" r:id="rId24"/>
+    <p:sldId id="299" r:id="rId12"/>
+    <p:sldId id="304" r:id="rId13"/>
+    <p:sldId id="305" r:id="rId14"/>
+    <p:sldId id="306" r:id="rId15"/>
+    <p:sldId id="307" r:id="rId16"/>
+    <p:sldId id="308" r:id="rId17"/>
+    <p:sldId id="309" r:id="rId18"/>
+    <p:sldId id="310" r:id="rId19"/>
+    <p:sldId id="311" r:id="rId20"/>
+    <p:sldId id="302" r:id="rId21"/>
+    <p:sldId id="303" r:id="rId22"/>
+    <p:sldId id="276" r:id="rId23"/>
   </p:sldIdLst>
   <p:sldSz cx="12192000" cy="6858000"/>
   <p:notesSz cx="6858000" cy="9144000"/>
@@ -168,7 +167,7 @@
   <p1510:revLst>
     <p1510:client id="{85F741F2-2510-44D5-AF8B-2373A010F755}" v="33" dt="2024-09-19T10:37:18.884"/>
     <p1510:client id="{BE6FB4C6-1D1F-44D0-A320-56BCD2624943}" v="1" dt="2024-09-19T06:04:30.742"/>
-    <p1510:client id="{DA72F9B2-C87B-41E6-84EF-245FC2ADC638}" v="26" dt="2024-09-19T13:14:54.349"/>
+    <p1510:client id="{DA72F9B2-C87B-41E6-84EF-245FC2ADC638}" v="36" dt="2024-09-19T15:03:43.967"/>
   </p1510:revLst>
 </p1510:revInfo>
 </file>
@@ -177,19 +176,27 @@
 <pc:chgInfo xmlns:a="http://schemas.openxmlformats.org/drawingml/2006/main" xmlns:r="http://schemas.openxmlformats.org/officeDocument/2006/relationships" xmlns:ac="http://schemas.microsoft.com/office/drawing/2013/main/command" xmlns:pc="http://schemas.microsoft.com/office/powerpoint/2013/main/command">
   <pc:docChgLst>
     <pc:chgData name="Anirban Banerjee (IN92657)" userId="b82f5010-943b-4dbb-9251-0075e403d9fa" providerId="ADAL" clId="{DA72F9B2-C87B-41E6-84EF-245FC2ADC638}"/>
-    <pc:docChg chg="undo redo custSel addSld delSld modSld">
-      <pc:chgData name="Anirban Banerjee (IN92657)" userId="b82f5010-943b-4dbb-9251-0075e403d9fa" providerId="ADAL" clId="{DA72F9B2-C87B-41E6-84EF-245FC2ADC638}" dt="2024-09-19T13:31:23.325" v="4236"/>
+    <pc:docChg chg="undo redo custSel addSld delSld modSld sldOrd">
+      <pc:chgData name="Anirban Banerjee (IN92657)" userId="b82f5010-943b-4dbb-9251-0075e403d9fa" providerId="ADAL" clId="{DA72F9B2-C87B-41E6-84EF-245FC2ADC638}" dt="2024-09-19T15:03:43.967" v="4366"/>
       <pc:docMkLst>
         <pc:docMk/>
       </pc:docMkLst>
-      <pc:sldChg chg="modSp mod">
-        <pc:chgData name="Anirban Banerjee (IN92657)" userId="b82f5010-943b-4dbb-9251-0075e403d9fa" providerId="ADAL" clId="{DA72F9B2-C87B-41E6-84EF-245FC2ADC638}" dt="2024-09-19T12:22:43.572" v="4136" actId="207"/>
+      <pc:sldChg chg="addSp delSp modSp mod modTransition delAnim chgLayout">
+        <pc:chgData name="Anirban Banerjee (IN92657)" userId="b82f5010-943b-4dbb-9251-0075e403d9fa" providerId="ADAL" clId="{DA72F9B2-C87B-41E6-84EF-245FC2ADC638}" dt="2024-09-19T14:52:22.543" v="4359"/>
         <pc:sldMkLst>
           <pc:docMk/>
           <pc:sldMk cId="1642425379" sldId="256"/>
         </pc:sldMkLst>
-        <pc:spChg chg="mod">
-          <ac:chgData name="Anirban Banerjee (IN92657)" userId="b82f5010-943b-4dbb-9251-0075e403d9fa" providerId="ADAL" clId="{DA72F9B2-C87B-41E6-84EF-245FC2ADC638}" dt="2024-09-19T12:22:43.572" v="4136" actId="207"/>
+        <pc:spChg chg="add del mod">
+          <ac:chgData name="Anirban Banerjee (IN92657)" userId="b82f5010-943b-4dbb-9251-0075e403d9fa" providerId="ADAL" clId="{DA72F9B2-C87B-41E6-84EF-245FC2ADC638}" dt="2024-09-19T14:49:12.690" v="4354" actId="6264"/>
+          <ac:spMkLst>
+            <pc:docMk/>
+            <pc:sldMk cId="1642425379" sldId="256"/>
+            <ac:spMk id="2" creationId="{FE15AC91-1A80-7046-E968-6EF037CA12F9}"/>
+          </ac:spMkLst>
+        </pc:spChg>
+        <pc:spChg chg="mod ord">
+          <ac:chgData name="Anirban Banerjee (IN92657)" userId="b82f5010-943b-4dbb-9251-0075e403d9fa" providerId="ADAL" clId="{DA72F9B2-C87B-41E6-84EF-245FC2ADC638}" dt="2024-09-19T14:49:12.690" v="4354" actId="6264"/>
           <ac:spMkLst>
             <pc:docMk/>
             <pc:sldMk cId="1642425379" sldId="256"/>
@@ -204,6 +211,22 @@
             <ac:spMk id="4" creationId="{1BB39B91-68C7-DAF7-3111-A225CAEDB672}"/>
           </ac:spMkLst>
         </pc:spChg>
+        <pc:spChg chg="add del mod ord">
+          <ac:chgData name="Anirban Banerjee (IN92657)" userId="b82f5010-943b-4dbb-9251-0075e403d9fa" providerId="ADAL" clId="{DA72F9B2-C87B-41E6-84EF-245FC2ADC638}" dt="2024-09-19T14:49:12.690" v="4354" actId="6264"/>
+          <ac:spMkLst>
+            <pc:docMk/>
+            <pc:sldMk cId="1642425379" sldId="256"/>
+            <ac:spMk id="5" creationId="{18800D9D-65D7-46C8-5B7D-F9A56C517911}"/>
+          </ac:spMkLst>
+        </pc:spChg>
+        <pc:picChg chg="add del mod">
+          <ac:chgData name="Anirban Banerjee (IN92657)" userId="b82f5010-943b-4dbb-9251-0075e403d9fa" providerId="ADAL" clId="{DA72F9B2-C87B-41E6-84EF-245FC2ADC638}" dt="2024-09-19T14:14:32.334" v="4240" actId="478"/>
+          <ac:picMkLst>
+            <pc:docMk/>
+            <pc:sldMk cId="1642425379" sldId="256"/>
+            <ac:picMk id="6" creationId="{EA777988-3CB7-19A5-D962-CEE42E46A61D}"/>
+          </ac:picMkLst>
+        </pc:picChg>
       </pc:sldChg>
       <pc:sldChg chg="del">
         <pc:chgData name="Anirban Banerjee (IN92657)" userId="b82f5010-943b-4dbb-9251-0075e403d9fa" providerId="ADAL" clId="{DA72F9B2-C87B-41E6-84EF-245FC2ADC638}" dt="2024-09-18T12:40:44.941" v="2712" actId="47"/>
@@ -298,8 +321,8 @@
           </ac:spMkLst>
         </pc:spChg>
       </pc:sldChg>
-      <pc:sldChg chg="addSp delSp modSp mod">
-        <pc:chgData name="Anirban Banerjee (IN92657)" userId="b82f5010-943b-4dbb-9251-0075e403d9fa" providerId="ADAL" clId="{DA72F9B2-C87B-41E6-84EF-245FC2ADC638}" dt="2024-09-19T12:22:53.500" v="4140" actId="207"/>
+      <pc:sldChg chg="addSp delSp modSp mod modTransition delAnim">
+        <pc:chgData name="Anirban Banerjee (IN92657)" userId="b82f5010-943b-4dbb-9251-0075e403d9fa" providerId="ADAL" clId="{DA72F9B2-C87B-41E6-84EF-245FC2ADC638}" dt="2024-09-19T14:52:22.543" v="4359"/>
         <pc:sldMkLst>
           <pc:docMk/>
           <pc:sldMk cId="1593920805" sldId="262"/>
@@ -448,6 +471,14 @@
             <ac:spMk id="81" creationId="{E94F1D24-E4A1-4B59-B57E-A28453963B88}"/>
           </ac:spMkLst>
         </pc:spChg>
+        <pc:picChg chg="add del mod">
+          <ac:chgData name="Anirban Banerjee (IN92657)" userId="b82f5010-943b-4dbb-9251-0075e403d9fa" providerId="ADAL" clId="{DA72F9B2-C87B-41E6-84EF-245FC2ADC638}" dt="2024-09-19T14:14:36.308" v="4242" actId="478"/>
+          <ac:picMkLst>
+            <pc:docMk/>
+            <pc:sldMk cId="1593920805" sldId="262"/>
+            <ac:picMk id="5" creationId="{4728BCC1-83B7-6AFF-0392-A5EA071E3B4D}"/>
+          </ac:picMkLst>
+        </pc:picChg>
       </pc:sldChg>
       <pc:sldChg chg="del">
         <pc:chgData name="Anirban Banerjee (IN92657)" userId="b82f5010-943b-4dbb-9251-0075e403d9fa" providerId="ADAL" clId="{DA72F9B2-C87B-41E6-84EF-245FC2ADC638}" dt="2024-09-18T12:40:46.312" v="2713" actId="47"/>
@@ -484,8 +515,8 @@
           <pc:sldMk cId="920173932" sldId="275"/>
         </pc:sldMkLst>
       </pc:sldChg>
-      <pc:sldChg chg="addSp delSp modSp mod">
-        <pc:chgData name="Anirban Banerjee (IN92657)" userId="b82f5010-943b-4dbb-9251-0075e403d9fa" providerId="ADAL" clId="{DA72F9B2-C87B-41E6-84EF-245FC2ADC638}" dt="2024-09-19T12:25:21.480" v="4192" actId="207"/>
+      <pc:sldChg chg="addSp delSp modSp mod modTransition">
+        <pc:chgData name="Anirban Banerjee (IN92657)" userId="b82f5010-943b-4dbb-9251-0075e403d9fa" providerId="ADAL" clId="{DA72F9B2-C87B-41E6-84EF-245FC2ADC638}" dt="2024-09-19T14:52:22.543" v="4359"/>
         <pc:sldMkLst>
           <pc:docMk/>
           <pc:sldMk cId="2436493926" sldId="276"/>
@@ -584,8 +615,8 @@
           <pc:sldMk cId="1417396711" sldId="280"/>
         </pc:sldMkLst>
       </pc:sldChg>
-      <pc:sldChg chg="addSp delSp modSp mod">
-        <pc:chgData name="Anirban Banerjee (IN92657)" userId="b82f5010-943b-4dbb-9251-0075e403d9fa" providerId="ADAL" clId="{DA72F9B2-C87B-41E6-84EF-245FC2ADC638}" dt="2024-09-19T12:22:48.408" v="4138" actId="207"/>
+      <pc:sldChg chg="addSp delSp modSp mod modTransition delAnim">
+        <pc:chgData name="Anirban Banerjee (IN92657)" userId="b82f5010-943b-4dbb-9251-0075e403d9fa" providerId="ADAL" clId="{DA72F9B2-C87B-41E6-84EF-245FC2ADC638}" dt="2024-09-19T14:52:22.543" v="4359"/>
         <pc:sldMkLst>
           <pc:docMk/>
           <pc:sldMk cId="546627634" sldId="282"/>
@@ -644,6 +675,14 @@
             <pc:docMk/>
             <pc:sldMk cId="546627634" sldId="282"/>
             <ac:picMk id="4" creationId="{99B8D2AB-8583-6819-5F82-8F9D24F624E0}"/>
+          </ac:picMkLst>
+        </pc:picChg>
+        <pc:picChg chg="add del mod">
+          <ac:chgData name="Anirban Banerjee (IN92657)" userId="b82f5010-943b-4dbb-9251-0075e403d9fa" providerId="ADAL" clId="{DA72F9B2-C87B-41E6-84EF-245FC2ADC638}" dt="2024-09-19T14:14:34.512" v="4241" actId="478"/>
+          <ac:picMkLst>
+            <pc:docMk/>
+            <pc:sldMk cId="546627634" sldId="282"/>
+            <ac:picMk id="6" creationId="{10DB2B5A-55B8-9550-EB1F-933AC254DEAC}"/>
           </ac:picMkLst>
         </pc:picChg>
         <pc:picChg chg="mod">
@@ -736,8 +775,8 @@
           <pc:sldMk cId="3084972071" sldId="294"/>
         </pc:sldMkLst>
       </pc:sldChg>
-      <pc:sldChg chg="delSp modSp add mod">
-        <pc:chgData name="Anirban Banerjee (IN92657)" userId="b82f5010-943b-4dbb-9251-0075e403d9fa" providerId="ADAL" clId="{DA72F9B2-C87B-41E6-84EF-245FC2ADC638}" dt="2024-09-19T13:24:50.899" v="4214" actId="20577"/>
+      <pc:sldChg chg="addSp delSp modSp add mod modTransition delAnim">
+        <pc:chgData name="Anirban Banerjee (IN92657)" userId="b82f5010-943b-4dbb-9251-0075e403d9fa" providerId="ADAL" clId="{DA72F9B2-C87B-41E6-84EF-245FC2ADC638}" dt="2024-09-19T14:52:22.543" v="4359"/>
         <pc:sldMkLst>
           <pc:docMk/>
           <pc:sldMk cId="2537869113" sldId="295"/>
@@ -774,9 +813,17 @@
             <ac:spMk id="81" creationId="{E94F1D24-E4A1-4B59-B57E-A28453963B88}"/>
           </ac:spMkLst>
         </pc:spChg>
+        <pc:picChg chg="add del mod">
+          <ac:chgData name="Anirban Banerjee (IN92657)" userId="b82f5010-943b-4dbb-9251-0075e403d9fa" providerId="ADAL" clId="{DA72F9B2-C87B-41E6-84EF-245FC2ADC638}" dt="2024-09-19T14:14:38.327" v="4243" actId="478"/>
+          <ac:picMkLst>
+            <pc:docMk/>
+            <pc:sldMk cId="2537869113" sldId="295"/>
+            <ac:picMk id="5" creationId="{C68A7362-E5C7-5E2F-282E-53F7004544E8}"/>
+          </ac:picMkLst>
+        </pc:picChg>
       </pc:sldChg>
-      <pc:sldChg chg="delSp modSp add mod">
-        <pc:chgData name="Anirban Banerjee (IN92657)" userId="b82f5010-943b-4dbb-9251-0075e403d9fa" providerId="ADAL" clId="{DA72F9B2-C87B-41E6-84EF-245FC2ADC638}" dt="2024-09-19T12:30:23.464" v="4202" actId="20577"/>
+      <pc:sldChg chg="delSp modSp add mod modTransition">
+        <pc:chgData name="Anirban Banerjee (IN92657)" userId="b82f5010-943b-4dbb-9251-0075e403d9fa" providerId="ADAL" clId="{DA72F9B2-C87B-41E6-84EF-245FC2ADC638}" dt="2024-09-19T14:52:22.543" v="4359"/>
         <pc:sldMkLst>
           <pc:docMk/>
           <pc:sldMk cId="1368850691" sldId="296"/>
@@ -814,8 +861,8 @@
           </ac:spMkLst>
         </pc:spChg>
       </pc:sldChg>
-      <pc:sldChg chg="delSp modSp add mod">
-        <pc:chgData name="Anirban Banerjee (IN92657)" userId="b82f5010-943b-4dbb-9251-0075e403d9fa" providerId="ADAL" clId="{DA72F9B2-C87B-41E6-84EF-245FC2ADC638}" dt="2024-09-19T13:31:23.325" v="4236"/>
+      <pc:sldChg chg="delSp modSp add mod modTransition">
+        <pc:chgData name="Anirban Banerjee (IN92657)" userId="b82f5010-943b-4dbb-9251-0075e403d9fa" providerId="ADAL" clId="{DA72F9B2-C87B-41E6-84EF-245FC2ADC638}" dt="2024-09-19T14:52:22.543" v="4359"/>
         <pc:sldMkLst>
           <pc:docMk/>
           <pc:sldMk cId="3794388865" sldId="297"/>
@@ -853,8 +900,8 @@
           </ac:spMkLst>
         </pc:spChg>
       </pc:sldChg>
-      <pc:sldChg chg="delSp modSp add mod">
-        <pc:chgData name="Anirban Banerjee (IN92657)" userId="b82f5010-943b-4dbb-9251-0075e403d9fa" providerId="ADAL" clId="{DA72F9B2-C87B-41E6-84EF-245FC2ADC638}" dt="2024-09-19T12:23:20.201" v="4153" actId="207"/>
+      <pc:sldChg chg="delSp modSp add mod modTransition">
+        <pc:chgData name="Anirban Banerjee (IN92657)" userId="b82f5010-943b-4dbb-9251-0075e403d9fa" providerId="ADAL" clId="{DA72F9B2-C87B-41E6-84EF-245FC2ADC638}" dt="2024-09-19T14:52:22.543" v="4359"/>
         <pc:sldMkLst>
           <pc:docMk/>
           <pc:sldMk cId="1400859836" sldId="298"/>
@@ -946,11 +993,18 @@
           </ac:spMkLst>
         </pc:spChg>
       </pc:sldChg>
-      <pc:sldChg chg="add">
-        <pc:chgData name="Anirban Banerjee (IN92657)" userId="b82f5010-943b-4dbb-9251-0075e403d9fa" providerId="ADAL" clId="{DA72F9B2-C87B-41E6-84EF-245FC2ADC638}" dt="2024-09-19T13:14:51.063" v="4204"/>
+      <pc:sldChg chg="add del modTransition">
+        <pc:chgData name="Anirban Banerjee (IN92657)" userId="b82f5010-943b-4dbb-9251-0075e403d9fa" providerId="ADAL" clId="{DA72F9B2-C87B-41E6-84EF-245FC2ADC638}" dt="2024-09-19T15:03:21.887" v="4361" actId="2696"/>
         <pc:sldMkLst>
           <pc:docMk/>
           <pc:sldMk cId="4007388623" sldId="299"/>
+        </pc:sldMkLst>
+      </pc:sldChg>
+      <pc:sldChg chg="add">
+        <pc:chgData name="Anirban Banerjee (IN92657)" userId="b82f5010-943b-4dbb-9251-0075e403d9fa" providerId="ADAL" clId="{DA72F9B2-C87B-41E6-84EF-245FC2ADC638}" dt="2024-09-19T15:03:25.632" v="4362"/>
+        <pc:sldMkLst>
+          <pc:docMk/>
+          <pc:sldMk cId="4037244342" sldId="299"/>
         </pc:sldMkLst>
       </pc:sldChg>
       <pc:sldChg chg="delSp add mod">
@@ -999,8 +1053,22 @@
           </ac:spMkLst>
         </pc:spChg>
       </pc:sldChg>
-      <pc:sldChg chg="addSp delSp modSp add mod">
-        <pc:chgData name="Anirban Banerjee (IN92657)" userId="b82f5010-943b-4dbb-9251-0075e403d9fa" providerId="ADAL" clId="{DA72F9B2-C87B-41E6-84EF-245FC2ADC638}" dt="2024-09-19T12:25:18.313" v="4191" actId="207"/>
+      <pc:sldChg chg="add">
+        <pc:chgData name="Anirban Banerjee (IN92657)" userId="b82f5010-943b-4dbb-9251-0075e403d9fa" providerId="ADAL" clId="{DA72F9B2-C87B-41E6-84EF-245FC2ADC638}" dt="2024-09-19T15:03:34.002" v="4364"/>
+        <pc:sldMkLst>
+          <pc:docMk/>
+          <pc:sldMk cId="27500750" sldId="302"/>
+        </pc:sldMkLst>
+      </pc:sldChg>
+      <pc:sldChg chg="add del modTransition">
+        <pc:chgData name="Anirban Banerjee (IN92657)" userId="b82f5010-943b-4dbb-9251-0075e403d9fa" providerId="ADAL" clId="{DA72F9B2-C87B-41E6-84EF-245FC2ADC638}" dt="2024-09-19T15:03:31.416" v="4363" actId="2696"/>
+        <pc:sldMkLst>
+          <pc:docMk/>
+          <pc:sldMk cId="38391782" sldId="302"/>
+        </pc:sldMkLst>
+      </pc:sldChg>
+      <pc:sldChg chg="addSp delSp modSp add del mod">
+        <pc:chgData name="Anirban Banerjee (IN92657)" userId="b82f5010-943b-4dbb-9251-0075e403d9fa" providerId="ADAL" clId="{DA72F9B2-C87B-41E6-84EF-245FC2ADC638}" dt="2024-09-19T13:49:16.213" v="4237" actId="2696"/>
         <pc:sldMkLst>
           <pc:docMk/>
           <pc:sldMk cId="3637083660" sldId="302"/>
@@ -1054,8 +1122,8 @@
           </ac:spMkLst>
         </pc:spChg>
       </pc:sldChg>
-      <pc:sldChg chg="delSp modSp add mod">
-        <pc:chgData name="Anirban Banerjee (IN92657)" userId="b82f5010-943b-4dbb-9251-0075e403d9fa" providerId="ADAL" clId="{DA72F9B2-C87B-41E6-84EF-245FC2ADC638}" dt="2024-09-19T12:25:11.652" v="4189" actId="207"/>
+      <pc:sldChg chg="delSp modSp add del mod ord modTransition">
+        <pc:chgData name="Anirban Banerjee (IN92657)" userId="b82f5010-943b-4dbb-9251-0075e403d9fa" providerId="ADAL" clId="{DA72F9B2-C87B-41E6-84EF-245FC2ADC638}" dt="2024-09-19T15:03:21.887" v="4361" actId="2696"/>
         <pc:sldMkLst>
           <pc:docMk/>
           <pc:sldMk cId="2516776324" sldId="303"/>
@@ -1093,11 +1161,32 @@
           </ac:spMkLst>
         </pc:spChg>
       </pc:sldChg>
+      <pc:sldChg chg="add del">
+        <pc:chgData name="Anirban Banerjee (IN92657)" userId="b82f5010-943b-4dbb-9251-0075e403d9fa" providerId="ADAL" clId="{DA72F9B2-C87B-41E6-84EF-245FC2ADC638}" dt="2024-09-19T15:03:40.788" v="4365" actId="2696"/>
+        <pc:sldMkLst>
+          <pc:docMk/>
+          <pc:sldMk cId="2664250064" sldId="303"/>
+        </pc:sldMkLst>
+      </pc:sldChg>
       <pc:sldChg chg="add">
-        <pc:chgData name="Anirban Banerjee (IN92657)" userId="b82f5010-943b-4dbb-9251-0075e403d9fa" providerId="ADAL" clId="{DA72F9B2-C87B-41E6-84EF-245FC2ADC638}" dt="2024-09-19T13:14:51.063" v="4204"/>
+        <pc:chgData name="Anirban Banerjee (IN92657)" userId="b82f5010-943b-4dbb-9251-0075e403d9fa" providerId="ADAL" clId="{DA72F9B2-C87B-41E6-84EF-245FC2ADC638}" dt="2024-09-19T15:03:43.967" v="4366"/>
+        <pc:sldMkLst>
+          <pc:docMk/>
+          <pc:sldMk cId="3001404588" sldId="303"/>
+        </pc:sldMkLst>
+      </pc:sldChg>
+      <pc:sldChg chg="add del modTransition">
+        <pc:chgData name="Anirban Banerjee (IN92657)" userId="b82f5010-943b-4dbb-9251-0075e403d9fa" providerId="ADAL" clId="{DA72F9B2-C87B-41E6-84EF-245FC2ADC638}" dt="2024-09-19T15:03:21.887" v="4361" actId="2696"/>
         <pc:sldMkLst>
           <pc:docMk/>
           <pc:sldMk cId="1423079520" sldId="304"/>
+        </pc:sldMkLst>
+      </pc:sldChg>
+      <pc:sldChg chg="add">
+        <pc:chgData name="Anirban Banerjee (IN92657)" userId="b82f5010-943b-4dbb-9251-0075e403d9fa" providerId="ADAL" clId="{DA72F9B2-C87B-41E6-84EF-245FC2ADC638}" dt="2024-09-19T15:03:25.632" v="4362"/>
+        <pc:sldMkLst>
+          <pc:docMk/>
+          <pc:sldMk cId="3035795066" sldId="304"/>
         </pc:sldMkLst>
       </pc:sldChg>
       <pc:sldChg chg="modSp del mod">
@@ -1123,8 +1212,8 @@
           </ac:spMkLst>
         </pc:spChg>
       </pc:sldChg>
-      <pc:sldChg chg="add">
-        <pc:chgData name="Anirban Banerjee (IN92657)" userId="b82f5010-943b-4dbb-9251-0075e403d9fa" providerId="ADAL" clId="{DA72F9B2-C87B-41E6-84EF-245FC2ADC638}" dt="2024-09-19T13:14:51.063" v="4204"/>
+      <pc:sldChg chg="add del modTransition">
+        <pc:chgData name="Anirban Banerjee (IN92657)" userId="b82f5010-943b-4dbb-9251-0075e403d9fa" providerId="ADAL" clId="{DA72F9B2-C87B-41E6-84EF-245FC2ADC638}" dt="2024-09-19T15:03:21.887" v="4361" actId="2696"/>
         <pc:sldMkLst>
           <pc:docMk/>
           <pc:sldMk cId="36865684" sldId="305"/>
@@ -1153,6 +1242,13 @@
           </ac:spMkLst>
         </pc:spChg>
       </pc:sldChg>
+      <pc:sldChg chg="add">
+        <pc:chgData name="Anirban Banerjee (IN92657)" userId="b82f5010-943b-4dbb-9251-0075e403d9fa" providerId="ADAL" clId="{DA72F9B2-C87B-41E6-84EF-245FC2ADC638}" dt="2024-09-19T15:03:25.632" v="4362"/>
+        <pc:sldMkLst>
+          <pc:docMk/>
+          <pc:sldMk cId="4245144669" sldId="305"/>
+        </pc:sldMkLst>
+      </pc:sldChg>
       <pc:sldChg chg="modSp del mod">
         <pc:chgData name="Anirban Banerjee (IN92657)" userId="b82f5010-943b-4dbb-9251-0075e403d9fa" providerId="ADAL" clId="{DA72F9B2-C87B-41E6-84EF-245FC2ADC638}" dt="2024-09-19T13:14:48.170" v="4203" actId="2696"/>
         <pc:sldMkLst>
@@ -1177,14 +1273,21 @@
         </pc:spChg>
       </pc:sldChg>
       <pc:sldChg chg="add">
-        <pc:chgData name="Anirban Banerjee (IN92657)" userId="b82f5010-943b-4dbb-9251-0075e403d9fa" providerId="ADAL" clId="{DA72F9B2-C87B-41E6-84EF-245FC2ADC638}" dt="2024-09-19T13:14:51.063" v="4204"/>
+        <pc:chgData name="Anirban Banerjee (IN92657)" userId="b82f5010-943b-4dbb-9251-0075e403d9fa" providerId="ADAL" clId="{DA72F9B2-C87B-41E6-84EF-245FC2ADC638}" dt="2024-09-19T15:03:25.632" v="4362"/>
+        <pc:sldMkLst>
+          <pc:docMk/>
+          <pc:sldMk cId="1513709541" sldId="306"/>
+        </pc:sldMkLst>
+      </pc:sldChg>
+      <pc:sldChg chg="add del modTransition">
+        <pc:chgData name="Anirban Banerjee (IN92657)" userId="b82f5010-943b-4dbb-9251-0075e403d9fa" providerId="ADAL" clId="{DA72F9B2-C87B-41E6-84EF-245FC2ADC638}" dt="2024-09-19T15:03:21.887" v="4361" actId="2696"/>
         <pc:sldMkLst>
           <pc:docMk/>
           <pc:sldMk cId="1779691643" sldId="306"/>
         </pc:sldMkLst>
       </pc:sldChg>
-      <pc:sldChg chg="add">
-        <pc:chgData name="Anirban Banerjee (IN92657)" userId="b82f5010-943b-4dbb-9251-0075e403d9fa" providerId="ADAL" clId="{DA72F9B2-C87B-41E6-84EF-245FC2ADC638}" dt="2024-09-19T13:14:51.063" v="4204"/>
+      <pc:sldChg chg="add del modTransition">
+        <pc:chgData name="Anirban Banerjee (IN92657)" userId="b82f5010-943b-4dbb-9251-0075e403d9fa" providerId="ADAL" clId="{DA72F9B2-C87B-41E6-84EF-245FC2ADC638}" dt="2024-09-19T15:03:21.887" v="4361" actId="2696"/>
         <pc:sldMkLst>
           <pc:docMk/>
           <pc:sldMk cId="1974358713" sldId="307"/>
@@ -1214,10 +1317,24 @@
         </pc:spChg>
       </pc:sldChg>
       <pc:sldChg chg="add">
-        <pc:chgData name="Anirban Banerjee (IN92657)" userId="b82f5010-943b-4dbb-9251-0075e403d9fa" providerId="ADAL" clId="{DA72F9B2-C87B-41E6-84EF-245FC2ADC638}" dt="2024-09-19T13:14:51.063" v="4204"/>
+        <pc:chgData name="Anirban Banerjee (IN92657)" userId="b82f5010-943b-4dbb-9251-0075e403d9fa" providerId="ADAL" clId="{DA72F9B2-C87B-41E6-84EF-245FC2ADC638}" dt="2024-09-19T15:03:25.632" v="4362"/>
+        <pc:sldMkLst>
+          <pc:docMk/>
+          <pc:sldMk cId="4033875170" sldId="307"/>
+        </pc:sldMkLst>
+      </pc:sldChg>
+      <pc:sldChg chg="add del modTransition">
+        <pc:chgData name="Anirban Banerjee (IN92657)" userId="b82f5010-943b-4dbb-9251-0075e403d9fa" providerId="ADAL" clId="{DA72F9B2-C87B-41E6-84EF-245FC2ADC638}" dt="2024-09-19T15:03:21.887" v="4361" actId="2696"/>
         <pc:sldMkLst>
           <pc:docMk/>
           <pc:sldMk cId="2507887513" sldId="308"/>
+        </pc:sldMkLst>
+      </pc:sldChg>
+      <pc:sldChg chg="add">
+        <pc:chgData name="Anirban Banerjee (IN92657)" userId="b82f5010-943b-4dbb-9251-0075e403d9fa" providerId="ADAL" clId="{DA72F9B2-C87B-41E6-84EF-245FC2ADC638}" dt="2024-09-19T15:03:25.632" v="4362"/>
+        <pc:sldMkLst>
+          <pc:docMk/>
+          <pc:sldMk cId="2649160870" sldId="308"/>
         </pc:sldMkLst>
       </pc:sldChg>
       <pc:sldChg chg="modSp del mod">
@@ -1267,10 +1384,24 @@
         </pc:spChg>
       </pc:sldChg>
       <pc:sldChg chg="add">
-        <pc:chgData name="Anirban Banerjee (IN92657)" userId="b82f5010-943b-4dbb-9251-0075e403d9fa" providerId="ADAL" clId="{DA72F9B2-C87B-41E6-84EF-245FC2ADC638}" dt="2024-09-19T13:14:51.063" v="4204"/>
+        <pc:chgData name="Anirban Banerjee (IN92657)" userId="b82f5010-943b-4dbb-9251-0075e403d9fa" providerId="ADAL" clId="{DA72F9B2-C87B-41E6-84EF-245FC2ADC638}" dt="2024-09-19T15:03:25.632" v="4362"/>
+        <pc:sldMkLst>
+          <pc:docMk/>
+          <pc:sldMk cId="2264092822" sldId="309"/>
+        </pc:sldMkLst>
+      </pc:sldChg>
+      <pc:sldChg chg="add del modTransition">
+        <pc:chgData name="Anirban Banerjee (IN92657)" userId="b82f5010-943b-4dbb-9251-0075e403d9fa" providerId="ADAL" clId="{DA72F9B2-C87B-41E6-84EF-245FC2ADC638}" dt="2024-09-19T15:03:21.887" v="4361" actId="2696"/>
         <pc:sldMkLst>
           <pc:docMk/>
           <pc:sldMk cId="3327445661" sldId="309"/>
+        </pc:sldMkLst>
+      </pc:sldChg>
+      <pc:sldChg chg="add">
+        <pc:chgData name="Anirban Banerjee (IN92657)" userId="b82f5010-943b-4dbb-9251-0075e403d9fa" providerId="ADAL" clId="{DA72F9B2-C87B-41E6-84EF-245FC2ADC638}" dt="2024-09-19T15:03:25.632" v="4362"/>
+        <pc:sldMkLst>
+          <pc:docMk/>
+          <pc:sldMk cId="2892154803" sldId="310"/>
         </pc:sldMkLst>
       </pc:sldChg>
       <pc:sldChg chg="modSp del mod">
@@ -1296,8 +1427,8 @@
           </ac:spMkLst>
         </pc:spChg>
       </pc:sldChg>
-      <pc:sldChg chg="add">
-        <pc:chgData name="Anirban Banerjee (IN92657)" userId="b82f5010-943b-4dbb-9251-0075e403d9fa" providerId="ADAL" clId="{DA72F9B2-C87B-41E6-84EF-245FC2ADC638}" dt="2024-09-19T13:14:51.063" v="4204"/>
+      <pc:sldChg chg="add del modTransition">
+        <pc:chgData name="Anirban Banerjee (IN92657)" userId="b82f5010-943b-4dbb-9251-0075e403d9fa" providerId="ADAL" clId="{DA72F9B2-C87B-41E6-84EF-245FC2ADC638}" dt="2024-09-19T15:03:21.887" v="4361" actId="2696"/>
         <pc:sldMkLst>
           <pc:docMk/>
           <pc:sldMk cId="4031768803" sldId="310"/>
@@ -1350,8 +1481,8 @@
           </ac:spMkLst>
         </pc:spChg>
       </pc:sldChg>
-      <pc:sldChg chg="modSp add mod">
-        <pc:chgData name="Anirban Banerjee (IN92657)" userId="b82f5010-943b-4dbb-9251-0075e403d9fa" providerId="ADAL" clId="{DA72F9B2-C87B-41E6-84EF-245FC2ADC638}" dt="2024-09-19T12:23:25.532" v="4155" actId="207"/>
+      <pc:sldChg chg="modSp add mod modTransition">
+        <pc:chgData name="Anirban Banerjee (IN92657)" userId="b82f5010-943b-4dbb-9251-0075e403d9fa" providerId="ADAL" clId="{DA72F9B2-C87B-41E6-84EF-245FC2ADC638}" dt="2024-09-19T14:52:22.543" v="4359"/>
         <pc:sldMkLst>
           <pc:docMk/>
           <pc:sldMk cId="2100495986" sldId="311"/>
@@ -1365,7 +1496,7 @@
           </ac:spMkLst>
         </pc:spChg>
         <pc:spChg chg="mod">
-          <ac:chgData name="Anirban Banerjee (IN92657)" userId="b82f5010-943b-4dbb-9251-0075e403d9fa" providerId="ADAL" clId="{DA72F9B2-C87B-41E6-84EF-245FC2ADC638}" dt="2024-09-19T12:23:25.532" v="4155" actId="207"/>
+          <ac:chgData name="Anirban Banerjee (IN92657)" userId="b82f5010-943b-4dbb-9251-0075e403d9fa" providerId="ADAL" clId="{DA72F9B2-C87B-41E6-84EF-245FC2ADC638}" dt="2024-09-19T14:47:07.043" v="4351" actId="20577"/>
           <ac:spMkLst>
             <pc:docMk/>
             <pc:sldMk cId="2100495986" sldId="311"/>
@@ -1380,12 +1511,51 @@
           <pc:sldMk cId="2548255811" sldId="311"/>
         </pc:sldMkLst>
       </pc:sldChg>
-      <pc:sldChg chg="add">
-        <pc:chgData name="Anirban Banerjee (IN92657)" userId="b82f5010-943b-4dbb-9251-0075e403d9fa" providerId="ADAL" clId="{DA72F9B2-C87B-41E6-84EF-245FC2ADC638}" dt="2024-09-19T13:14:54.349" v="4205"/>
+      <pc:sldChg chg="add del modTransition">
+        <pc:chgData name="Anirban Banerjee (IN92657)" userId="b82f5010-943b-4dbb-9251-0075e403d9fa" providerId="ADAL" clId="{DA72F9B2-C87B-41E6-84EF-245FC2ADC638}" dt="2024-09-19T15:03:14.772" v="4360" actId="47"/>
         <pc:sldMkLst>
           <pc:docMk/>
           <pc:sldMk cId="1249943310" sldId="312"/>
         </pc:sldMkLst>
+      </pc:sldChg>
+      <pc:sldChg chg="modSp new add del mod">
+        <pc:chgData name="Anirban Banerjee (IN92657)" userId="b82f5010-943b-4dbb-9251-0075e403d9fa" providerId="ADAL" clId="{DA72F9B2-C87B-41E6-84EF-245FC2ADC638}" dt="2024-09-19T14:46:46.501" v="4336" actId="47"/>
+        <pc:sldMkLst>
+          <pc:docMk/>
+          <pc:sldMk cId="2805582130" sldId="313"/>
+        </pc:sldMkLst>
+        <pc:spChg chg="mod">
+          <ac:chgData name="Anirban Banerjee (IN92657)" userId="b82f5010-943b-4dbb-9251-0075e403d9fa" providerId="ADAL" clId="{DA72F9B2-C87B-41E6-84EF-245FC2ADC638}" dt="2024-09-19T14:46:40.061" v="4333" actId="27636"/>
+          <ac:spMkLst>
+            <pc:docMk/>
+            <pc:sldMk cId="2805582130" sldId="313"/>
+            <ac:spMk id="3" creationId="{0FBACEBC-2ADA-0FE6-3A9C-3B0FA6276FB8}"/>
+          </ac:spMkLst>
+        </pc:spChg>
+        <pc:spChg chg="mod">
+          <ac:chgData name="Anirban Banerjee (IN92657)" userId="b82f5010-943b-4dbb-9251-0075e403d9fa" providerId="ADAL" clId="{DA72F9B2-C87B-41E6-84EF-245FC2ADC638}" dt="2024-09-19T14:46:40.061" v="4332" actId="27636"/>
+          <ac:spMkLst>
+            <pc:docMk/>
+            <pc:sldMk cId="2805582130" sldId="313"/>
+            <ac:spMk id="5" creationId="{F7CB703C-E1C2-E976-5BDB-7C3122A1DE2F}"/>
+          </ac:spMkLst>
+        </pc:spChg>
+        <pc:spChg chg="mod">
+          <ac:chgData name="Anirban Banerjee (IN92657)" userId="b82f5010-943b-4dbb-9251-0075e403d9fa" providerId="ADAL" clId="{DA72F9B2-C87B-41E6-84EF-245FC2ADC638}" dt="2024-09-19T14:46:40.061" v="4334" actId="27636"/>
+          <ac:spMkLst>
+            <pc:docMk/>
+            <pc:sldMk cId="2805582130" sldId="313"/>
+            <ac:spMk id="7" creationId="{941731B4-9FFB-265C-810A-3C36CC2D269B}"/>
+          </ac:spMkLst>
+        </pc:spChg>
+        <pc:spChg chg="mod">
+          <ac:chgData name="Anirban Banerjee (IN92657)" userId="b82f5010-943b-4dbb-9251-0075e403d9fa" providerId="ADAL" clId="{DA72F9B2-C87B-41E6-84EF-245FC2ADC638}" dt="2024-09-19T14:46:40.061" v="4331" actId="27636"/>
+          <ac:spMkLst>
+            <pc:docMk/>
+            <pc:sldMk cId="2805582130" sldId="313"/>
+            <ac:spMk id="9" creationId="{6E0BF01D-A560-B4E7-6C11-6C4C6D77F7A8}"/>
+          </ac:spMkLst>
+        </pc:spChg>
       </pc:sldChg>
       <pc:sldMasterChg chg="delSldLayout">
         <pc:chgData name="Anirban Banerjee (IN92657)" userId="b82f5010-943b-4dbb-9251-0075e403d9fa" providerId="ADAL" clId="{DA72F9B2-C87B-41E6-84EF-245FC2ADC638}" dt="2024-09-18T12:40:51.777" v="2716" actId="47"/>
@@ -18295,7 +18465,7 @@
           <a:lstStyle/>
           <a:p>
             <a:r>
-              <a:rPr lang="en-US" b="1" dirty="0">
+              <a:rPr lang="en-US" b="1">
                 <a:solidFill>
                   <a:schemeClr val="tx1"/>
                 </a:solidFill>
@@ -18303,7 +18473,7 @@
               <a:t>Team – </a:t>
             </a:r>
             <a:r>
-              <a:rPr lang="en-US" b="1" i="0" dirty="0">
+              <a:rPr lang="en-US" b="1" i="0">
                 <a:solidFill>
                   <a:schemeClr val="tx1"/>
                 </a:solidFill>
@@ -18313,7 +18483,7 @@
               <a:t>Tech Maverick</a:t>
             </a:r>
             <a:br>
-              <a:rPr lang="en-US" i="0" dirty="0">
+              <a:rPr lang="en-US" i="0">
                 <a:solidFill>
                   <a:schemeClr val="tx1"/>
                 </a:solidFill>
@@ -18322,7 +18492,7 @@
               </a:rPr>
             </a:br>
             <a:r>
-              <a:rPr lang="en-US" dirty="0">
+              <a:rPr lang="en-US">
                 <a:solidFill>
                   <a:schemeClr val="tx1"/>
                 </a:solidFill>
@@ -18330,7 +18500,7 @@
               <a:t>Anirban Banerjee</a:t>
             </a:r>
             <a:br>
-              <a:rPr lang="en-US" dirty="0">
+              <a:rPr lang="en-US">
                 <a:solidFill>
                   <a:schemeClr val="tx1"/>
                 </a:solidFill>
@@ -18342,16 +18512,13 @@
                   <a:schemeClr val="tx1"/>
                 </a:solidFill>
               </a:rPr>
-              <a:t>Ajoy Kumar </a:t>
-            </a:r>
-            <a:r>
-              <a:rPr lang="en-US" dirty="0">
-                <a:solidFill>
-                  <a:schemeClr val="tx1"/>
-                </a:solidFill>
-              </a:rPr>
-              <a:t>Daga</a:t>
-            </a:r>
+              <a:t>Ajoy Kumar Daga</a:t>
+            </a:r>
+            <a:endParaRPr lang="en-US" dirty="0">
+              <a:solidFill>
+                <a:schemeClr val="tx1"/>
+              </a:solidFill>
+            </a:endParaRPr>
           </a:p>
         </p:txBody>
       </p:sp>
@@ -18694,7 +18861,7 @@
                   <a:schemeClr val="tx1"/>
                 </a:solidFill>
               </a:rPr>
-              <a:t>WAY Forward</a:t>
+              <a:t>walkthrough</a:t>
             </a:r>
           </a:p>
         </p:txBody>
@@ -18797,30 +18964,129 @@
       </p:sp>
       <p:sp>
         <p:nvSpPr>
-          <p:cNvPr id="3" name="Text Placeholder 7">
-            <a:extLst>
-              <a:ext uri="{FF2B5EF4-FFF2-40B4-BE49-F238E27FC236}">
-                <a16:creationId xmlns:a16="http://schemas.microsoft.com/office/drawing/2014/main" id="{E047004A-0AD6-74D3-6185-38C7811A235C}"/>
-              </a:ext>
-            </a:extLst>
-          </p:cNvPr>
-          <p:cNvSpPr txBox="1">
-            <a:spLocks/>
-          </p:cNvSpPr>
+          <p:cNvPr id="4" name="Text Placeholder 2">
+            <a:extLst>
+              <a:ext uri="{FF2B5EF4-FFF2-40B4-BE49-F238E27FC236}">
+                <a16:creationId xmlns:a16="http://schemas.microsoft.com/office/drawing/2014/main" id="{D0157036-1F41-7B05-C6B8-E7F5D95E6721}"/>
+              </a:ext>
+            </a:extLst>
+          </p:cNvPr>
+          <p:cNvSpPr>
+            <a:spLocks noGrp="1"/>
+          </p:cNvSpPr>
+          <p:nvPr>
+            <p:ph type="body" sz="quarter" idx="13"/>
+          </p:nvPr>
+        </p:nvSpPr>
+        <p:spPr>
+          <a:xfrm>
+            <a:off x="670559" y="1449613"/>
+            <a:ext cx="5795555" cy="411844"/>
+          </a:xfrm>
+        </p:spPr>
+        <p:txBody>
+          <a:bodyPr>
+            <a:noAutofit/>
+          </a:bodyPr>
+          <a:lstStyle/>
+          <a:p>
+            <a:r>
+              <a:rPr lang="en-US" sz="1700" b="1" dirty="0">
+                <a:solidFill>
+                  <a:schemeClr val="tx1"/>
+                </a:solidFill>
+              </a:rPr>
+              <a:t>Text Summarization (Model - granite-13b-chat-v2)</a:t>
+            </a:r>
+          </a:p>
+        </p:txBody>
+      </p:sp>
+      <p:pic>
+        <p:nvPicPr>
+          <p:cNvPr id="5" name="Picture 4">
+            <a:extLst>
+              <a:ext uri="{FF2B5EF4-FFF2-40B4-BE49-F238E27FC236}">
+                <a16:creationId xmlns:a16="http://schemas.microsoft.com/office/drawing/2014/main" id="{A92A3065-8A2C-374C-7BBD-D7F1E5A5D205}"/>
+              </a:ext>
+            </a:extLst>
+          </p:cNvPr>
+          <p:cNvPicPr>
+            <a:picLocks noChangeAspect="1"/>
+          </p:cNvPicPr>
           <p:nvPr/>
-        </p:nvSpPr>
-        <p:spPr>
-          <a:xfrm>
-            <a:off x="359229" y="1786164"/>
-            <a:ext cx="11658600" cy="4070350"/>
+        </p:nvPicPr>
+        <p:blipFill>
+          <a:blip r:embed="rId2"/>
+          <a:stretch>
+            <a:fillRect/>
+          </a:stretch>
+        </p:blipFill>
+        <p:spPr>
+          <a:xfrm>
+            <a:off x="616125" y="1793225"/>
+            <a:ext cx="11106721" cy="1797142"/>
           </a:xfrm>
           <a:prstGeom prst="rect">
             <a:avLst/>
           </a:prstGeom>
         </p:spPr>
+      </p:pic>
+      <p:pic>
+        <p:nvPicPr>
+          <p:cNvPr id="7" name="Picture 6">
+            <a:extLst>
+              <a:ext uri="{FF2B5EF4-FFF2-40B4-BE49-F238E27FC236}">
+                <a16:creationId xmlns:a16="http://schemas.microsoft.com/office/drawing/2014/main" id="{35002489-3765-E5B3-D03F-C10AE28C0E2B}"/>
+              </a:ext>
+            </a:extLst>
+          </p:cNvPr>
+          <p:cNvPicPr>
+            <a:picLocks noChangeAspect="1"/>
+          </p:cNvPicPr>
+          <p:nvPr/>
+        </p:nvPicPr>
+        <p:blipFill>
+          <a:blip r:embed="rId3"/>
+          <a:stretch>
+            <a:fillRect/>
+          </a:stretch>
+        </p:blipFill>
+        <p:spPr>
+          <a:xfrm>
+            <a:off x="616125" y="3556074"/>
+            <a:ext cx="11068619" cy="2883048"/>
+          </a:xfrm>
+          <a:prstGeom prst="rect">
+            <a:avLst/>
+          </a:prstGeom>
+        </p:spPr>
+      </p:pic>
+      <p:sp>
+        <p:nvSpPr>
+          <p:cNvPr id="9" name="Text Placeholder 7">
+            <a:extLst>
+              <a:ext uri="{FF2B5EF4-FFF2-40B4-BE49-F238E27FC236}">
+                <a16:creationId xmlns:a16="http://schemas.microsoft.com/office/drawing/2014/main" id="{BB7ABCA7-0201-5128-4405-0DF1BAF81A6F}"/>
+              </a:ext>
+            </a:extLst>
+          </p:cNvPr>
+          <p:cNvSpPr txBox="1">
+            <a:spLocks/>
+          </p:cNvSpPr>
+          <p:nvPr/>
+        </p:nvSpPr>
+        <p:spPr>
+          <a:xfrm>
+            <a:off x="9862690" y="6415156"/>
+            <a:ext cx="1104388" cy="330286"/>
+          </a:xfrm>
+          <a:prstGeom prst="rect">
+            <a:avLst/>
+          </a:prstGeom>
+        </p:spPr>
         <p:txBody>
           <a:bodyPr vert="horz" lIns="91440" tIns="45720" rIns="91440" bIns="45720" rtlCol="0">
-            <a:normAutofit fontScale="47500" lnSpcReduction="20000"/>
+            <a:normAutofit/>
           </a:bodyPr>
           <a:lstStyle>
             <a:lvl1pPr marL="0" indent="0" algn="ctr" defTabSz="914400" rtl="0" eaLnBrk="1" latinLnBrk="0" hangingPunct="1">
@@ -19002,115 +19268,17 @@
             </a:lvl9pPr>
           </a:lstStyle>
           <a:p>
-            <a:pPr algn="l"/>
-            <a:r>
-              <a:rPr lang="en-US" sz="4800" b="1" dirty="0">
-                <a:solidFill>
-                  <a:schemeClr val="tx1"/>
-                </a:solidFill>
-                <a:latin typeface="+mj-lt"/>
-              </a:rPr>
-              <a:t>Improved Productivity &amp; Efficiency:</a:t>
-            </a:r>
-          </a:p>
-          <a:p>
-            <a:pPr lvl="1"/>
-            <a:r>
-              <a:rPr lang="en-US" sz="4500" dirty="0">
-                <a:solidFill>
-                  <a:schemeClr val="tx1"/>
-                </a:solidFill>
-                <a:latin typeface="+mj-lt"/>
-              </a:rPr>
-              <a:t>Call summary analysis can enhance both call center productivity and overall efficiency.</a:t>
-            </a:r>
-          </a:p>
-          <a:p>
-            <a:pPr algn="l"/>
-            <a:r>
-              <a:rPr lang="en-US" sz="4700" b="1" dirty="0">
-                <a:solidFill>
-                  <a:schemeClr val="tx1"/>
-                </a:solidFill>
-                <a:latin typeface="+mj-lt"/>
-              </a:rPr>
-              <a:t>Performance-Based Compensation:</a:t>
-            </a:r>
-          </a:p>
-          <a:p>
-            <a:pPr lvl="1"/>
-            <a:r>
-              <a:rPr lang="en-US" sz="4500" dirty="0">
-                <a:solidFill>
-                  <a:schemeClr val="tx1"/>
-                </a:solidFill>
-                <a:latin typeface="+mj-lt"/>
-              </a:rPr>
-              <a:t>Streamlined operations could lead to improved pay structures based on performance and growth metrics.</a:t>
-            </a:r>
-          </a:p>
-          <a:p>
-            <a:pPr algn="l"/>
-            <a:r>
-              <a:rPr lang="en-US" sz="4700" b="1" dirty="0">
-                <a:solidFill>
-                  <a:schemeClr val="tx1"/>
-                </a:solidFill>
-                <a:latin typeface="+mj-lt"/>
-              </a:rPr>
-              <a:t>Real-Time Implementation:</a:t>
-            </a:r>
-          </a:p>
-          <a:p>
-            <a:pPr lvl="1"/>
-            <a:r>
-              <a:rPr lang="en-US" sz="4500" dirty="0">
-                <a:solidFill>
-                  <a:schemeClr val="tx1"/>
-                </a:solidFill>
-                <a:latin typeface="+mj-lt"/>
-              </a:rPr>
-              <a:t>The entire process can be deployed in real time by integrating with an event hub, pipeline orchestration layer, and data transformation layer.</a:t>
-            </a:r>
-          </a:p>
-          <a:p>
-            <a:pPr algn="l"/>
-            <a:r>
-              <a:rPr lang="en-US" sz="4700" b="1" dirty="0">
-                <a:solidFill>
-                  <a:schemeClr val="tx1"/>
-                </a:solidFill>
-                <a:latin typeface="+mj-lt"/>
-              </a:rPr>
-              <a:t>Cloud Integration Flexibility:</a:t>
-            </a:r>
-          </a:p>
-          <a:p>
-            <a:pPr lvl="1"/>
-            <a:r>
-              <a:rPr lang="en-US" sz="4500" dirty="0">
-                <a:solidFill>
-                  <a:schemeClr val="tx1"/>
-                </a:solidFill>
-                <a:latin typeface="+mj-lt"/>
-              </a:rPr>
-              <a:t>The solution can seamlessly integrate with other cloud platforms such as AWS, Azure, and GCP, ensuring scalability and flexibility.</a:t>
-            </a:r>
-          </a:p>
-          <a:p>
-            <a:pPr algn="l"/>
-            <a:endParaRPr lang="en-US" sz="2000" dirty="0">
-              <a:solidFill>
-                <a:schemeClr val="tx1"/>
-              </a:solidFill>
-            </a:endParaRPr>
+            <a:r>
+              <a:rPr lang="en-US" b="1" dirty="0"/>
+              <a:t>Contd…</a:t>
+            </a:r>
           </a:p>
         </p:txBody>
       </p:sp>
     </p:spTree>
     <p:extLst>
       <p:ext uri="{BB962C8B-B14F-4D97-AF65-F5344CB8AC3E}">
-        <p14:creationId xmlns:p14="http://schemas.microsoft.com/office/powerpoint/2010/main" val="3637083660"/>
+        <p14:creationId xmlns:p14="http://schemas.microsoft.com/office/powerpoint/2010/main" val="4245144669"/>
       </p:ext>
     </p:extLst>
   </p:cSld>
@@ -19142,21 +19310,21 @@
           <p:cNvPr id="2" name="Title 1">
             <a:extLst>
               <a:ext uri="{FF2B5EF4-FFF2-40B4-BE49-F238E27FC236}">
-                <a16:creationId xmlns:a16="http://schemas.microsoft.com/office/drawing/2014/main" id="{BCCAEE93-8585-46D4-A7EC-F184E317CB2E}"/>
-              </a:ext>
-            </a:extLst>
-          </p:cNvPr>
-          <p:cNvSpPr>
-            <a:spLocks noGrp="1"/>
-          </p:cNvSpPr>
-          <p:nvPr>
-            <p:ph type="ctrTitle"/>
-          </p:nvPr>
-        </p:nvSpPr>
-        <p:spPr>
-          <a:xfrm>
-            <a:off x="4542336" y="1904265"/>
-            <a:ext cx="4179570" cy="1524735"/>
+                <a16:creationId xmlns:a16="http://schemas.microsoft.com/office/drawing/2014/main" id="{75031FE9-9059-4FE8-B4AC-9771F23A1B89}"/>
+              </a:ext>
+            </a:extLst>
+          </p:cNvPr>
+          <p:cNvSpPr>
+            <a:spLocks noGrp="1"/>
+          </p:cNvSpPr>
+          <p:nvPr>
+            <p:ph type="title"/>
+          </p:nvPr>
+        </p:nvSpPr>
+        <p:spPr>
+          <a:xfrm>
+            <a:off x="1825285" y="308201"/>
+            <a:ext cx="8421688" cy="1325563"/>
           </a:xfrm>
         </p:spPr>
         <p:txBody>
@@ -19169,31 +19337,92 @@
                   <a:schemeClr val="tx1"/>
                 </a:solidFill>
               </a:rPr>
-              <a:t>THANK YOU</a:t>
-            </a:r>
-          </a:p>
-        </p:txBody>
-      </p:sp>
-      <p:sp>
-        <p:nvSpPr>
-          <p:cNvPr id="6" name="Slide Number Placeholder 5">
-            <a:extLst>
-              <a:ext uri="{FF2B5EF4-FFF2-40B4-BE49-F238E27FC236}">
-                <a16:creationId xmlns:a16="http://schemas.microsoft.com/office/drawing/2014/main" id="{5EDCFF82-B70F-4971-9182-7C3AEA3CFD26}"/>
-              </a:ext>
-            </a:extLst>
-          </p:cNvPr>
-          <p:cNvSpPr>
-            <a:spLocks noGrp="1"/>
-          </p:cNvSpPr>
-          <p:nvPr>
-            <p:ph type="sldNum" sz="quarter" idx="12"/>
-          </p:nvPr>
-        </p:nvSpPr>
-        <p:spPr>
-          <a:xfrm>
-            <a:off x="9579428" y="6356350"/>
-            <a:ext cx="1774371" cy="365125"/>
+              <a:t>walkthrough</a:t>
+            </a:r>
+          </a:p>
+        </p:txBody>
+      </p:sp>
+      <p:sp>
+        <p:nvSpPr>
+          <p:cNvPr id="8" name="Text Placeholder 7">
+            <a:extLst>
+              <a:ext uri="{FF2B5EF4-FFF2-40B4-BE49-F238E27FC236}">
+                <a16:creationId xmlns:a16="http://schemas.microsoft.com/office/drawing/2014/main" id="{51C26CE0-2506-4B44-A26F-C12BFA5B18B5}"/>
+              </a:ext>
+            </a:extLst>
+          </p:cNvPr>
+          <p:cNvSpPr>
+            <a:spLocks noGrp="1"/>
+          </p:cNvSpPr>
+          <p:nvPr>
+            <p:ph type="body" sz="quarter" idx="19"/>
+          </p:nvPr>
+        </p:nvSpPr>
+        <p:spPr>
+          <a:xfrm>
+            <a:off x="206829" y="1633764"/>
+            <a:ext cx="11658600" cy="3941080"/>
+          </a:xfrm>
+        </p:spPr>
+        <p:txBody>
+          <a:bodyPr>
+            <a:normAutofit/>
+          </a:bodyPr>
+          <a:lstStyle/>
+          <a:p>
+            <a:pPr algn="l"/>
+            <a:endParaRPr lang="en-US" sz="2800" dirty="0">
+              <a:solidFill>
+                <a:srgbClr val="CE9178"/>
+              </a:solidFill>
+              <a:latin typeface="Consolas" panose="020B0609020204030204" pitchFamily="49" charset="0"/>
+            </a:endParaRPr>
+          </a:p>
+          <a:p>
+            <a:pPr algn="l"/>
+            <a:endParaRPr lang="en-US" sz="2800" dirty="0">
+              <a:solidFill>
+                <a:srgbClr val="CE9178"/>
+              </a:solidFill>
+              <a:latin typeface="Consolas" panose="020B0609020204030204" pitchFamily="49" charset="0"/>
+            </a:endParaRPr>
+          </a:p>
+          <a:p>
+            <a:pPr algn="l"/>
+            <a:endParaRPr lang="en-US" sz="2800" b="0" dirty="0">
+              <a:solidFill>
+                <a:srgbClr val="CCCCCC"/>
+              </a:solidFill>
+              <a:effectLst/>
+              <a:latin typeface="Consolas" panose="020B0609020204030204" pitchFamily="49" charset="0"/>
+            </a:endParaRPr>
+          </a:p>
+          <a:p>
+            <a:pPr algn="l"/>
+            <a:endParaRPr lang="en-US" sz="2000" dirty="0"/>
+          </a:p>
+        </p:txBody>
+      </p:sp>
+      <p:sp>
+        <p:nvSpPr>
+          <p:cNvPr id="82" name="Slide Number Placeholder 81">
+            <a:extLst>
+              <a:ext uri="{FF2B5EF4-FFF2-40B4-BE49-F238E27FC236}">
+                <a16:creationId xmlns:a16="http://schemas.microsoft.com/office/drawing/2014/main" id="{CE36A058-BEC2-4BC5-A467-F2EB2A365051}"/>
+              </a:ext>
+            </a:extLst>
+          </p:cNvPr>
+          <p:cNvSpPr>
+            <a:spLocks noGrp="1"/>
+          </p:cNvSpPr>
+          <p:nvPr>
+            <p:ph type="sldNum" sz="quarter" idx="22"/>
+          </p:nvPr>
+        </p:nvSpPr>
+        <p:spPr>
+          <a:xfrm>
+            <a:off x="8610600" y="6356350"/>
+            <a:ext cx="2743200" cy="365125"/>
           </a:xfrm>
         </p:spPr>
         <p:txBody>
@@ -19209,10 +19438,323 @@
           </a:p>
         </p:txBody>
       </p:sp>
+      <p:sp>
+        <p:nvSpPr>
+          <p:cNvPr id="4" name="Text Placeholder 2">
+            <a:extLst>
+              <a:ext uri="{FF2B5EF4-FFF2-40B4-BE49-F238E27FC236}">
+                <a16:creationId xmlns:a16="http://schemas.microsoft.com/office/drawing/2014/main" id="{D0157036-1F41-7B05-C6B8-E7F5D95E6721}"/>
+              </a:ext>
+            </a:extLst>
+          </p:cNvPr>
+          <p:cNvSpPr>
+            <a:spLocks noGrp="1"/>
+          </p:cNvSpPr>
+          <p:nvPr>
+            <p:ph type="body" sz="quarter" idx="13"/>
+          </p:nvPr>
+        </p:nvSpPr>
+        <p:spPr>
+          <a:xfrm>
+            <a:off x="659668" y="1327606"/>
+            <a:ext cx="5860875" cy="306158"/>
+          </a:xfrm>
+        </p:spPr>
+        <p:txBody>
+          <a:bodyPr>
+            <a:noAutofit/>
+          </a:bodyPr>
+          <a:lstStyle/>
+          <a:p>
+            <a:r>
+              <a:rPr lang="en-US" sz="1700" b="1" dirty="0">
+                <a:solidFill>
+                  <a:schemeClr val="tx1"/>
+                </a:solidFill>
+              </a:rPr>
+              <a:t>Feature Extraction(Model - granite-13b-chat-v2)</a:t>
+            </a:r>
+          </a:p>
+        </p:txBody>
+      </p:sp>
+      <p:pic>
+        <p:nvPicPr>
+          <p:cNvPr id="5" name="Picture 4">
+            <a:extLst>
+              <a:ext uri="{FF2B5EF4-FFF2-40B4-BE49-F238E27FC236}">
+                <a16:creationId xmlns:a16="http://schemas.microsoft.com/office/drawing/2014/main" id="{6C913674-5236-63AA-C093-2C996B04E241}"/>
+              </a:ext>
+            </a:extLst>
+          </p:cNvPr>
+          <p:cNvPicPr>
+            <a:picLocks noChangeAspect="1"/>
+          </p:cNvPicPr>
+          <p:nvPr/>
+        </p:nvPicPr>
+        <p:blipFill>
+          <a:blip r:embed="rId2"/>
+          <a:stretch>
+            <a:fillRect/>
+          </a:stretch>
+        </p:blipFill>
+        <p:spPr>
+          <a:xfrm>
+            <a:off x="796645" y="1706792"/>
+            <a:ext cx="10903510" cy="2076557"/>
+          </a:xfrm>
+          <a:prstGeom prst="rect">
+            <a:avLst/>
+          </a:prstGeom>
+        </p:spPr>
+      </p:pic>
+      <p:pic>
+        <p:nvPicPr>
+          <p:cNvPr id="7" name="Picture 6">
+            <a:extLst>
+              <a:ext uri="{FF2B5EF4-FFF2-40B4-BE49-F238E27FC236}">
+                <a16:creationId xmlns:a16="http://schemas.microsoft.com/office/drawing/2014/main" id="{B1C2994E-E03B-5869-65C0-F328B4A789C9}"/>
+              </a:ext>
+            </a:extLst>
+          </p:cNvPr>
+          <p:cNvPicPr>
+            <a:picLocks noChangeAspect="1"/>
+          </p:cNvPicPr>
+          <p:nvPr/>
+        </p:nvPicPr>
+        <p:blipFill>
+          <a:blip r:embed="rId3"/>
+          <a:stretch>
+            <a:fillRect/>
+          </a:stretch>
+        </p:blipFill>
+        <p:spPr>
+          <a:xfrm>
+            <a:off x="796810" y="3971784"/>
+            <a:ext cx="11068619" cy="2749691"/>
+          </a:xfrm>
+          <a:prstGeom prst="rect">
+            <a:avLst/>
+          </a:prstGeom>
+        </p:spPr>
+      </p:pic>
+      <p:sp>
+        <p:nvSpPr>
+          <p:cNvPr id="9" name="Text Placeholder 7">
+            <a:extLst>
+              <a:ext uri="{FF2B5EF4-FFF2-40B4-BE49-F238E27FC236}">
+                <a16:creationId xmlns:a16="http://schemas.microsoft.com/office/drawing/2014/main" id="{E8C98449-951B-637E-FCEC-318D7C969243}"/>
+              </a:ext>
+            </a:extLst>
+          </p:cNvPr>
+          <p:cNvSpPr txBox="1">
+            <a:spLocks/>
+          </p:cNvSpPr>
+          <p:nvPr/>
+        </p:nvSpPr>
+        <p:spPr>
+          <a:xfrm>
+            <a:off x="10290802" y="6527714"/>
+            <a:ext cx="1104388" cy="330286"/>
+          </a:xfrm>
+          <a:prstGeom prst="rect">
+            <a:avLst/>
+          </a:prstGeom>
+        </p:spPr>
+        <p:txBody>
+          <a:bodyPr vert="horz" lIns="91440" tIns="45720" rIns="91440" bIns="45720" rtlCol="0">
+            <a:normAutofit/>
+          </a:bodyPr>
+          <a:lstStyle>
+            <a:lvl1pPr marL="0" indent="0" algn="ctr" defTabSz="914400" rtl="0" eaLnBrk="1" latinLnBrk="0" hangingPunct="1">
+              <a:lnSpc>
+                <a:spcPct val="100000"/>
+              </a:lnSpc>
+              <a:spcBef>
+                <a:spcPts val="1000"/>
+              </a:spcBef>
+              <a:buFont typeface="Arial" panose="020B0604020202020204" pitchFamily="34" charset="0"/>
+              <a:buNone/>
+              <a:defRPr sz="1400" kern="1200">
+                <a:solidFill>
+                  <a:schemeClr val="tx1">
+                    <a:lumMod val="75000"/>
+                    <a:lumOff val="25000"/>
+                  </a:schemeClr>
+                </a:solidFill>
+                <a:latin typeface="+mn-lt"/>
+                <a:ea typeface="+mn-ea"/>
+                <a:cs typeface="+mn-cs"/>
+              </a:defRPr>
+            </a:lvl1pPr>
+            <a:lvl2pPr marL="685800" indent="-228600" algn="l" defTabSz="914400" rtl="0" eaLnBrk="1" latinLnBrk="0" hangingPunct="1">
+              <a:lnSpc>
+                <a:spcPct val="90000"/>
+              </a:lnSpc>
+              <a:spcBef>
+                <a:spcPts val="500"/>
+              </a:spcBef>
+              <a:buFont typeface="Arial" panose="020B0604020202020204" pitchFamily="34" charset="0"/>
+              <a:buChar char="•"/>
+              <a:defRPr sz="2400" kern="1200">
+                <a:solidFill>
+                  <a:schemeClr val="tx1">
+                    <a:lumMod val="75000"/>
+                    <a:lumOff val="25000"/>
+                  </a:schemeClr>
+                </a:solidFill>
+                <a:latin typeface="+mn-lt"/>
+                <a:ea typeface="+mn-ea"/>
+                <a:cs typeface="+mn-cs"/>
+              </a:defRPr>
+            </a:lvl2pPr>
+            <a:lvl3pPr marL="1143000" indent="-228600" algn="l" defTabSz="914400" rtl="0" eaLnBrk="1" latinLnBrk="0" hangingPunct="1">
+              <a:lnSpc>
+                <a:spcPct val="90000"/>
+              </a:lnSpc>
+              <a:spcBef>
+                <a:spcPts val="500"/>
+              </a:spcBef>
+              <a:buFont typeface="Arial" panose="020B0604020202020204" pitchFamily="34" charset="0"/>
+              <a:buChar char="•"/>
+              <a:defRPr sz="2000" kern="1200">
+                <a:solidFill>
+                  <a:schemeClr val="tx1">
+                    <a:lumMod val="75000"/>
+                    <a:lumOff val="25000"/>
+                  </a:schemeClr>
+                </a:solidFill>
+                <a:latin typeface="+mn-lt"/>
+                <a:ea typeface="+mn-ea"/>
+                <a:cs typeface="+mn-cs"/>
+              </a:defRPr>
+            </a:lvl3pPr>
+            <a:lvl4pPr marL="1600200" indent="-228600" algn="l" defTabSz="914400" rtl="0" eaLnBrk="1" latinLnBrk="0" hangingPunct="1">
+              <a:lnSpc>
+                <a:spcPct val="90000"/>
+              </a:lnSpc>
+              <a:spcBef>
+                <a:spcPts val="500"/>
+              </a:spcBef>
+              <a:buFont typeface="Arial" panose="020B0604020202020204" pitchFamily="34" charset="0"/>
+              <a:buChar char="•"/>
+              <a:defRPr sz="1800" kern="1200">
+                <a:solidFill>
+                  <a:schemeClr val="tx1">
+                    <a:lumMod val="75000"/>
+                    <a:lumOff val="25000"/>
+                  </a:schemeClr>
+                </a:solidFill>
+                <a:latin typeface="+mn-lt"/>
+                <a:ea typeface="+mn-ea"/>
+                <a:cs typeface="+mn-cs"/>
+              </a:defRPr>
+            </a:lvl4pPr>
+            <a:lvl5pPr marL="2057400" indent="-228600" algn="l" defTabSz="914400" rtl="0" eaLnBrk="1" latinLnBrk="0" hangingPunct="1">
+              <a:lnSpc>
+                <a:spcPct val="90000"/>
+              </a:lnSpc>
+              <a:spcBef>
+                <a:spcPts val="500"/>
+              </a:spcBef>
+              <a:buFont typeface="Arial" panose="020B0604020202020204" pitchFamily="34" charset="0"/>
+              <a:buChar char="•"/>
+              <a:defRPr sz="1800" kern="1200">
+                <a:solidFill>
+                  <a:schemeClr val="tx1">
+                    <a:lumMod val="75000"/>
+                    <a:lumOff val="25000"/>
+                  </a:schemeClr>
+                </a:solidFill>
+                <a:latin typeface="+mn-lt"/>
+                <a:ea typeface="+mn-ea"/>
+                <a:cs typeface="+mn-cs"/>
+              </a:defRPr>
+            </a:lvl5pPr>
+            <a:lvl6pPr marL="2514600" indent="-228600" algn="l" defTabSz="914400" rtl="0" eaLnBrk="1" latinLnBrk="0" hangingPunct="1">
+              <a:lnSpc>
+                <a:spcPct val="90000"/>
+              </a:lnSpc>
+              <a:spcBef>
+                <a:spcPts val="500"/>
+              </a:spcBef>
+              <a:buFont typeface="Arial" panose="020B0604020202020204" pitchFamily="34" charset="0"/>
+              <a:buChar char="•"/>
+              <a:defRPr sz="1800" kern="1200">
+                <a:solidFill>
+                  <a:schemeClr val="tx1"/>
+                </a:solidFill>
+                <a:latin typeface="+mn-lt"/>
+                <a:ea typeface="+mn-ea"/>
+                <a:cs typeface="+mn-cs"/>
+              </a:defRPr>
+            </a:lvl6pPr>
+            <a:lvl7pPr marL="2971800" indent="-228600" algn="l" defTabSz="914400" rtl="0" eaLnBrk="1" latinLnBrk="0" hangingPunct="1">
+              <a:lnSpc>
+                <a:spcPct val="90000"/>
+              </a:lnSpc>
+              <a:spcBef>
+                <a:spcPts val="500"/>
+              </a:spcBef>
+              <a:buFont typeface="Arial" panose="020B0604020202020204" pitchFamily="34" charset="0"/>
+              <a:buChar char="•"/>
+              <a:defRPr sz="1800" kern="1200">
+                <a:solidFill>
+                  <a:schemeClr val="tx1"/>
+                </a:solidFill>
+                <a:latin typeface="+mn-lt"/>
+                <a:ea typeface="+mn-ea"/>
+                <a:cs typeface="+mn-cs"/>
+              </a:defRPr>
+            </a:lvl7pPr>
+            <a:lvl8pPr marL="3429000" indent="-228600" algn="l" defTabSz="914400" rtl="0" eaLnBrk="1" latinLnBrk="0" hangingPunct="1">
+              <a:lnSpc>
+                <a:spcPct val="90000"/>
+              </a:lnSpc>
+              <a:spcBef>
+                <a:spcPts val="500"/>
+              </a:spcBef>
+              <a:buFont typeface="Arial" panose="020B0604020202020204" pitchFamily="34" charset="0"/>
+              <a:buChar char="•"/>
+              <a:defRPr sz="1800" kern="1200">
+                <a:solidFill>
+                  <a:schemeClr val="tx1"/>
+                </a:solidFill>
+                <a:latin typeface="+mn-lt"/>
+                <a:ea typeface="+mn-ea"/>
+                <a:cs typeface="+mn-cs"/>
+              </a:defRPr>
+            </a:lvl8pPr>
+            <a:lvl9pPr marL="3886200" indent="-228600" algn="l" defTabSz="914400" rtl="0" eaLnBrk="1" latinLnBrk="0" hangingPunct="1">
+              <a:lnSpc>
+                <a:spcPct val="90000"/>
+              </a:lnSpc>
+              <a:spcBef>
+                <a:spcPts val="500"/>
+              </a:spcBef>
+              <a:buFont typeface="Arial" panose="020B0604020202020204" pitchFamily="34" charset="0"/>
+              <a:buChar char="•"/>
+              <a:defRPr sz="1800" kern="1200">
+                <a:solidFill>
+                  <a:schemeClr val="tx1"/>
+                </a:solidFill>
+                <a:latin typeface="+mn-lt"/>
+                <a:ea typeface="+mn-ea"/>
+                <a:cs typeface="+mn-cs"/>
+              </a:defRPr>
+            </a:lvl9pPr>
+          </a:lstStyle>
+          <a:p>
+            <a:r>
+              <a:rPr lang="en-US" b="1" dirty="0"/>
+              <a:t>Contd…</a:t>
+            </a:r>
+          </a:p>
+        </p:txBody>
+      </p:sp>
     </p:spTree>
     <p:extLst>
       <p:ext uri="{BB962C8B-B14F-4D97-AF65-F5344CB8AC3E}">
-        <p14:creationId xmlns:p14="http://schemas.microsoft.com/office/powerpoint/2010/main" val="2436493926"/>
+        <p14:creationId xmlns:p14="http://schemas.microsoft.com/office/powerpoint/2010/main" val="1513709541"/>
       </p:ext>
     </p:extLst>
   </p:cSld>
@@ -19244,21 +19786,21 @@
           <p:cNvPr id="2" name="Title 1">
             <a:extLst>
               <a:ext uri="{FF2B5EF4-FFF2-40B4-BE49-F238E27FC236}">
-                <a16:creationId xmlns:a16="http://schemas.microsoft.com/office/drawing/2014/main" id="{BCCAEE93-8585-46D4-A7EC-F184E317CB2E}"/>
-              </a:ext>
-            </a:extLst>
-          </p:cNvPr>
-          <p:cNvSpPr>
-            <a:spLocks noGrp="1"/>
-          </p:cNvSpPr>
-          <p:nvPr>
-            <p:ph type="ctrTitle"/>
-          </p:nvPr>
-        </p:nvSpPr>
-        <p:spPr>
-          <a:xfrm>
-            <a:off x="4542336" y="1904265"/>
-            <a:ext cx="4179570" cy="1524735"/>
+                <a16:creationId xmlns:a16="http://schemas.microsoft.com/office/drawing/2014/main" id="{75031FE9-9059-4FE8-B4AC-9771F23A1B89}"/>
+              </a:ext>
+            </a:extLst>
+          </p:cNvPr>
+          <p:cNvSpPr>
+            <a:spLocks noGrp="1"/>
+          </p:cNvSpPr>
+          <p:nvPr>
+            <p:ph type="title"/>
+          </p:nvPr>
+        </p:nvSpPr>
+        <p:spPr>
+          <a:xfrm>
+            <a:off x="1825285" y="308201"/>
+            <a:ext cx="8421688" cy="1325563"/>
           </a:xfrm>
         </p:spPr>
         <p:txBody>
@@ -19271,31 +19813,92 @@
                   <a:schemeClr val="tx1"/>
                 </a:solidFill>
               </a:rPr>
-              <a:t>THANK YOU</a:t>
-            </a:r>
-          </a:p>
-        </p:txBody>
-      </p:sp>
-      <p:sp>
-        <p:nvSpPr>
-          <p:cNvPr id="6" name="Slide Number Placeholder 5">
-            <a:extLst>
-              <a:ext uri="{FF2B5EF4-FFF2-40B4-BE49-F238E27FC236}">
-                <a16:creationId xmlns:a16="http://schemas.microsoft.com/office/drawing/2014/main" id="{5EDCFF82-B70F-4971-9182-7C3AEA3CFD26}"/>
-              </a:ext>
-            </a:extLst>
-          </p:cNvPr>
-          <p:cNvSpPr>
-            <a:spLocks noGrp="1"/>
-          </p:cNvSpPr>
-          <p:nvPr>
-            <p:ph type="sldNum" sz="quarter" idx="12"/>
-          </p:nvPr>
-        </p:nvSpPr>
-        <p:spPr>
-          <a:xfrm>
-            <a:off x="9579428" y="6356350"/>
-            <a:ext cx="1774371" cy="365125"/>
+              <a:t>walkthrough</a:t>
+            </a:r>
+          </a:p>
+        </p:txBody>
+      </p:sp>
+      <p:sp>
+        <p:nvSpPr>
+          <p:cNvPr id="8" name="Text Placeholder 7">
+            <a:extLst>
+              <a:ext uri="{FF2B5EF4-FFF2-40B4-BE49-F238E27FC236}">
+                <a16:creationId xmlns:a16="http://schemas.microsoft.com/office/drawing/2014/main" id="{51C26CE0-2506-4B44-A26F-C12BFA5B18B5}"/>
+              </a:ext>
+            </a:extLst>
+          </p:cNvPr>
+          <p:cNvSpPr>
+            <a:spLocks noGrp="1"/>
+          </p:cNvSpPr>
+          <p:nvPr>
+            <p:ph type="body" sz="quarter" idx="19"/>
+          </p:nvPr>
+        </p:nvSpPr>
+        <p:spPr>
+          <a:xfrm>
+            <a:off x="206829" y="1633764"/>
+            <a:ext cx="11658600" cy="3941080"/>
+          </a:xfrm>
+        </p:spPr>
+        <p:txBody>
+          <a:bodyPr>
+            <a:normAutofit/>
+          </a:bodyPr>
+          <a:lstStyle/>
+          <a:p>
+            <a:pPr algn="l"/>
+            <a:endParaRPr lang="en-US" sz="2800" dirty="0">
+              <a:solidFill>
+                <a:srgbClr val="CE9178"/>
+              </a:solidFill>
+              <a:latin typeface="Consolas" panose="020B0609020204030204" pitchFamily="49" charset="0"/>
+            </a:endParaRPr>
+          </a:p>
+          <a:p>
+            <a:pPr algn="l"/>
+            <a:endParaRPr lang="en-US" sz="2800" dirty="0">
+              <a:solidFill>
+                <a:srgbClr val="CE9178"/>
+              </a:solidFill>
+              <a:latin typeface="Consolas" panose="020B0609020204030204" pitchFamily="49" charset="0"/>
+            </a:endParaRPr>
+          </a:p>
+          <a:p>
+            <a:pPr algn="l"/>
+            <a:endParaRPr lang="en-US" sz="2800" b="0" dirty="0">
+              <a:solidFill>
+                <a:srgbClr val="CCCCCC"/>
+              </a:solidFill>
+              <a:effectLst/>
+              <a:latin typeface="Consolas" panose="020B0609020204030204" pitchFamily="49" charset="0"/>
+            </a:endParaRPr>
+          </a:p>
+          <a:p>
+            <a:pPr algn="l"/>
+            <a:endParaRPr lang="en-US" sz="2000" dirty="0"/>
+          </a:p>
+        </p:txBody>
+      </p:sp>
+      <p:sp>
+        <p:nvSpPr>
+          <p:cNvPr id="82" name="Slide Number Placeholder 81">
+            <a:extLst>
+              <a:ext uri="{FF2B5EF4-FFF2-40B4-BE49-F238E27FC236}">
+                <a16:creationId xmlns:a16="http://schemas.microsoft.com/office/drawing/2014/main" id="{CE36A058-BEC2-4BC5-A467-F2EB2A365051}"/>
+              </a:ext>
+            </a:extLst>
+          </p:cNvPr>
+          <p:cNvSpPr>
+            <a:spLocks noGrp="1"/>
+          </p:cNvSpPr>
+          <p:nvPr>
+            <p:ph type="sldNum" sz="quarter" idx="22"/>
+          </p:nvPr>
+        </p:nvSpPr>
+        <p:spPr>
+          <a:xfrm>
+            <a:off x="8610600" y="6356350"/>
+            <a:ext cx="2743200" cy="365125"/>
           </a:xfrm>
         </p:spPr>
         <p:txBody>
@@ -19311,10 +19914,293 @@
           </a:p>
         </p:txBody>
       </p:sp>
+      <p:sp>
+        <p:nvSpPr>
+          <p:cNvPr id="4" name="Text Placeholder 2">
+            <a:extLst>
+              <a:ext uri="{FF2B5EF4-FFF2-40B4-BE49-F238E27FC236}">
+                <a16:creationId xmlns:a16="http://schemas.microsoft.com/office/drawing/2014/main" id="{D0157036-1F41-7B05-C6B8-E7F5D95E6721}"/>
+              </a:ext>
+            </a:extLst>
+          </p:cNvPr>
+          <p:cNvSpPr>
+            <a:spLocks noGrp="1"/>
+          </p:cNvSpPr>
+          <p:nvPr>
+            <p:ph type="body" sz="quarter" idx="13"/>
+          </p:nvPr>
+        </p:nvSpPr>
+        <p:spPr>
+          <a:xfrm>
+            <a:off x="616125" y="1623785"/>
+            <a:ext cx="5251275" cy="379186"/>
+          </a:xfrm>
+        </p:spPr>
+        <p:txBody>
+          <a:bodyPr>
+            <a:normAutofit/>
+          </a:bodyPr>
+          <a:lstStyle/>
+          <a:p>
+            <a:r>
+              <a:rPr lang="en-US" sz="1700" b="1" dirty="0">
+                <a:solidFill>
+                  <a:schemeClr val="tx1"/>
+                </a:solidFill>
+              </a:rPr>
+              <a:t>Customer Sentiments by Day (Plotly)</a:t>
+            </a:r>
+          </a:p>
+        </p:txBody>
+      </p:sp>
+      <p:pic>
+        <p:nvPicPr>
+          <p:cNvPr id="10" name="Picture 9">
+            <a:extLst>
+              <a:ext uri="{FF2B5EF4-FFF2-40B4-BE49-F238E27FC236}">
+                <a16:creationId xmlns:a16="http://schemas.microsoft.com/office/drawing/2014/main" id="{2BDD68FB-13C6-865F-BB62-C8FF75EE4D85}"/>
+              </a:ext>
+            </a:extLst>
+          </p:cNvPr>
+          <p:cNvPicPr>
+            <a:picLocks noChangeAspect="1"/>
+          </p:cNvPicPr>
+          <p:nvPr/>
+        </p:nvPicPr>
+        <p:blipFill>
+          <a:blip r:embed="rId2"/>
+          <a:stretch>
+            <a:fillRect/>
+          </a:stretch>
+        </p:blipFill>
+        <p:spPr>
+          <a:xfrm>
+            <a:off x="983787" y="2123525"/>
+            <a:ext cx="9967241" cy="4121950"/>
+          </a:xfrm>
+          <a:prstGeom prst="rect">
+            <a:avLst/>
+          </a:prstGeom>
+        </p:spPr>
+      </p:pic>
+      <p:sp>
+        <p:nvSpPr>
+          <p:cNvPr id="11" name="Text Placeholder 7">
+            <a:extLst>
+              <a:ext uri="{FF2B5EF4-FFF2-40B4-BE49-F238E27FC236}">
+                <a16:creationId xmlns:a16="http://schemas.microsoft.com/office/drawing/2014/main" id="{9DBA8483-396A-0D04-8D4D-5782611493C4}"/>
+              </a:ext>
+            </a:extLst>
+          </p:cNvPr>
+          <p:cNvSpPr txBox="1">
+            <a:spLocks/>
+          </p:cNvSpPr>
+          <p:nvPr/>
+        </p:nvSpPr>
+        <p:spPr>
+          <a:xfrm>
+            <a:off x="9751647" y="6356350"/>
+            <a:ext cx="1104388" cy="330286"/>
+          </a:xfrm>
+          <a:prstGeom prst="rect">
+            <a:avLst/>
+          </a:prstGeom>
+        </p:spPr>
+        <p:txBody>
+          <a:bodyPr vert="horz" lIns="91440" tIns="45720" rIns="91440" bIns="45720" rtlCol="0">
+            <a:normAutofit/>
+          </a:bodyPr>
+          <a:lstStyle>
+            <a:lvl1pPr marL="0" indent="0" algn="ctr" defTabSz="914400" rtl="0" eaLnBrk="1" latinLnBrk="0" hangingPunct="1">
+              <a:lnSpc>
+                <a:spcPct val="100000"/>
+              </a:lnSpc>
+              <a:spcBef>
+                <a:spcPts val="1000"/>
+              </a:spcBef>
+              <a:buFont typeface="Arial" panose="020B0604020202020204" pitchFamily="34" charset="0"/>
+              <a:buNone/>
+              <a:defRPr sz="1400" kern="1200">
+                <a:solidFill>
+                  <a:schemeClr val="tx1">
+                    <a:lumMod val="75000"/>
+                    <a:lumOff val="25000"/>
+                  </a:schemeClr>
+                </a:solidFill>
+                <a:latin typeface="+mn-lt"/>
+                <a:ea typeface="+mn-ea"/>
+                <a:cs typeface="+mn-cs"/>
+              </a:defRPr>
+            </a:lvl1pPr>
+            <a:lvl2pPr marL="685800" indent="-228600" algn="l" defTabSz="914400" rtl="0" eaLnBrk="1" latinLnBrk="0" hangingPunct="1">
+              <a:lnSpc>
+                <a:spcPct val="90000"/>
+              </a:lnSpc>
+              <a:spcBef>
+                <a:spcPts val="500"/>
+              </a:spcBef>
+              <a:buFont typeface="Arial" panose="020B0604020202020204" pitchFamily="34" charset="0"/>
+              <a:buChar char="•"/>
+              <a:defRPr sz="2400" kern="1200">
+                <a:solidFill>
+                  <a:schemeClr val="tx1">
+                    <a:lumMod val="75000"/>
+                    <a:lumOff val="25000"/>
+                  </a:schemeClr>
+                </a:solidFill>
+                <a:latin typeface="+mn-lt"/>
+                <a:ea typeface="+mn-ea"/>
+                <a:cs typeface="+mn-cs"/>
+              </a:defRPr>
+            </a:lvl2pPr>
+            <a:lvl3pPr marL="1143000" indent="-228600" algn="l" defTabSz="914400" rtl="0" eaLnBrk="1" latinLnBrk="0" hangingPunct="1">
+              <a:lnSpc>
+                <a:spcPct val="90000"/>
+              </a:lnSpc>
+              <a:spcBef>
+                <a:spcPts val="500"/>
+              </a:spcBef>
+              <a:buFont typeface="Arial" panose="020B0604020202020204" pitchFamily="34" charset="0"/>
+              <a:buChar char="•"/>
+              <a:defRPr sz="2000" kern="1200">
+                <a:solidFill>
+                  <a:schemeClr val="tx1">
+                    <a:lumMod val="75000"/>
+                    <a:lumOff val="25000"/>
+                  </a:schemeClr>
+                </a:solidFill>
+                <a:latin typeface="+mn-lt"/>
+                <a:ea typeface="+mn-ea"/>
+                <a:cs typeface="+mn-cs"/>
+              </a:defRPr>
+            </a:lvl3pPr>
+            <a:lvl4pPr marL="1600200" indent="-228600" algn="l" defTabSz="914400" rtl="0" eaLnBrk="1" latinLnBrk="0" hangingPunct="1">
+              <a:lnSpc>
+                <a:spcPct val="90000"/>
+              </a:lnSpc>
+              <a:spcBef>
+                <a:spcPts val="500"/>
+              </a:spcBef>
+              <a:buFont typeface="Arial" panose="020B0604020202020204" pitchFamily="34" charset="0"/>
+              <a:buChar char="•"/>
+              <a:defRPr sz="1800" kern="1200">
+                <a:solidFill>
+                  <a:schemeClr val="tx1">
+                    <a:lumMod val="75000"/>
+                    <a:lumOff val="25000"/>
+                  </a:schemeClr>
+                </a:solidFill>
+                <a:latin typeface="+mn-lt"/>
+                <a:ea typeface="+mn-ea"/>
+                <a:cs typeface="+mn-cs"/>
+              </a:defRPr>
+            </a:lvl4pPr>
+            <a:lvl5pPr marL="2057400" indent="-228600" algn="l" defTabSz="914400" rtl="0" eaLnBrk="1" latinLnBrk="0" hangingPunct="1">
+              <a:lnSpc>
+                <a:spcPct val="90000"/>
+              </a:lnSpc>
+              <a:spcBef>
+                <a:spcPts val="500"/>
+              </a:spcBef>
+              <a:buFont typeface="Arial" panose="020B0604020202020204" pitchFamily="34" charset="0"/>
+              <a:buChar char="•"/>
+              <a:defRPr sz="1800" kern="1200">
+                <a:solidFill>
+                  <a:schemeClr val="tx1">
+                    <a:lumMod val="75000"/>
+                    <a:lumOff val="25000"/>
+                  </a:schemeClr>
+                </a:solidFill>
+                <a:latin typeface="+mn-lt"/>
+                <a:ea typeface="+mn-ea"/>
+                <a:cs typeface="+mn-cs"/>
+              </a:defRPr>
+            </a:lvl5pPr>
+            <a:lvl6pPr marL="2514600" indent="-228600" algn="l" defTabSz="914400" rtl="0" eaLnBrk="1" latinLnBrk="0" hangingPunct="1">
+              <a:lnSpc>
+                <a:spcPct val="90000"/>
+              </a:lnSpc>
+              <a:spcBef>
+                <a:spcPts val="500"/>
+              </a:spcBef>
+              <a:buFont typeface="Arial" panose="020B0604020202020204" pitchFamily="34" charset="0"/>
+              <a:buChar char="•"/>
+              <a:defRPr sz="1800" kern="1200">
+                <a:solidFill>
+                  <a:schemeClr val="tx1"/>
+                </a:solidFill>
+                <a:latin typeface="+mn-lt"/>
+                <a:ea typeface="+mn-ea"/>
+                <a:cs typeface="+mn-cs"/>
+              </a:defRPr>
+            </a:lvl6pPr>
+            <a:lvl7pPr marL="2971800" indent="-228600" algn="l" defTabSz="914400" rtl="0" eaLnBrk="1" latinLnBrk="0" hangingPunct="1">
+              <a:lnSpc>
+                <a:spcPct val="90000"/>
+              </a:lnSpc>
+              <a:spcBef>
+                <a:spcPts val="500"/>
+              </a:spcBef>
+              <a:buFont typeface="Arial" panose="020B0604020202020204" pitchFamily="34" charset="0"/>
+              <a:buChar char="•"/>
+              <a:defRPr sz="1800" kern="1200">
+                <a:solidFill>
+                  <a:schemeClr val="tx1"/>
+                </a:solidFill>
+                <a:latin typeface="+mn-lt"/>
+                <a:ea typeface="+mn-ea"/>
+                <a:cs typeface="+mn-cs"/>
+              </a:defRPr>
+            </a:lvl7pPr>
+            <a:lvl8pPr marL="3429000" indent="-228600" algn="l" defTabSz="914400" rtl="0" eaLnBrk="1" latinLnBrk="0" hangingPunct="1">
+              <a:lnSpc>
+                <a:spcPct val="90000"/>
+              </a:lnSpc>
+              <a:spcBef>
+                <a:spcPts val="500"/>
+              </a:spcBef>
+              <a:buFont typeface="Arial" panose="020B0604020202020204" pitchFamily="34" charset="0"/>
+              <a:buChar char="•"/>
+              <a:defRPr sz="1800" kern="1200">
+                <a:solidFill>
+                  <a:schemeClr val="tx1"/>
+                </a:solidFill>
+                <a:latin typeface="+mn-lt"/>
+                <a:ea typeface="+mn-ea"/>
+                <a:cs typeface="+mn-cs"/>
+              </a:defRPr>
+            </a:lvl8pPr>
+            <a:lvl9pPr marL="3886200" indent="-228600" algn="l" defTabSz="914400" rtl="0" eaLnBrk="1" latinLnBrk="0" hangingPunct="1">
+              <a:lnSpc>
+                <a:spcPct val="90000"/>
+              </a:lnSpc>
+              <a:spcBef>
+                <a:spcPts val="500"/>
+              </a:spcBef>
+              <a:buFont typeface="Arial" panose="020B0604020202020204" pitchFamily="34" charset="0"/>
+              <a:buChar char="•"/>
+              <a:defRPr sz="1800" kern="1200">
+                <a:solidFill>
+                  <a:schemeClr val="tx1"/>
+                </a:solidFill>
+                <a:latin typeface="+mn-lt"/>
+                <a:ea typeface="+mn-ea"/>
+                <a:cs typeface="+mn-cs"/>
+              </a:defRPr>
+            </a:lvl9pPr>
+          </a:lstStyle>
+          <a:p>
+            <a:r>
+              <a:rPr lang="en-US" b="1" dirty="0"/>
+              <a:t>Contd…</a:t>
+            </a:r>
+          </a:p>
+        </p:txBody>
+      </p:sp>
     </p:spTree>
     <p:extLst>
       <p:ext uri="{BB962C8B-B14F-4D97-AF65-F5344CB8AC3E}">
-        <p14:creationId xmlns:p14="http://schemas.microsoft.com/office/powerpoint/2010/main" val="1249943310"/>
+        <p14:creationId xmlns:p14="http://schemas.microsoft.com/office/powerpoint/2010/main" val="4033875170"/>
       </p:ext>
     </p:extLst>
   </p:cSld>
@@ -19492,8 +20378,8 @@
         </p:nvSpPr>
         <p:spPr>
           <a:xfrm>
-            <a:off x="203312" y="1560663"/>
-            <a:ext cx="6349888" cy="551166"/>
+            <a:off x="616125" y="1623785"/>
+            <a:ext cx="5251275" cy="379186"/>
           </a:xfrm>
         </p:spPr>
         <p:txBody>
@@ -19503,22 +20389,22 @@
           <a:lstStyle/>
           <a:p>
             <a:r>
-              <a:rPr lang="en-US" b="1" dirty="0">
+              <a:rPr lang="en-US" sz="1700" dirty="0">
                 <a:solidFill>
                   <a:schemeClr val="tx1"/>
                 </a:solidFill>
               </a:rPr>
-              <a:t>HuggingFace Dataset (With Synthetic data)</a:t>
+              <a:t>Top 10 User Interests (Categories) - Plotly</a:t>
             </a:r>
           </a:p>
         </p:txBody>
       </p:sp>
       <p:pic>
         <p:nvPicPr>
-          <p:cNvPr id="6" name="Picture 5">
-            <a:extLst>
-              <a:ext uri="{FF2B5EF4-FFF2-40B4-BE49-F238E27FC236}">
-                <a16:creationId xmlns:a16="http://schemas.microsoft.com/office/drawing/2014/main" id="{9A94FB19-27F0-F3BF-3F5F-EA9203969A20}"/>
+          <p:cNvPr id="7" name="Picture 6">
+            <a:extLst>
+              <a:ext uri="{FF2B5EF4-FFF2-40B4-BE49-F238E27FC236}">
+                <a16:creationId xmlns:a16="http://schemas.microsoft.com/office/drawing/2014/main" id="{A9D9D5A1-003E-D40E-CF43-3171C948561C}"/>
               </a:ext>
             </a:extLst>
           </p:cNvPr>
@@ -19535,8 +20421,8 @@
         </p:blipFill>
         <p:spPr>
           <a:xfrm>
-            <a:off x="675996" y="2254623"/>
-            <a:ext cx="10840007" cy="3054507"/>
+            <a:off x="720448" y="2233747"/>
+            <a:ext cx="10751103" cy="3587934"/>
           </a:xfrm>
           <a:prstGeom prst="rect">
             <a:avLst/>
@@ -19545,10 +20431,10 @@
       </p:pic>
       <p:sp>
         <p:nvSpPr>
-          <p:cNvPr id="12" name="Text Placeholder 7">
-            <a:extLst>
-              <a:ext uri="{FF2B5EF4-FFF2-40B4-BE49-F238E27FC236}">
-                <a16:creationId xmlns:a16="http://schemas.microsoft.com/office/drawing/2014/main" id="{447ADA16-DA99-5619-3299-64B19302E6C5}"/>
+          <p:cNvPr id="9" name="Text Placeholder 7">
+            <a:extLst>
+              <a:ext uri="{FF2B5EF4-FFF2-40B4-BE49-F238E27FC236}">
+                <a16:creationId xmlns:a16="http://schemas.microsoft.com/office/drawing/2014/main" id="{05AE8AE1-411B-61EE-1515-2E03A9A3E437}"/>
               </a:ext>
             </a:extLst>
           </p:cNvPr>
@@ -19559,7 +20445,7 @@
         </p:nvSpPr>
         <p:spPr>
           <a:xfrm>
-            <a:off x="9865973" y="6356350"/>
+            <a:off x="9844202" y="6356350"/>
             <a:ext cx="1104388" cy="330286"/>
           </a:xfrm>
           <a:prstGeom prst="rect">
@@ -19760,7 +20646,7 @@
     </p:spTree>
     <p:extLst>
       <p:ext uri="{BB962C8B-B14F-4D97-AF65-F5344CB8AC3E}">
-        <p14:creationId xmlns:p14="http://schemas.microsoft.com/office/powerpoint/2010/main" val="4007388623"/>
+        <p14:creationId xmlns:p14="http://schemas.microsoft.com/office/powerpoint/2010/main" val="2649160870"/>
       </p:ext>
     </p:extLst>
   </p:cSld>
@@ -19938,33 +20824,49 @@
         </p:nvSpPr>
         <p:spPr>
           <a:xfrm>
-            <a:off x="616124" y="1623785"/>
-            <a:ext cx="6241875" cy="313872"/>
+            <a:off x="627010" y="1444171"/>
+            <a:ext cx="5251275" cy="379186"/>
           </a:xfrm>
         </p:spPr>
         <p:txBody>
           <a:bodyPr>
-            <a:noAutofit/>
+            <a:normAutofit fontScale="92500"/>
           </a:bodyPr>
           <a:lstStyle/>
           <a:p>
             <a:r>
-              <a:rPr lang="en-US" sz="1700" b="1" dirty="0">
+              <a:rPr lang="en-US" sz="1800" b="1" dirty="0">
                 <a:solidFill>
                   <a:schemeClr val="tx1"/>
                 </a:solidFill>
               </a:rPr>
-              <a:t>Sentiment Analysis (Model - granite-13b-instruct-v)</a:t>
+              <a:t>Word Cloud Dashboard (Plotly, </a:t>
+            </a:r>
+            <a:r>
+              <a:rPr lang="en-US" sz="1800" b="1" dirty="0" err="1">
+                <a:solidFill>
+                  <a:schemeClr val="tx1"/>
+                </a:solidFill>
+              </a:rPr>
+              <a:t>Wordcloud</a:t>
+            </a:r>
+            <a:r>
+              <a:rPr lang="en-US" sz="1800" b="1" dirty="0">
+                <a:solidFill>
+                  <a:schemeClr val="tx1"/>
+                </a:solidFill>
+              </a:rPr>
+              <a:t>)</a:t>
             </a:r>
           </a:p>
         </p:txBody>
       </p:sp>
       <p:pic>
         <p:nvPicPr>
-          <p:cNvPr id="5" name="Picture 4">
-            <a:extLst>
-              <a:ext uri="{FF2B5EF4-FFF2-40B4-BE49-F238E27FC236}">
-                <a16:creationId xmlns:a16="http://schemas.microsoft.com/office/drawing/2014/main" id="{37EE608F-9149-CDC4-7EA7-997F8F49429B}"/>
+          <p:cNvPr id="12" name="Picture 11">
+            <a:extLst>
+              <a:ext uri="{FF2B5EF4-FFF2-40B4-BE49-F238E27FC236}">
+                <a16:creationId xmlns:a16="http://schemas.microsoft.com/office/drawing/2014/main" id="{4A524DB5-2751-8DA8-BA2B-7FE35917BA53}"/>
               </a:ext>
             </a:extLst>
           </p:cNvPr>
@@ -19981,50 +20883,20 @@
         </p:blipFill>
         <p:spPr>
           <a:xfrm>
-            <a:off x="785926" y="2122213"/>
-            <a:ext cx="10992415" cy="1873346"/>
+            <a:off x="881743" y="1823357"/>
+            <a:ext cx="9644743" cy="4334835"/>
           </a:xfrm>
           <a:prstGeom prst="rect">
             <a:avLst/>
           </a:prstGeom>
         </p:spPr>
       </p:pic>
-      <p:pic>
-        <p:nvPicPr>
-          <p:cNvPr id="7" name="Picture 6">
-            <a:extLst>
-              <a:ext uri="{FF2B5EF4-FFF2-40B4-BE49-F238E27FC236}">
-                <a16:creationId xmlns:a16="http://schemas.microsoft.com/office/drawing/2014/main" id="{D137F1BA-CF85-BDB3-EEED-22B1D67DEE8B}"/>
-              </a:ext>
-            </a:extLst>
-          </p:cNvPr>
-          <p:cNvPicPr>
-            <a:picLocks noChangeAspect="1"/>
-          </p:cNvPicPr>
-          <p:nvPr/>
-        </p:nvPicPr>
-        <p:blipFill>
-          <a:blip r:embed="rId3"/>
-          <a:stretch>
-            <a:fillRect/>
-          </a:stretch>
-        </p:blipFill>
-        <p:spPr>
-          <a:xfrm>
-            <a:off x="785926" y="4078455"/>
-            <a:ext cx="11055918" cy="2311519"/>
-          </a:xfrm>
-          <a:prstGeom prst="rect">
-            <a:avLst/>
-          </a:prstGeom>
-        </p:spPr>
-      </p:pic>
-      <p:sp>
-        <p:nvSpPr>
-          <p:cNvPr id="3" name="Text Placeholder 7">
-            <a:extLst>
-              <a:ext uri="{FF2B5EF4-FFF2-40B4-BE49-F238E27FC236}">
-                <a16:creationId xmlns:a16="http://schemas.microsoft.com/office/drawing/2014/main" id="{6C49868A-4BC3-A478-466B-BE7F2CF7CD0A}"/>
+      <p:sp>
+        <p:nvSpPr>
+          <p:cNvPr id="13" name="Text Placeholder 7">
+            <a:extLst>
+              <a:ext uri="{FF2B5EF4-FFF2-40B4-BE49-F238E27FC236}">
+                <a16:creationId xmlns:a16="http://schemas.microsoft.com/office/drawing/2014/main" id="{3E164341-B4A5-438F-67A7-E2BAC8F58DF0}"/>
               </a:ext>
             </a:extLst>
           </p:cNvPr>
@@ -20035,7 +20907,7 @@
         </p:nvSpPr>
         <p:spPr>
           <a:xfrm>
-            <a:off x="10094573" y="6389974"/>
+            <a:off x="9694779" y="6391189"/>
             <a:ext cx="1104388" cy="330286"/>
           </a:xfrm>
           <a:prstGeom prst="rect">
@@ -20236,7 +21108,7 @@
     </p:spTree>
     <p:extLst>
       <p:ext uri="{BB962C8B-B14F-4D97-AF65-F5344CB8AC3E}">
-        <p14:creationId xmlns:p14="http://schemas.microsoft.com/office/powerpoint/2010/main" val="1423079520"/>
+        <p14:creationId xmlns:p14="http://schemas.microsoft.com/office/powerpoint/2010/main" val="2264092822"/>
       </p:ext>
     </p:extLst>
   </p:cSld>
@@ -20414,13 +21286,13 @@
         </p:nvSpPr>
         <p:spPr>
           <a:xfrm>
-            <a:off x="670559" y="1449613"/>
-            <a:ext cx="5795555" cy="411844"/>
+            <a:off x="326571" y="1633764"/>
+            <a:ext cx="5251275" cy="379186"/>
           </a:xfrm>
         </p:spPr>
         <p:txBody>
           <a:bodyPr>
-            <a:noAutofit/>
+            <a:normAutofit/>
           </a:bodyPr>
           <a:lstStyle/>
           <a:p>
@@ -20430,17 +21302,33 @@
                   <a:schemeClr val="tx1"/>
                 </a:solidFill>
               </a:rPr>
-              <a:t>Text Summarization (Model - granite-13b-chat-v2)</a:t>
+              <a:t>Location Wise </a:t>
+            </a:r>
+            <a:r>
+              <a:rPr lang="en-US" sz="1700" b="1">
+                <a:solidFill>
+                  <a:schemeClr val="tx1"/>
+                </a:solidFill>
+              </a:rPr>
+              <a:t>call Volumes </a:t>
+            </a:r>
+            <a:r>
+              <a:rPr lang="en-US" sz="1700" b="1" dirty="0">
+                <a:solidFill>
+                  <a:schemeClr val="tx1"/>
+                </a:solidFill>
+              </a:rPr>
+              <a:t>(Plotly)</a:t>
             </a:r>
           </a:p>
         </p:txBody>
       </p:sp>
       <p:pic>
         <p:nvPicPr>
-          <p:cNvPr id="5" name="Picture 4">
-            <a:extLst>
-              <a:ext uri="{FF2B5EF4-FFF2-40B4-BE49-F238E27FC236}">
-                <a16:creationId xmlns:a16="http://schemas.microsoft.com/office/drawing/2014/main" id="{A92A3065-8A2C-374C-7BBD-D7F1E5A5D205}"/>
+          <p:cNvPr id="7" name="Picture 6">
+            <a:extLst>
+              <a:ext uri="{FF2B5EF4-FFF2-40B4-BE49-F238E27FC236}">
+                <a16:creationId xmlns:a16="http://schemas.microsoft.com/office/drawing/2014/main" id="{87C73837-4D69-2D75-FF85-9FA1FEAC22C7}"/>
               </a:ext>
             </a:extLst>
           </p:cNvPr>
@@ -20457,50 +21345,20 @@
         </p:blipFill>
         <p:spPr>
           <a:xfrm>
-            <a:off x="616125" y="1793225"/>
-            <a:ext cx="11106721" cy="1797142"/>
+            <a:off x="971286" y="2143855"/>
+            <a:ext cx="10249427" cy="3397425"/>
           </a:xfrm>
           <a:prstGeom prst="rect">
             <a:avLst/>
           </a:prstGeom>
         </p:spPr>
       </p:pic>
-      <p:pic>
-        <p:nvPicPr>
-          <p:cNvPr id="7" name="Picture 6">
-            <a:extLst>
-              <a:ext uri="{FF2B5EF4-FFF2-40B4-BE49-F238E27FC236}">
-                <a16:creationId xmlns:a16="http://schemas.microsoft.com/office/drawing/2014/main" id="{35002489-3765-E5B3-D03F-C10AE28C0E2B}"/>
-              </a:ext>
-            </a:extLst>
-          </p:cNvPr>
-          <p:cNvPicPr>
-            <a:picLocks noChangeAspect="1"/>
-          </p:cNvPicPr>
-          <p:nvPr/>
-        </p:nvPicPr>
-        <p:blipFill>
-          <a:blip r:embed="rId3"/>
-          <a:stretch>
-            <a:fillRect/>
-          </a:stretch>
-        </p:blipFill>
-        <p:spPr>
-          <a:xfrm>
-            <a:off x="616125" y="3556074"/>
-            <a:ext cx="11068619" cy="2883048"/>
-          </a:xfrm>
-          <a:prstGeom prst="rect">
-            <a:avLst/>
-          </a:prstGeom>
-        </p:spPr>
-      </p:pic>
       <p:sp>
         <p:nvSpPr>
           <p:cNvPr id="9" name="Text Placeholder 7">
             <a:extLst>
               <a:ext uri="{FF2B5EF4-FFF2-40B4-BE49-F238E27FC236}">
-                <a16:creationId xmlns:a16="http://schemas.microsoft.com/office/drawing/2014/main" id="{BB7ABCA7-0201-5128-4405-0DF1BAF81A6F}"/>
+                <a16:creationId xmlns:a16="http://schemas.microsoft.com/office/drawing/2014/main" id="{52C1F77A-DA77-89DF-8AF7-FE9477425885}"/>
               </a:ext>
             </a:extLst>
           </p:cNvPr>
@@ -20511,7 +21369,7 @@
         </p:nvSpPr>
         <p:spPr>
           <a:xfrm>
-            <a:off x="9862690" y="6415156"/>
+            <a:off x="9898630" y="6356350"/>
             <a:ext cx="1104388" cy="330286"/>
           </a:xfrm>
           <a:prstGeom prst="rect">
@@ -20712,7 +21570,7 @@
     </p:spTree>
     <p:extLst>
       <p:ext uri="{BB962C8B-B14F-4D97-AF65-F5344CB8AC3E}">
-        <p14:creationId xmlns:p14="http://schemas.microsoft.com/office/powerpoint/2010/main" val="36865684"/>
+        <p14:creationId xmlns:p14="http://schemas.microsoft.com/office/powerpoint/2010/main" val="2892154803"/>
       </p:ext>
     </p:extLst>
   </p:cSld>
@@ -20757,7 +21615,7 @@
         </p:nvSpPr>
         <p:spPr>
           <a:xfrm>
-            <a:off x="1825285" y="308201"/>
+            <a:off x="1825285" y="157845"/>
             <a:ext cx="8421688" cy="1325563"/>
           </a:xfrm>
         </p:spPr>
@@ -20771,69 +21629,8 @@
                   <a:schemeClr val="tx1"/>
                 </a:solidFill>
               </a:rPr>
-              <a:t>walkthrough</a:t>
-            </a:r>
-          </a:p>
-        </p:txBody>
-      </p:sp>
-      <p:sp>
-        <p:nvSpPr>
-          <p:cNvPr id="8" name="Text Placeholder 7">
-            <a:extLst>
-              <a:ext uri="{FF2B5EF4-FFF2-40B4-BE49-F238E27FC236}">
-                <a16:creationId xmlns:a16="http://schemas.microsoft.com/office/drawing/2014/main" id="{51C26CE0-2506-4B44-A26F-C12BFA5B18B5}"/>
-              </a:ext>
-            </a:extLst>
-          </p:cNvPr>
-          <p:cNvSpPr>
-            <a:spLocks noGrp="1"/>
-          </p:cNvSpPr>
-          <p:nvPr>
-            <p:ph type="body" sz="quarter" idx="19"/>
-          </p:nvPr>
-        </p:nvSpPr>
-        <p:spPr>
-          <a:xfrm>
-            <a:off x="206829" y="1633764"/>
-            <a:ext cx="11658600" cy="3941080"/>
-          </a:xfrm>
-        </p:spPr>
-        <p:txBody>
-          <a:bodyPr>
-            <a:normAutofit/>
-          </a:bodyPr>
-          <a:lstStyle/>
-          <a:p>
-            <a:pPr algn="l"/>
-            <a:endParaRPr lang="en-US" sz="2800" dirty="0">
-              <a:solidFill>
-                <a:srgbClr val="CE9178"/>
-              </a:solidFill>
-              <a:latin typeface="Consolas" panose="020B0609020204030204" pitchFamily="49" charset="0"/>
-            </a:endParaRPr>
-          </a:p>
-          <a:p>
-            <a:pPr algn="l"/>
-            <a:endParaRPr lang="en-US" sz="2800" dirty="0">
-              <a:solidFill>
-                <a:srgbClr val="CE9178"/>
-              </a:solidFill>
-              <a:latin typeface="Consolas" panose="020B0609020204030204" pitchFamily="49" charset="0"/>
-            </a:endParaRPr>
-          </a:p>
-          <a:p>
-            <a:pPr algn="l"/>
-            <a:endParaRPr lang="en-US" sz="2800" b="0" dirty="0">
-              <a:solidFill>
-                <a:srgbClr val="CCCCCC"/>
-              </a:solidFill>
-              <a:effectLst/>
-              <a:latin typeface="Consolas" panose="020B0609020204030204" pitchFamily="49" charset="0"/>
-            </a:endParaRPr>
-          </a:p>
-          <a:p>
-            <a:pPr algn="l"/>
-            <a:endParaRPr lang="en-US" sz="2000" dirty="0"/>
+              <a:t>Key Improvements</a:t>
+            </a:r>
           </a:p>
         </p:txBody>
       </p:sp>
@@ -20874,313 +21671,416 @@
       </p:sp>
       <p:sp>
         <p:nvSpPr>
-          <p:cNvPr id="4" name="Text Placeholder 2">
-            <a:extLst>
-              <a:ext uri="{FF2B5EF4-FFF2-40B4-BE49-F238E27FC236}">
-                <a16:creationId xmlns:a16="http://schemas.microsoft.com/office/drawing/2014/main" id="{D0157036-1F41-7B05-C6B8-E7F5D95E6721}"/>
-              </a:ext>
-            </a:extLst>
-          </p:cNvPr>
-          <p:cNvSpPr>
-            <a:spLocks noGrp="1"/>
-          </p:cNvSpPr>
-          <p:nvPr>
-            <p:ph type="body" sz="quarter" idx="13"/>
-          </p:nvPr>
-        </p:nvSpPr>
-        <p:spPr>
-          <a:xfrm>
-            <a:off x="659668" y="1327606"/>
-            <a:ext cx="5860875" cy="306158"/>
-          </a:xfrm>
-        </p:spPr>
-        <p:txBody>
-          <a:bodyPr>
-            <a:noAutofit/>
-          </a:bodyPr>
-          <a:lstStyle/>
-          <a:p>
-            <a:r>
-              <a:rPr lang="en-US" sz="1700" b="1" dirty="0">
-                <a:solidFill>
-                  <a:schemeClr val="tx1"/>
-                </a:solidFill>
-              </a:rPr>
-              <a:t>Feature Extraction(Model - granite-13b-chat-v2)</a:t>
-            </a:r>
-          </a:p>
-        </p:txBody>
-      </p:sp>
-      <p:pic>
-        <p:nvPicPr>
-          <p:cNvPr id="5" name="Picture 4">
-            <a:extLst>
-              <a:ext uri="{FF2B5EF4-FFF2-40B4-BE49-F238E27FC236}">
-                <a16:creationId xmlns:a16="http://schemas.microsoft.com/office/drawing/2014/main" id="{6C913674-5236-63AA-C093-2C996B04E241}"/>
-              </a:ext>
-            </a:extLst>
-          </p:cNvPr>
-          <p:cNvPicPr>
-            <a:picLocks noChangeAspect="1"/>
-          </p:cNvPicPr>
-          <p:nvPr/>
-        </p:nvPicPr>
-        <p:blipFill>
-          <a:blip r:embed="rId2"/>
-          <a:stretch>
-            <a:fillRect/>
-          </a:stretch>
-        </p:blipFill>
-        <p:spPr>
-          <a:xfrm>
-            <a:off x="796645" y="1706792"/>
-            <a:ext cx="10903510" cy="2076557"/>
+          <p:cNvPr id="5" name="Rectangle 2">
+            <a:extLst>
+              <a:ext uri="{FF2B5EF4-FFF2-40B4-BE49-F238E27FC236}">
+                <a16:creationId xmlns:a16="http://schemas.microsoft.com/office/drawing/2014/main" id="{B04DECB0-67A0-F316-5322-454869778355}"/>
+              </a:ext>
+            </a:extLst>
+          </p:cNvPr>
+          <p:cNvSpPr>
+            <a:spLocks noGrp="1" noChangeArrowheads="1"/>
+          </p:cNvSpPr>
+          <p:nvPr>
+            <p:ph type="body" sz="quarter" idx="19"/>
+          </p:nvPr>
+        </p:nvSpPr>
+        <p:spPr bwMode="auto">
+          <a:xfrm>
+            <a:off x="206375" y="1990331"/>
+            <a:ext cx="12111008" cy="3693319"/>
           </a:xfrm>
           <a:prstGeom prst="rect">
             <a:avLst/>
           </a:prstGeom>
-        </p:spPr>
-      </p:pic>
-      <p:pic>
-        <p:nvPicPr>
-          <p:cNvPr id="7" name="Picture 6">
-            <a:extLst>
-              <a:ext uri="{FF2B5EF4-FFF2-40B4-BE49-F238E27FC236}">
-                <a16:creationId xmlns:a16="http://schemas.microsoft.com/office/drawing/2014/main" id="{B1C2994E-E03B-5869-65C0-F328B4A789C9}"/>
-              </a:ext>
-            </a:extLst>
-          </p:cNvPr>
-          <p:cNvPicPr>
-            <a:picLocks noChangeAspect="1"/>
-          </p:cNvPicPr>
-          <p:nvPr/>
-        </p:nvPicPr>
-        <p:blipFill>
-          <a:blip r:embed="rId3"/>
-          <a:stretch>
-            <a:fillRect/>
-          </a:stretch>
-        </p:blipFill>
-        <p:spPr>
-          <a:xfrm>
-            <a:off x="796810" y="3971784"/>
-            <a:ext cx="11068619" cy="2749691"/>
-          </a:xfrm>
-          <a:prstGeom prst="rect">
-            <a:avLst/>
-          </a:prstGeom>
-        </p:spPr>
-      </p:pic>
-      <p:sp>
-        <p:nvSpPr>
-          <p:cNvPr id="9" name="Text Placeholder 7">
-            <a:extLst>
-              <a:ext uri="{FF2B5EF4-FFF2-40B4-BE49-F238E27FC236}">
-                <a16:creationId xmlns:a16="http://schemas.microsoft.com/office/drawing/2014/main" id="{E8C98449-951B-637E-FCEC-318D7C969243}"/>
-              </a:ext>
-            </a:extLst>
-          </p:cNvPr>
-          <p:cNvSpPr txBox="1">
-            <a:spLocks/>
-          </p:cNvSpPr>
-          <p:nvPr/>
-        </p:nvSpPr>
-        <p:spPr>
-          <a:xfrm>
-            <a:off x="10290802" y="6527714"/>
-            <a:ext cx="1104388" cy="330286"/>
-          </a:xfrm>
-          <a:prstGeom prst="rect">
-            <a:avLst/>
-          </a:prstGeom>
-        </p:spPr>
-        <p:txBody>
-          <a:bodyPr vert="horz" lIns="91440" tIns="45720" rIns="91440" bIns="45720" rtlCol="0">
-            <a:normAutofit/>
+          <a:noFill/>
+          <a:ln>
+            <a:noFill/>
+          </a:ln>
+          <a:effectLst/>
+          <a:extLst>
+            <a:ext uri="{909E8E84-426E-40DD-AFC4-6F175D3DCCD1}">
+              <a14:hiddenFill xmlns:a14="http://schemas.microsoft.com/office/drawing/2010/main">
+                <a:solidFill>
+                  <a:schemeClr val="accent1"/>
+                </a:solidFill>
+              </a14:hiddenFill>
+            </a:ext>
+            <a:ext uri="{91240B29-F687-4F45-9708-019B960494DF}">
+              <a14:hiddenLine xmlns:a14="http://schemas.microsoft.com/office/drawing/2010/main" w="9525">
+                <a:solidFill>
+                  <a:schemeClr val="tx1"/>
+                </a:solidFill>
+                <a:miter lim="800000"/>
+                <a:headEnd/>
+                <a:tailEnd/>
+              </a14:hiddenLine>
+            </a:ext>
+            <a:ext uri="{AF507438-7753-43E0-B8FC-AC1667EBCBE1}">
+              <a14:hiddenEffects xmlns:a14="http://schemas.microsoft.com/office/drawing/2010/main">
+                <a:effectLst>
+                  <a:outerShdw dist="35921" dir="2700000" algn="ctr" rotWithShape="0">
+                    <a:schemeClr val="bg2"/>
+                  </a:outerShdw>
+                </a:effectLst>
+              </a14:hiddenEffects>
+            </a:ext>
+          </a:extLst>
+        </p:spPr>
+        <p:txBody>
+          <a:bodyPr vert="horz" wrap="none" lIns="91440" tIns="45720" rIns="91440" bIns="45720" numCol="1" anchor="ctr" anchorCtr="0" compatLnSpc="1">
+            <a:prstTxWarp prst="textNoShape">
+              <a:avLst/>
+            </a:prstTxWarp>
+            <a:spAutoFit/>
           </a:bodyPr>
-          <a:lstStyle>
-            <a:lvl1pPr marL="0" indent="0" algn="ctr" defTabSz="914400" rtl="0" eaLnBrk="1" latinLnBrk="0" hangingPunct="1">
+          <a:lstStyle/>
+          <a:p>
+            <a:pPr marL="0" marR="0" lvl="0" indent="0" algn="l" defTabSz="914400" rtl="0" eaLnBrk="0" fontAlgn="base" latinLnBrk="0" hangingPunct="0">
               <a:lnSpc>
                 <a:spcPct val="100000"/>
               </a:lnSpc>
               <a:spcBef>
-                <a:spcPts val="1000"/>
+                <a:spcPct val="0"/>
               </a:spcBef>
-              <a:buFont typeface="Arial" panose="020B0604020202020204" pitchFamily="34" charset="0"/>
-              <a:buNone/>
-              <a:defRPr sz="1400" kern="1200">
-                <a:solidFill>
-                  <a:schemeClr val="tx1">
-                    <a:lumMod val="75000"/>
-                    <a:lumOff val="25000"/>
-                  </a:schemeClr>
-                </a:solidFill>
-                <a:latin typeface="+mn-lt"/>
-                <a:ea typeface="+mn-ea"/>
-                <a:cs typeface="+mn-cs"/>
-              </a:defRPr>
-            </a:lvl1pPr>
-            <a:lvl2pPr marL="685800" indent="-228600" algn="l" defTabSz="914400" rtl="0" eaLnBrk="1" latinLnBrk="0" hangingPunct="1">
+              <a:spcAft>
+                <a:spcPct val="0"/>
+              </a:spcAft>
+              <a:buClrTx/>
+              <a:buSzTx/>
+              <a:tabLst/>
+            </a:pPr>
+            <a:r>
+              <a:rPr kumimoji="0" lang="en-US" altLang="en-US" sz="1800" b="1" i="0" u="none" strike="noStrike" cap="none" normalizeH="0" baseline="0" dirty="0">
+                <a:ln>
+                  <a:noFill/>
+                </a:ln>
+                <a:solidFill>
+                  <a:schemeClr val="tx1"/>
+                </a:solidFill>
+                <a:effectLst/>
+                <a:latin typeface="Arial" panose="020B0604020202020204" pitchFamily="34" charset="0"/>
+              </a:rPr>
+              <a:t>Boosting Team Productivity</a:t>
+            </a:r>
+            <a:br>
+              <a:rPr kumimoji="0" lang="en-US" altLang="en-US" sz="1800" b="0" i="0" u="none" strike="noStrike" cap="none" normalizeH="0" baseline="0" dirty="0">
+                <a:ln>
+                  <a:noFill/>
+                </a:ln>
+                <a:solidFill>
+                  <a:schemeClr val="tx1"/>
+                </a:solidFill>
+                <a:effectLst/>
+                <a:latin typeface="Arial" panose="020B0604020202020204" pitchFamily="34" charset="0"/>
+              </a:rPr>
+            </a:br>
+            <a:r>
+              <a:rPr kumimoji="0" lang="en-US" altLang="en-US" sz="1800" b="0" i="0" u="none" strike="noStrike" cap="none" normalizeH="0" baseline="0" dirty="0">
+                <a:ln>
+                  <a:noFill/>
+                </a:ln>
+                <a:solidFill>
+                  <a:schemeClr val="tx1"/>
+                </a:solidFill>
+                <a:effectLst/>
+                <a:latin typeface="Arial" panose="020B0604020202020204" pitchFamily="34" charset="0"/>
+              </a:rPr>
+              <a:t>Implementing sentiment analysis and text summarization will streamline processes and enhance focus on key tasks.</a:t>
+            </a:r>
+          </a:p>
+          <a:p>
+            <a:pPr marL="0" marR="0" lvl="0" indent="0" algn="l" defTabSz="914400" rtl="0" eaLnBrk="0" fontAlgn="base" latinLnBrk="0" hangingPunct="0">
               <a:lnSpc>
-                <a:spcPct val="90000"/>
+                <a:spcPct val="100000"/>
               </a:lnSpc>
               <a:spcBef>
-                <a:spcPts val="500"/>
+                <a:spcPct val="0"/>
               </a:spcBef>
-              <a:buFont typeface="Arial" panose="020B0604020202020204" pitchFamily="34" charset="0"/>
-              <a:buChar char="•"/>
-              <a:defRPr sz="2400" kern="1200">
-                <a:solidFill>
-                  <a:schemeClr val="tx1">
-                    <a:lumMod val="75000"/>
-                    <a:lumOff val="25000"/>
-                  </a:schemeClr>
-                </a:solidFill>
-                <a:latin typeface="+mn-lt"/>
-                <a:ea typeface="+mn-ea"/>
-                <a:cs typeface="+mn-cs"/>
-              </a:defRPr>
-            </a:lvl2pPr>
-            <a:lvl3pPr marL="1143000" indent="-228600" algn="l" defTabSz="914400" rtl="0" eaLnBrk="1" latinLnBrk="0" hangingPunct="1">
+              <a:spcAft>
+                <a:spcPct val="0"/>
+              </a:spcAft>
+              <a:buClrTx/>
+              <a:buSzTx/>
+              <a:tabLst/>
+            </a:pPr>
+            <a:endParaRPr kumimoji="0" lang="en-US" altLang="en-US" sz="1800" b="0" i="0" u="none" strike="noStrike" cap="none" normalizeH="0" baseline="0" dirty="0">
+              <a:ln>
+                <a:noFill/>
+              </a:ln>
+              <a:solidFill>
+                <a:schemeClr val="tx1"/>
+              </a:solidFill>
+              <a:effectLst/>
+              <a:latin typeface="Arial" panose="020B0604020202020204" pitchFamily="34" charset="0"/>
+            </a:endParaRPr>
+          </a:p>
+          <a:p>
+            <a:pPr marL="0" marR="0" lvl="0" indent="0" algn="l" defTabSz="914400" rtl="0" eaLnBrk="0" fontAlgn="base" latinLnBrk="0" hangingPunct="0">
               <a:lnSpc>
-                <a:spcPct val="90000"/>
+                <a:spcPct val="100000"/>
               </a:lnSpc>
               <a:spcBef>
-                <a:spcPts val="500"/>
+                <a:spcPct val="0"/>
               </a:spcBef>
-              <a:buFont typeface="Arial" panose="020B0604020202020204" pitchFamily="34" charset="0"/>
-              <a:buChar char="•"/>
-              <a:defRPr sz="2000" kern="1200">
-                <a:solidFill>
-                  <a:schemeClr val="tx1">
-                    <a:lumMod val="75000"/>
-                    <a:lumOff val="25000"/>
-                  </a:schemeClr>
-                </a:solidFill>
-                <a:latin typeface="+mn-lt"/>
-                <a:ea typeface="+mn-ea"/>
-                <a:cs typeface="+mn-cs"/>
-              </a:defRPr>
-            </a:lvl3pPr>
-            <a:lvl4pPr marL="1600200" indent="-228600" algn="l" defTabSz="914400" rtl="0" eaLnBrk="1" latinLnBrk="0" hangingPunct="1">
+              <a:spcAft>
+                <a:spcPct val="0"/>
+              </a:spcAft>
+              <a:buClrTx/>
+              <a:buSzTx/>
+              <a:tabLst/>
+            </a:pPr>
+            <a:r>
+              <a:rPr kumimoji="0" lang="en-US" altLang="en-US" sz="1800" b="1" i="0" u="none" strike="noStrike" cap="none" normalizeH="0" baseline="0" dirty="0">
+                <a:ln>
+                  <a:noFill/>
+                </a:ln>
+                <a:solidFill>
+                  <a:schemeClr val="tx1"/>
+                </a:solidFill>
+                <a:effectLst/>
+                <a:latin typeface="Arial" panose="020B0604020202020204" pitchFamily="34" charset="0"/>
+              </a:rPr>
+              <a:t>Targeted Training</a:t>
+            </a:r>
+            <a:br>
+              <a:rPr kumimoji="0" lang="en-US" altLang="en-US" sz="1800" b="0" i="0" u="none" strike="noStrike" cap="none" normalizeH="0" baseline="0" dirty="0">
+                <a:ln>
+                  <a:noFill/>
+                </a:ln>
+                <a:solidFill>
+                  <a:schemeClr val="tx1"/>
+                </a:solidFill>
+                <a:effectLst/>
+                <a:latin typeface="Arial" panose="020B0604020202020204" pitchFamily="34" charset="0"/>
+              </a:rPr>
+            </a:br>
+            <a:r>
+              <a:rPr kumimoji="0" lang="en-US" altLang="en-US" sz="1800" b="0" i="0" u="none" strike="noStrike" cap="none" normalizeH="0" baseline="0" dirty="0">
+                <a:ln>
+                  <a:noFill/>
+                </a:ln>
+                <a:solidFill>
+                  <a:schemeClr val="tx1"/>
+                </a:solidFill>
+                <a:effectLst/>
+                <a:latin typeface="Arial" panose="020B0604020202020204" pitchFamily="34" charset="0"/>
+              </a:rPr>
+              <a:t>Analyzing call summaries will identify improvement areas for tailored training initiatives.</a:t>
+            </a:r>
+          </a:p>
+          <a:p>
+            <a:pPr marL="0" marR="0" lvl="0" indent="0" algn="l" defTabSz="914400" rtl="0" eaLnBrk="0" fontAlgn="base" latinLnBrk="0" hangingPunct="0">
               <a:lnSpc>
-                <a:spcPct val="90000"/>
+                <a:spcPct val="100000"/>
               </a:lnSpc>
               <a:spcBef>
-                <a:spcPts val="500"/>
+                <a:spcPct val="0"/>
               </a:spcBef>
-              <a:buFont typeface="Arial" panose="020B0604020202020204" pitchFamily="34" charset="0"/>
-              <a:buChar char="•"/>
-              <a:defRPr sz="1800" kern="1200">
-                <a:solidFill>
-                  <a:schemeClr val="tx1">
-                    <a:lumMod val="75000"/>
-                    <a:lumOff val="25000"/>
-                  </a:schemeClr>
-                </a:solidFill>
-                <a:latin typeface="+mn-lt"/>
-                <a:ea typeface="+mn-ea"/>
-                <a:cs typeface="+mn-cs"/>
-              </a:defRPr>
-            </a:lvl4pPr>
-            <a:lvl5pPr marL="2057400" indent="-228600" algn="l" defTabSz="914400" rtl="0" eaLnBrk="1" latinLnBrk="0" hangingPunct="1">
+              <a:spcAft>
+                <a:spcPct val="0"/>
+              </a:spcAft>
+              <a:buClrTx/>
+              <a:buSzTx/>
+              <a:tabLst/>
+            </a:pPr>
+            <a:endParaRPr kumimoji="0" lang="en-US" altLang="en-US" sz="1800" b="0" i="0" u="none" strike="noStrike" cap="none" normalizeH="0" baseline="0" dirty="0">
+              <a:ln>
+                <a:noFill/>
+              </a:ln>
+              <a:solidFill>
+                <a:schemeClr val="tx1"/>
+              </a:solidFill>
+              <a:effectLst/>
+              <a:latin typeface="Arial" panose="020B0604020202020204" pitchFamily="34" charset="0"/>
+            </a:endParaRPr>
+          </a:p>
+          <a:p>
+            <a:pPr marL="0" marR="0" lvl="0" indent="0" algn="l" defTabSz="914400" rtl="0" eaLnBrk="0" fontAlgn="base" latinLnBrk="0" hangingPunct="0">
               <a:lnSpc>
-                <a:spcPct val="90000"/>
+                <a:spcPct val="100000"/>
               </a:lnSpc>
               <a:spcBef>
-                <a:spcPts val="500"/>
+                <a:spcPct val="0"/>
               </a:spcBef>
-              <a:buFont typeface="Arial" panose="020B0604020202020204" pitchFamily="34" charset="0"/>
-              <a:buChar char="•"/>
-              <a:defRPr sz="1800" kern="1200">
-                <a:solidFill>
-                  <a:schemeClr val="tx1">
-                    <a:lumMod val="75000"/>
-                    <a:lumOff val="25000"/>
-                  </a:schemeClr>
-                </a:solidFill>
-                <a:latin typeface="+mn-lt"/>
-                <a:ea typeface="+mn-ea"/>
-                <a:cs typeface="+mn-cs"/>
-              </a:defRPr>
-            </a:lvl5pPr>
-            <a:lvl6pPr marL="2514600" indent="-228600" algn="l" defTabSz="914400" rtl="0" eaLnBrk="1" latinLnBrk="0" hangingPunct="1">
+              <a:spcAft>
+                <a:spcPct val="0"/>
+              </a:spcAft>
+              <a:buClrTx/>
+              <a:buSzTx/>
+              <a:tabLst/>
+            </a:pPr>
+            <a:r>
+              <a:rPr kumimoji="0" lang="en-US" altLang="en-US" sz="1800" b="1" i="0" u="none" strike="noStrike" cap="none" normalizeH="0" baseline="0" dirty="0">
+                <a:ln>
+                  <a:noFill/>
+                </a:ln>
+                <a:solidFill>
+                  <a:schemeClr val="tx1"/>
+                </a:solidFill>
+                <a:effectLst/>
+                <a:latin typeface="Arial" panose="020B0604020202020204" pitchFamily="34" charset="0"/>
+              </a:rPr>
+              <a:t>HR Incentives Linked to Customer Satisfaction</a:t>
+            </a:r>
+            <a:br>
+              <a:rPr kumimoji="0" lang="en-US" altLang="en-US" sz="1800" b="0" i="0" u="none" strike="noStrike" cap="none" normalizeH="0" baseline="0" dirty="0">
+                <a:ln>
+                  <a:noFill/>
+                </a:ln>
+                <a:solidFill>
+                  <a:schemeClr val="tx1"/>
+                </a:solidFill>
+                <a:effectLst/>
+                <a:latin typeface="Arial" panose="020B0604020202020204" pitchFamily="34" charset="0"/>
+              </a:rPr>
+            </a:br>
+            <a:r>
+              <a:rPr kumimoji="0" lang="en-US" altLang="en-US" sz="1800" b="0" i="0" u="none" strike="noStrike" cap="none" normalizeH="0" baseline="0" dirty="0">
+                <a:ln>
+                  <a:noFill/>
+                </a:ln>
+                <a:solidFill>
+                  <a:schemeClr val="tx1"/>
+                </a:solidFill>
+                <a:effectLst/>
+                <a:latin typeface="Arial" panose="020B0604020202020204" pitchFamily="34" charset="0"/>
+              </a:rPr>
+              <a:t>Year-end bonuses can be tied to customer satisfaction metrics derived from call summaries, promoting </a:t>
+            </a:r>
+            <a:br>
+              <a:rPr kumimoji="0" lang="en-US" altLang="en-US" sz="1800" b="0" i="0" u="none" strike="noStrike" cap="none" normalizeH="0" baseline="0" dirty="0">
+                <a:ln>
+                  <a:noFill/>
+                </a:ln>
+                <a:solidFill>
+                  <a:schemeClr val="tx1"/>
+                </a:solidFill>
+                <a:effectLst/>
+                <a:latin typeface="Arial" panose="020B0604020202020204" pitchFamily="34" charset="0"/>
+              </a:rPr>
+            </a:br>
+            <a:r>
+              <a:rPr kumimoji="0" lang="en-US" altLang="en-US" sz="1800" b="0" i="0" u="none" strike="noStrike" cap="none" normalizeH="0" baseline="0" dirty="0">
+                <a:ln>
+                  <a:noFill/>
+                </a:ln>
+                <a:solidFill>
+                  <a:schemeClr val="tx1"/>
+                </a:solidFill>
+                <a:effectLst/>
+                <a:latin typeface="Arial" panose="020B0604020202020204" pitchFamily="34" charset="0"/>
+              </a:rPr>
+              <a:t>a customer-centric approach.</a:t>
+            </a:r>
+          </a:p>
+          <a:p>
+            <a:pPr marL="0" marR="0" lvl="0" indent="0" algn="l" defTabSz="914400" rtl="0" eaLnBrk="0" fontAlgn="base" latinLnBrk="0" hangingPunct="0">
               <a:lnSpc>
-                <a:spcPct val="90000"/>
+                <a:spcPct val="100000"/>
               </a:lnSpc>
               <a:spcBef>
-                <a:spcPts val="500"/>
+                <a:spcPct val="0"/>
               </a:spcBef>
-              <a:buFont typeface="Arial" panose="020B0604020202020204" pitchFamily="34" charset="0"/>
-              <a:buChar char="•"/>
-              <a:defRPr sz="1800" kern="1200">
-                <a:solidFill>
-                  <a:schemeClr val="tx1"/>
-                </a:solidFill>
-                <a:latin typeface="+mn-lt"/>
-                <a:ea typeface="+mn-ea"/>
-                <a:cs typeface="+mn-cs"/>
-              </a:defRPr>
-            </a:lvl6pPr>
-            <a:lvl7pPr marL="2971800" indent="-228600" algn="l" defTabSz="914400" rtl="0" eaLnBrk="1" latinLnBrk="0" hangingPunct="1">
+              <a:spcAft>
+                <a:spcPct val="0"/>
+              </a:spcAft>
+              <a:buClrTx/>
+              <a:buSzTx/>
+              <a:tabLst/>
+            </a:pPr>
+            <a:endParaRPr kumimoji="0" lang="en-US" altLang="en-US" sz="1800" b="0" i="0" u="none" strike="noStrike" cap="none" normalizeH="0" baseline="0" dirty="0">
+              <a:ln>
+                <a:noFill/>
+              </a:ln>
+              <a:solidFill>
+                <a:schemeClr val="tx1"/>
+              </a:solidFill>
+              <a:effectLst/>
+              <a:latin typeface="Arial" panose="020B0604020202020204" pitchFamily="34" charset="0"/>
+            </a:endParaRPr>
+          </a:p>
+          <a:p>
+            <a:pPr marL="0" marR="0" lvl="0" indent="0" algn="l" defTabSz="914400" rtl="0" eaLnBrk="0" fontAlgn="base" latinLnBrk="0" hangingPunct="0">
               <a:lnSpc>
-                <a:spcPct val="90000"/>
+                <a:spcPct val="100000"/>
               </a:lnSpc>
               <a:spcBef>
-                <a:spcPts val="500"/>
+                <a:spcPct val="0"/>
               </a:spcBef>
-              <a:buFont typeface="Arial" panose="020B0604020202020204" pitchFamily="34" charset="0"/>
-              <a:buChar char="•"/>
-              <a:defRPr sz="1800" kern="1200">
+              <a:spcAft>
+                <a:spcPct val="0"/>
+              </a:spcAft>
+              <a:buClrTx/>
+              <a:buSzTx/>
+              <a:tabLst/>
+            </a:pPr>
+            <a:r>
+              <a:rPr kumimoji="0" lang="en-US" altLang="en-US" sz="1800" b="1" i="0" u="none" strike="noStrike" cap="none" normalizeH="0" baseline="0" dirty="0">
+                <a:ln>
+                  <a:noFill/>
+                </a:ln>
                 <a:solidFill>
                   <a:schemeClr val="tx1"/>
                 </a:solidFill>
-                <a:latin typeface="+mn-lt"/>
-                <a:ea typeface="+mn-ea"/>
-                <a:cs typeface="+mn-cs"/>
-              </a:defRPr>
-            </a:lvl7pPr>
-            <a:lvl8pPr marL="3429000" indent="-228600" algn="l" defTabSz="914400" rtl="0" eaLnBrk="1" latinLnBrk="0" hangingPunct="1">
+                <a:effectLst/>
+                <a:latin typeface="Arial" panose="020B0604020202020204" pitchFamily="34" charset="0"/>
+              </a:rPr>
+              <a:t>Product Improvement Feedback</a:t>
+            </a:r>
+            <a:br>
+              <a:rPr kumimoji="0" lang="en-US" altLang="en-US" sz="1800" b="0" i="0" u="none" strike="noStrike" cap="none" normalizeH="0" baseline="0" dirty="0">
+                <a:ln>
+                  <a:noFill/>
+                </a:ln>
+                <a:solidFill>
+                  <a:schemeClr val="tx1"/>
+                </a:solidFill>
+                <a:effectLst/>
+                <a:latin typeface="Arial" panose="020B0604020202020204" pitchFamily="34" charset="0"/>
+              </a:rPr>
+            </a:br>
+            <a:r>
+              <a:rPr kumimoji="0" lang="en-US" altLang="en-US" sz="1800" b="0" i="0" u="none" strike="noStrike" cap="none" normalizeH="0" baseline="0" dirty="0">
+                <a:ln>
+                  <a:noFill/>
+                </a:ln>
+                <a:solidFill>
+                  <a:schemeClr val="tx1"/>
+                </a:solidFill>
+                <a:effectLst/>
+                <a:latin typeface="Arial" panose="020B0604020202020204" pitchFamily="34" charset="0"/>
+              </a:rPr>
+              <a:t>Identifying recurring negative feedback on products will enable collaboration with vendors for product quality/delivery </a:t>
+            </a:r>
+          </a:p>
+          <a:p>
+            <a:pPr marL="0" marR="0" lvl="0" indent="0" algn="l" defTabSz="914400" rtl="0" eaLnBrk="0" fontAlgn="base" latinLnBrk="0" hangingPunct="0">
               <a:lnSpc>
-                <a:spcPct val="90000"/>
+                <a:spcPct val="100000"/>
               </a:lnSpc>
               <a:spcBef>
-                <a:spcPts val="500"/>
+                <a:spcPct val="0"/>
               </a:spcBef>
-              <a:buFont typeface="Arial" panose="020B0604020202020204" pitchFamily="34" charset="0"/>
-              <a:buChar char="•"/>
-              <a:defRPr sz="1800" kern="1200">
+              <a:spcAft>
+                <a:spcPct val="0"/>
+              </a:spcAft>
+              <a:buClrTx/>
+              <a:buSzTx/>
+              <a:tabLst/>
+            </a:pPr>
+            <a:r>
+              <a:rPr kumimoji="0" lang="en-US" altLang="en-US" sz="1800" b="0" i="0" u="none" strike="noStrike" cap="none" normalizeH="0" baseline="0" dirty="0">
+                <a:ln>
+                  <a:noFill/>
+                </a:ln>
                 <a:solidFill>
                   <a:schemeClr val="tx1"/>
                 </a:solidFill>
-                <a:latin typeface="+mn-lt"/>
-                <a:ea typeface="+mn-ea"/>
-                <a:cs typeface="+mn-cs"/>
-              </a:defRPr>
-            </a:lvl8pPr>
-            <a:lvl9pPr marL="3886200" indent="-228600" algn="l" defTabSz="914400" rtl="0" eaLnBrk="1" latinLnBrk="0" hangingPunct="1">
-              <a:lnSpc>
-                <a:spcPct val="90000"/>
-              </a:lnSpc>
-              <a:spcBef>
-                <a:spcPts val="500"/>
-              </a:spcBef>
-              <a:buFont typeface="Arial" panose="020B0604020202020204" pitchFamily="34" charset="0"/>
-              <a:buChar char="•"/>
-              <a:defRPr sz="1800" kern="1200">
-                <a:solidFill>
-                  <a:schemeClr val="tx1"/>
-                </a:solidFill>
-                <a:latin typeface="+mn-lt"/>
-                <a:ea typeface="+mn-ea"/>
-                <a:cs typeface="+mn-cs"/>
-              </a:defRPr>
-            </a:lvl9pPr>
-          </a:lstStyle>
-          <a:p>
-            <a:r>
-              <a:rPr lang="en-US" b="1" dirty="0"/>
-              <a:t>Contd…</a:t>
+                <a:effectLst/>
+                <a:latin typeface="Arial" panose="020B0604020202020204" pitchFamily="34" charset="0"/>
+              </a:rPr>
+              <a:t>or other improvement.</a:t>
             </a:r>
           </a:p>
         </p:txBody>
@@ -21188,7 +22088,7 @@
     </p:spTree>
     <p:extLst>
       <p:ext uri="{BB962C8B-B14F-4D97-AF65-F5344CB8AC3E}">
-        <p14:creationId xmlns:p14="http://schemas.microsoft.com/office/powerpoint/2010/main" val="1779691643"/>
+        <p14:creationId xmlns:p14="http://schemas.microsoft.com/office/powerpoint/2010/main" val="2100495986"/>
       </p:ext>
     </p:extLst>
   </p:cSld>
@@ -21247,7 +22147,7 @@
                   <a:schemeClr val="tx1"/>
                 </a:solidFill>
               </a:rPr>
-              <a:t>walkthrough</a:t>
+              <a:t>WAY Forward</a:t>
             </a:r>
           </a:p>
         </p:txBody>
@@ -21350,99 +22250,30 @@
       </p:sp>
       <p:sp>
         <p:nvSpPr>
-          <p:cNvPr id="4" name="Text Placeholder 2">
-            <a:extLst>
-              <a:ext uri="{FF2B5EF4-FFF2-40B4-BE49-F238E27FC236}">
-                <a16:creationId xmlns:a16="http://schemas.microsoft.com/office/drawing/2014/main" id="{D0157036-1F41-7B05-C6B8-E7F5D95E6721}"/>
-              </a:ext>
-            </a:extLst>
-          </p:cNvPr>
-          <p:cNvSpPr>
-            <a:spLocks noGrp="1"/>
-          </p:cNvSpPr>
-          <p:nvPr>
-            <p:ph type="body" sz="quarter" idx="13"/>
-          </p:nvPr>
-        </p:nvSpPr>
-        <p:spPr>
-          <a:xfrm>
-            <a:off x="616125" y="1623785"/>
-            <a:ext cx="5251275" cy="379186"/>
-          </a:xfrm>
-        </p:spPr>
-        <p:txBody>
-          <a:bodyPr>
-            <a:normAutofit/>
-          </a:bodyPr>
-          <a:lstStyle/>
-          <a:p>
-            <a:r>
-              <a:rPr lang="en-US" sz="1700" b="1" dirty="0">
-                <a:solidFill>
-                  <a:schemeClr val="tx1"/>
-                </a:solidFill>
-              </a:rPr>
-              <a:t>Customer Sentiments by Day (Plotly)</a:t>
-            </a:r>
-          </a:p>
-        </p:txBody>
-      </p:sp>
-      <p:pic>
-        <p:nvPicPr>
-          <p:cNvPr id="10" name="Picture 9">
-            <a:extLst>
-              <a:ext uri="{FF2B5EF4-FFF2-40B4-BE49-F238E27FC236}">
-                <a16:creationId xmlns:a16="http://schemas.microsoft.com/office/drawing/2014/main" id="{2BDD68FB-13C6-865F-BB62-C8FF75EE4D85}"/>
-              </a:ext>
-            </a:extLst>
-          </p:cNvPr>
-          <p:cNvPicPr>
-            <a:picLocks noChangeAspect="1"/>
-          </p:cNvPicPr>
+          <p:cNvPr id="3" name="Text Placeholder 7">
+            <a:extLst>
+              <a:ext uri="{FF2B5EF4-FFF2-40B4-BE49-F238E27FC236}">
+                <a16:creationId xmlns:a16="http://schemas.microsoft.com/office/drawing/2014/main" id="{E047004A-0AD6-74D3-6185-38C7811A235C}"/>
+              </a:ext>
+            </a:extLst>
+          </p:cNvPr>
+          <p:cNvSpPr txBox="1">
+            <a:spLocks/>
+          </p:cNvSpPr>
           <p:nvPr/>
-        </p:nvPicPr>
-        <p:blipFill>
-          <a:blip r:embed="rId2"/>
-          <a:stretch>
-            <a:fillRect/>
-          </a:stretch>
-        </p:blipFill>
-        <p:spPr>
-          <a:xfrm>
-            <a:off x="983787" y="2123525"/>
-            <a:ext cx="9967241" cy="4121950"/>
+        </p:nvSpPr>
+        <p:spPr>
+          <a:xfrm>
+            <a:off x="359229" y="1786164"/>
+            <a:ext cx="11658600" cy="4070350"/>
           </a:xfrm>
           <a:prstGeom prst="rect">
             <a:avLst/>
           </a:prstGeom>
         </p:spPr>
-      </p:pic>
-      <p:sp>
-        <p:nvSpPr>
-          <p:cNvPr id="11" name="Text Placeholder 7">
-            <a:extLst>
-              <a:ext uri="{FF2B5EF4-FFF2-40B4-BE49-F238E27FC236}">
-                <a16:creationId xmlns:a16="http://schemas.microsoft.com/office/drawing/2014/main" id="{9DBA8483-396A-0D04-8D4D-5782611493C4}"/>
-              </a:ext>
-            </a:extLst>
-          </p:cNvPr>
-          <p:cNvSpPr txBox="1">
-            <a:spLocks/>
-          </p:cNvSpPr>
-          <p:nvPr/>
-        </p:nvSpPr>
-        <p:spPr>
-          <a:xfrm>
-            <a:off x="9751647" y="6356350"/>
-            <a:ext cx="1104388" cy="330286"/>
-          </a:xfrm>
-          <a:prstGeom prst="rect">
-            <a:avLst/>
-          </a:prstGeom>
-        </p:spPr>
         <p:txBody>
           <a:bodyPr vert="horz" lIns="91440" tIns="45720" rIns="91440" bIns="45720" rtlCol="0">
-            <a:normAutofit/>
+            <a:normAutofit fontScale="47500" lnSpcReduction="20000"/>
           </a:bodyPr>
           <a:lstStyle>
             <a:lvl1pPr marL="0" indent="0" algn="ctr" defTabSz="914400" rtl="0" eaLnBrk="1" latinLnBrk="0" hangingPunct="1">
@@ -21624,17 +22455,115 @@
             </a:lvl9pPr>
           </a:lstStyle>
           <a:p>
-            <a:r>
-              <a:rPr lang="en-US" b="1" dirty="0"/>
-              <a:t>Contd…</a:t>
-            </a:r>
+            <a:pPr algn="l"/>
+            <a:r>
+              <a:rPr lang="en-US" sz="4800" b="1" dirty="0">
+                <a:solidFill>
+                  <a:schemeClr val="tx1"/>
+                </a:solidFill>
+                <a:latin typeface="+mj-lt"/>
+              </a:rPr>
+              <a:t>Improved Productivity &amp; Efficiency:</a:t>
+            </a:r>
+          </a:p>
+          <a:p>
+            <a:pPr lvl="1"/>
+            <a:r>
+              <a:rPr lang="en-US" sz="4500" dirty="0">
+                <a:solidFill>
+                  <a:schemeClr val="tx1"/>
+                </a:solidFill>
+                <a:latin typeface="+mj-lt"/>
+              </a:rPr>
+              <a:t>Call summary analysis can enhance both call center productivity and overall efficiency.</a:t>
+            </a:r>
+          </a:p>
+          <a:p>
+            <a:pPr algn="l"/>
+            <a:r>
+              <a:rPr lang="en-US" sz="4700" b="1" dirty="0">
+                <a:solidFill>
+                  <a:schemeClr val="tx1"/>
+                </a:solidFill>
+                <a:latin typeface="+mj-lt"/>
+              </a:rPr>
+              <a:t>Performance-Based Compensation:</a:t>
+            </a:r>
+          </a:p>
+          <a:p>
+            <a:pPr lvl="1"/>
+            <a:r>
+              <a:rPr lang="en-US" sz="4500" dirty="0">
+                <a:solidFill>
+                  <a:schemeClr val="tx1"/>
+                </a:solidFill>
+                <a:latin typeface="+mj-lt"/>
+              </a:rPr>
+              <a:t>Streamlined operations could lead to improved pay structures based on performance and growth metrics.</a:t>
+            </a:r>
+          </a:p>
+          <a:p>
+            <a:pPr algn="l"/>
+            <a:r>
+              <a:rPr lang="en-US" sz="4700" b="1" dirty="0">
+                <a:solidFill>
+                  <a:schemeClr val="tx1"/>
+                </a:solidFill>
+                <a:latin typeface="+mj-lt"/>
+              </a:rPr>
+              <a:t>Real-Time Implementation:</a:t>
+            </a:r>
+          </a:p>
+          <a:p>
+            <a:pPr lvl="1"/>
+            <a:r>
+              <a:rPr lang="en-US" sz="4500" dirty="0">
+                <a:solidFill>
+                  <a:schemeClr val="tx1"/>
+                </a:solidFill>
+                <a:latin typeface="+mj-lt"/>
+              </a:rPr>
+              <a:t>The entire process can be deployed in real time by integrating with an event hub, pipeline orchestration layer, and data transformation layer.</a:t>
+            </a:r>
+          </a:p>
+          <a:p>
+            <a:pPr algn="l"/>
+            <a:r>
+              <a:rPr lang="en-US" sz="4700" b="1" dirty="0">
+                <a:solidFill>
+                  <a:schemeClr val="tx1"/>
+                </a:solidFill>
+                <a:latin typeface="+mj-lt"/>
+              </a:rPr>
+              <a:t>Cloud Integration Flexibility:</a:t>
+            </a:r>
+          </a:p>
+          <a:p>
+            <a:pPr lvl="1"/>
+            <a:r>
+              <a:rPr lang="en-US" sz="4500" dirty="0">
+                <a:solidFill>
+                  <a:schemeClr val="tx1"/>
+                </a:solidFill>
+                <a:latin typeface="+mj-lt"/>
+              </a:rPr>
+              <a:t>The solution can seamlessly integrate with other cloud platforms such as AWS, Azure, and GCP, ensuring scalability and flexibility.</a:t>
+            </a:r>
+          </a:p>
+          <a:p>
+            <a:pPr algn="l"/>
+            <a:endParaRPr lang="en-US" sz="2000" dirty="0">
+              <a:solidFill>
+                <a:schemeClr val="tx1"/>
+              </a:solidFill>
+            </a:endParaRPr>
           </a:p>
         </p:txBody>
       </p:sp>
     </p:spTree>
     <p:extLst>
       <p:ext uri="{BB962C8B-B14F-4D97-AF65-F5344CB8AC3E}">
-        <p14:creationId xmlns:p14="http://schemas.microsoft.com/office/powerpoint/2010/main" val="1974358713"/>
+        <p14:creationId xmlns:p14="http://schemas.microsoft.com/office/powerpoint/2010/main" val="27500750"/>
       </p:ext>
     </p:extLst>
   </p:cSld>
@@ -21693,7 +22622,7 @@
                   <a:schemeClr val="tx1"/>
                 </a:solidFill>
               </a:rPr>
-              <a:t>walkthrough</a:t>
+              <a:t>Challenges</a:t>
             </a:r>
           </a:p>
         </p:txBody>
@@ -21727,35 +22656,71 @@
           <a:lstStyle/>
           <a:p>
             <a:pPr algn="l"/>
+            <a:r>
+              <a:rPr lang="en-US" sz="2800" dirty="0">
+                <a:solidFill>
+                  <a:schemeClr val="tx1"/>
+                </a:solidFill>
+                <a:latin typeface="+mj-lt"/>
+              </a:rPr>
+              <a:t> </a:t>
+            </a:r>
+          </a:p>
+          <a:p>
+            <a:pPr marL="514350" indent="-514350" algn="l">
+              <a:buFont typeface="Arial" panose="020B0604020202020204" pitchFamily="34" charset="0"/>
+              <a:buChar char="•"/>
+            </a:pPr>
+            <a:r>
+              <a:rPr lang="en-US" sz="2800" dirty="0">
+                <a:solidFill>
+                  <a:schemeClr val="tx1"/>
+                </a:solidFill>
+                <a:latin typeface="+mj-lt"/>
+              </a:rPr>
+              <a:t>Some conversations yield incorrect/no responses during sentiment analysis, which can be improved with refined prompting techniques. </a:t>
+            </a:r>
+            <a:br>
+              <a:rPr lang="en-US" sz="2800" dirty="0">
+                <a:solidFill>
+                  <a:schemeClr val="tx1"/>
+                </a:solidFill>
+                <a:latin typeface="+mj-lt"/>
+              </a:rPr>
+            </a:br>
             <a:endParaRPr lang="en-US" sz="2800" dirty="0">
               <a:solidFill>
-                <a:srgbClr val="CE9178"/>
+                <a:schemeClr val="tx1"/>
               </a:solidFill>
-              <a:latin typeface="Consolas" panose="020B0609020204030204" pitchFamily="49" charset="0"/>
+              <a:latin typeface="+mj-lt"/>
             </a:endParaRPr>
           </a:p>
           <a:p>
-            <a:pPr algn="l"/>
+            <a:pPr marL="514350" indent="-514350" algn="l">
+              <a:buFont typeface="Arial" panose="020B0604020202020204" pitchFamily="34" charset="0"/>
+              <a:buChar char="•"/>
+            </a:pPr>
+            <a:r>
+              <a:rPr lang="en-US" sz="2800" dirty="0">
+                <a:solidFill>
+                  <a:schemeClr val="tx1"/>
+                </a:solidFill>
+                <a:latin typeface="+mj-lt"/>
+              </a:rPr>
+              <a:t>It’s also essential to compare these results with other available models to identify potential areas for further enhancement.</a:t>
+            </a:r>
+          </a:p>
+          <a:p>
+            <a:pPr marL="457200" indent="-457200" algn="l">
+              <a:buFont typeface="Arial" panose="020B0604020202020204" pitchFamily="34" charset="0"/>
+              <a:buChar char="•"/>
+            </a:pPr>
             <a:endParaRPr lang="en-US" sz="2800" dirty="0">
               <a:solidFill>
-                <a:srgbClr val="CE9178"/>
+                <a:schemeClr val="tx1"/>
               </a:solidFill>
-              <a:latin typeface="Consolas" panose="020B0609020204030204" pitchFamily="49" charset="0"/>
+              <a:latin typeface="+mj-lt"/>
             </a:endParaRPr>
-          </a:p>
-          <a:p>
-            <a:pPr algn="l"/>
-            <a:endParaRPr lang="en-US" sz="2800" b="0" dirty="0">
-              <a:solidFill>
-                <a:srgbClr val="CCCCCC"/>
-              </a:solidFill>
-              <a:effectLst/>
-              <a:latin typeface="Consolas" panose="020B0609020204030204" pitchFamily="49" charset="0"/>
-            </a:endParaRPr>
-          </a:p>
-          <a:p>
-            <a:pPr algn="l"/>
-            <a:endParaRPr lang="en-US" sz="2000" dirty="0"/>
           </a:p>
         </p:txBody>
       </p:sp>
@@ -21794,293 +22759,10 @@
           </a:p>
         </p:txBody>
       </p:sp>
-      <p:sp>
-        <p:nvSpPr>
-          <p:cNvPr id="4" name="Text Placeholder 2">
-            <a:extLst>
-              <a:ext uri="{FF2B5EF4-FFF2-40B4-BE49-F238E27FC236}">
-                <a16:creationId xmlns:a16="http://schemas.microsoft.com/office/drawing/2014/main" id="{D0157036-1F41-7B05-C6B8-E7F5D95E6721}"/>
-              </a:ext>
-            </a:extLst>
-          </p:cNvPr>
-          <p:cNvSpPr>
-            <a:spLocks noGrp="1"/>
-          </p:cNvSpPr>
-          <p:nvPr>
-            <p:ph type="body" sz="quarter" idx="13"/>
-          </p:nvPr>
-        </p:nvSpPr>
-        <p:spPr>
-          <a:xfrm>
-            <a:off x="616125" y="1623785"/>
-            <a:ext cx="5251275" cy="379186"/>
-          </a:xfrm>
-        </p:spPr>
-        <p:txBody>
-          <a:bodyPr>
-            <a:normAutofit/>
-          </a:bodyPr>
-          <a:lstStyle/>
-          <a:p>
-            <a:r>
-              <a:rPr lang="en-US" sz="1700" dirty="0">
-                <a:solidFill>
-                  <a:schemeClr val="tx1"/>
-                </a:solidFill>
-              </a:rPr>
-              <a:t>Top 10 User Interests (Categories) - Plotly</a:t>
-            </a:r>
-          </a:p>
-        </p:txBody>
-      </p:sp>
-      <p:pic>
-        <p:nvPicPr>
-          <p:cNvPr id="7" name="Picture 6">
-            <a:extLst>
-              <a:ext uri="{FF2B5EF4-FFF2-40B4-BE49-F238E27FC236}">
-                <a16:creationId xmlns:a16="http://schemas.microsoft.com/office/drawing/2014/main" id="{A9D9D5A1-003E-D40E-CF43-3171C948561C}"/>
-              </a:ext>
-            </a:extLst>
-          </p:cNvPr>
-          <p:cNvPicPr>
-            <a:picLocks noChangeAspect="1"/>
-          </p:cNvPicPr>
-          <p:nvPr/>
-        </p:nvPicPr>
-        <p:blipFill>
-          <a:blip r:embed="rId2"/>
-          <a:stretch>
-            <a:fillRect/>
-          </a:stretch>
-        </p:blipFill>
-        <p:spPr>
-          <a:xfrm>
-            <a:off x="720448" y="2233747"/>
-            <a:ext cx="10751103" cy="3587934"/>
-          </a:xfrm>
-          <a:prstGeom prst="rect">
-            <a:avLst/>
-          </a:prstGeom>
-        </p:spPr>
-      </p:pic>
-      <p:sp>
-        <p:nvSpPr>
-          <p:cNvPr id="9" name="Text Placeholder 7">
-            <a:extLst>
-              <a:ext uri="{FF2B5EF4-FFF2-40B4-BE49-F238E27FC236}">
-                <a16:creationId xmlns:a16="http://schemas.microsoft.com/office/drawing/2014/main" id="{05AE8AE1-411B-61EE-1515-2E03A9A3E437}"/>
-              </a:ext>
-            </a:extLst>
-          </p:cNvPr>
-          <p:cNvSpPr txBox="1">
-            <a:spLocks/>
-          </p:cNvSpPr>
-          <p:nvPr/>
-        </p:nvSpPr>
-        <p:spPr>
-          <a:xfrm>
-            <a:off x="9844202" y="6356350"/>
-            <a:ext cx="1104388" cy="330286"/>
-          </a:xfrm>
-          <a:prstGeom prst="rect">
-            <a:avLst/>
-          </a:prstGeom>
-        </p:spPr>
-        <p:txBody>
-          <a:bodyPr vert="horz" lIns="91440" tIns="45720" rIns="91440" bIns="45720" rtlCol="0">
-            <a:normAutofit/>
-          </a:bodyPr>
-          <a:lstStyle>
-            <a:lvl1pPr marL="0" indent="0" algn="ctr" defTabSz="914400" rtl="0" eaLnBrk="1" latinLnBrk="0" hangingPunct="1">
-              <a:lnSpc>
-                <a:spcPct val="100000"/>
-              </a:lnSpc>
-              <a:spcBef>
-                <a:spcPts val="1000"/>
-              </a:spcBef>
-              <a:buFont typeface="Arial" panose="020B0604020202020204" pitchFamily="34" charset="0"/>
-              <a:buNone/>
-              <a:defRPr sz="1400" kern="1200">
-                <a:solidFill>
-                  <a:schemeClr val="tx1">
-                    <a:lumMod val="75000"/>
-                    <a:lumOff val="25000"/>
-                  </a:schemeClr>
-                </a:solidFill>
-                <a:latin typeface="+mn-lt"/>
-                <a:ea typeface="+mn-ea"/>
-                <a:cs typeface="+mn-cs"/>
-              </a:defRPr>
-            </a:lvl1pPr>
-            <a:lvl2pPr marL="685800" indent="-228600" algn="l" defTabSz="914400" rtl="0" eaLnBrk="1" latinLnBrk="0" hangingPunct="1">
-              <a:lnSpc>
-                <a:spcPct val="90000"/>
-              </a:lnSpc>
-              <a:spcBef>
-                <a:spcPts val="500"/>
-              </a:spcBef>
-              <a:buFont typeface="Arial" panose="020B0604020202020204" pitchFamily="34" charset="0"/>
-              <a:buChar char="•"/>
-              <a:defRPr sz="2400" kern="1200">
-                <a:solidFill>
-                  <a:schemeClr val="tx1">
-                    <a:lumMod val="75000"/>
-                    <a:lumOff val="25000"/>
-                  </a:schemeClr>
-                </a:solidFill>
-                <a:latin typeface="+mn-lt"/>
-                <a:ea typeface="+mn-ea"/>
-                <a:cs typeface="+mn-cs"/>
-              </a:defRPr>
-            </a:lvl2pPr>
-            <a:lvl3pPr marL="1143000" indent="-228600" algn="l" defTabSz="914400" rtl="0" eaLnBrk="1" latinLnBrk="0" hangingPunct="1">
-              <a:lnSpc>
-                <a:spcPct val="90000"/>
-              </a:lnSpc>
-              <a:spcBef>
-                <a:spcPts val="500"/>
-              </a:spcBef>
-              <a:buFont typeface="Arial" panose="020B0604020202020204" pitchFamily="34" charset="0"/>
-              <a:buChar char="•"/>
-              <a:defRPr sz="2000" kern="1200">
-                <a:solidFill>
-                  <a:schemeClr val="tx1">
-                    <a:lumMod val="75000"/>
-                    <a:lumOff val="25000"/>
-                  </a:schemeClr>
-                </a:solidFill>
-                <a:latin typeface="+mn-lt"/>
-                <a:ea typeface="+mn-ea"/>
-                <a:cs typeface="+mn-cs"/>
-              </a:defRPr>
-            </a:lvl3pPr>
-            <a:lvl4pPr marL="1600200" indent="-228600" algn="l" defTabSz="914400" rtl="0" eaLnBrk="1" latinLnBrk="0" hangingPunct="1">
-              <a:lnSpc>
-                <a:spcPct val="90000"/>
-              </a:lnSpc>
-              <a:spcBef>
-                <a:spcPts val="500"/>
-              </a:spcBef>
-              <a:buFont typeface="Arial" panose="020B0604020202020204" pitchFamily="34" charset="0"/>
-              <a:buChar char="•"/>
-              <a:defRPr sz="1800" kern="1200">
-                <a:solidFill>
-                  <a:schemeClr val="tx1">
-                    <a:lumMod val="75000"/>
-                    <a:lumOff val="25000"/>
-                  </a:schemeClr>
-                </a:solidFill>
-                <a:latin typeface="+mn-lt"/>
-                <a:ea typeface="+mn-ea"/>
-                <a:cs typeface="+mn-cs"/>
-              </a:defRPr>
-            </a:lvl4pPr>
-            <a:lvl5pPr marL="2057400" indent="-228600" algn="l" defTabSz="914400" rtl="0" eaLnBrk="1" latinLnBrk="0" hangingPunct="1">
-              <a:lnSpc>
-                <a:spcPct val="90000"/>
-              </a:lnSpc>
-              <a:spcBef>
-                <a:spcPts val="500"/>
-              </a:spcBef>
-              <a:buFont typeface="Arial" panose="020B0604020202020204" pitchFamily="34" charset="0"/>
-              <a:buChar char="•"/>
-              <a:defRPr sz="1800" kern="1200">
-                <a:solidFill>
-                  <a:schemeClr val="tx1">
-                    <a:lumMod val="75000"/>
-                    <a:lumOff val="25000"/>
-                  </a:schemeClr>
-                </a:solidFill>
-                <a:latin typeface="+mn-lt"/>
-                <a:ea typeface="+mn-ea"/>
-                <a:cs typeface="+mn-cs"/>
-              </a:defRPr>
-            </a:lvl5pPr>
-            <a:lvl6pPr marL="2514600" indent="-228600" algn="l" defTabSz="914400" rtl="0" eaLnBrk="1" latinLnBrk="0" hangingPunct="1">
-              <a:lnSpc>
-                <a:spcPct val="90000"/>
-              </a:lnSpc>
-              <a:spcBef>
-                <a:spcPts val="500"/>
-              </a:spcBef>
-              <a:buFont typeface="Arial" panose="020B0604020202020204" pitchFamily="34" charset="0"/>
-              <a:buChar char="•"/>
-              <a:defRPr sz="1800" kern="1200">
-                <a:solidFill>
-                  <a:schemeClr val="tx1"/>
-                </a:solidFill>
-                <a:latin typeface="+mn-lt"/>
-                <a:ea typeface="+mn-ea"/>
-                <a:cs typeface="+mn-cs"/>
-              </a:defRPr>
-            </a:lvl6pPr>
-            <a:lvl7pPr marL="2971800" indent="-228600" algn="l" defTabSz="914400" rtl="0" eaLnBrk="1" latinLnBrk="0" hangingPunct="1">
-              <a:lnSpc>
-                <a:spcPct val="90000"/>
-              </a:lnSpc>
-              <a:spcBef>
-                <a:spcPts val="500"/>
-              </a:spcBef>
-              <a:buFont typeface="Arial" panose="020B0604020202020204" pitchFamily="34" charset="0"/>
-              <a:buChar char="•"/>
-              <a:defRPr sz="1800" kern="1200">
-                <a:solidFill>
-                  <a:schemeClr val="tx1"/>
-                </a:solidFill>
-                <a:latin typeface="+mn-lt"/>
-                <a:ea typeface="+mn-ea"/>
-                <a:cs typeface="+mn-cs"/>
-              </a:defRPr>
-            </a:lvl7pPr>
-            <a:lvl8pPr marL="3429000" indent="-228600" algn="l" defTabSz="914400" rtl="0" eaLnBrk="1" latinLnBrk="0" hangingPunct="1">
-              <a:lnSpc>
-                <a:spcPct val="90000"/>
-              </a:lnSpc>
-              <a:spcBef>
-                <a:spcPts val="500"/>
-              </a:spcBef>
-              <a:buFont typeface="Arial" panose="020B0604020202020204" pitchFamily="34" charset="0"/>
-              <a:buChar char="•"/>
-              <a:defRPr sz="1800" kern="1200">
-                <a:solidFill>
-                  <a:schemeClr val="tx1"/>
-                </a:solidFill>
-                <a:latin typeface="+mn-lt"/>
-                <a:ea typeface="+mn-ea"/>
-                <a:cs typeface="+mn-cs"/>
-              </a:defRPr>
-            </a:lvl8pPr>
-            <a:lvl9pPr marL="3886200" indent="-228600" algn="l" defTabSz="914400" rtl="0" eaLnBrk="1" latinLnBrk="0" hangingPunct="1">
-              <a:lnSpc>
-                <a:spcPct val="90000"/>
-              </a:lnSpc>
-              <a:spcBef>
-                <a:spcPts val="500"/>
-              </a:spcBef>
-              <a:buFont typeface="Arial" panose="020B0604020202020204" pitchFamily="34" charset="0"/>
-              <a:buChar char="•"/>
-              <a:defRPr sz="1800" kern="1200">
-                <a:solidFill>
-                  <a:schemeClr val="tx1"/>
-                </a:solidFill>
-                <a:latin typeface="+mn-lt"/>
-                <a:ea typeface="+mn-ea"/>
-                <a:cs typeface="+mn-cs"/>
-              </a:defRPr>
-            </a:lvl9pPr>
-          </a:lstStyle>
-          <a:p>
-            <a:r>
-              <a:rPr lang="en-US" b="1" dirty="0"/>
-              <a:t>Contd…</a:t>
-            </a:r>
-          </a:p>
-        </p:txBody>
-      </p:sp>
     </p:spTree>
     <p:extLst>
       <p:ext uri="{BB962C8B-B14F-4D97-AF65-F5344CB8AC3E}">
-        <p14:creationId xmlns:p14="http://schemas.microsoft.com/office/powerpoint/2010/main" val="2507887513"/>
+        <p14:creationId xmlns:p14="http://schemas.microsoft.com/office/powerpoint/2010/main" val="3001404588"/>
       </p:ext>
     </p:extLst>
   </p:cSld>
@@ -22112,21 +22794,21 @@
           <p:cNvPr id="2" name="Title 1">
             <a:extLst>
               <a:ext uri="{FF2B5EF4-FFF2-40B4-BE49-F238E27FC236}">
-                <a16:creationId xmlns:a16="http://schemas.microsoft.com/office/drawing/2014/main" id="{75031FE9-9059-4FE8-B4AC-9771F23A1B89}"/>
-              </a:ext>
-            </a:extLst>
-          </p:cNvPr>
-          <p:cNvSpPr>
-            <a:spLocks noGrp="1"/>
-          </p:cNvSpPr>
-          <p:nvPr>
-            <p:ph type="title"/>
-          </p:nvPr>
-        </p:nvSpPr>
-        <p:spPr>
-          <a:xfrm>
-            <a:off x="1825285" y="308201"/>
-            <a:ext cx="8421688" cy="1325563"/>
+                <a16:creationId xmlns:a16="http://schemas.microsoft.com/office/drawing/2014/main" id="{BCCAEE93-8585-46D4-A7EC-F184E317CB2E}"/>
+              </a:ext>
+            </a:extLst>
+          </p:cNvPr>
+          <p:cNvSpPr>
+            <a:spLocks noGrp="1"/>
+          </p:cNvSpPr>
+          <p:nvPr>
+            <p:ph type="ctrTitle"/>
+          </p:nvPr>
+        </p:nvSpPr>
+        <p:spPr>
+          <a:xfrm>
+            <a:off x="4542336" y="1904265"/>
+            <a:ext cx="4179570" cy="1524735"/>
           </a:xfrm>
         </p:spPr>
         <p:txBody>
@@ -22139,92 +22821,31 @@
                   <a:schemeClr val="tx1"/>
                 </a:solidFill>
               </a:rPr>
-              <a:t>walkthrough</a:t>
-            </a:r>
-          </a:p>
-        </p:txBody>
-      </p:sp>
-      <p:sp>
-        <p:nvSpPr>
-          <p:cNvPr id="8" name="Text Placeholder 7">
-            <a:extLst>
-              <a:ext uri="{FF2B5EF4-FFF2-40B4-BE49-F238E27FC236}">
-                <a16:creationId xmlns:a16="http://schemas.microsoft.com/office/drawing/2014/main" id="{51C26CE0-2506-4B44-A26F-C12BFA5B18B5}"/>
-              </a:ext>
-            </a:extLst>
-          </p:cNvPr>
-          <p:cNvSpPr>
-            <a:spLocks noGrp="1"/>
-          </p:cNvSpPr>
-          <p:nvPr>
-            <p:ph type="body" sz="quarter" idx="19"/>
-          </p:nvPr>
-        </p:nvSpPr>
-        <p:spPr>
-          <a:xfrm>
-            <a:off x="206829" y="1633764"/>
-            <a:ext cx="11658600" cy="3941080"/>
-          </a:xfrm>
-        </p:spPr>
-        <p:txBody>
-          <a:bodyPr>
-            <a:normAutofit/>
-          </a:bodyPr>
-          <a:lstStyle/>
-          <a:p>
-            <a:pPr algn="l"/>
-            <a:endParaRPr lang="en-US" sz="2800" dirty="0">
-              <a:solidFill>
-                <a:srgbClr val="CE9178"/>
-              </a:solidFill>
-              <a:latin typeface="Consolas" panose="020B0609020204030204" pitchFamily="49" charset="0"/>
-            </a:endParaRPr>
-          </a:p>
-          <a:p>
-            <a:pPr algn="l"/>
-            <a:endParaRPr lang="en-US" sz="2800" dirty="0">
-              <a:solidFill>
-                <a:srgbClr val="CE9178"/>
-              </a:solidFill>
-              <a:latin typeface="Consolas" panose="020B0609020204030204" pitchFamily="49" charset="0"/>
-            </a:endParaRPr>
-          </a:p>
-          <a:p>
-            <a:pPr algn="l"/>
-            <a:endParaRPr lang="en-US" sz="2800" b="0" dirty="0">
-              <a:solidFill>
-                <a:srgbClr val="CCCCCC"/>
-              </a:solidFill>
-              <a:effectLst/>
-              <a:latin typeface="Consolas" panose="020B0609020204030204" pitchFamily="49" charset="0"/>
-            </a:endParaRPr>
-          </a:p>
-          <a:p>
-            <a:pPr algn="l"/>
-            <a:endParaRPr lang="en-US" sz="2000" dirty="0"/>
-          </a:p>
-        </p:txBody>
-      </p:sp>
-      <p:sp>
-        <p:nvSpPr>
-          <p:cNvPr id="82" name="Slide Number Placeholder 81">
-            <a:extLst>
-              <a:ext uri="{FF2B5EF4-FFF2-40B4-BE49-F238E27FC236}">
-                <a16:creationId xmlns:a16="http://schemas.microsoft.com/office/drawing/2014/main" id="{CE36A058-BEC2-4BC5-A467-F2EB2A365051}"/>
-              </a:ext>
-            </a:extLst>
-          </p:cNvPr>
-          <p:cNvSpPr>
-            <a:spLocks noGrp="1"/>
-          </p:cNvSpPr>
-          <p:nvPr>
-            <p:ph type="sldNum" sz="quarter" idx="22"/>
-          </p:nvPr>
-        </p:nvSpPr>
-        <p:spPr>
-          <a:xfrm>
-            <a:off x="8610600" y="6356350"/>
-            <a:ext cx="2743200" cy="365125"/>
+              <a:t>THANK YOU</a:t>
+            </a:r>
+          </a:p>
+        </p:txBody>
+      </p:sp>
+      <p:sp>
+        <p:nvSpPr>
+          <p:cNvPr id="6" name="Slide Number Placeholder 5">
+            <a:extLst>
+              <a:ext uri="{FF2B5EF4-FFF2-40B4-BE49-F238E27FC236}">
+                <a16:creationId xmlns:a16="http://schemas.microsoft.com/office/drawing/2014/main" id="{5EDCFF82-B70F-4971-9182-7C3AEA3CFD26}"/>
+              </a:ext>
+            </a:extLst>
+          </p:cNvPr>
+          <p:cNvSpPr>
+            <a:spLocks noGrp="1"/>
+          </p:cNvSpPr>
+          <p:nvPr>
+            <p:ph type="sldNum" sz="quarter" idx="12"/>
+          </p:nvPr>
+        </p:nvSpPr>
+        <p:spPr>
+          <a:xfrm>
+            <a:off x="9579428" y="6356350"/>
+            <a:ext cx="1774371" cy="365125"/>
           </a:xfrm>
         </p:spPr>
         <p:txBody>
@@ -22240,309 +22861,10 @@
           </a:p>
         </p:txBody>
       </p:sp>
-      <p:sp>
-        <p:nvSpPr>
-          <p:cNvPr id="4" name="Text Placeholder 2">
-            <a:extLst>
-              <a:ext uri="{FF2B5EF4-FFF2-40B4-BE49-F238E27FC236}">
-                <a16:creationId xmlns:a16="http://schemas.microsoft.com/office/drawing/2014/main" id="{D0157036-1F41-7B05-C6B8-E7F5D95E6721}"/>
-              </a:ext>
-            </a:extLst>
-          </p:cNvPr>
-          <p:cNvSpPr>
-            <a:spLocks noGrp="1"/>
-          </p:cNvSpPr>
-          <p:nvPr>
-            <p:ph type="body" sz="quarter" idx="13"/>
-          </p:nvPr>
-        </p:nvSpPr>
-        <p:spPr>
-          <a:xfrm>
-            <a:off x="627010" y="1444171"/>
-            <a:ext cx="5251275" cy="379186"/>
-          </a:xfrm>
-        </p:spPr>
-        <p:txBody>
-          <a:bodyPr>
-            <a:normAutofit fontScale="92500"/>
-          </a:bodyPr>
-          <a:lstStyle/>
-          <a:p>
-            <a:r>
-              <a:rPr lang="en-US" sz="1800" b="1" dirty="0">
-                <a:solidFill>
-                  <a:schemeClr val="tx1"/>
-                </a:solidFill>
-              </a:rPr>
-              <a:t>Word Cloud Dashboard (Plotly, </a:t>
-            </a:r>
-            <a:r>
-              <a:rPr lang="en-US" sz="1800" b="1" dirty="0" err="1">
-                <a:solidFill>
-                  <a:schemeClr val="tx1"/>
-                </a:solidFill>
-              </a:rPr>
-              <a:t>Wordcloud</a:t>
-            </a:r>
-            <a:r>
-              <a:rPr lang="en-US" sz="1800" b="1" dirty="0">
-                <a:solidFill>
-                  <a:schemeClr val="tx1"/>
-                </a:solidFill>
-              </a:rPr>
-              <a:t>)</a:t>
-            </a:r>
-          </a:p>
-        </p:txBody>
-      </p:sp>
-      <p:pic>
-        <p:nvPicPr>
-          <p:cNvPr id="12" name="Picture 11">
-            <a:extLst>
-              <a:ext uri="{FF2B5EF4-FFF2-40B4-BE49-F238E27FC236}">
-                <a16:creationId xmlns:a16="http://schemas.microsoft.com/office/drawing/2014/main" id="{4A524DB5-2751-8DA8-BA2B-7FE35917BA53}"/>
-              </a:ext>
-            </a:extLst>
-          </p:cNvPr>
-          <p:cNvPicPr>
-            <a:picLocks noChangeAspect="1"/>
-          </p:cNvPicPr>
-          <p:nvPr/>
-        </p:nvPicPr>
-        <p:blipFill>
-          <a:blip r:embed="rId2"/>
-          <a:stretch>
-            <a:fillRect/>
-          </a:stretch>
-        </p:blipFill>
-        <p:spPr>
-          <a:xfrm>
-            <a:off x="881743" y="1823357"/>
-            <a:ext cx="9644743" cy="4334835"/>
-          </a:xfrm>
-          <a:prstGeom prst="rect">
-            <a:avLst/>
-          </a:prstGeom>
-        </p:spPr>
-      </p:pic>
-      <p:sp>
-        <p:nvSpPr>
-          <p:cNvPr id="13" name="Text Placeholder 7">
-            <a:extLst>
-              <a:ext uri="{FF2B5EF4-FFF2-40B4-BE49-F238E27FC236}">
-                <a16:creationId xmlns:a16="http://schemas.microsoft.com/office/drawing/2014/main" id="{3E164341-B4A5-438F-67A7-E2BAC8F58DF0}"/>
-              </a:ext>
-            </a:extLst>
-          </p:cNvPr>
-          <p:cNvSpPr txBox="1">
-            <a:spLocks/>
-          </p:cNvSpPr>
-          <p:nvPr/>
-        </p:nvSpPr>
-        <p:spPr>
-          <a:xfrm>
-            <a:off x="9694779" y="6391189"/>
-            <a:ext cx="1104388" cy="330286"/>
-          </a:xfrm>
-          <a:prstGeom prst="rect">
-            <a:avLst/>
-          </a:prstGeom>
-        </p:spPr>
-        <p:txBody>
-          <a:bodyPr vert="horz" lIns="91440" tIns="45720" rIns="91440" bIns="45720" rtlCol="0">
-            <a:normAutofit/>
-          </a:bodyPr>
-          <a:lstStyle>
-            <a:lvl1pPr marL="0" indent="0" algn="ctr" defTabSz="914400" rtl="0" eaLnBrk="1" latinLnBrk="0" hangingPunct="1">
-              <a:lnSpc>
-                <a:spcPct val="100000"/>
-              </a:lnSpc>
-              <a:spcBef>
-                <a:spcPts val="1000"/>
-              </a:spcBef>
-              <a:buFont typeface="Arial" panose="020B0604020202020204" pitchFamily="34" charset="0"/>
-              <a:buNone/>
-              <a:defRPr sz="1400" kern="1200">
-                <a:solidFill>
-                  <a:schemeClr val="tx1">
-                    <a:lumMod val="75000"/>
-                    <a:lumOff val="25000"/>
-                  </a:schemeClr>
-                </a:solidFill>
-                <a:latin typeface="+mn-lt"/>
-                <a:ea typeface="+mn-ea"/>
-                <a:cs typeface="+mn-cs"/>
-              </a:defRPr>
-            </a:lvl1pPr>
-            <a:lvl2pPr marL="685800" indent="-228600" algn="l" defTabSz="914400" rtl="0" eaLnBrk="1" latinLnBrk="0" hangingPunct="1">
-              <a:lnSpc>
-                <a:spcPct val="90000"/>
-              </a:lnSpc>
-              <a:spcBef>
-                <a:spcPts val="500"/>
-              </a:spcBef>
-              <a:buFont typeface="Arial" panose="020B0604020202020204" pitchFamily="34" charset="0"/>
-              <a:buChar char="•"/>
-              <a:defRPr sz="2400" kern="1200">
-                <a:solidFill>
-                  <a:schemeClr val="tx1">
-                    <a:lumMod val="75000"/>
-                    <a:lumOff val="25000"/>
-                  </a:schemeClr>
-                </a:solidFill>
-                <a:latin typeface="+mn-lt"/>
-                <a:ea typeface="+mn-ea"/>
-                <a:cs typeface="+mn-cs"/>
-              </a:defRPr>
-            </a:lvl2pPr>
-            <a:lvl3pPr marL="1143000" indent="-228600" algn="l" defTabSz="914400" rtl="0" eaLnBrk="1" latinLnBrk="0" hangingPunct="1">
-              <a:lnSpc>
-                <a:spcPct val="90000"/>
-              </a:lnSpc>
-              <a:spcBef>
-                <a:spcPts val="500"/>
-              </a:spcBef>
-              <a:buFont typeface="Arial" panose="020B0604020202020204" pitchFamily="34" charset="0"/>
-              <a:buChar char="•"/>
-              <a:defRPr sz="2000" kern="1200">
-                <a:solidFill>
-                  <a:schemeClr val="tx1">
-                    <a:lumMod val="75000"/>
-                    <a:lumOff val="25000"/>
-                  </a:schemeClr>
-                </a:solidFill>
-                <a:latin typeface="+mn-lt"/>
-                <a:ea typeface="+mn-ea"/>
-                <a:cs typeface="+mn-cs"/>
-              </a:defRPr>
-            </a:lvl3pPr>
-            <a:lvl4pPr marL="1600200" indent="-228600" algn="l" defTabSz="914400" rtl="0" eaLnBrk="1" latinLnBrk="0" hangingPunct="1">
-              <a:lnSpc>
-                <a:spcPct val="90000"/>
-              </a:lnSpc>
-              <a:spcBef>
-                <a:spcPts val="500"/>
-              </a:spcBef>
-              <a:buFont typeface="Arial" panose="020B0604020202020204" pitchFamily="34" charset="0"/>
-              <a:buChar char="•"/>
-              <a:defRPr sz="1800" kern="1200">
-                <a:solidFill>
-                  <a:schemeClr val="tx1">
-                    <a:lumMod val="75000"/>
-                    <a:lumOff val="25000"/>
-                  </a:schemeClr>
-                </a:solidFill>
-                <a:latin typeface="+mn-lt"/>
-                <a:ea typeface="+mn-ea"/>
-                <a:cs typeface="+mn-cs"/>
-              </a:defRPr>
-            </a:lvl4pPr>
-            <a:lvl5pPr marL="2057400" indent="-228600" algn="l" defTabSz="914400" rtl="0" eaLnBrk="1" latinLnBrk="0" hangingPunct="1">
-              <a:lnSpc>
-                <a:spcPct val="90000"/>
-              </a:lnSpc>
-              <a:spcBef>
-                <a:spcPts val="500"/>
-              </a:spcBef>
-              <a:buFont typeface="Arial" panose="020B0604020202020204" pitchFamily="34" charset="0"/>
-              <a:buChar char="•"/>
-              <a:defRPr sz="1800" kern="1200">
-                <a:solidFill>
-                  <a:schemeClr val="tx1">
-                    <a:lumMod val="75000"/>
-                    <a:lumOff val="25000"/>
-                  </a:schemeClr>
-                </a:solidFill>
-                <a:latin typeface="+mn-lt"/>
-                <a:ea typeface="+mn-ea"/>
-                <a:cs typeface="+mn-cs"/>
-              </a:defRPr>
-            </a:lvl5pPr>
-            <a:lvl6pPr marL="2514600" indent="-228600" algn="l" defTabSz="914400" rtl="0" eaLnBrk="1" latinLnBrk="0" hangingPunct="1">
-              <a:lnSpc>
-                <a:spcPct val="90000"/>
-              </a:lnSpc>
-              <a:spcBef>
-                <a:spcPts val="500"/>
-              </a:spcBef>
-              <a:buFont typeface="Arial" panose="020B0604020202020204" pitchFamily="34" charset="0"/>
-              <a:buChar char="•"/>
-              <a:defRPr sz="1800" kern="1200">
-                <a:solidFill>
-                  <a:schemeClr val="tx1"/>
-                </a:solidFill>
-                <a:latin typeface="+mn-lt"/>
-                <a:ea typeface="+mn-ea"/>
-                <a:cs typeface="+mn-cs"/>
-              </a:defRPr>
-            </a:lvl6pPr>
-            <a:lvl7pPr marL="2971800" indent="-228600" algn="l" defTabSz="914400" rtl="0" eaLnBrk="1" latinLnBrk="0" hangingPunct="1">
-              <a:lnSpc>
-                <a:spcPct val="90000"/>
-              </a:lnSpc>
-              <a:spcBef>
-                <a:spcPts val="500"/>
-              </a:spcBef>
-              <a:buFont typeface="Arial" panose="020B0604020202020204" pitchFamily="34" charset="0"/>
-              <a:buChar char="•"/>
-              <a:defRPr sz="1800" kern="1200">
-                <a:solidFill>
-                  <a:schemeClr val="tx1"/>
-                </a:solidFill>
-                <a:latin typeface="+mn-lt"/>
-                <a:ea typeface="+mn-ea"/>
-                <a:cs typeface="+mn-cs"/>
-              </a:defRPr>
-            </a:lvl7pPr>
-            <a:lvl8pPr marL="3429000" indent="-228600" algn="l" defTabSz="914400" rtl="0" eaLnBrk="1" latinLnBrk="0" hangingPunct="1">
-              <a:lnSpc>
-                <a:spcPct val="90000"/>
-              </a:lnSpc>
-              <a:spcBef>
-                <a:spcPts val="500"/>
-              </a:spcBef>
-              <a:buFont typeface="Arial" panose="020B0604020202020204" pitchFamily="34" charset="0"/>
-              <a:buChar char="•"/>
-              <a:defRPr sz="1800" kern="1200">
-                <a:solidFill>
-                  <a:schemeClr val="tx1"/>
-                </a:solidFill>
-                <a:latin typeface="+mn-lt"/>
-                <a:ea typeface="+mn-ea"/>
-                <a:cs typeface="+mn-cs"/>
-              </a:defRPr>
-            </a:lvl8pPr>
-            <a:lvl9pPr marL="3886200" indent="-228600" algn="l" defTabSz="914400" rtl="0" eaLnBrk="1" latinLnBrk="0" hangingPunct="1">
-              <a:lnSpc>
-                <a:spcPct val="90000"/>
-              </a:lnSpc>
-              <a:spcBef>
-                <a:spcPts val="500"/>
-              </a:spcBef>
-              <a:buFont typeface="Arial" panose="020B0604020202020204" pitchFamily="34" charset="0"/>
-              <a:buChar char="•"/>
-              <a:defRPr sz="1800" kern="1200">
-                <a:solidFill>
-                  <a:schemeClr val="tx1"/>
-                </a:solidFill>
-                <a:latin typeface="+mn-lt"/>
-                <a:ea typeface="+mn-ea"/>
-                <a:cs typeface="+mn-cs"/>
-              </a:defRPr>
-            </a:lvl9pPr>
-          </a:lstStyle>
-          <a:p>
-            <a:r>
-              <a:rPr lang="en-US" b="1" dirty="0"/>
-              <a:t>Contd…</a:t>
-            </a:r>
-          </a:p>
-        </p:txBody>
-      </p:sp>
     </p:spTree>
     <p:extLst>
       <p:ext uri="{BB962C8B-B14F-4D97-AF65-F5344CB8AC3E}">
-        <p14:creationId xmlns:p14="http://schemas.microsoft.com/office/powerpoint/2010/main" val="3327445661"/>
+        <p14:creationId xmlns:p14="http://schemas.microsoft.com/office/powerpoint/2010/main" val="2436493926"/>
       </p:ext>
     </p:extLst>
   </p:cSld>
@@ -22891,468 +23213,6 @@
     <p:extLst>
       <p:ext uri="{BB962C8B-B14F-4D97-AF65-F5344CB8AC3E}">
         <p14:creationId xmlns:p14="http://schemas.microsoft.com/office/powerpoint/2010/main" val="546627634"/>
-      </p:ext>
-    </p:extLst>
-  </p:cSld>
-  <p:clrMapOvr>
-    <a:masterClrMapping/>
-  </p:clrMapOvr>
-</p:sld>
-</file>
-
-<file path=ppt/slides/slide20.xml><?xml version="1.0" encoding="utf-8"?>
-<p:sld xmlns:a="http://schemas.openxmlformats.org/drawingml/2006/main" xmlns:r="http://schemas.openxmlformats.org/officeDocument/2006/relationships" xmlns:p="http://schemas.openxmlformats.org/presentationml/2006/main">
-  <p:cSld>
-    <p:spTree>
-      <p:nvGrpSpPr>
-        <p:cNvPr id="1" name=""/>
-        <p:cNvGrpSpPr/>
-        <p:nvPr/>
-      </p:nvGrpSpPr>
-      <p:grpSpPr>
-        <a:xfrm>
-          <a:off x="0" y="0"/>
-          <a:ext cx="0" cy="0"/>
-          <a:chOff x="0" y="0"/>
-          <a:chExt cx="0" cy="0"/>
-        </a:xfrm>
-      </p:grpSpPr>
-      <p:sp>
-        <p:nvSpPr>
-          <p:cNvPr id="2" name="Title 1">
-            <a:extLst>
-              <a:ext uri="{FF2B5EF4-FFF2-40B4-BE49-F238E27FC236}">
-                <a16:creationId xmlns:a16="http://schemas.microsoft.com/office/drawing/2014/main" id="{75031FE9-9059-4FE8-B4AC-9771F23A1B89}"/>
-              </a:ext>
-            </a:extLst>
-          </p:cNvPr>
-          <p:cNvSpPr>
-            <a:spLocks noGrp="1"/>
-          </p:cNvSpPr>
-          <p:nvPr>
-            <p:ph type="title"/>
-          </p:nvPr>
-        </p:nvSpPr>
-        <p:spPr>
-          <a:xfrm>
-            <a:off x="1825285" y="308201"/>
-            <a:ext cx="8421688" cy="1325563"/>
-          </a:xfrm>
-        </p:spPr>
-        <p:txBody>
-          <a:bodyPr/>
-          <a:lstStyle/>
-          <a:p>
-            <a:r>
-              <a:rPr lang="en-US" dirty="0">
-                <a:solidFill>
-                  <a:schemeClr val="tx1"/>
-                </a:solidFill>
-              </a:rPr>
-              <a:t>walkthrough</a:t>
-            </a:r>
-          </a:p>
-        </p:txBody>
-      </p:sp>
-      <p:sp>
-        <p:nvSpPr>
-          <p:cNvPr id="8" name="Text Placeholder 7">
-            <a:extLst>
-              <a:ext uri="{FF2B5EF4-FFF2-40B4-BE49-F238E27FC236}">
-                <a16:creationId xmlns:a16="http://schemas.microsoft.com/office/drawing/2014/main" id="{51C26CE0-2506-4B44-A26F-C12BFA5B18B5}"/>
-              </a:ext>
-            </a:extLst>
-          </p:cNvPr>
-          <p:cNvSpPr>
-            <a:spLocks noGrp="1"/>
-          </p:cNvSpPr>
-          <p:nvPr>
-            <p:ph type="body" sz="quarter" idx="19"/>
-          </p:nvPr>
-        </p:nvSpPr>
-        <p:spPr>
-          <a:xfrm>
-            <a:off x="206829" y="1633764"/>
-            <a:ext cx="11658600" cy="3941080"/>
-          </a:xfrm>
-        </p:spPr>
-        <p:txBody>
-          <a:bodyPr>
-            <a:normAutofit/>
-          </a:bodyPr>
-          <a:lstStyle/>
-          <a:p>
-            <a:pPr algn="l"/>
-            <a:endParaRPr lang="en-US" sz="2800" dirty="0">
-              <a:solidFill>
-                <a:srgbClr val="CE9178"/>
-              </a:solidFill>
-              <a:latin typeface="Consolas" panose="020B0609020204030204" pitchFamily="49" charset="0"/>
-            </a:endParaRPr>
-          </a:p>
-          <a:p>
-            <a:pPr algn="l"/>
-            <a:endParaRPr lang="en-US" sz="2800" dirty="0">
-              <a:solidFill>
-                <a:srgbClr val="CE9178"/>
-              </a:solidFill>
-              <a:latin typeface="Consolas" panose="020B0609020204030204" pitchFamily="49" charset="0"/>
-            </a:endParaRPr>
-          </a:p>
-          <a:p>
-            <a:pPr algn="l"/>
-            <a:endParaRPr lang="en-US" sz="2800" b="0" dirty="0">
-              <a:solidFill>
-                <a:srgbClr val="CCCCCC"/>
-              </a:solidFill>
-              <a:effectLst/>
-              <a:latin typeface="Consolas" panose="020B0609020204030204" pitchFamily="49" charset="0"/>
-            </a:endParaRPr>
-          </a:p>
-          <a:p>
-            <a:pPr algn="l"/>
-            <a:endParaRPr lang="en-US" sz="2000" dirty="0"/>
-          </a:p>
-        </p:txBody>
-      </p:sp>
-      <p:sp>
-        <p:nvSpPr>
-          <p:cNvPr id="82" name="Slide Number Placeholder 81">
-            <a:extLst>
-              <a:ext uri="{FF2B5EF4-FFF2-40B4-BE49-F238E27FC236}">
-                <a16:creationId xmlns:a16="http://schemas.microsoft.com/office/drawing/2014/main" id="{CE36A058-BEC2-4BC5-A467-F2EB2A365051}"/>
-              </a:ext>
-            </a:extLst>
-          </p:cNvPr>
-          <p:cNvSpPr>
-            <a:spLocks noGrp="1"/>
-          </p:cNvSpPr>
-          <p:nvPr>
-            <p:ph type="sldNum" sz="quarter" idx="22"/>
-          </p:nvPr>
-        </p:nvSpPr>
-        <p:spPr>
-          <a:xfrm>
-            <a:off x="8610600" y="6356350"/>
-            <a:ext cx="2743200" cy="365125"/>
-          </a:xfrm>
-        </p:spPr>
-        <p:txBody>
-          <a:bodyPr/>
-          <a:lstStyle/>
-          <a:p>
-            <a:fld id="{B5CEABB6-07DC-46E8-9B57-56EC44A396E5}" type="slidenum">
-              <a:rPr lang="en-US" smtClean="0"/>
-              <a:pPr/>
-              <a:t>20</a:t>
-            </a:fld>
-            <a:endParaRPr lang="en-US" dirty="0"/>
-          </a:p>
-        </p:txBody>
-      </p:sp>
-      <p:sp>
-        <p:nvSpPr>
-          <p:cNvPr id="4" name="Text Placeholder 2">
-            <a:extLst>
-              <a:ext uri="{FF2B5EF4-FFF2-40B4-BE49-F238E27FC236}">
-                <a16:creationId xmlns:a16="http://schemas.microsoft.com/office/drawing/2014/main" id="{D0157036-1F41-7B05-C6B8-E7F5D95E6721}"/>
-              </a:ext>
-            </a:extLst>
-          </p:cNvPr>
-          <p:cNvSpPr>
-            <a:spLocks noGrp="1"/>
-          </p:cNvSpPr>
-          <p:nvPr>
-            <p:ph type="body" sz="quarter" idx="13"/>
-          </p:nvPr>
-        </p:nvSpPr>
-        <p:spPr>
-          <a:xfrm>
-            <a:off x="326571" y="1633764"/>
-            <a:ext cx="5251275" cy="379186"/>
-          </a:xfrm>
-        </p:spPr>
-        <p:txBody>
-          <a:bodyPr>
-            <a:normAutofit/>
-          </a:bodyPr>
-          <a:lstStyle/>
-          <a:p>
-            <a:r>
-              <a:rPr lang="en-US" sz="1700" b="1" dirty="0">
-                <a:solidFill>
-                  <a:schemeClr val="tx1"/>
-                </a:solidFill>
-              </a:rPr>
-              <a:t>Location Wise </a:t>
-            </a:r>
-            <a:r>
-              <a:rPr lang="en-US" sz="1700" b="1">
-                <a:solidFill>
-                  <a:schemeClr val="tx1"/>
-                </a:solidFill>
-              </a:rPr>
-              <a:t>call Volumes </a:t>
-            </a:r>
-            <a:r>
-              <a:rPr lang="en-US" sz="1700" b="1" dirty="0">
-                <a:solidFill>
-                  <a:schemeClr val="tx1"/>
-                </a:solidFill>
-              </a:rPr>
-              <a:t>(Plotly)</a:t>
-            </a:r>
-          </a:p>
-        </p:txBody>
-      </p:sp>
-      <p:pic>
-        <p:nvPicPr>
-          <p:cNvPr id="7" name="Picture 6">
-            <a:extLst>
-              <a:ext uri="{FF2B5EF4-FFF2-40B4-BE49-F238E27FC236}">
-                <a16:creationId xmlns:a16="http://schemas.microsoft.com/office/drawing/2014/main" id="{87C73837-4D69-2D75-FF85-9FA1FEAC22C7}"/>
-              </a:ext>
-            </a:extLst>
-          </p:cNvPr>
-          <p:cNvPicPr>
-            <a:picLocks noChangeAspect="1"/>
-          </p:cNvPicPr>
-          <p:nvPr/>
-        </p:nvPicPr>
-        <p:blipFill>
-          <a:blip r:embed="rId2"/>
-          <a:stretch>
-            <a:fillRect/>
-          </a:stretch>
-        </p:blipFill>
-        <p:spPr>
-          <a:xfrm>
-            <a:off x="971286" y="2143855"/>
-            <a:ext cx="10249427" cy="3397425"/>
-          </a:xfrm>
-          <a:prstGeom prst="rect">
-            <a:avLst/>
-          </a:prstGeom>
-        </p:spPr>
-      </p:pic>
-      <p:sp>
-        <p:nvSpPr>
-          <p:cNvPr id="9" name="Text Placeholder 7">
-            <a:extLst>
-              <a:ext uri="{FF2B5EF4-FFF2-40B4-BE49-F238E27FC236}">
-                <a16:creationId xmlns:a16="http://schemas.microsoft.com/office/drawing/2014/main" id="{52C1F77A-DA77-89DF-8AF7-FE9477425885}"/>
-              </a:ext>
-            </a:extLst>
-          </p:cNvPr>
-          <p:cNvSpPr txBox="1">
-            <a:spLocks/>
-          </p:cNvSpPr>
-          <p:nvPr/>
-        </p:nvSpPr>
-        <p:spPr>
-          <a:xfrm>
-            <a:off x="9898630" y="6356350"/>
-            <a:ext cx="1104388" cy="330286"/>
-          </a:xfrm>
-          <a:prstGeom prst="rect">
-            <a:avLst/>
-          </a:prstGeom>
-        </p:spPr>
-        <p:txBody>
-          <a:bodyPr vert="horz" lIns="91440" tIns="45720" rIns="91440" bIns="45720" rtlCol="0">
-            <a:normAutofit/>
-          </a:bodyPr>
-          <a:lstStyle>
-            <a:lvl1pPr marL="0" indent="0" algn="ctr" defTabSz="914400" rtl="0" eaLnBrk="1" latinLnBrk="0" hangingPunct="1">
-              <a:lnSpc>
-                <a:spcPct val="100000"/>
-              </a:lnSpc>
-              <a:spcBef>
-                <a:spcPts val="1000"/>
-              </a:spcBef>
-              <a:buFont typeface="Arial" panose="020B0604020202020204" pitchFamily="34" charset="0"/>
-              <a:buNone/>
-              <a:defRPr sz="1400" kern="1200">
-                <a:solidFill>
-                  <a:schemeClr val="tx1">
-                    <a:lumMod val="75000"/>
-                    <a:lumOff val="25000"/>
-                  </a:schemeClr>
-                </a:solidFill>
-                <a:latin typeface="+mn-lt"/>
-                <a:ea typeface="+mn-ea"/>
-                <a:cs typeface="+mn-cs"/>
-              </a:defRPr>
-            </a:lvl1pPr>
-            <a:lvl2pPr marL="685800" indent="-228600" algn="l" defTabSz="914400" rtl="0" eaLnBrk="1" latinLnBrk="0" hangingPunct="1">
-              <a:lnSpc>
-                <a:spcPct val="90000"/>
-              </a:lnSpc>
-              <a:spcBef>
-                <a:spcPts val="500"/>
-              </a:spcBef>
-              <a:buFont typeface="Arial" panose="020B0604020202020204" pitchFamily="34" charset="0"/>
-              <a:buChar char="•"/>
-              <a:defRPr sz="2400" kern="1200">
-                <a:solidFill>
-                  <a:schemeClr val="tx1">
-                    <a:lumMod val="75000"/>
-                    <a:lumOff val="25000"/>
-                  </a:schemeClr>
-                </a:solidFill>
-                <a:latin typeface="+mn-lt"/>
-                <a:ea typeface="+mn-ea"/>
-                <a:cs typeface="+mn-cs"/>
-              </a:defRPr>
-            </a:lvl2pPr>
-            <a:lvl3pPr marL="1143000" indent="-228600" algn="l" defTabSz="914400" rtl="0" eaLnBrk="1" latinLnBrk="0" hangingPunct="1">
-              <a:lnSpc>
-                <a:spcPct val="90000"/>
-              </a:lnSpc>
-              <a:spcBef>
-                <a:spcPts val="500"/>
-              </a:spcBef>
-              <a:buFont typeface="Arial" panose="020B0604020202020204" pitchFamily="34" charset="0"/>
-              <a:buChar char="•"/>
-              <a:defRPr sz="2000" kern="1200">
-                <a:solidFill>
-                  <a:schemeClr val="tx1">
-                    <a:lumMod val="75000"/>
-                    <a:lumOff val="25000"/>
-                  </a:schemeClr>
-                </a:solidFill>
-                <a:latin typeface="+mn-lt"/>
-                <a:ea typeface="+mn-ea"/>
-                <a:cs typeface="+mn-cs"/>
-              </a:defRPr>
-            </a:lvl3pPr>
-            <a:lvl4pPr marL="1600200" indent="-228600" algn="l" defTabSz="914400" rtl="0" eaLnBrk="1" latinLnBrk="0" hangingPunct="1">
-              <a:lnSpc>
-                <a:spcPct val="90000"/>
-              </a:lnSpc>
-              <a:spcBef>
-                <a:spcPts val="500"/>
-              </a:spcBef>
-              <a:buFont typeface="Arial" panose="020B0604020202020204" pitchFamily="34" charset="0"/>
-              <a:buChar char="•"/>
-              <a:defRPr sz="1800" kern="1200">
-                <a:solidFill>
-                  <a:schemeClr val="tx1">
-                    <a:lumMod val="75000"/>
-                    <a:lumOff val="25000"/>
-                  </a:schemeClr>
-                </a:solidFill>
-                <a:latin typeface="+mn-lt"/>
-                <a:ea typeface="+mn-ea"/>
-                <a:cs typeface="+mn-cs"/>
-              </a:defRPr>
-            </a:lvl4pPr>
-            <a:lvl5pPr marL="2057400" indent="-228600" algn="l" defTabSz="914400" rtl="0" eaLnBrk="1" latinLnBrk="0" hangingPunct="1">
-              <a:lnSpc>
-                <a:spcPct val="90000"/>
-              </a:lnSpc>
-              <a:spcBef>
-                <a:spcPts val="500"/>
-              </a:spcBef>
-              <a:buFont typeface="Arial" panose="020B0604020202020204" pitchFamily="34" charset="0"/>
-              <a:buChar char="•"/>
-              <a:defRPr sz="1800" kern="1200">
-                <a:solidFill>
-                  <a:schemeClr val="tx1">
-                    <a:lumMod val="75000"/>
-                    <a:lumOff val="25000"/>
-                  </a:schemeClr>
-                </a:solidFill>
-                <a:latin typeface="+mn-lt"/>
-                <a:ea typeface="+mn-ea"/>
-                <a:cs typeface="+mn-cs"/>
-              </a:defRPr>
-            </a:lvl5pPr>
-            <a:lvl6pPr marL="2514600" indent="-228600" algn="l" defTabSz="914400" rtl="0" eaLnBrk="1" latinLnBrk="0" hangingPunct="1">
-              <a:lnSpc>
-                <a:spcPct val="90000"/>
-              </a:lnSpc>
-              <a:spcBef>
-                <a:spcPts val="500"/>
-              </a:spcBef>
-              <a:buFont typeface="Arial" panose="020B0604020202020204" pitchFamily="34" charset="0"/>
-              <a:buChar char="•"/>
-              <a:defRPr sz="1800" kern="1200">
-                <a:solidFill>
-                  <a:schemeClr val="tx1"/>
-                </a:solidFill>
-                <a:latin typeface="+mn-lt"/>
-                <a:ea typeface="+mn-ea"/>
-                <a:cs typeface="+mn-cs"/>
-              </a:defRPr>
-            </a:lvl6pPr>
-            <a:lvl7pPr marL="2971800" indent="-228600" algn="l" defTabSz="914400" rtl="0" eaLnBrk="1" latinLnBrk="0" hangingPunct="1">
-              <a:lnSpc>
-                <a:spcPct val="90000"/>
-              </a:lnSpc>
-              <a:spcBef>
-                <a:spcPts val="500"/>
-              </a:spcBef>
-              <a:buFont typeface="Arial" panose="020B0604020202020204" pitchFamily="34" charset="0"/>
-              <a:buChar char="•"/>
-              <a:defRPr sz="1800" kern="1200">
-                <a:solidFill>
-                  <a:schemeClr val="tx1"/>
-                </a:solidFill>
-                <a:latin typeface="+mn-lt"/>
-                <a:ea typeface="+mn-ea"/>
-                <a:cs typeface="+mn-cs"/>
-              </a:defRPr>
-            </a:lvl7pPr>
-            <a:lvl8pPr marL="3429000" indent="-228600" algn="l" defTabSz="914400" rtl="0" eaLnBrk="1" latinLnBrk="0" hangingPunct="1">
-              <a:lnSpc>
-                <a:spcPct val="90000"/>
-              </a:lnSpc>
-              <a:spcBef>
-                <a:spcPts val="500"/>
-              </a:spcBef>
-              <a:buFont typeface="Arial" panose="020B0604020202020204" pitchFamily="34" charset="0"/>
-              <a:buChar char="•"/>
-              <a:defRPr sz="1800" kern="1200">
-                <a:solidFill>
-                  <a:schemeClr val="tx1"/>
-                </a:solidFill>
-                <a:latin typeface="+mn-lt"/>
-                <a:ea typeface="+mn-ea"/>
-                <a:cs typeface="+mn-cs"/>
-              </a:defRPr>
-            </a:lvl8pPr>
-            <a:lvl9pPr marL="3886200" indent="-228600" algn="l" defTabSz="914400" rtl="0" eaLnBrk="1" latinLnBrk="0" hangingPunct="1">
-              <a:lnSpc>
-                <a:spcPct val="90000"/>
-              </a:lnSpc>
-              <a:spcBef>
-                <a:spcPts val="500"/>
-              </a:spcBef>
-              <a:buFont typeface="Arial" panose="020B0604020202020204" pitchFamily="34" charset="0"/>
-              <a:buChar char="•"/>
-              <a:defRPr sz="1800" kern="1200">
-                <a:solidFill>
-                  <a:schemeClr val="tx1"/>
-                </a:solidFill>
-                <a:latin typeface="+mn-lt"/>
-                <a:ea typeface="+mn-ea"/>
-                <a:cs typeface="+mn-cs"/>
-              </a:defRPr>
-            </a:lvl9pPr>
-          </a:lstStyle>
-          <a:p>
-            <a:r>
-              <a:rPr lang="en-US" b="1" dirty="0"/>
-              <a:t>Contd…</a:t>
-            </a:r>
-          </a:p>
-        </p:txBody>
-      </p:sp>
-    </p:spTree>
-    <p:extLst>
-      <p:ext uri="{BB962C8B-B14F-4D97-AF65-F5344CB8AC3E}">
-        <p14:creationId xmlns:p14="http://schemas.microsoft.com/office/powerpoint/2010/main" val="4031768803"/>
       </p:ext>
     </p:extLst>
   </p:cSld>
@@ -24986,7 +24846,7 @@
         </p:nvSpPr>
         <p:spPr>
           <a:xfrm>
-            <a:off x="1825285" y="157845"/>
+            <a:off x="1825285" y="308201"/>
             <a:ext cx="8421688" cy="1325563"/>
           </a:xfrm>
         </p:spPr>
@@ -25000,8 +24860,69 @@
                   <a:schemeClr val="tx1"/>
                 </a:solidFill>
               </a:rPr>
-              <a:t>Key Improvements</a:t>
-            </a:r>
+              <a:t>walkthrough</a:t>
+            </a:r>
+          </a:p>
+        </p:txBody>
+      </p:sp>
+      <p:sp>
+        <p:nvSpPr>
+          <p:cNvPr id="8" name="Text Placeholder 7">
+            <a:extLst>
+              <a:ext uri="{FF2B5EF4-FFF2-40B4-BE49-F238E27FC236}">
+                <a16:creationId xmlns:a16="http://schemas.microsoft.com/office/drawing/2014/main" id="{51C26CE0-2506-4B44-A26F-C12BFA5B18B5}"/>
+              </a:ext>
+            </a:extLst>
+          </p:cNvPr>
+          <p:cNvSpPr>
+            <a:spLocks noGrp="1"/>
+          </p:cNvSpPr>
+          <p:nvPr>
+            <p:ph type="body" sz="quarter" idx="19"/>
+          </p:nvPr>
+        </p:nvSpPr>
+        <p:spPr>
+          <a:xfrm>
+            <a:off x="206829" y="1633764"/>
+            <a:ext cx="11658600" cy="3941080"/>
+          </a:xfrm>
+        </p:spPr>
+        <p:txBody>
+          <a:bodyPr>
+            <a:normAutofit/>
+          </a:bodyPr>
+          <a:lstStyle/>
+          <a:p>
+            <a:pPr algn="l"/>
+            <a:endParaRPr lang="en-US" sz="2800" dirty="0">
+              <a:solidFill>
+                <a:srgbClr val="CE9178"/>
+              </a:solidFill>
+              <a:latin typeface="Consolas" panose="020B0609020204030204" pitchFamily="49" charset="0"/>
+            </a:endParaRPr>
+          </a:p>
+          <a:p>
+            <a:pPr algn="l"/>
+            <a:endParaRPr lang="en-US" sz="2800" dirty="0">
+              <a:solidFill>
+                <a:srgbClr val="CE9178"/>
+              </a:solidFill>
+              <a:latin typeface="Consolas" panose="020B0609020204030204" pitchFamily="49" charset="0"/>
+            </a:endParaRPr>
+          </a:p>
+          <a:p>
+            <a:pPr algn="l"/>
+            <a:endParaRPr lang="en-US" sz="2800" b="0" dirty="0">
+              <a:solidFill>
+                <a:srgbClr val="CCCCCC"/>
+              </a:solidFill>
+              <a:effectLst/>
+              <a:latin typeface="Consolas" panose="020B0609020204030204" pitchFamily="49" charset="0"/>
+            </a:endParaRPr>
+          </a:p>
+          <a:p>
+            <a:pPr algn="l"/>
+            <a:endParaRPr lang="en-US" sz="2000" dirty="0"/>
           </a:p>
         </p:txBody>
       </p:sp>
@@ -25042,467 +24963,283 @@
       </p:sp>
       <p:sp>
         <p:nvSpPr>
-          <p:cNvPr id="5" name="Rectangle 2">
-            <a:extLst>
-              <a:ext uri="{FF2B5EF4-FFF2-40B4-BE49-F238E27FC236}">
-                <a16:creationId xmlns:a16="http://schemas.microsoft.com/office/drawing/2014/main" id="{B04DECB0-67A0-F316-5322-454869778355}"/>
-              </a:ext>
-            </a:extLst>
-          </p:cNvPr>
-          <p:cNvSpPr>
-            <a:spLocks noGrp="1" noChangeArrowheads="1"/>
-          </p:cNvSpPr>
-          <p:nvPr>
-            <p:ph type="body" sz="quarter" idx="19"/>
-          </p:nvPr>
-        </p:nvSpPr>
-        <p:spPr bwMode="auto">
-          <a:xfrm>
-            <a:off x="206375" y="1713332"/>
-            <a:ext cx="12034064" cy="4247317"/>
+          <p:cNvPr id="4" name="Text Placeholder 2">
+            <a:extLst>
+              <a:ext uri="{FF2B5EF4-FFF2-40B4-BE49-F238E27FC236}">
+                <a16:creationId xmlns:a16="http://schemas.microsoft.com/office/drawing/2014/main" id="{D0157036-1F41-7B05-C6B8-E7F5D95E6721}"/>
+              </a:ext>
+            </a:extLst>
+          </p:cNvPr>
+          <p:cNvSpPr>
+            <a:spLocks noGrp="1"/>
+          </p:cNvSpPr>
+          <p:nvPr>
+            <p:ph type="body" sz="quarter" idx="13"/>
+          </p:nvPr>
+        </p:nvSpPr>
+        <p:spPr>
+          <a:xfrm>
+            <a:off x="203312" y="1560663"/>
+            <a:ext cx="6349888" cy="551166"/>
+          </a:xfrm>
+        </p:spPr>
+        <p:txBody>
+          <a:bodyPr>
+            <a:normAutofit/>
+          </a:bodyPr>
+          <a:lstStyle/>
+          <a:p>
+            <a:r>
+              <a:rPr lang="en-US" b="1" dirty="0">
+                <a:solidFill>
+                  <a:schemeClr val="tx1"/>
+                </a:solidFill>
+              </a:rPr>
+              <a:t>HuggingFace Dataset (With Synthetic data)</a:t>
+            </a:r>
+          </a:p>
+        </p:txBody>
+      </p:sp>
+      <p:pic>
+        <p:nvPicPr>
+          <p:cNvPr id="6" name="Picture 5">
+            <a:extLst>
+              <a:ext uri="{FF2B5EF4-FFF2-40B4-BE49-F238E27FC236}">
+                <a16:creationId xmlns:a16="http://schemas.microsoft.com/office/drawing/2014/main" id="{9A94FB19-27F0-F3BF-3F5F-EA9203969A20}"/>
+              </a:ext>
+            </a:extLst>
+          </p:cNvPr>
+          <p:cNvPicPr>
+            <a:picLocks noChangeAspect="1"/>
+          </p:cNvPicPr>
+          <p:nvPr/>
+        </p:nvPicPr>
+        <p:blipFill>
+          <a:blip r:embed="rId2"/>
+          <a:stretch>
+            <a:fillRect/>
+          </a:stretch>
+        </p:blipFill>
+        <p:spPr>
+          <a:xfrm>
+            <a:off x="675996" y="2254623"/>
+            <a:ext cx="10840007" cy="3054507"/>
           </a:xfrm>
           <a:prstGeom prst="rect">
             <a:avLst/>
           </a:prstGeom>
-          <a:noFill/>
-          <a:ln>
-            <a:noFill/>
-          </a:ln>
-          <a:effectLst/>
-          <a:extLst>
-            <a:ext uri="{909E8E84-426E-40DD-AFC4-6F175D3DCCD1}">
-              <a14:hiddenFill xmlns:a14="http://schemas.microsoft.com/office/drawing/2010/main">
-                <a:solidFill>
-                  <a:schemeClr val="accent1"/>
-                </a:solidFill>
-              </a14:hiddenFill>
-            </a:ext>
-            <a:ext uri="{91240B29-F687-4F45-9708-019B960494DF}">
-              <a14:hiddenLine xmlns:a14="http://schemas.microsoft.com/office/drawing/2010/main" w="9525">
-                <a:solidFill>
-                  <a:schemeClr val="tx1"/>
-                </a:solidFill>
-                <a:miter lim="800000"/>
-                <a:headEnd/>
-                <a:tailEnd/>
-              </a14:hiddenLine>
-            </a:ext>
-            <a:ext uri="{AF507438-7753-43E0-B8FC-AC1667EBCBE1}">
-              <a14:hiddenEffects xmlns:a14="http://schemas.microsoft.com/office/drawing/2010/main">
-                <a:effectLst>
-                  <a:outerShdw dist="35921" dir="2700000" algn="ctr" rotWithShape="0">
-                    <a:schemeClr val="bg2"/>
-                  </a:outerShdw>
-                </a:effectLst>
-              </a14:hiddenEffects>
-            </a:ext>
-          </a:extLst>
-        </p:spPr>
-        <p:txBody>
-          <a:bodyPr vert="horz" wrap="none" lIns="91440" tIns="45720" rIns="91440" bIns="45720" numCol="1" anchor="ctr" anchorCtr="0" compatLnSpc="1">
-            <a:prstTxWarp prst="textNoShape">
-              <a:avLst/>
-            </a:prstTxWarp>
-            <a:spAutoFit/>
+        </p:spPr>
+      </p:pic>
+      <p:sp>
+        <p:nvSpPr>
+          <p:cNvPr id="12" name="Text Placeholder 7">
+            <a:extLst>
+              <a:ext uri="{FF2B5EF4-FFF2-40B4-BE49-F238E27FC236}">
+                <a16:creationId xmlns:a16="http://schemas.microsoft.com/office/drawing/2014/main" id="{447ADA16-DA99-5619-3299-64B19302E6C5}"/>
+              </a:ext>
+            </a:extLst>
+          </p:cNvPr>
+          <p:cNvSpPr txBox="1">
+            <a:spLocks/>
+          </p:cNvSpPr>
+          <p:nvPr/>
+        </p:nvSpPr>
+        <p:spPr>
+          <a:xfrm>
+            <a:off x="9865973" y="6356350"/>
+            <a:ext cx="1104388" cy="330286"/>
+          </a:xfrm>
+          <a:prstGeom prst="rect">
+            <a:avLst/>
+          </a:prstGeom>
+        </p:spPr>
+        <p:txBody>
+          <a:bodyPr vert="horz" lIns="91440" tIns="45720" rIns="91440" bIns="45720" rtlCol="0">
+            <a:normAutofit/>
           </a:bodyPr>
-          <a:lstStyle/>
-          <a:p>
-            <a:pPr marL="0" marR="0" lvl="0" indent="0" algn="l" defTabSz="914400" rtl="0" eaLnBrk="0" fontAlgn="base" latinLnBrk="0" hangingPunct="0">
+          <a:lstStyle>
+            <a:lvl1pPr marL="0" indent="0" algn="ctr" defTabSz="914400" rtl="0" eaLnBrk="1" latinLnBrk="0" hangingPunct="1">
               <a:lnSpc>
                 <a:spcPct val="100000"/>
               </a:lnSpc>
               <a:spcBef>
-                <a:spcPct val="0"/>
+                <a:spcPts val="1000"/>
               </a:spcBef>
-              <a:spcAft>
-                <a:spcPct val="0"/>
-              </a:spcAft>
-              <a:buClrTx/>
-              <a:buSzTx/>
-              <a:tabLst/>
-            </a:pPr>
-            <a:r>
-              <a:rPr kumimoji="0" lang="en-US" altLang="en-US" sz="1800" b="1" i="0" u="none" strike="noStrike" cap="none" normalizeH="0" baseline="0" dirty="0">
-                <a:ln>
-                  <a:noFill/>
-                </a:ln>
-                <a:solidFill>
-                  <a:schemeClr val="tx1"/>
-                </a:solidFill>
-                <a:effectLst/>
-                <a:latin typeface="Arial" panose="020B0604020202020204" pitchFamily="34" charset="0"/>
-              </a:rPr>
-              <a:t>Boosting Team Productivity</a:t>
-            </a:r>
-            <a:br>
-              <a:rPr kumimoji="0" lang="en-US" altLang="en-US" sz="1800" b="0" i="0" u="none" strike="noStrike" cap="none" normalizeH="0" baseline="0" dirty="0">
-                <a:ln>
-                  <a:noFill/>
-                </a:ln>
-                <a:solidFill>
-                  <a:schemeClr val="tx1"/>
-                </a:solidFill>
-                <a:effectLst/>
-                <a:latin typeface="Arial" panose="020B0604020202020204" pitchFamily="34" charset="0"/>
-              </a:rPr>
-            </a:br>
-            <a:r>
-              <a:rPr kumimoji="0" lang="en-US" altLang="en-US" sz="1800" b="0" i="0" u="none" strike="noStrike" cap="none" normalizeH="0" baseline="0" dirty="0">
-                <a:ln>
-                  <a:noFill/>
-                </a:ln>
-                <a:solidFill>
-                  <a:schemeClr val="tx1"/>
-                </a:solidFill>
-                <a:effectLst/>
-                <a:latin typeface="Arial" panose="020B0604020202020204" pitchFamily="34" charset="0"/>
-              </a:rPr>
-              <a:t>Implementing sentiment analysis and text summarization will streamline processes and enhance focus on key tasks.</a:t>
-            </a:r>
-          </a:p>
-          <a:p>
-            <a:pPr marL="0" marR="0" lvl="0" indent="0" algn="l" defTabSz="914400" rtl="0" eaLnBrk="0" fontAlgn="base" latinLnBrk="0" hangingPunct="0">
+              <a:buFont typeface="Arial" panose="020B0604020202020204" pitchFamily="34" charset="0"/>
+              <a:buNone/>
+              <a:defRPr sz="1400" kern="1200">
+                <a:solidFill>
+                  <a:schemeClr val="tx1">
+                    <a:lumMod val="75000"/>
+                    <a:lumOff val="25000"/>
+                  </a:schemeClr>
+                </a:solidFill>
+                <a:latin typeface="+mn-lt"/>
+                <a:ea typeface="+mn-ea"/>
+                <a:cs typeface="+mn-cs"/>
+              </a:defRPr>
+            </a:lvl1pPr>
+            <a:lvl2pPr marL="685800" indent="-228600" algn="l" defTabSz="914400" rtl="0" eaLnBrk="1" latinLnBrk="0" hangingPunct="1">
               <a:lnSpc>
-                <a:spcPct val="100000"/>
+                <a:spcPct val="90000"/>
               </a:lnSpc>
               <a:spcBef>
-                <a:spcPct val="0"/>
+                <a:spcPts val="500"/>
               </a:spcBef>
-              <a:spcAft>
-                <a:spcPct val="0"/>
-              </a:spcAft>
-              <a:buClrTx/>
-              <a:buSzTx/>
-              <a:tabLst/>
-            </a:pPr>
-            <a:endParaRPr kumimoji="0" lang="en-US" altLang="en-US" sz="1800" b="0" i="0" u="none" strike="noStrike" cap="none" normalizeH="0" baseline="0" dirty="0">
-              <a:ln>
-                <a:noFill/>
-              </a:ln>
-              <a:solidFill>
-                <a:schemeClr val="tx1"/>
-              </a:solidFill>
-              <a:effectLst/>
-              <a:latin typeface="Arial" panose="020B0604020202020204" pitchFamily="34" charset="0"/>
-            </a:endParaRPr>
-          </a:p>
-          <a:p>
-            <a:pPr marL="0" marR="0" lvl="0" indent="0" algn="l" defTabSz="914400" rtl="0" eaLnBrk="0" fontAlgn="base" latinLnBrk="0" hangingPunct="0">
+              <a:buFont typeface="Arial" panose="020B0604020202020204" pitchFamily="34" charset="0"/>
+              <a:buChar char="•"/>
+              <a:defRPr sz="2400" kern="1200">
+                <a:solidFill>
+                  <a:schemeClr val="tx1">
+                    <a:lumMod val="75000"/>
+                    <a:lumOff val="25000"/>
+                  </a:schemeClr>
+                </a:solidFill>
+                <a:latin typeface="+mn-lt"/>
+                <a:ea typeface="+mn-ea"/>
+                <a:cs typeface="+mn-cs"/>
+              </a:defRPr>
+            </a:lvl2pPr>
+            <a:lvl3pPr marL="1143000" indent="-228600" algn="l" defTabSz="914400" rtl="0" eaLnBrk="1" latinLnBrk="0" hangingPunct="1">
               <a:lnSpc>
-                <a:spcPct val="100000"/>
+                <a:spcPct val="90000"/>
               </a:lnSpc>
               <a:spcBef>
-                <a:spcPct val="0"/>
+                <a:spcPts val="500"/>
               </a:spcBef>
-              <a:spcAft>
-                <a:spcPct val="0"/>
-              </a:spcAft>
-              <a:buClrTx/>
-              <a:buSzTx/>
-              <a:tabLst/>
-            </a:pPr>
-            <a:r>
-              <a:rPr kumimoji="0" lang="en-US" altLang="en-US" sz="1800" b="1" i="0" u="none" strike="noStrike" cap="none" normalizeH="0" baseline="0" dirty="0">
-                <a:ln>
-                  <a:noFill/>
-                </a:ln>
-                <a:solidFill>
-                  <a:schemeClr val="tx1"/>
-                </a:solidFill>
-                <a:effectLst/>
-                <a:latin typeface="Arial" panose="020B0604020202020204" pitchFamily="34" charset="0"/>
-              </a:rPr>
-              <a:t>Performance Monitoring</a:t>
-            </a:r>
-            <a:br>
-              <a:rPr kumimoji="0" lang="en-US" altLang="en-US" sz="1800" b="0" i="0" u="none" strike="noStrike" cap="none" normalizeH="0" baseline="0" dirty="0">
-                <a:ln>
-                  <a:noFill/>
-                </a:ln>
-                <a:solidFill>
-                  <a:schemeClr val="tx1"/>
-                </a:solidFill>
-                <a:effectLst/>
-                <a:latin typeface="Arial" panose="020B0604020202020204" pitchFamily="34" charset="0"/>
-              </a:rPr>
-            </a:br>
-            <a:r>
-              <a:rPr kumimoji="0" lang="en-US" altLang="en-US" sz="1800" b="0" i="0" u="none" strike="noStrike" cap="none" normalizeH="0" baseline="0" dirty="0">
-                <a:ln>
-                  <a:noFill/>
-                </a:ln>
-                <a:solidFill>
-                  <a:schemeClr val="tx1"/>
-                </a:solidFill>
-                <a:effectLst/>
-                <a:latin typeface="Arial" panose="020B0604020202020204" pitchFamily="34" charset="0"/>
-              </a:rPr>
-              <a:t>Call summarization will help monitor and improve team productivity by providing actionable insights.</a:t>
-            </a:r>
-          </a:p>
-          <a:p>
-            <a:pPr marL="0" marR="0" lvl="0" indent="0" algn="l" defTabSz="914400" rtl="0" eaLnBrk="0" fontAlgn="base" latinLnBrk="0" hangingPunct="0">
+              <a:buFont typeface="Arial" panose="020B0604020202020204" pitchFamily="34" charset="0"/>
+              <a:buChar char="•"/>
+              <a:defRPr sz="2000" kern="1200">
+                <a:solidFill>
+                  <a:schemeClr val="tx1">
+                    <a:lumMod val="75000"/>
+                    <a:lumOff val="25000"/>
+                  </a:schemeClr>
+                </a:solidFill>
+                <a:latin typeface="+mn-lt"/>
+                <a:ea typeface="+mn-ea"/>
+                <a:cs typeface="+mn-cs"/>
+              </a:defRPr>
+            </a:lvl3pPr>
+            <a:lvl4pPr marL="1600200" indent="-228600" algn="l" defTabSz="914400" rtl="0" eaLnBrk="1" latinLnBrk="0" hangingPunct="1">
               <a:lnSpc>
-                <a:spcPct val="100000"/>
+                <a:spcPct val="90000"/>
               </a:lnSpc>
               <a:spcBef>
-                <a:spcPct val="0"/>
+                <a:spcPts val="500"/>
               </a:spcBef>
-              <a:spcAft>
-                <a:spcPct val="0"/>
-              </a:spcAft>
-              <a:buClrTx/>
-              <a:buSzTx/>
-              <a:tabLst/>
-            </a:pPr>
-            <a:endParaRPr kumimoji="0" lang="en-US" altLang="en-US" sz="1800" b="0" i="0" u="none" strike="noStrike" cap="none" normalizeH="0" baseline="0" dirty="0">
-              <a:ln>
-                <a:noFill/>
-              </a:ln>
-              <a:solidFill>
-                <a:schemeClr val="tx1"/>
-              </a:solidFill>
-              <a:effectLst/>
-              <a:latin typeface="Arial" panose="020B0604020202020204" pitchFamily="34" charset="0"/>
-            </a:endParaRPr>
-          </a:p>
-          <a:p>
-            <a:pPr marL="0" marR="0" lvl="0" indent="0" algn="l" defTabSz="914400" rtl="0" eaLnBrk="0" fontAlgn="base" latinLnBrk="0" hangingPunct="0">
+              <a:buFont typeface="Arial" panose="020B0604020202020204" pitchFamily="34" charset="0"/>
+              <a:buChar char="•"/>
+              <a:defRPr sz="1800" kern="1200">
+                <a:solidFill>
+                  <a:schemeClr val="tx1">
+                    <a:lumMod val="75000"/>
+                    <a:lumOff val="25000"/>
+                  </a:schemeClr>
+                </a:solidFill>
+                <a:latin typeface="+mn-lt"/>
+                <a:ea typeface="+mn-ea"/>
+                <a:cs typeface="+mn-cs"/>
+              </a:defRPr>
+            </a:lvl4pPr>
+            <a:lvl5pPr marL="2057400" indent="-228600" algn="l" defTabSz="914400" rtl="0" eaLnBrk="1" latinLnBrk="0" hangingPunct="1">
               <a:lnSpc>
-                <a:spcPct val="100000"/>
+                <a:spcPct val="90000"/>
               </a:lnSpc>
               <a:spcBef>
-                <a:spcPct val="0"/>
+                <a:spcPts val="500"/>
               </a:spcBef>
-              <a:spcAft>
-                <a:spcPct val="0"/>
-              </a:spcAft>
-              <a:buClrTx/>
-              <a:buSzTx/>
-              <a:tabLst/>
-            </a:pPr>
-            <a:r>
-              <a:rPr kumimoji="0" lang="en-US" altLang="en-US" sz="1800" b="1" i="0" u="none" strike="noStrike" cap="none" normalizeH="0" baseline="0" dirty="0">
-                <a:ln>
-                  <a:noFill/>
-                </a:ln>
-                <a:solidFill>
-                  <a:schemeClr val="tx1"/>
-                </a:solidFill>
-                <a:effectLst/>
-                <a:latin typeface="Arial" panose="020B0604020202020204" pitchFamily="34" charset="0"/>
-              </a:rPr>
-              <a:t>Targeted Training</a:t>
-            </a:r>
-            <a:br>
-              <a:rPr kumimoji="0" lang="en-US" altLang="en-US" sz="1800" b="0" i="0" u="none" strike="noStrike" cap="none" normalizeH="0" baseline="0" dirty="0">
-                <a:ln>
-                  <a:noFill/>
-                </a:ln>
-                <a:solidFill>
-                  <a:schemeClr val="tx1"/>
-                </a:solidFill>
-                <a:effectLst/>
-                <a:latin typeface="Arial" panose="020B0604020202020204" pitchFamily="34" charset="0"/>
-              </a:rPr>
-            </a:br>
-            <a:r>
-              <a:rPr kumimoji="0" lang="en-US" altLang="en-US" sz="1800" b="0" i="0" u="none" strike="noStrike" cap="none" normalizeH="0" baseline="0" dirty="0">
-                <a:ln>
-                  <a:noFill/>
-                </a:ln>
-                <a:solidFill>
-                  <a:schemeClr val="tx1"/>
-                </a:solidFill>
-                <a:effectLst/>
-                <a:latin typeface="Arial" panose="020B0604020202020204" pitchFamily="34" charset="0"/>
-              </a:rPr>
-              <a:t>Analyzing call summaries will identify improvement areas for tailored training initiatives.</a:t>
-            </a:r>
-          </a:p>
-          <a:p>
-            <a:pPr marL="0" marR="0" lvl="0" indent="0" algn="l" defTabSz="914400" rtl="0" eaLnBrk="0" fontAlgn="base" latinLnBrk="0" hangingPunct="0">
+              <a:buFont typeface="Arial" panose="020B0604020202020204" pitchFamily="34" charset="0"/>
+              <a:buChar char="•"/>
+              <a:defRPr sz="1800" kern="1200">
+                <a:solidFill>
+                  <a:schemeClr val="tx1">
+                    <a:lumMod val="75000"/>
+                    <a:lumOff val="25000"/>
+                  </a:schemeClr>
+                </a:solidFill>
+                <a:latin typeface="+mn-lt"/>
+                <a:ea typeface="+mn-ea"/>
+                <a:cs typeface="+mn-cs"/>
+              </a:defRPr>
+            </a:lvl5pPr>
+            <a:lvl6pPr marL="2514600" indent="-228600" algn="l" defTabSz="914400" rtl="0" eaLnBrk="1" latinLnBrk="0" hangingPunct="1">
               <a:lnSpc>
-                <a:spcPct val="100000"/>
+                <a:spcPct val="90000"/>
               </a:lnSpc>
               <a:spcBef>
-                <a:spcPct val="0"/>
+                <a:spcPts val="500"/>
               </a:spcBef>
-              <a:spcAft>
-                <a:spcPct val="0"/>
-              </a:spcAft>
-              <a:buClrTx/>
-              <a:buSzTx/>
-              <a:tabLst/>
-            </a:pPr>
-            <a:endParaRPr kumimoji="0" lang="en-US" altLang="en-US" sz="1800" b="0" i="0" u="none" strike="noStrike" cap="none" normalizeH="0" baseline="0" dirty="0">
-              <a:ln>
-                <a:noFill/>
-              </a:ln>
-              <a:solidFill>
-                <a:schemeClr val="tx1"/>
-              </a:solidFill>
-              <a:effectLst/>
-              <a:latin typeface="Arial" panose="020B0604020202020204" pitchFamily="34" charset="0"/>
-            </a:endParaRPr>
-          </a:p>
-          <a:p>
-            <a:pPr marL="0" marR="0" lvl="0" indent="0" algn="l" defTabSz="914400" rtl="0" eaLnBrk="0" fontAlgn="base" latinLnBrk="0" hangingPunct="0">
+              <a:buFont typeface="Arial" panose="020B0604020202020204" pitchFamily="34" charset="0"/>
+              <a:buChar char="•"/>
+              <a:defRPr sz="1800" kern="1200">
+                <a:solidFill>
+                  <a:schemeClr val="tx1"/>
+                </a:solidFill>
+                <a:latin typeface="+mn-lt"/>
+                <a:ea typeface="+mn-ea"/>
+                <a:cs typeface="+mn-cs"/>
+              </a:defRPr>
+            </a:lvl6pPr>
+            <a:lvl7pPr marL="2971800" indent="-228600" algn="l" defTabSz="914400" rtl="0" eaLnBrk="1" latinLnBrk="0" hangingPunct="1">
               <a:lnSpc>
-                <a:spcPct val="100000"/>
+                <a:spcPct val="90000"/>
               </a:lnSpc>
               <a:spcBef>
-                <a:spcPct val="0"/>
+                <a:spcPts val="500"/>
               </a:spcBef>
-              <a:spcAft>
-                <a:spcPct val="0"/>
-              </a:spcAft>
-              <a:buClrTx/>
-              <a:buSzTx/>
-              <a:tabLst/>
-            </a:pPr>
-            <a:r>
-              <a:rPr kumimoji="0" lang="en-US" altLang="en-US" sz="1800" b="1" i="0" u="none" strike="noStrike" cap="none" normalizeH="0" baseline="0" dirty="0">
-                <a:ln>
-                  <a:noFill/>
-                </a:ln>
+              <a:buFont typeface="Arial" panose="020B0604020202020204" pitchFamily="34" charset="0"/>
+              <a:buChar char="•"/>
+              <a:defRPr sz="1800" kern="1200">
                 <a:solidFill>
                   <a:schemeClr val="tx1"/>
                 </a:solidFill>
-                <a:effectLst/>
-                <a:latin typeface="Arial" panose="020B0604020202020204" pitchFamily="34" charset="0"/>
-              </a:rPr>
-              <a:t>HR Incentives Linked to Customer Satisfaction</a:t>
-            </a:r>
-            <a:br>
-              <a:rPr kumimoji="0" lang="en-US" altLang="en-US" sz="1800" b="0" i="0" u="none" strike="noStrike" cap="none" normalizeH="0" baseline="0" dirty="0">
-                <a:ln>
-                  <a:noFill/>
-                </a:ln>
-                <a:solidFill>
-                  <a:schemeClr val="tx1"/>
-                </a:solidFill>
-                <a:effectLst/>
-                <a:latin typeface="Arial" panose="020B0604020202020204" pitchFamily="34" charset="0"/>
-              </a:rPr>
-            </a:br>
-            <a:r>
-              <a:rPr kumimoji="0" lang="en-US" altLang="en-US" sz="1800" b="0" i="0" u="none" strike="noStrike" cap="none" normalizeH="0" baseline="0" dirty="0">
-                <a:ln>
-                  <a:noFill/>
-                </a:ln>
-                <a:solidFill>
-                  <a:schemeClr val="tx1"/>
-                </a:solidFill>
-                <a:effectLst/>
-                <a:latin typeface="Arial" panose="020B0604020202020204" pitchFamily="34" charset="0"/>
-              </a:rPr>
-              <a:t>Year-end bonuses can be tied to customer satisfaction metrics derived from call summaries, promoting </a:t>
-            </a:r>
-            <a:br>
-              <a:rPr kumimoji="0" lang="en-US" altLang="en-US" sz="1800" b="0" i="0" u="none" strike="noStrike" cap="none" normalizeH="0" baseline="0" dirty="0">
-                <a:ln>
-                  <a:noFill/>
-                </a:ln>
-                <a:solidFill>
-                  <a:schemeClr val="tx1"/>
-                </a:solidFill>
-                <a:effectLst/>
-                <a:latin typeface="Arial" panose="020B0604020202020204" pitchFamily="34" charset="0"/>
-              </a:rPr>
-            </a:br>
-            <a:r>
-              <a:rPr kumimoji="0" lang="en-US" altLang="en-US" sz="1800" b="0" i="0" u="none" strike="noStrike" cap="none" normalizeH="0" baseline="0" dirty="0">
-                <a:ln>
-                  <a:noFill/>
-                </a:ln>
-                <a:solidFill>
-                  <a:schemeClr val="tx1"/>
-                </a:solidFill>
-                <a:effectLst/>
-                <a:latin typeface="Arial" panose="020B0604020202020204" pitchFamily="34" charset="0"/>
-              </a:rPr>
-              <a:t>a customer-centric approach.</a:t>
-            </a:r>
-          </a:p>
-          <a:p>
-            <a:pPr marL="0" marR="0" lvl="0" indent="0" algn="l" defTabSz="914400" rtl="0" eaLnBrk="0" fontAlgn="base" latinLnBrk="0" hangingPunct="0">
+                <a:latin typeface="+mn-lt"/>
+                <a:ea typeface="+mn-ea"/>
+                <a:cs typeface="+mn-cs"/>
+              </a:defRPr>
+            </a:lvl7pPr>
+            <a:lvl8pPr marL="3429000" indent="-228600" algn="l" defTabSz="914400" rtl="0" eaLnBrk="1" latinLnBrk="0" hangingPunct="1">
               <a:lnSpc>
-                <a:spcPct val="100000"/>
+                <a:spcPct val="90000"/>
               </a:lnSpc>
               <a:spcBef>
-                <a:spcPct val="0"/>
+                <a:spcPts val="500"/>
               </a:spcBef>
-              <a:spcAft>
-                <a:spcPct val="0"/>
-              </a:spcAft>
-              <a:buClrTx/>
-              <a:buSzTx/>
-              <a:tabLst/>
-            </a:pPr>
-            <a:endParaRPr kumimoji="0" lang="en-US" altLang="en-US" sz="1800" b="0" i="0" u="none" strike="noStrike" cap="none" normalizeH="0" baseline="0" dirty="0">
-              <a:ln>
-                <a:noFill/>
-              </a:ln>
-              <a:solidFill>
-                <a:schemeClr val="tx1"/>
-              </a:solidFill>
-              <a:effectLst/>
-              <a:latin typeface="Arial" panose="020B0604020202020204" pitchFamily="34" charset="0"/>
-            </a:endParaRPr>
-          </a:p>
-          <a:p>
-            <a:pPr marL="0" marR="0" lvl="0" indent="0" algn="l" defTabSz="914400" rtl="0" eaLnBrk="0" fontAlgn="base" latinLnBrk="0" hangingPunct="0">
+              <a:buFont typeface="Arial" panose="020B0604020202020204" pitchFamily="34" charset="0"/>
+              <a:buChar char="•"/>
+              <a:defRPr sz="1800" kern="1200">
+                <a:solidFill>
+                  <a:schemeClr val="tx1"/>
+                </a:solidFill>
+                <a:latin typeface="+mn-lt"/>
+                <a:ea typeface="+mn-ea"/>
+                <a:cs typeface="+mn-cs"/>
+              </a:defRPr>
+            </a:lvl8pPr>
+            <a:lvl9pPr marL="3886200" indent="-228600" algn="l" defTabSz="914400" rtl="0" eaLnBrk="1" latinLnBrk="0" hangingPunct="1">
               <a:lnSpc>
-                <a:spcPct val="100000"/>
+                <a:spcPct val="90000"/>
               </a:lnSpc>
               <a:spcBef>
-                <a:spcPct val="0"/>
+                <a:spcPts val="500"/>
               </a:spcBef>
-              <a:spcAft>
-                <a:spcPct val="0"/>
-              </a:spcAft>
-              <a:buClrTx/>
-              <a:buSzTx/>
-              <a:tabLst/>
-            </a:pPr>
-            <a:r>
-              <a:rPr kumimoji="0" lang="en-US" altLang="en-US" sz="1800" b="1" i="0" u="none" strike="noStrike" cap="none" normalizeH="0" baseline="0" dirty="0">
-                <a:ln>
-                  <a:noFill/>
-                </a:ln>
+              <a:buFont typeface="Arial" panose="020B0604020202020204" pitchFamily="34" charset="0"/>
+              <a:buChar char="•"/>
+              <a:defRPr sz="1800" kern="1200">
                 <a:solidFill>
                   <a:schemeClr val="tx1"/>
                 </a:solidFill>
-                <a:effectLst/>
-                <a:latin typeface="Arial" panose="020B0604020202020204" pitchFamily="34" charset="0"/>
-              </a:rPr>
-              <a:t>Product Improvement Feedback</a:t>
-            </a:r>
-            <a:br>
-              <a:rPr kumimoji="0" lang="en-US" altLang="en-US" sz="1800" b="0" i="0" u="none" strike="noStrike" cap="none" normalizeH="0" baseline="0" dirty="0">
-                <a:ln>
-                  <a:noFill/>
-                </a:ln>
-                <a:solidFill>
-                  <a:schemeClr val="tx1"/>
-                </a:solidFill>
-                <a:effectLst/>
-                <a:latin typeface="Arial" panose="020B0604020202020204" pitchFamily="34" charset="0"/>
-              </a:rPr>
-            </a:br>
-            <a:r>
-              <a:rPr kumimoji="0" lang="en-US" altLang="en-US" sz="1800" b="0" i="0" u="none" strike="noStrike" cap="none" normalizeH="0" baseline="0" dirty="0">
-                <a:ln>
-                  <a:noFill/>
-                </a:ln>
-                <a:solidFill>
-                  <a:schemeClr val="tx1"/>
-                </a:solidFill>
-                <a:effectLst/>
-                <a:latin typeface="Arial" panose="020B0604020202020204" pitchFamily="34" charset="0"/>
-              </a:rPr>
-              <a:t>Identifying recurring negative feedback on products will enable collaboration with vendors for enhancements.</a:t>
+                <a:latin typeface="+mn-lt"/>
+                <a:ea typeface="+mn-ea"/>
+                <a:cs typeface="+mn-cs"/>
+              </a:defRPr>
+            </a:lvl9pPr>
+          </a:lstStyle>
+          <a:p>
+            <a:r>
+              <a:rPr lang="en-US" b="1" dirty="0"/>
+              <a:t>Contd…</a:t>
             </a:r>
           </a:p>
         </p:txBody>
@@ -25510,7 +25247,7 @@
     </p:spTree>
     <p:extLst>
       <p:ext uri="{BB962C8B-B14F-4D97-AF65-F5344CB8AC3E}">
-        <p14:creationId xmlns:p14="http://schemas.microsoft.com/office/powerpoint/2010/main" val="2100495986"/>
+        <p14:creationId xmlns:p14="http://schemas.microsoft.com/office/powerpoint/2010/main" val="4037244342"/>
       </p:ext>
     </p:extLst>
   </p:cSld>
@@ -25569,7 +25306,7 @@
                   <a:schemeClr val="tx1"/>
                 </a:solidFill>
               </a:rPr>
-              <a:t>Challenges</a:t>
+              <a:t>walkthrough</a:t>
             </a:r>
           </a:p>
         </p:txBody>
@@ -25603,71 +25340,35 @@
           <a:lstStyle/>
           <a:p>
             <a:pPr algn="l"/>
-            <a:r>
-              <a:rPr lang="en-US" sz="2800" dirty="0">
-                <a:solidFill>
-                  <a:schemeClr val="tx1"/>
-                </a:solidFill>
-                <a:latin typeface="+mj-lt"/>
-              </a:rPr>
-              <a:t> </a:t>
-            </a:r>
-          </a:p>
-          <a:p>
-            <a:pPr marL="514350" indent="-514350" algn="l">
-              <a:buFont typeface="Arial" panose="020B0604020202020204" pitchFamily="34" charset="0"/>
-              <a:buChar char="•"/>
-            </a:pPr>
-            <a:r>
-              <a:rPr lang="en-US" sz="2800" dirty="0">
-                <a:solidFill>
-                  <a:schemeClr val="tx1"/>
-                </a:solidFill>
-                <a:latin typeface="+mj-lt"/>
-              </a:rPr>
-              <a:t>Some conversations yield incorrect/no responses during sentiment analysis, which can be improved with refined prompting techniques. </a:t>
-            </a:r>
-            <a:br>
-              <a:rPr lang="en-US" sz="2800" dirty="0">
-                <a:solidFill>
-                  <a:schemeClr val="tx1"/>
-                </a:solidFill>
-                <a:latin typeface="+mj-lt"/>
-              </a:rPr>
-            </a:br>
             <a:endParaRPr lang="en-US" sz="2800" dirty="0">
               <a:solidFill>
-                <a:schemeClr val="tx1"/>
+                <a:srgbClr val="CE9178"/>
               </a:solidFill>
-              <a:latin typeface="+mj-lt"/>
+              <a:latin typeface="Consolas" panose="020B0609020204030204" pitchFamily="49" charset="0"/>
             </a:endParaRPr>
           </a:p>
           <a:p>
-            <a:pPr marL="514350" indent="-514350" algn="l">
-              <a:buFont typeface="Arial" panose="020B0604020202020204" pitchFamily="34" charset="0"/>
-              <a:buChar char="•"/>
-            </a:pPr>
-            <a:r>
-              <a:rPr lang="en-US" sz="2800" dirty="0">
-                <a:solidFill>
-                  <a:schemeClr val="tx1"/>
-                </a:solidFill>
-                <a:latin typeface="+mj-lt"/>
-              </a:rPr>
-              <a:t>It’s also essential to compare these results with other available models to identify potential areas for further enhancement.</a:t>
-            </a:r>
-          </a:p>
-          <a:p>
-            <a:pPr marL="457200" indent="-457200" algn="l">
-              <a:buFont typeface="Arial" panose="020B0604020202020204" pitchFamily="34" charset="0"/>
-              <a:buChar char="•"/>
-            </a:pPr>
+            <a:pPr algn="l"/>
             <a:endParaRPr lang="en-US" sz="2800" dirty="0">
               <a:solidFill>
-                <a:schemeClr val="tx1"/>
+                <a:srgbClr val="CE9178"/>
               </a:solidFill>
-              <a:latin typeface="+mj-lt"/>
+              <a:latin typeface="Consolas" panose="020B0609020204030204" pitchFamily="49" charset="0"/>
             </a:endParaRPr>
+          </a:p>
+          <a:p>
+            <a:pPr algn="l"/>
+            <a:endParaRPr lang="en-US" sz="2800" b="0" dirty="0">
+              <a:solidFill>
+                <a:srgbClr val="CCCCCC"/>
+              </a:solidFill>
+              <a:effectLst/>
+              <a:latin typeface="Consolas" panose="020B0609020204030204" pitchFamily="49" charset="0"/>
+            </a:endParaRPr>
+          </a:p>
+          <a:p>
+            <a:pPr algn="l"/>
+            <a:endParaRPr lang="en-US" sz="2000" dirty="0"/>
           </a:p>
         </p:txBody>
       </p:sp>
@@ -25706,10 +25407,323 @@
           </a:p>
         </p:txBody>
       </p:sp>
+      <p:sp>
+        <p:nvSpPr>
+          <p:cNvPr id="4" name="Text Placeholder 2">
+            <a:extLst>
+              <a:ext uri="{FF2B5EF4-FFF2-40B4-BE49-F238E27FC236}">
+                <a16:creationId xmlns:a16="http://schemas.microsoft.com/office/drawing/2014/main" id="{D0157036-1F41-7B05-C6B8-E7F5D95E6721}"/>
+              </a:ext>
+            </a:extLst>
+          </p:cNvPr>
+          <p:cNvSpPr>
+            <a:spLocks noGrp="1"/>
+          </p:cNvSpPr>
+          <p:nvPr>
+            <p:ph type="body" sz="quarter" idx="13"/>
+          </p:nvPr>
+        </p:nvSpPr>
+        <p:spPr>
+          <a:xfrm>
+            <a:off x="616124" y="1623785"/>
+            <a:ext cx="6241875" cy="313872"/>
+          </a:xfrm>
+        </p:spPr>
+        <p:txBody>
+          <a:bodyPr>
+            <a:noAutofit/>
+          </a:bodyPr>
+          <a:lstStyle/>
+          <a:p>
+            <a:r>
+              <a:rPr lang="en-US" sz="1700" b="1" dirty="0">
+                <a:solidFill>
+                  <a:schemeClr val="tx1"/>
+                </a:solidFill>
+              </a:rPr>
+              <a:t>Sentiment Analysis (Model - granite-13b-instruct-v)</a:t>
+            </a:r>
+          </a:p>
+        </p:txBody>
+      </p:sp>
+      <p:pic>
+        <p:nvPicPr>
+          <p:cNvPr id="5" name="Picture 4">
+            <a:extLst>
+              <a:ext uri="{FF2B5EF4-FFF2-40B4-BE49-F238E27FC236}">
+                <a16:creationId xmlns:a16="http://schemas.microsoft.com/office/drawing/2014/main" id="{37EE608F-9149-CDC4-7EA7-997F8F49429B}"/>
+              </a:ext>
+            </a:extLst>
+          </p:cNvPr>
+          <p:cNvPicPr>
+            <a:picLocks noChangeAspect="1"/>
+          </p:cNvPicPr>
+          <p:nvPr/>
+        </p:nvPicPr>
+        <p:blipFill>
+          <a:blip r:embed="rId2"/>
+          <a:stretch>
+            <a:fillRect/>
+          </a:stretch>
+        </p:blipFill>
+        <p:spPr>
+          <a:xfrm>
+            <a:off x="785926" y="2122213"/>
+            <a:ext cx="10992415" cy="1873346"/>
+          </a:xfrm>
+          <a:prstGeom prst="rect">
+            <a:avLst/>
+          </a:prstGeom>
+        </p:spPr>
+      </p:pic>
+      <p:pic>
+        <p:nvPicPr>
+          <p:cNvPr id="7" name="Picture 6">
+            <a:extLst>
+              <a:ext uri="{FF2B5EF4-FFF2-40B4-BE49-F238E27FC236}">
+                <a16:creationId xmlns:a16="http://schemas.microsoft.com/office/drawing/2014/main" id="{D137F1BA-CF85-BDB3-EEED-22B1D67DEE8B}"/>
+              </a:ext>
+            </a:extLst>
+          </p:cNvPr>
+          <p:cNvPicPr>
+            <a:picLocks noChangeAspect="1"/>
+          </p:cNvPicPr>
+          <p:nvPr/>
+        </p:nvPicPr>
+        <p:blipFill>
+          <a:blip r:embed="rId3"/>
+          <a:stretch>
+            <a:fillRect/>
+          </a:stretch>
+        </p:blipFill>
+        <p:spPr>
+          <a:xfrm>
+            <a:off x="785926" y="4078455"/>
+            <a:ext cx="11055918" cy="2311519"/>
+          </a:xfrm>
+          <a:prstGeom prst="rect">
+            <a:avLst/>
+          </a:prstGeom>
+        </p:spPr>
+      </p:pic>
+      <p:sp>
+        <p:nvSpPr>
+          <p:cNvPr id="3" name="Text Placeholder 7">
+            <a:extLst>
+              <a:ext uri="{FF2B5EF4-FFF2-40B4-BE49-F238E27FC236}">
+                <a16:creationId xmlns:a16="http://schemas.microsoft.com/office/drawing/2014/main" id="{6C49868A-4BC3-A478-466B-BE7F2CF7CD0A}"/>
+              </a:ext>
+            </a:extLst>
+          </p:cNvPr>
+          <p:cNvSpPr txBox="1">
+            <a:spLocks/>
+          </p:cNvSpPr>
+          <p:nvPr/>
+        </p:nvSpPr>
+        <p:spPr>
+          <a:xfrm>
+            <a:off x="10094573" y="6389974"/>
+            <a:ext cx="1104388" cy="330286"/>
+          </a:xfrm>
+          <a:prstGeom prst="rect">
+            <a:avLst/>
+          </a:prstGeom>
+        </p:spPr>
+        <p:txBody>
+          <a:bodyPr vert="horz" lIns="91440" tIns="45720" rIns="91440" bIns="45720" rtlCol="0">
+            <a:normAutofit/>
+          </a:bodyPr>
+          <a:lstStyle>
+            <a:lvl1pPr marL="0" indent="0" algn="ctr" defTabSz="914400" rtl="0" eaLnBrk="1" latinLnBrk="0" hangingPunct="1">
+              <a:lnSpc>
+                <a:spcPct val="100000"/>
+              </a:lnSpc>
+              <a:spcBef>
+                <a:spcPts val="1000"/>
+              </a:spcBef>
+              <a:buFont typeface="Arial" panose="020B0604020202020204" pitchFamily="34" charset="0"/>
+              <a:buNone/>
+              <a:defRPr sz="1400" kern="1200">
+                <a:solidFill>
+                  <a:schemeClr val="tx1">
+                    <a:lumMod val="75000"/>
+                    <a:lumOff val="25000"/>
+                  </a:schemeClr>
+                </a:solidFill>
+                <a:latin typeface="+mn-lt"/>
+                <a:ea typeface="+mn-ea"/>
+                <a:cs typeface="+mn-cs"/>
+              </a:defRPr>
+            </a:lvl1pPr>
+            <a:lvl2pPr marL="685800" indent="-228600" algn="l" defTabSz="914400" rtl="0" eaLnBrk="1" latinLnBrk="0" hangingPunct="1">
+              <a:lnSpc>
+                <a:spcPct val="90000"/>
+              </a:lnSpc>
+              <a:spcBef>
+                <a:spcPts val="500"/>
+              </a:spcBef>
+              <a:buFont typeface="Arial" panose="020B0604020202020204" pitchFamily="34" charset="0"/>
+              <a:buChar char="•"/>
+              <a:defRPr sz="2400" kern="1200">
+                <a:solidFill>
+                  <a:schemeClr val="tx1">
+                    <a:lumMod val="75000"/>
+                    <a:lumOff val="25000"/>
+                  </a:schemeClr>
+                </a:solidFill>
+                <a:latin typeface="+mn-lt"/>
+                <a:ea typeface="+mn-ea"/>
+                <a:cs typeface="+mn-cs"/>
+              </a:defRPr>
+            </a:lvl2pPr>
+            <a:lvl3pPr marL="1143000" indent="-228600" algn="l" defTabSz="914400" rtl="0" eaLnBrk="1" latinLnBrk="0" hangingPunct="1">
+              <a:lnSpc>
+                <a:spcPct val="90000"/>
+              </a:lnSpc>
+              <a:spcBef>
+                <a:spcPts val="500"/>
+              </a:spcBef>
+              <a:buFont typeface="Arial" panose="020B0604020202020204" pitchFamily="34" charset="0"/>
+              <a:buChar char="•"/>
+              <a:defRPr sz="2000" kern="1200">
+                <a:solidFill>
+                  <a:schemeClr val="tx1">
+                    <a:lumMod val="75000"/>
+                    <a:lumOff val="25000"/>
+                  </a:schemeClr>
+                </a:solidFill>
+                <a:latin typeface="+mn-lt"/>
+                <a:ea typeface="+mn-ea"/>
+                <a:cs typeface="+mn-cs"/>
+              </a:defRPr>
+            </a:lvl3pPr>
+            <a:lvl4pPr marL="1600200" indent="-228600" algn="l" defTabSz="914400" rtl="0" eaLnBrk="1" latinLnBrk="0" hangingPunct="1">
+              <a:lnSpc>
+                <a:spcPct val="90000"/>
+              </a:lnSpc>
+              <a:spcBef>
+                <a:spcPts val="500"/>
+              </a:spcBef>
+              <a:buFont typeface="Arial" panose="020B0604020202020204" pitchFamily="34" charset="0"/>
+              <a:buChar char="•"/>
+              <a:defRPr sz="1800" kern="1200">
+                <a:solidFill>
+                  <a:schemeClr val="tx1">
+                    <a:lumMod val="75000"/>
+                    <a:lumOff val="25000"/>
+                  </a:schemeClr>
+                </a:solidFill>
+                <a:latin typeface="+mn-lt"/>
+                <a:ea typeface="+mn-ea"/>
+                <a:cs typeface="+mn-cs"/>
+              </a:defRPr>
+            </a:lvl4pPr>
+            <a:lvl5pPr marL="2057400" indent="-228600" algn="l" defTabSz="914400" rtl="0" eaLnBrk="1" latinLnBrk="0" hangingPunct="1">
+              <a:lnSpc>
+                <a:spcPct val="90000"/>
+              </a:lnSpc>
+              <a:spcBef>
+                <a:spcPts val="500"/>
+              </a:spcBef>
+              <a:buFont typeface="Arial" panose="020B0604020202020204" pitchFamily="34" charset="0"/>
+              <a:buChar char="•"/>
+              <a:defRPr sz="1800" kern="1200">
+                <a:solidFill>
+                  <a:schemeClr val="tx1">
+                    <a:lumMod val="75000"/>
+                    <a:lumOff val="25000"/>
+                  </a:schemeClr>
+                </a:solidFill>
+                <a:latin typeface="+mn-lt"/>
+                <a:ea typeface="+mn-ea"/>
+                <a:cs typeface="+mn-cs"/>
+              </a:defRPr>
+            </a:lvl5pPr>
+            <a:lvl6pPr marL="2514600" indent="-228600" algn="l" defTabSz="914400" rtl="0" eaLnBrk="1" latinLnBrk="0" hangingPunct="1">
+              <a:lnSpc>
+                <a:spcPct val="90000"/>
+              </a:lnSpc>
+              <a:spcBef>
+                <a:spcPts val="500"/>
+              </a:spcBef>
+              <a:buFont typeface="Arial" panose="020B0604020202020204" pitchFamily="34" charset="0"/>
+              <a:buChar char="•"/>
+              <a:defRPr sz="1800" kern="1200">
+                <a:solidFill>
+                  <a:schemeClr val="tx1"/>
+                </a:solidFill>
+                <a:latin typeface="+mn-lt"/>
+                <a:ea typeface="+mn-ea"/>
+                <a:cs typeface="+mn-cs"/>
+              </a:defRPr>
+            </a:lvl6pPr>
+            <a:lvl7pPr marL="2971800" indent="-228600" algn="l" defTabSz="914400" rtl="0" eaLnBrk="1" latinLnBrk="0" hangingPunct="1">
+              <a:lnSpc>
+                <a:spcPct val="90000"/>
+              </a:lnSpc>
+              <a:spcBef>
+                <a:spcPts val="500"/>
+              </a:spcBef>
+              <a:buFont typeface="Arial" panose="020B0604020202020204" pitchFamily="34" charset="0"/>
+              <a:buChar char="•"/>
+              <a:defRPr sz="1800" kern="1200">
+                <a:solidFill>
+                  <a:schemeClr val="tx1"/>
+                </a:solidFill>
+                <a:latin typeface="+mn-lt"/>
+                <a:ea typeface="+mn-ea"/>
+                <a:cs typeface="+mn-cs"/>
+              </a:defRPr>
+            </a:lvl7pPr>
+            <a:lvl8pPr marL="3429000" indent="-228600" algn="l" defTabSz="914400" rtl="0" eaLnBrk="1" latinLnBrk="0" hangingPunct="1">
+              <a:lnSpc>
+                <a:spcPct val="90000"/>
+              </a:lnSpc>
+              <a:spcBef>
+                <a:spcPts val="500"/>
+              </a:spcBef>
+              <a:buFont typeface="Arial" panose="020B0604020202020204" pitchFamily="34" charset="0"/>
+              <a:buChar char="•"/>
+              <a:defRPr sz="1800" kern="1200">
+                <a:solidFill>
+                  <a:schemeClr val="tx1"/>
+                </a:solidFill>
+                <a:latin typeface="+mn-lt"/>
+                <a:ea typeface="+mn-ea"/>
+                <a:cs typeface="+mn-cs"/>
+              </a:defRPr>
+            </a:lvl8pPr>
+            <a:lvl9pPr marL="3886200" indent="-228600" algn="l" defTabSz="914400" rtl="0" eaLnBrk="1" latinLnBrk="0" hangingPunct="1">
+              <a:lnSpc>
+                <a:spcPct val="90000"/>
+              </a:lnSpc>
+              <a:spcBef>
+                <a:spcPts val="500"/>
+              </a:spcBef>
+              <a:buFont typeface="Arial" panose="020B0604020202020204" pitchFamily="34" charset="0"/>
+              <a:buChar char="•"/>
+              <a:defRPr sz="1800" kern="1200">
+                <a:solidFill>
+                  <a:schemeClr val="tx1"/>
+                </a:solidFill>
+                <a:latin typeface="+mn-lt"/>
+                <a:ea typeface="+mn-ea"/>
+                <a:cs typeface="+mn-cs"/>
+              </a:defRPr>
+            </a:lvl9pPr>
+          </a:lstStyle>
+          <a:p>
+            <a:r>
+              <a:rPr lang="en-US" b="1" dirty="0"/>
+              <a:t>Contd…</a:t>
+            </a:r>
+          </a:p>
+        </p:txBody>
+      </p:sp>
     </p:spTree>
     <p:extLst>
       <p:ext uri="{BB962C8B-B14F-4D97-AF65-F5344CB8AC3E}">
-        <p14:creationId xmlns:p14="http://schemas.microsoft.com/office/powerpoint/2010/main" val="2516776324"/>
+        <p14:creationId xmlns:p14="http://schemas.microsoft.com/office/powerpoint/2010/main" val="3035795066"/>
       </p:ext>
     </p:extLst>
   </p:cSld>
@@ -26817,6 +26831,15 @@
 </file>
 
 <file path=customXml/item2.xml><?xml version="1.0" encoding="utf-8"?>
+<?mso-contentType ?>
+<FormTemplates xmlns="http://schemas.microsoft.com/sharepoint/v3/contenttype/forms">
+  <Display>DocumentLibraryForm</Display>
+  <Edit>DocumentLibraryForm</Edit>
+  <New>DocumentLibraryForm</New>
+</FormTemplates>
+</file>
+
+<file path=customXml/item3.xml><?xml version="1.0" encoding="utf-8"?>
 <p:properties xmlns:p="http://schemas.microsoft.com/office/2006/metadata/properties" xmlns:xsi="http://www.w3.org/2001/XMLSchema-instance" xmlns:pc="http://schemas.microsoft.com/office/infopath/2007/PartnerControls">
   <documentManagement>
     <_ip_UnifiedCompliancePolicyUIAction xmlns="http://schemas.microsoft.com/sharepoint/v3" xsi:nil="true"/>
@@ -26834,15 +26857,6 @@
     <MediaServiceKeyPoints xmlns="71af3243-3dd4-4a8d-8c0d-dd76da1f02a5" xsi:nil="true"/>
   </documentManagement>
 </p:properties>
-</file>
-
-<file path=customXml/item3.xml><?xml version="1.0" encoding="utf-8"?>
-<?mso-contentType ?>
-<FormTemplates xmlns="http://schemas.microsoft.com/sharepoint/v3/contenttype/forms">
-  <Display>DocumentLibraryForm</Display>
-  <Edit>DocumentLibraryForm</Edit>
-  <New>DocumentLibraryForm</New>
-</FormTemplates>
 </file>
 
 <file path=customXml/itemProps1.xml><?xml version="1.0" encoding="utf-8"?>
@@ -26867,6 +26881,14 @@
 </file>
 
 <file path=customXml/itemProps2.xml><?xml version="1.0" encoding="utf-8"?>
+<ds:datastoreItem xmlns:ds="http://schemas.openxmlformats.org/officeDocument/2006/customXml" ds:itemID="{6966C46A-DC57-4209-80CD-9FE6C93151FF}">
+  <ds:schemaRefs>
+    <ds:schemaRef ds:uri="http://schemas.microsoft.com/sharepoint/v3/contenttype/forms"/>
+  </ds:schemaRefs>
+</ds:datastoreItem>
+</file>
+
+<file path=customXml/itemProps3.xml><?xml version="1.0" encoding="utf-8"?>
 <ds:datastoreItem xmlns:ds="http://schemas.openxmlformats.org/officeDocument/2006/customXml" ds:itemID="{BEFFFA3F-0FB5-4ED3-8906-A15B16577F44}">
   <ds:schemaRefs>
     <ds:schemaRef ds:uri="http://schemas.microsoft.com/office/2006/metadata/properties"/>
@@ -26878,14 +26900,6 @@
 </ds:datastoreItem>
 </file>
 
-<file path=customXml/itemProps3.xml><?xml version="1.0" encoding="utf-8"?>
-<ds:datastoreItem xmlns:ds="http://schemas.openxmlformats.org/officeDocument/2006/customXml" ds:itemID="{6966C46A-DC57-4209-80CD-9FE6C93151FF}">
-  <ds:schemaRefs>
-    <ds:schemaRef ds:uri="http://schemas.microsoft.com/sharepoint/v3/contenttype/forms"/>
-  </ds:schemaRefs>
-</ds:datastoreItem>
-</file>
-
 <file path=docMetadata/LabelInfo.xml><?xml version="1.0" encoding="utf-8"?>
 <clbl:labelList xmlns:clbl="http://schemas.microsoft.com/office/2020/mipLabelMetadata"/>
 </file>
--- a/IBM-Watsonx-Presentation.pptx
+++ b/IBM-Watsonx-Presentation.pptx
@@ -166,7 +166,6 @@
 <p1510:revInfo xmlns:a="http://schemas.openxmlformats.org/drawingml/2006/main" xmlns:r="http://schemas.openxmlformats.org/officeDocument/2006/relationships" xmlns:p1510="http://schemas.microsoft.com/office/powerpoint/2015/10/main">
   <p1510:revLst>
     <p1510:client id="{85F741F2-2510-44D5-AF8B-2373A010F755}" v="33" dt="2024-09-19T10:37:18.884"/>
-    <p1510:client id="{BE6FB4C6-1D1F-44D0-A320-56BCD2624943}" v="1" dt="2024-09-19T06:04:30.742"/>
     <p1510:client id="{DA72F9B2-C87B-41E6-84EF-245FC2ADC638}" v="36" dt="2024-09-19T15:03:43.967"/>
   </p1510:revLst>
 </p1510:revInfo>
@@ -1752,6 +1751,30 @@
     </pc:docChg>
   </pc:docChgLst>
   <pc:docChgLst>
+    <pc:chgData name="Anirban Banerjee (IN92657)" userId="b82f5010-943b-4dbb-9251-0075e403d9fa" providerId="ADAL" clId="{FDFC2E34-BB77-4C1A-BDA1-F38583823F22}"/>
+    <pc:docChg chg="modSld">
+      <pc:chgData name="Anirban Banerjee (IN92657)" userId="b82f5010-943b-4dbb-9251-0075e403d9fa" providerId="ADAL" clId="{FDFC2E34-BB77-4C1A-BDA1-F38583823F22}" dt="2024-09-20T08:25:14.632" v="0" actId="1076"/>
+      <pc:docMkLst>
+        <pc:docMk/>
+      </pc:docMkLst>
+      <pc:sldChg chg="modSp mod">
+        <pc:chgData name="Anirban Banerjee (IN92657)" userId="b82f5010-943b-4dbb-9251-0075e403d9fa" providerId="ADAL" clId="{FDFC2E34-BB77-4C1A-BDA1-F38583823F22}" dt="2024-09-20T08:25:14.632" v="0" actId="1076"/>
+        <pc:sldMkLst>
+          <pc:docMk/>
+          <pc:sldMk cId="2100495986" sldId="311"/>
+        </pc:sldMkLst>
+        <pc:spChg chg="mod">
+          <ac:chgData name="Anirban Banerjee (IN92657)" userId="b82f5010-943b-4dbb-9251-0075e403d9fa" providerId="ADAL" clId="{FDFC2E34-BB77-4C1A-BDA1-F38583823F22}" dt="2024-09-20T08:25:14.632" v="0" actId="1076"/>
+          <ac:spMkLst>
+            <pc:docMk/>
+            <pc:sldMk cId="2100495986" sldId="311"/>
+            <ac:spMk id="2" creationId="{75031FE9-9059-4FE8-B4AC-9771F23A1B89}"/>
+          </ac:spMkLst>
+        </pc:spChg>
+      </pc:sldChg>
+    </pc:docChg>
+  </pc:docChgLst>
+  <pc:docChgLst>
     <pc:chgData name="Anirban Banerjee (IN92657)" userId="b82f5010-943b-4dbb-9251-0075e403d9fa" providerId="ADAL" clId="{85F741F2-2510-44D5-AF8B-2373A010F755}"/>
     <pc:docChg chg="undo custSel addSld delSld modSld">
       <pc:chgData name="Anirban Banerjee (IN92657)" userId="b82f5010-943b-4dbb-9251-0075e403d9fa" providerId="ADAL" clId="{85F741F2-2510-44D5-AF8B-2373A010F755}" dt="2024-09-19T10:37:50.572" v="864" actId="1076"/>
@@ -2722,7 +2745,7 @@
           <a:p>
             <a:fld id="{F352A77B-D33C-49B3-A83C-450AA2ED72B3}" type="datetimeFigureOut">
               <a:rPr lang="en-US" smtClean="0"/>
-              <a:t>9/19/2024</a:t>
+              <a:t>9/20/2024</a:t>
             </a:fld>
             <a:endParaRPr lang="en-US" dirty="0"/>
           </a:p>
@@ -2899,7 +2922,7 @@
           <a:p>
             <a:fld id="{E38D8F9A-F5CB-4EF8-A859-ED5E107B9763}" type="datetimeFigureOut">
               <a:rPr lang="en-US" smtClean="0"/>
-              <a:t>9/19/2024</a:t>
+              <a:t>9/20/2024</a:t>
             </a:fld>
             <a:endParaRPr lang="en-US" dirty="0"/>
           </a:p>
@@ -21615,7 +21638,7 @@
         </p:nvSpPr>
         <p:spPr>
           <a:xfrm>
-            <a:off x="1825285" y="157845"/>
+            <a:off x="1806812" y="328418"/>
             <a:ext cx="8421688" cy="1325563"/>
           </a:xfrm>
         </p:spPr>
@@ -26831,15 +26854,6 @@
 </file>
 
 <file path=customXml/item2.xml><?xml version="1.0" encoding="utf-8"?>
-<?mso-contentType ?>
-<FormTemplates xmlns="http://schemas.microsoft.com/sharepoint/v3/contenttype/forms">
-  <Display>DocumentLibraryForm</Display>
-  <Edit>DocumentLibraryForm</Edit>
-  <New>DocumentLibraryForm</New>
-</FormTemplates>
-</file>
-
-<file path=customXml/item3.xml><?xml version="1.0" encoding="utf-8"?>
 <p:properties xmlns:p="http://schemas.microsoft.com/office/2006/metadata/properties" xmlns:xsi="http://www.w3.org/2001/XMLSchema-instance" xmlns:pc="http://schemas.microsoft.com/office/infopath/2007/PartnerControls">
   <documentManagement>
     <_ip_UnifiedCompliancePolicyUIAction xmlns="http://schemas.microsoft.com/sharepoint/v3" xsi:nil="true"/>
@@ -26857,6 +26871,15 @@
     <MediaServiceKeyPoints xmlns="71af3243-3dd4-4a8d-8c0d-dd76da1f02a5" xsi:nil="true"/>
   </documentManagement>
 </p:properties>
+</file>
+
+<file path=customXml/item3.xml><?xml version="1.0" encoding="utf-8"?>
+<?mso-contentType ?>
+<FormTemplates xmlns="http://schemas.microsoft.com/sharepoint/v3/contenttype/forms">
+  <Display>DocumentLibraryForm</Display>
+  <Edit>DocumentLibraryForm</Edit>
+  <New>DocumentLibraryForm</New>
+</FormTemplates>
 </file>
 
 <file path=customXml/itemProps1.xml><?xml version="1.0" encoding="utf-8"?>
@@ -26881,14 +26904,6 @@
 </file>
 
 <file path=customXml/itemProps2.xml><?xml version="1.0" encoding="utf-8"?>
-<ds:datastoreItem xmlns:ds="http://schemas.openxmlformats.org/officeDocument/2006/customXml" ds:itemID="{6966C46A-DC57-4209-80CD-9FE6C93151FF}">
-  <ds:schemaRefs>
-    <ds:schemaRef ds:uri="http://schemas.microsoft.com/sharepoint/v3/contenttype/forms"/>
-  </ds:schemaRefs>
-</ds:datastoreItem>
-</file>
-
-<file path=customXml/itemProps3.xml><?xml version="1.0" encoding="utf-8"?>
 <ds:datastoreItem xmlns:ds="http://schemas.openxmlformats.org/officeDocument/2006/customXml" ds:itemID="{BEFFFA3F-0FB5-4ED3-8906-A15B16577F44}">
   <ds:schemaRefs>
     <ds:schemaRef ds:uri="http://schemas.microsoft.com/office/2006/metadata/properties"/>
@@ -26900,6 +26915,14 @@
 </ds:datastoreItem>
 </file>
 
+<file path=customXml/itemProps3.xml><?xml version="1.0" encoding="utf-8"?>
+<ds:datastoreItem xmlns:ds="http://schemas.openxmlformats.org/officeDocument/2006/customXml" ds:itemID="{6966C46A-DC57-4209-80CD-9FE6C93151FF}">
+  <ds:schemaRefs>
+    <ds:schemaRef ds:uri="http://schemas.microsoft.com/sharepoint/v3/contenttype/forms"/>
+  </ds:schemaRefs>
+</ds:datastoreItem>
+</file>
+
 <file path=docMetadata/LabelInfo.xml><?xml version="1.0" encoding="utf-8"?>
 <clbl:labelList xmlns:clbl="http://schemas.microsoft.com/office/2020/mipLabelMetadata"/>
 </file>
--- a/IBM-Watsonx-Presentation.pptx
+++ b/IBM-Watsonx-Presentation.pptx
@@ -1752,11 +1752,41 @@
   </pc:docChgLst>
   <pc:docChgLst>
     <pc:chgData name="Anirban Banerjee (IN92657)" userId="b82f5010-943b-4dbb-9251-0075e403d9fa" providerId="ADAL" clId="{FDFC2E34-BB77-4C1A-BDA1-F38583823F22}"/>
-    <pc:docChg chg="modSld">
-      <pc:chgData name="Anirban Banerjee (IN92657)" userId="b82f5010-943b-4dbb-9251-0075e403d9fa" providerId="ADAL" clId="{FDFC2E34-BB77-4C1A-BDA1-F38583823F22}" dt="2024-09-20T08:25:14.632" v="0" actId="1076"/>
+    <pc:docChg chg="undo custSel addSld delSld modSld">
+      <pc:chgData name="Anirban Banerjee (IN92657)" userId="b82f5010-943b-4dbb-9251-0075e403d9fa" providerId="ADAL" clId="{FDFC2E34-BB77-4C1A-BDA1-F38583823F22}" dt="2024-09-20T08:29:57.341" v="20" actId="47"/>
       <pc:docMkLst>
         <pc:docMk/>
       </pc:docMkLst>
+      <pc:sldChg chg="modSp mod">
+        <pc:chgData name="Anirban Banerjee (IN92657)" userId="b82f5010-943b-4dbb-9251-0075e403d9fa" providerId="ADAL" clId="{FDFC2E34-BB77-4C1A-BDA1-F38583823F22}" dt="2024-09-20T08:29:08.749" v="18" actId="1076"/>
+        <pc:sldMkLst>
+          <pc:docMk/>
+          <pc:sldMk cId="2436493926" sldId="276"/>
+        </pc:sldMkLst>
+        <pc:spChg chg="mod">
+          <ac:chgData name="Anirban Banerjee (IN92657)" userId="b82f5010-943b-4dbb-9251-0075e403d9fa" providerId="ADAL" clId="{FDFC2E34-BB77-4C1A-BDA1-F38583823F22}" dt="2024-09-20T08:29:08.749" v="18" actId="1076"/>
+          <ac:spMkLst>
+            <pc:docMk/>
+            <pc:sldMk cId="2436493926" sldId="276"/>
+            <ac:spMk id="2" creationId="{BCCAEE93-8585-46D4-A7EC-F184E317CB2E}"/>
+          </ac:spMkLst>
+        </pc:spChg>
+      </pc:sldChg>
+      <pc:sldChg chg="modSp mod">
+        <pc:chgData name="Anirban Banerjee (IN92657)" userId="b82f5010-943b-4dbb-9251-0075e403d9fa" providerId="ADAL" clId="{FDFC2E34-BB77-4C1A-BDA1-F38583823F22}" dt="2024-09-20T08:28:59.441" v="17" actId="20577"/>
+        <pc:sldMkLst>
+          <pc:docMk/>
+          <pc:sldMk cId="3001404588" sldId="303"/>
+        </pc:sldMkLst>
+        <pc:spChg chg="mod">
+          <ac:chgData name="Anirban Banerjee (IN92657)" userId="b82f5010-943b-4dbb-9251-0075e403d9fa" providerId="ADAL" clId="{FDFC2E34-BB77-4C1A-BDA1-F38583823F22}" dt="2024-09-20T08:28:59.441" v="17" actId="20577"/>
+          <ac:spMkLst>
+            <pc:docMk/>
+            <pc:sldMk cId="3001404588" sldId="303"/>
+            <ac:spMk id="2" creationId="{75031FE9-9059-4FE8-B4AC-9771F23A1B89}"/>
+          </ac:spMkLst>
+        </pc:spChg>
+      </pc:sldChg>
       <pc:sldChg chg="modSp mod">
         <pc:chgData name="Anirban Banerjee (IN92657)" userId="b82f5010-943b-4dbb-9251-0075e403d9fa" providerId="ADAL" clId="{FDFC2E34-BB77-4C1A-BDA1-F38583823F22}" dt="2024-09-20T08:25:14.632" v="0" actId="1076"/>
         <pc:sldMkLst>
@@ -1771,6 +1801,13 @@
             <ac:spMk id="2" creationId="{75031FE9-9059-4FE8-B4AC-9771F23A1B89}"/>
           </ac:spMkLst>
         </pc:spChg>
+      </pc:sldChg>
+      <pc:sldChg chg="new del">
+        <pc:chgData name="Anirban Banerjee (IN92657)" userId="b82f5010-943b-4dbb-9251-0075e403d9fa" providerId="ADAL" clId="{FDFC2E34-BB77-4C1A-BDA1-F38583823F22}" dt="2024-09-20T08:29:57.341" v="20" actId="47"/>
+        <pc:sldMkLst>
+          <pc:docMk/>
+          <pc:sldMk cId="1323467658" sldId="312"/>
+        </pc:sldMkLst>
       </pc:sldChg>
     </pc:docChg>
   </pc:docChgLst>
@@ -22645,7 +22682,7 @@
                   <a:schemeClr val="tx1"/>
                 </a:solidFill>
               </a:rPr>
-              <a:t>Challenges</a:t>
+              <a:t>IMPLEMENTATION Challenges</a:t>
             </a:r>
           </a:p>
         </p:txBody>
@@ -22830,7 +22867,7 @@
         </p:nvSpPr>
         <p:spPr>
           <a:xfrm>
-            <a:off x="4542336" y="1904265"/>
+            <a:off x="4671645" y="1904265"/>
             <a:ext cx="4179570" cy="1524735"/>
           </a:xfrm>
         </p:spPr>
@@ -26854,6 +26891,15 @@
 </file>
 
 <file path=customXml/item2.xml><?xml version="1.0" encoding="utf-8"?>
+<?mso-contentType ?>
+<FormTemplates xmlns="http://schemas.microsoft.com/sharepoint/v3/contenttype/forms">
+  <Display>DocumentLibraryForm</Display>
+  <Edit>DocumentLibraryForm</Edit>
+  <New>DocumentLibraryForm</New>
+</FormTemplates>
+</file>
+
+<file path=customXml/item3.xml><?xml version="1.0" encoding="utf-8"?>
 <p:properties xmlns:p="http://schemas.microsoft.com/office/2006/metadata/properties" xmlns:xsi="http://www.w3.org/2001/XMLSchema-instance" xmlns:pc="http://schemas.microsoft.com/office/infopath/2007/PartnerControls">
   <documentManagement>
     <_ip_UnifiedCompliancePolicyUIAction xmlns="http://schemas.microsoft.com/sharepoint/v3" xsi:nil="true"/>
@@ -26871,15 +26917,6 @@
     <MediaServiceKeyPoints xmlns="71af3243-3dd4-4a8d-8c0d-dd76da1f02a5" xsi:nil="true"/>
   </documentManagement>
 </p:properties>
-</file>
-
-<file path=customXml/item3.xml><?xml version="1.0" encoding="utf-8"?>
-<?mso-contentType ?>
-<FormTemplates xmlns="http://schemas.microsoft.com/sharepoint/v3/contenttype/forms">
-  <Display>DocumentLibraryForm</Display>
-  <Edit>DocumentLibraryForm</Edit>
-  <New>DocumentLibraryForm</New>
-</FormTemplates>
 </file>
 
 <file path=customXml/itemProps1.xml><?xml version="1.0" encoding="utf-8"?>
@@ -26904,6 +26941,14 @@
 </file>
 
 <file path=customXml/itemProps2.xml><?xml version="1.0" encoding="utf-8"?>
+<ds:datastoreItem xmlns:ds="http://schemas.openxmlformats.org/officeDocument/2006/customXml" ds:itemID="{6966C46A-DC57-4209-80CD-9FE6C93151FF}">
+  <ds:schemaRefs>
+    <ds:schemaRef ds:uri="http://schemas.microsoft.com/sharepoint/v3/contenttype/forms"/>
+  </ds:schemaRefs>
+</ds:datastoreItem>
+</file>
+
+<file path=customXml/itemProps3.xml><?xml version="1.0" encoding="utf-8"?>
 <ds:datastoreItem xmlns:ds="http://schemas.openxmlformats.org/officeDocument/2006/customXml" ds:itemID="{BEFFFA3F-0FB5-4ED3-8906-A15B16577F44}">
   <ds:schemaRefs>
     <ds:schemaRef ds:uri="http://schemas.microsoft.com/office/2006/metadata/properties"/>
@@ -26915,14 +26960,6 @@
 </ds:datastoreItem>
 </file>
 
-<file path=customXml/itemProps3.xml><?xml version="1.0" encoding="utf-8"?>
-<ds:datastoreItem xmlns:ds="http://schemas.openxmlformats.org/officeDocument/2006/customXml" ds:itemID="{6966C46A-DC57-4209-80CD-9FE6C93151FF}">
-  <ds:schemaRefs>
-    <ds:schemaRef ds:uri="http://schemas.microsoft.com/sharepoint/v3/contenttype/forms"/>
-  </ds:schemaRefs>
-</ds:datastoreItem>
-</file>
-
 <file path=docMetadata/LabelInfo.xml><?xml version="1.0" encoding="utf-8"?>
 <clbl:labelList xmlns:clbl="http://schemas.microsoft.com/office/2020/mipLabelMetadata"/>
 </file>
--- a/IBM-Watsonx-Presentation.pptx
+++ b/IBM-Watsonx-Presentation.pptx
@@ -165,8 +165,7 @@
 <file path=ppt/revisionInfo.xml><?xml version="1.0" encoding="utf-8"?>
 <p1510:revInfo xmlns:a="http://schemas.openxmlformats.org/drawingml/2006/main" xmlns:r="http://schemas.openxmlformats.org/officeDocument/2006/relationships" xmlns:p1510="http://schemas.microsoft.com/office/powerpoint/2015/10/main">
   <p1510:revLst>
-    <p1510:client id="{85F741F2-2510-44D5-AF8B-2373A010F755}" v="33" dt="2024-09-19T10:37:18.884"/>
-    <p1510:client id="{DA72F9B2-C87B-41E6-84EF-245FC2ADC638}" v="36" dt="2024-09-19T15:03:43.967"/>
+    <p1510:client id="{FDFC2E34-BB77-4C1A-BDA1-F38583823F22}" v="8" dt="2024-09-21T13:15:51.687"/>
   </p1510:revLst>
 </p1510:revInfo>
 </file>
@@ -1753,7 +1752,7 @@
   <pc:docChgLst>
     <pc:chgData name="Anirban Banerjee (IN92657)" userId="b82f5010-943b-4dbb-9251-0075e403d9fa" providerId="ADAL" clId="{FDFC2E34-BB77-4C1A-BDA1-F38583823F22}"/>
     <pc:docChg chg="undo custSel addSld delSld modSld">
-      <pc:chgData name="Anirban Banerjee (IN92657)" userId="b82f5010-943b-4dbb-9251-0075e403d9fa" providerId="ADAL" clId="{FDFC2E34-BB77-4C1A-BDA1-F38583823F22}" dt="2024-09-20T08:29:57.341" v="20" actId="47"/>
+      <pc:chgData name="Anirban Banerjee (IN92657)" userId="b82f5010-943b-4dbb-9251-0075e403d9fa" providerId="ADAL" clId="{FDFC2E34-BB77-4C1A-BDA1-F38583823F22}" dt="2024-09-21T13:16:44.823" v="67" actId="1076"/>
       <pc:docMkLst>
         <pc:docMk/>
       </pc:docMkLst>
@@ -1786,6 +1785,168 @@
             <ac:spMk id="2" creationId="{75031FE9-9059-4FE8-B4AC-9771F23A1B89}"/>
           </ac:spMkLst>
         </pc:spChg>
+      </pc:sldChg>
+      <pc:sldChg chg="modSp mod">
+        <pc:chgData name="Anirban Banerjee (IN92657)" userId="b82f5010-943b-4dbb-9251-0075e403d9fa" providerId="ADAL" clId="{FDFC2E34-BB77-4C1A-BDA1-F38583823F22}" dt="2024-09-21T13:16:20.478" v="60" actId="20577"/>
+        <pc:sldMkLst>
+          <pc:docMk/>
+          <pc:sldMk cId="3035795066" sldId="304"/>
+        </pc:sldMkLst>
+        <pc:spChg chg="mod">
+          <ac:chgData name="Anirban Banerjee (IN92657)" userId="b82f5010-943b-4dbb-9251-0075e403d9fa" providerId="ADAL" clId="{FDFC2E34-BB77-4C1A-BDA1-F38583823F22}" dt="2024-09-21T13:16:20.478" v="60" actId="20577"/>
+          <ac:spMkLst>
+            <pc:docMk/>
+            <pc:sldMk cId="3035795066" sldId="304"/>
+            <ac:spMk id="4" creationId="{D0157036-1F41-7B05-C6B8-E7F5D95E6721}"/>
+          </ac:spMkLst>
+        </pc:spChg>
+      </pc:sldChg>
+      <pc:sldChg chg="modSp mod">
+        <pc:chgData name="Anirban Banerjee (IN92657)" userId="b82f5010-943b-4dbb-9251-0075e403d9fa" providerId="ADAL" clId="{FDFC2E34-BB77-4C1A-BDA1-F38583823F22}" dt="2024-09-21T13:16:44.823" v="67" actId="1076"/>
+        <pc:sldMkLst>
+          <pc:docMk/>
+          <pc:sldMk cId="4245144669" sldId="305"/>
+        </pc:sldMkLst>
+        <pc:spChg chg="mod">
+          <ac:chgData name="Anirban Banerjee (IN92657)" userId="b82f5010-943b-4dbb-9251-0075e403d9fa" providerId="ADAL" clId="{FDFC2E34-BB77-4C1A-BDA1-F38583823F22}" dt="2024-09-21T13:16:35.463" v="63" actId="14100"/>
+          <ac:spMkLst>
+            <pc:docMk/>
+            <pc:sldMk cId="4245144669" sldId="305"/>
+            <ac:spMk id="4" creationId="{D0157036-1F41-7B05-C6B8-E7F5D95E6721}"/>
+          </ac:spMkLst>
+        </pc:spChg>
+        <pc:picChg chg="mod">
+          <ac:chgData name="Anirban Banerjee (IN92657)" userId="b82f5010-943b-4dbb-9251-0075e403d9fa" providerId="ADAL" clId="{FDFC2E34-BB77-4C1A-BDA1-F38583823F22}" dt="2024-09-21T13:16:42.797" v="66" actId="1076"/>
+          <ac:picMkLst>
+            <pc:docMk/>
+            <pc:sldMk cId="4245144669" sldId="305"/>
+            <ac:picMk id="5" creationId="{A92A3065-8A2C-374C-7BBD-D7F1E5A5D205}"/>
+          </ac:picMkLst>
+        </pc:picChg>
+        <pc:picChg chg="mod">
+          <ac:chgData name="Anirban Banerjee (IN92657)" userId="b82f5010-943b-4dbb-9251-0075e403d9fa" providerId="ADAL" clId="{FDFC2E34-BB77-4C1A-BDA1-F38583823F22}" dt="2024-09-21T13:16:44.823" v="67" actId="1076"/>
+          <ac:picMkLst>
+            <pc:docMk/>
+            <pc:sldMk cId="4245144669" sldId="305"/>
+            <ac:picMk id="7" creationId="{35002489-3765-E5B3-D03F-C10AE28C0E2B}"/>
+          </ac:picMkLst>
+        </pc:picChg>
+      </pc:sldChg>
+      <pc:sldChg chg="addSp delSp modSp mod">
+        <pc:chgData name="Anirban Banerjee (IN92657)" userId="b82f5010-943b-4dbb-9251-0075e403d9fa" providerId="ADAL" clId="{FDFC2E34-BB77-4C1A-BDA1-F38583823F22}" dt="2024-09-21T13:15:01.281" v="34" actId="962"/>
+        <pc:sldMkLst>
+          <pc:docMk/>
+          <pc:sldMk cId="4033875170" sldId="307"/>
+        </pc:sldMkLst>
+        <pc:spChg chg="add">
+          <ac:chgData name="Anirban Banerjee (IN92657)" userId="b82f5010-943b-4dbb-9251-0075e403d9fa" providerId="ADAL" clId="{FDFC2E34-BB77-4C1A-BDA1-F38583823F22}" dt="2024-09-21T13:13:04.566" v="22"/>
+          <ac:spMkLst>
+            <pc:docMk/>
+            <pc:sldMk cId="4033875170" sldId="307"/>
+            <ac:spMk id="3" creationId="{88A6AF5C-6941-F9BD-F245-E90304FAB41B}"/>
+          </ac:spMkLst>
+        </pc:spChg>
+        <pc:spChg chg="add">
+          <ac:chgData name="Anirban Banerjee (IN92657)" userId="b82f5010-943b-4dbb-9251-0075e403d9fa" providerId="ADAL" clId="{FDFC2E34-BB77-4C1A-BDA1-F38583823F22}" dt="2024-09-21T13:13:13.616" v="23"/>
+          <ac:spMkLst>
+            <pc:docMk/>
+            <pc:sldMk cId="4033875170" sldId="307"/>
+            <ac:spMk id="5" creationId="{4EFFDDC4-0AE5-70F0-0ACD-D55FCD0E26AC}"/>
+          </ac:spMkLst>
+        </pc:spChg>
+        <pc:picChg chg="add mod">
+          <ac:chgData name="Anirban Banerjee (IN92657)" userId="b82f5010-943b-4dbb-9251-0075e403d9fa" providerId="ADAL" clId="{FDFC2E34-BB77-4C1A-BDA1-F38583823F22}" dt="2024-09-21T13:15:01.281" v="34" actId="962"/>
+          <ac:picMkLst>
+            <pc:docMk/>
+            <pc:sldMk cId="4033875170" sldId="307"/>
+            <ac:picMk id="7" creationId="{3E942D58-EBB4-2E6C-8A07-60C8ABFE3F3D}"/>
+          </ac:picMkLst>
+        </pc:picChg>
+        <pc:picChg chg="add del">
+          <ac:chgData name="Anirban Banerjee (IN92657)" userId="b82f5010-943b-4dbb-9251-0075e403d9fa" providerId="ADAL" clId="{FDFC2E34-BB77-4C1A-BDA1-F38583823F22}" dt="2024-09-21T13:14:47.246" v="25" actId="478"/>
+          <ac:picMkLst>
+            <pc:docMk/>
+            <pc:sldMk cId="4033875170" sldId="307"/>
+            <ac:picMk id="10" creationId="{2BDD68FB-13C6-865F-BB62-C8FF75EE4D85}"/>
+          </ac:picMkLst>
+        </pc:picChg>
+      </pc:sldChg>
+      <pc:sldChg chg="addSp delSp modSp mod">
+        <pc:chgData name="Anirban Banerjee (IN92657)" userId="b82f5010-943b-4dbb-9251-0075e403d9fa" providerId="ADAL" clId="{FDFC2E34-BB77-4C1A-BDA1-F38583823F22}" dt="2024-09-21T13:15:22.272" v="41" actId="14100"/>
+        <pc:sldMkLst>
+          <pc:docMk/>
+          <pc:sldMk cId="2649160870" sldId="308"/>
+        </pc:sldMkLst>
+        <pc:picChg chg="add mod">
+          <ac:chgData name="Anirban Banerjee (IN92657)" userId="b82f5010-943b-4dbb-9251-0075e403d9fa" providerId="ADAL" clId="{FDFC2E34-BB77-4C1A-BDA1-F38583823F22}" dt="2024-09-21T13:15:22.272" v="41" actId="14100"/>
+          <ac:picMkLst>
+            <pc:docMk/>
+            <pc:sldMk cId="2649160870" sldId="308"/>
+            <ac:picMk id="5" creationId="{E22674F4-3628-2FEB-F438-809B4A6C9B17}"/>
+          </ac:picMkLst>
+        </pc:picChg>
+        <pc:picChg chg="del">
+          <ac:chgData name="Anirban Banerjee (IN92657)" userId="b82f5010-943b-4dbb-9251-0075e403d9fa" providerId="ADAL" clId="{FDFC2E34-BB77-4C1A-BDA1-F38583823F22}" dt="2024-09-21T13:15:07.068" v="35" actId="478"/>
+          <ac:picMkLst>
+            <pc:docMk/>
+            <pc:sldMk cId="2649160870" sldId="308"/>
+            <ac:picMk id="7" creationId="{A9D9D5A1-003E-D40E-CF43-3171C948561C}"/>
+          </ac:picMkLst>
+        </pc:picChg>
+      </pc:sldChg>
+      <pc:sldChg chg="addSp delSp modSp mod">
+        <pc:chgData name="Anirban Banerjee (IN92657)" userId="b82f5010-943b-4dbb-9251-0075e403d9fa" providerId="ADAL" clId="{FDFC2E34-BB77-4C1A-BDA1-F38583823F22}" dt="2024-09-21T13:15:40.834" v="51" actId="27636"/>
+        <pc:sldMkLst>
+          <pc:docMk/>
+          <pc:sldMk cId="2264092822" sldId="309"/>
+        </pc:sldMkLst>
+        <pc:spChg chg="mod">
+          <ac:chgData name="Anirban Banerjee (IN92657)" userId="b82f5010-943b-4dbb-9251-0075e403d9fa" providerId="ADAL" clId="{FDFC2E34-BB77-4C1A-BDA1-F38583823F22}" dt="2024-09-21T13:15:40.834" v="51" actId="27636"/>
+          <ac:spMkLst>
+            <pc:docMk/>
+            <pc:sldMk cId="2264092822" sldId="309"/>
+            <ac:spMk id="4" creationId="{D0157036-1F41-7B05-C6B8-E7F5D95E6721}"/>
+          </ac:spMkLst>
+        </pc:spChg>
+        <pc:picChg chg="add mod">
+          <ac:chgData name="Anirban Banerjee (IN92657)" userId="b82f5010-943b-4dbb-9251-0075e403d9fa" providerId="ADAL" clId="{FDFC2E34-BB77-4C1A-BDA1-F38583823F22}" dt="2024-09-21T13:15:39.647" v="46" actId="27614"/>
+          <ac:picMkLst>
+            <pc:docMk/>
+            <pc:sldMk cId="2264092822" sldId="309"/>
+            <ac:picMk id="5" creationId="{92D9FFDF-A244-68B5-EC73-EC5BBDEC4EAC}"/>
+          </ac:picMkLst>
+        </pc:picChg>
+        <pc:picChg chg="del">
+          <ac:chgData name="Anirban Banerjee (IN92657)" userId="b82f5010-943b-4dbb-9251-0075e403d9fa" providerId="ADAL" clId="{FDFC2E34-BB77-4C1A-BDA1-F38583823F22}" dt="2024-09-21T13:15:25.674" v="42" actId="478"/>
+          <ac:picMkLst>
+            <pc:docMk/>
+            <pc:sldMk cId="2264092822" sldId="309"/>
+            <ac:picMk id="12" creationId="{4A524DB5-2751-8DA8-BA2B-7FE35917BA53}"/>
+          </ac:picMkLst>
+        </pc:picChg>
+      </pc:sldChg>
+      <pc:sldChg chg="addSp delSp modSp mod">
+        <pc:chgData name="Anirban Banerjee (IN92657)" userId="b82f5010-943b-4dbb-9251-0075e403d9fa" providerId="ADAL" clId="{FDFC2E34-BB77-4C1A-BDA1-F38583823F22}" dt="2024-09-21T13:16:01.767" v="59" actId="14100"/>
+        <pc:sldMkLst>
+          <pc:docMk/>
+          <pc:sldMk cId="2892154803" sldId="310"/>
+        </pc:sldMkLst>
+        <pc:picChg chg="add mod">
+          <ac:chgData name="Anirban Banerjee (IN92657)" userId="b82f5010-943b-4dbb-9251-0075e403d9fa" providerId="ADAL" clId="{FDFC2E34-BB77-4C1A-BDA1-F38583823F22}" dt="2024-09-21T13:16:01.767" v="59" actId="14100"/>
+          <ac:picMkLst>
+            <pc:docMk/>
+            <pc:sldMk cId="2892154803" sldId="310"/>
+            <ac:picMk id="5" creationId="{DBF72B1A-80FC-4762-AA74-3F4F3854D9F0}"/>
+          </ac:picMkLst>
+        </pc:picChg>
+        <pc:picChg chg="del">
+          <ac:chgData name="Anirban Banerjee (IN92657)" userId="b82f5010-943b-4dbb-9251-0075e403d9fa" providerId="ADAL" clId="{FDFC2E34-BB77-4C1A-BDA1-F38583823F22}" dt="2024-09-21T13:15:43.857" v="52" actId="478"/>
+          <ac:picMkLst>
+            <pc:docMk/>
+            <pc:sldMk cId="2892154803" sldId="310"/>
+            <ac:picMk id="7" creationId="{87C73837-4D69-2D75-FF85-9FA1FEAC22C7}"/>
+          </ac:picMkLst>
+        </pc:picChg>
       </pc:sldChg>
       <pc:sldChg chg="modSp mod">
         <pc:chgData name="Anirban Banerjee (IN92657)" userId="b82f5010-943b-4dbb-9251-0075e403d9fa" providerId="ADAL" clId="{FDFC2E34-BB77-4C1A-BDA1-F38583823F22}" dt="2024-09-20T08:25:14.632" v="0" actId="1076"/>
@@ -2782,7 +2943,7 @@
           <a:p>
             <a:fld id="{F352A77B-D33C-49B3-A83C-450AA2ED72B3}" type="datetimeFigureOut">
               <a:rPr lang="en-US" smtClean="0"/>
-              <a:t>9/20/2024</a:t>
+              <a:t>9/21/2024</a:t>
             </a:fld>
             <a:endParaRPr lang="en-US" dirty="0"/>
           </a:p>
@@ -2959,7 +3120,7 @@
           <a:p>
             <a:fld id="{E38D8F9A-F5CB-4EF8-A859-ED5E107B9763}" type="datetimeFigureOut">
               <a:rPr lang="en-US" smtClean="0"/>
-              <a:t>9/20/2024</a:t>
+              <a:t>9/21/2024</a:t>
             </a:fld>
             <a:endParaRPr lang="en-US" dirty="0"/>
           </a:p>
@@ -19041,7 +19202,7 @@
         <p:spPr>
           <a:xfrm>
             <a:off x="670559" y="1449613"/>
-            <a:ext cx="5795555" cy="411844"/>
+            <a:ext cx="6081223" cy="411844"/>
           </a:xfrm>
         </p:spPr>
         <p:txBody>
@@ -19083,7 +19244,7 @@
         </p:blipFill>
         <p:spPr>
           <a:xfrm>
-            <a:off x="616125" y="1793225"/>
+            <a:off x="878450" y="1793225"/>
             <a:ext cx="11106721" cy="1797142"/>
           </a:xfrm>
           <a:prstGeom prst="rect">
@@ -19113,7 +19274,7 @@
         </p:blipFill>
         <p:spPr>
           <a:xfrm>
-            <a:off x="616125" y="3556074"/>
+            <a:off x="897500" y="3697251"/>
             <a:ext cx="11068619" cy="2883048"/>
           </a:xfrm>
           <a:prstGeom prst="rect">
@@ -20013,36 +20174,6 @@
           </a:p>
         </p:txBody>
       </p:sp>
-      <p:pic>
-        <p:nvPicPr>
-          <p:cNvPr id="10" name="Picture 9">
-            <a:extLst>
-              <a:ext uri="{FF2B5EF4-FFF2-40B4-BE49-F238E27FC236}">
-                <a16:creationId xmlns:a16="http://schemas.microsoft.com/office/drawing/2014/main" id="{2BDD68FB-13C6-865F-BB62-C8FF75EE4D85}"/>
-              </a:ext>
-            </a:extLst>
-          </p:cNvPr>
-          <p:cNvPicPr>
-            <a:picLocks noChangeAspect="1"/>
-          </p:cNvPicPr>
-          <p:nvPr/>
-        </p:nvPicPr>
-        <p:blipFill>
-          <a:blip r:embed="rId2"/>
-          <a:stretch>
-            <a:fillRect/>
-          </a:stretch>
-        </p:blipFill>
-        <p:spPr>
-          <a:xfrm>
-            <a:off x="983787" y="2123525"/>
-            <a:ext cx="9967241" cy="4121950"/>
-          </a:xfrm>
-          <a:prstGeom prst="rect">
-            <a:avLst/>
-          </a:prstGeom>
-        </p:spPr>
-      </p:pic>
       <p:sp>
         <p:nvSpPr>
           <p:cNvPr id="11" name="Text Placeholder 7">
@@ -20257,6 +20388,36 @@
           </a:p>
         </p:txBody>
       </p:sp>
+      <p:pic>
+        <p:nvPicPr>
+          <p:cNvPr id="7" name="Picture 6" descr="A graph of different colored squares">
+            <a:extLst>
+              <a:ext uri="{FF2B5EF4-FFF2-40B4-BE49-F238E27FC236}">
+                <a16:creationId xmlns:a16="http://schemas.microsoft.com/office/drawing/2014/main" id="{3E942D58-EBB4-2E6C-8A07-60C8ABFE3F3D}"/>
+              </a:ext>
+            </a:extLst>
+          </p:cNvPr>
+          <p:cNvPicPr>
+            <a:picLocks noChangeAspect="1"/>
+          </p:cNvPicPr>
+          <p:nvPr/>
+        </p:nvPicPr>
+        <p:blipFill>
+          <a:blip r:embed="rId2"/>
+          <a:stretch>
+            <a:fillRect/>
+          </a:stretch>
+        </p:blipFill>
+        <p:spPr>
+          <a:xfrm>
+            <a:off x="1154545" y="2143680"/>
+            <a:ext cx="10199849" cy="2936320"/>
+          </a:xfrm>
+          <a:prstGeom prst="rect">
+            <a:avLst/>
+          </a:prstGeom>
+        </p:spPr>
+      </p:pic>
     </p:spTree>
     <p:extLst>
       <p:ext uri="{BB962C8B-B14F-4D97-AF65-F5344CB8AC3E}">
@@ -20459,36 +20620,6 @@
           </a:p>
         </p:txBody>
       </p:sp>
-      <p:pic>
-        <p:nvPicPr>
-          <p:cNvPr id="7" name="Picture 6">
-            <a:extLst>
-              <a:ext uri="{FF2B5EF4-FFF2-40B4-BE49-F238E27FC236}">
-                <a16:creationId xmlns:a16="http://schemas.microsoft.com/office/drawing/2014/main" id="{A9D9D5A1-003E-D40E-CF43-3171C948561C}"/>
-              </a:ext>
-            </a:extLst>
-          </p:cNvPr>
-          <p:cNvPicPr>
-            <a:picLocks noChangeAspect="1"/>
-          </p:cNvPicPr>
-          <p:nvPr/>
-        </p:nvPicPr>
-        <p:blipFill>
-          <a:blip r:embed="rId2"/>
-          <a:stretch>
-            <a:fillRect/>
-          </a:stretch>
-        </p:blipFill>
-        <p:spPr>
-          <a:xfrm>
-            <a:off x="720448" y="2233747"/>
-            <a:ext cx="10751103" cy="3587934"/>
-          </a:xfrm>
-          <a:prstGeom prst="rect">
-            <a:avLst/>
-          </a:prstGeom>
-        </p:spPr>
-      </p:pic>
       <p:sp>
         <p:nvSpPr>
           <p:cNvPr id="9" name="Text Placeholder 7">
@@ -20703,6 +20834,36 @@
           </a:p>
         </p:txBody>
       </p:sp>
+      <p:pic>
+        <p:nvPicPr>
+          <p:cNvPr id="5" name="Picture 4" descr="A graph of blue rectangles&#10;&#10;Description automatically generated">
+            <a:extLst>
+              <a:ext uri="{FF2B5EF4-FFF2-40B4-BE49-F238E27FC236}">
+                <a16:creationId xmlns:a16="http://schemas.microsoft.com/office/drawing/2014/main" id="{E22674F4-3628-2FEB-F438-809B4A6C9B17}"/>
+              </a:ext>
+            </a:extLst>
+          </p:cNvPr>
+          <p:cNvPicPr>
+            <a:picLocks noChangeAspect="1"/>
+          </p:cNvPicPr>
+          <p:nvPr/>
+        </p:nvPicPr>
+        <p:blipFill>
+          <a:blip r:embed="rId2"/>
+          <a:stretch>
+            <a:fillRect/>
+          </a:stretch>
+        </p:blipFill>
+        <p:spPr>
+          <a:xfrm>
+            <a:off x="923635" y="2147286"/>
+            <a:ext cx="10713271" cy="3219041"/>
+          </a:xfrm>
+          <a:prstGeom prst="rect">
+            <a:avLst/>
+          </a:prstGeom>
+        </p:spPr>
+      </p:pic>
     </p:spTree>
     <p:extLst>
       <p:ext uri="{BB962C8B-B14F-4D97-AF65-F5344CB8AC3E}">
@@ -20908,7 +21069,7 @@
                   <a:schemeClr val="tx1"/>
                 </a:solidFill>
               </a:rPr>
-              <a:t>Wordcloud</a:t>
+              <a:t>WordCloud</a:t>
             </a:r>
             <a:r>
               <a:rPr lang="en-US" sz="1800" b="1" dirty="0">
@@ -20921,36 +21082,6 @@
           </a:p>
         </p:txBody>
       </p:sp>
-      <p:pic>
-        <p:nvPicPr>
-          <p:cNvPr id="12" name="Picture 11">
-            <a:extLst>
-              <a:ext uri="{FF2B5EF4-FFF2-40B4-BE49-F238E27FC236}">
-                <a16:creationId xmlns:a16="http://schemas.microsoft.com/office/drawing/2014/main" id="{4A524DB5-2751-8DA8-BA2B-7FE35917BA53}"/>
-              </a:ext>
-            </a:extLst>
-          </p:cNvPr>
-          <p:cNvPicPr>
-            <a:picLocks noChangeAspect="1"/>
-          </p:cNvPicPr>
-          <p:nvPr/>
-        </p:nvPicPr>
-        <p:blipFill>
-          <a:blip r:embed="rId2"/>
-          <a:stretch>
-            <a:fillRect/>
-          </a:stretch>
-        </p:blipFill>
-        <p:spPr>
-          <a:xfrm>
-            <a:off x="881743" y="1823357"/>
-            <a:ext cx="9644743" cy="4334835"/>
-          </a:xfrm>
-          <a:prstGeom prst="rect">
-            <a:avLst/>
-          </a:prstGeom>
-        </p:spPr>
-      </p:pic>
       <p:sp>
         <p:nvSpPr>
           <p:cNvPr id="13" name="Text Placeholder 7">
@@ -21165,6 +21296,36 @@
           </a:p>
         </p:txBody>
       </p:sp>
+      <p:pic>
+        <p:nvPicPr>
+          <p:cNvPr id="5" name="Picture 4" descr="A close up of words&#10;&#10;Description automatically generated">
+            <a:extLst>
+              <a:ext uri="{FF2B5EF4-FFF2-40B4-BE49-F238E27FC236}">
+                <a16:creationId xmlns:a16="http://schemas.microsoft.com/office/drawing/2014/main" id="{92D9FFDF-A244-68B5-EC73-EC5BBDEC4EAC}"/>
+              </a:ext>
+            </a:extLst>
+          </p:cNvPr>
+          <p:cNvPicPr>
+            <a:picLocks noChangeAspect="1"/>
+          </p:cNvPicPr>
+          <p:nvPr/>
+        </p:nvPicPr>
+        <p:blipFill>
+          <a:blip r:embed="rId2"/>
+          <a:stretch>
+            <a:fillRect/>
+          </a:stretch>
+        </p:blipFill>
+        <p:spPr>
+          <a:xfrm>
+            <a:off x="880215" y="1896746"/>
+            <a:ext cx="9279785" cy="4479897"/>
+          </a:xfrm>
+          <a:prstGeom prst="rect">
+            <a:avLst/>
+          </a:prstGeom>
+        </p:spPr>
+      </p:pic>
     </p:spTree>
     <p:extLst>
       <p:ext uri="{BB962C8B-B14F-4D97-AF65-F5344CB8AC3E}">
@@ -21383,36 +21544,6 @@
           </a:p>
         </p:txBody>
       </p:sp>
-      <p:pic>
-        <p:nvPicPr>
-          <p:cNvPr id="7" name="Picture 6">
-            <a:extLst>
-              <a:ext uri="{FF2B5EF4-FFF2-40B4-BE49-F238E27FC236}">
-                <a16:creationId xmlns:a16="http://schemas.microsoft.com/office/drawing/2014/main" id="{87C73837-4D69-2D75-FF85-9FA1FEAC22C7}"/>
-              </a:ext>
-            </a:extLst>
-          </p:cNvPr>
-          <p:cNvPicPr>
-            <a:picLocks noChangeAspect="1"/>
-          </p:cNvPicPr>
-          <p:nvPr/>
-        </p:nvPicPr>
-        <p:blipFill>
-          <a:blip r:embed="rId2"/>
-          <a:stretch>
-            <a:fillRect/>
-          </a:stretch>
-        </p:blipFill>
-        <p:spPr>
-          <a:xfrm>
-            <a:off x="971286" y="2143855"/>
-            <a:ext cx="10249427" cy="3397425"/>
-          </a:xfrm>
-          <a:prstGeom prst="rect">
-            <a:avLst/>
-          </a:prstGeom>
-        </p:spPr>
-      </p:pic>
       <p:sp>
         <p:nvSpPr>
           <p:cNvPr id="9" name="Text Placeholder 7">
@@ -21627,6 +21758,36 @@
           </a:p>
         </p:txBody>
       </p:sp>
+      <p:pic>
+        <p:nvPicPr>
+          <p:cNvPr id="5" name="Picture 4" descr="A map of the united states&#10;&#10;Description automatically generated">
+            <a:extLst>
+              <a:ext uri="{FF2B5EF4-FFF2-40B4-BE49-F238E27FC236}">
+                <a16:creationId xmlns:a16="http://schemas.microsoft.com/office/drawing/2014/main" id="{DBF72B1A-80FC-4762-AA74-3F4F3854D9F0}"/>
+              </a:ext>
+            </a:extLst>
+          </p:cNvPr>
+          <p:cNvPicPr>
+            <a:picLocks noChangeAspect="1"/>
+          </p:cNvPicPr>
+          <p:nvPr/>
+        </p:nvPicPr>
+        <p:blipFill>
+          <a:blip r:embed="rId2"/>
+          <a:stretch>
+            <a:fillRect/>
+          </a:stretch>
+        </p:blipFill>
+        <p:spPr>
+          <a:xfrm>
+            <a:off x="973448" y="2012950"/>
+            <a:ext cx="10555843" cy="3279486"/>
+          </a:xfrm>
+          <a:prstGeom prst="rect">
+            <a:avLst/>
+          </a:prstGeom>
+        </p:spPr>
+      </p:pic>
     </p:spTree>
     <p:extLst>
       <p:ext uri="{BB962C8B-B14F-4D97-AF65-F5344CB8AC3E}">
@@ -25501,7 +25662,7 @@
                   <a:schemeClr val="tx1"/>
                 </a:solidFill>
               </a:rPr>
-              <a:t>Sentiment Analysis (Model - granite-13b-instruct-v)</a:t>
+              <a:t>Sentiment Analysis (Model - granite-13b-instruct-v2)</a:t>
             </a:r>
           </a:p>
         </p:txBody>
@@ -26891,15 +27052,6 @@
 </file>
 
 <file path=customXml/item2.xml><?xml version="1.0" encoding="utf-8"?>
-<?mso-contentType ?>
-<FormTemplates xmlns="http://schemas.microsoft.com/sharepoint/v3/contenttype/forms">
-  <Display>DocumentLibraryForm</Display>
-  <Edit>DocumentLibraryForm</Edit>
-  <New>DocumentLibraryForm</New>
-</FormTemplates>
-</file>
-
-<file path=customXml/item3.xml><?xml version="1.0" encoding="utf-8"?>
 <p:properties xmlns:p="http://schemas.microsoft.com/office/2006/metadata/properties" xmlns:xsi="http://www.w3.org/2001/XMLSchema-instance" xmlns:pc="http://schemas.microsoft.com/office/infopath/2007/PartnerControls">
   <documentManagement>
     <_ip_UnifiedCompliancePolicyUIAction xmlns="http://schemas.microsoft.com/sharepoint/v3" xsi:nil="true"/>
@@ -26917,6 +27069,15 @@
     <MediaServiceKeyPoints xmlns="71af3243-3dd4-4a8d-8c0d-dd76da1f02a5" xsi:nil="true"/>
   </documentManagement>
 </p:properties>
+</file>
+
+<file path=customXml/item3.xml><?xml version="1.0" encoding="utf-8"?>
+<?mso-contentType ?>
+<FormTemplates xmlns="http://schemas.microsoft.com/sharepoint/v3/contenttype/forms">
+  <Display>DocumentLibraryForm</Display>
+  <Edit>DocumentLibraryForm</Edit>
+  <New>DocumentLibraryForm</New>
+</FormTemplates>
 </file>
 
 <file path=customXml/itemProps1.xml><?xml version="1.0" encoding="utf-8"?>
@@ -26941,14 +27102,6 @@
 </file>
 
 <file path=customXml/itemProps2.xml><?xml version="1.0" encoding="utf-8"?>
-<ds:datastoreItem xmlns:ds="http://schemas.openxmlformats.org/officeDocument/2006/customXml" ds:itemID="{6966C46A-DC57-4209-80CD-9FE6C93151FF}">
-  <ds:schemaRefs>
-    <ds:schemaRef ds:uri="http://schemas.microsoft.com/sharepoint/v3/contenttype/forms"/>
-  </ds:schemaRefs>
-</ds:datastoreItem>
-</file>
-
-<file path=customXml/itemProps3.xml><?xml version="1.0" encoding="utf-8"?>
 <ds:datastoreItem xmlns:ds="http://schemas.openxmlformats.org/officeDocument/2006/customXml" ds:itemID="{BEFFFA3F-0FB5-4ED3-8906-A15B16577F44}">
   <ds:schemaRefs>
     <ds:schemaRef ds:uri="http://schemas.microsoft.com/office/2006/metadata/properties"/>
@@ -26960,6 +27113,14 @@
 </ds:datastoreItem>
 </file>
 
+<file path=customXml/itemProps3.xml><?xml version="1.0" encoding="utf-8"?>
+<ds:datastoreItem xmlns:ds="http://schemas.openxmlformats.org/officeDocument/2006/customXml" ds:itemID="{6966C46A-DC57-4209-80CD-9FE6C93151FF}">
+  <ds:schemaRefs>
+    <ds:schemaRef ds:uri="http://schemas.microsoft.com/sharepoint/v3/contenttype/forms"/>
+  </ds:schemaRefs>
+</ds:datastoreItem>
+</file>
+
 <file path=docMetadata/LabelInfo.xml><?xml version="1.0" encoding="utf-8"?>
 <clbl:labelList xmlns:clbl="http://schemas.microsoft.com/office/2020/mipLabelMetadata"/>
 </file>